--- a/Python/Session2/PPT/Python_Fundamentals(Notes).pptx
+++ b/Python/Session2/PPT/Python_Fundamentals(Notes).pptx
@@ -5,21 +5,23 @@
     <p:sldMasterId id="2147483660" r:id="rId4"/>
   </p:sldMasterIdLst>
   <p:notesMasterIdLst>
-    <p:notesMasterId r:id="rId14"/>
+    <p:notesMasterId r:id="rId16"/>
   </p:notesMasterIdLst>
   <p:handoutMasterIdLst>
-    <p:handoutMasterId r:id="rId15"/>
+    <p:handoutMasterId r:id="rId17"/>
   </p:handoutMasterIdLst>
   <p:sldIdLst>
     <p:sldId id="264" r:id="rId5"/>
     <p:sldId id="282" r:id="rId6"/>
     <p:sldId id="276" r:id="rId7"/>
     <p:sldId id="283" r:id="rId8"/>
-    <p:sldId id="286" r:id="rId9"/>
-    <p:sldId id="288" r:id="rId10"/>
-    <p:sldId id="287" r:id="rId11"/>
-    <p:sldId id="285" r:id="rId12"/>
-    <p:sldId id="284" r:id="rId13"/>
+    <p:sldId id="290" r:id="rId9"/>
+    <p:sldId id="284" r:id="rId10"/>
+    <p:sldId id="286" r:id="rId11"/>
+    <p:sldId id="287" r:id="rId12"/>
+    <p:sldId id="288" r:id="rId13"/>
+    <p:sldId id="289" r:id="rId14"/>
+    <p:sldId id="285" r:id="rId15"/>
   </p:sldIdLst>
   <p:sldSz cx="12188825" cy="6858000"/>
   <p:notesSz cx="6858000" cy="9144000"/>
@@ -241,7 +243,7 @@
                   <a:schemeClr val="tx2"/>
                 </a:solidFill>
               </a:rPr>
-              <a:t>7/25/2018</a:t>
+              <a:t>7/29/2018</a:t>
             </a:fld>
             <a:endParaRPr>
               <a:solidFill>
@@ -431,7 +433,7 @@
             <a:fld id="{F95CF31C-F757-429C-A789-86504F04C3BE}" type="datetimeFigureOut">
               <a:rPr lang="en-US"/>
               <a:pPr/>
-              <a:t>7/25/2018</a:t>
+              <a:t>7/29/2018</a:t>
             </a:fld>
             <a:endParaRPr/>
           </a:p>
@@ -1026,7 +1028,7 @@
           <a:p>
             <a:fld id="{7AECB6C2-1084-4AED-A74A-DF028B0094EA}" type="datetimeFigureOut">
               <a:rPr lang="en-US"/>
-              <a:t>7/25/2018</a:t>
+              <a:t>7/29/2018</a:t>
             </a:fld>
             <a:endParaRPr/>
           </a:p>
@@ -1218,7 +1220,7 @@
           <a:p>
             <a:fld id="{7AECB6C2-1084-4AED-A74A-DF028B0094EA}" type="datetimeFigureOut">
               <a:rPr lang="en-US"/>
-              <a:t>7/25/2018</a:t>
+              <a:t>7/29/2018</a:t>
             </a:fld>
             <a:endParaRPr/>
           </a:p>
@@ -1416,7 +1418,7 @@
           <a:p>
             <a:fld id="{8B5A30F4-0B4E-4E4B-BC36-C30CD13F4E17}" type="datetimeFigureOut">
               <a:rPr lang="en-US"/>
-              <a:t>7/25/2018</a:t>
+              <a:t>7/29/2018</a:t>
             </a:fld>
             <a:endParaRPr dirty="0"/>
           </a:p>
@@ -1933,7 +1935,7 @@
           <a:p>
             <a:fld id="{2DD204D1-F9BD-4643-8480-6EA41EB484F1}" type="datetimeFigureOut">
               <a:rPr lang="en-US"/>
-              <a:t>7/25/2018</a:t>
+              <a:t>7/29/2018</a:t>
             </a:fld>
             <a:endParaRPr/>
           </a:p>
@@ -2381,7 +2383,7 @@
           <a:p>
             <a:fld id="{2DD204D1-F9BD-4643-8480-6EA41EB484F1}" type="datetimeFigureOut">
               <a:rPr lang="en-US"/>
-              <a:t>7/25/2018</a:t>
+              <a:t>7/29/2018</a:t>
             </a:fld>
             <a:endParaRPr/>
           </a:p>
@@ -2511,7 +2513,7 @@
           <a:p>
             <a:fld id="{2DD204D1-F9BD-4643-8480-6EA41EB484F1}" type="datetimeFigureOut">
               <a:rPr lang="en-US"/>
-              <a:t>7/25/2018</a:t>
+              <a:t>7/29/2018</a:t>
             </a:fld>
             <a:endParaRPr/>
           </a:p>
@@ -2618,7 +2620,7 @@
           <a:p>
             <a:fld id="{2DD204D1-F9BD-4643-8480-6EA41EB484F1}" type="datetimeFigureOut">
               <a:rPr lang="en-US"/>
-              <a:t>7/25/2018</a:t>
+              <a:t>7/29/2018</a:t>
             </a:fld>
             <a:endParaRPr/>
           </a:p>
@@ -2975,7 +2977,7 @@
           <a:p>
             <a:fld id="{126BF754-515F-40B9-8D24-D54D5825B3D0}" type="datetimeFigureOut">
               <a:rPr lang="en-US"/>
-              <a:t>7/25/2018</a:t>
+              <a:t>7/29/2018</a:t>
             </a:fld>
             <a:endParaRPr/>
           </a:p>
@@ -3312,7 +3314,7 @@
           <a:p>
             <a:fld id="{126BF754-515F-40B9-8D24-D54D5825B3D0}" type="datetimeFigureOut">
               <a:rPr lang="en-US"/>
-              <a:t>7/25/2018</a:t>
+              <a:t>7/29/2018</a:t>
             </a:fld>
             <a:endParaRPr/>
           </a:p>
@@ -3607,7 +3609,7 @@
             <a:fld id="{2DD204D1-F9BD-4643-8480-6EA41EB484F1}" type="datetimeFigureOut">
               <a:rPr lang="en-US" smtClean="0"/>
               <a:pPr/>
-              <a:t>7/25/2018</a:t>
+              <a:t>7/29/2018</a:t>
             </a:fld>
             <a:endParaRPr lang="en-US"/>
           </a:p>
@@ -4122,6 +4124,343 @@
 </p:sld>
 </file>
 
+<file path=ppt/slides/slide10.xml><?xml version="1.0" encoding="utf-8"?>
+<p:sld xmlns:a="http://schemas.openxmlformats.org/drawingml/2006/main" xmlns:r="http://schemas.openxmlformats.org/officeDocument/2006/relationships" xmlns:p="http://schemas.openxmlformats.org/presentationml/2006/main">
+  <p:cSld>
+    <p:spTree>
+      <p:nvGrpSpPr>
+        <p:cNvPr id="1" name=""/>
+        <p:cNvGrpSpPr/>
+        <p:nvPr/>
+      </p:nvGrpSpPr>
+      <p:grpSpPr>
+        <a:xfrm>
+          <a:off x="0" y="0"/>
+          <a:ext cx="0" cy="0"/>
+          <a:chOff x="0" y="0"/>
+          <a:chExt cx="0" cy="0"/>
+        </a:xfrm>
+      </p:grpSpPr>
+      <p:sp>
+        <p:nvSpPr>
+          <p:cNvPr id="2" name="Title 1">
+            <a:extLst>
+              <a:ext uri="{FF2B5EF4-FFF2-40B4-BE49-F238E27FC236}">
+                <a16:creationId xmlns:a16="http://schemas.microsoft.com/office/drawing/2014/main" id="{05217FA7-7A78-4198-A2F0-3A343C70A87B}"/>
+              </a:ext>
+            </a:extLst>
+          </p:cNvPr>
+          <p:cNvSpPr>
+            <a:spLocks noGrp="1"/>
+          </p:cNvSpPr>
+          <p:nvPr>
+            <p:ph type="title"/>
+          </p:nvPr>
+        </p:nvSpPr>
+        <p:spPr/>
+        <p:txBody>
+          <a:bodyPr/>
+          <a:lstStyle/>
+          <a:p>
+            <a:r>
+              <a:rPr lang="en-US" dirty="0"/>
+              <a:t>4.a.vii Bitwise Operator</a:t>
+            </a:r>
+          </a:p>
+        </p:txBody>
+      </p:sp>
+      <p:sp>
+        <p:nvSpPr>
+          <p:cNvPr id="3" name="Content Placeholder 2">
+            <a:extLst>
+              <a:ext uri="{FF2B5EF4-FFF2-40B4-BE49-F238E27FC236}">
+                <a16:creationId xmlns:a16="http://schemas.microsoft.com/office/drawing/2014/main" id="{D41755D1-FB66-4EA2-A80A-7691FA364545}"/>
+              </a:ext>
+            </a:extLst>
+          </p:cNvPr>
+          <p:cNvSpPr>
+            <a:spLocks noGrp="1"/>
+          </p:cNvSpPr>
+          <p:nvPr>
+            <p:ph idx="1"/>
+          </p:nvPr>
+        </p:nvSpPr>
+        <p:spPr/>
+        <p:txBody>
+          <a:bodyPr>
+            <a:normAutofit fontScale="92500" lnSpcReduction="10000"/>
+          </a:bodyPr>
+          <a:lstStyle/>
+          <a:p>
+            <a:pPr marL="0" indent="0">
+              <a:buNone/>
+            </a:pPr>
+            <a:r>
+              <a:rPr lang="en-US" b="1" dirty="0"/>
+              <a:t>Operator	</a:t>
+            </a:r>
+          </a:p>
+          <a:p>
+            <a:pPr marL="0" indent="0">
+              <a:buNone/>
+            </a:pPr>
+            <a:r>
+              <a:rPr lang="en-US" sz="2200" dirty="0"/>
+              <a:t>Complement 	~  ( tilde )</a:t>
+            </a:r>
+          </a:p>
+          <a:p>
+            <a:pPr marL="0" indent="0">
+              <a:buNone/>
+            </a:pPr>
+            <a:r>
+              <a:rPr lang="en-US" sz="2200" dirty="0"/>
+              <a:t>AND		&amp;</a:t>
+            </a:r>
+          </a:p>
+          <a:p>
+            <a:pPr marL="0" indent="0">
+              <a:buNone/>
+            </a:pPr>
+            <a:r>
+              <a:rPr lang="en-US" sz="2200" dirty="0"/>
+              <a:t>OR		|</a:t>
+            </a:r>
+          </a:p>
+          <a:p>
+            <a:pPr marL="0" indent="0">
+              <a:buNone/>
+            </a:pPr>
+            <a:r>
+              <a:rPr lang="en-US" sz="2200" dirty="0"/>
+              <a:t>XOR		^  ( cap )</a:t>
+            </a:r>
+          </a:p>
+          <a:p>
+            <a:pPr marL="0" indent="0">
+              <a:buNone/>
+            </a:pPr>
+            <a:r>
+              <a:rPr lang="en-US" sz="2200" dirty="0"/>
+              <a:t>NOT		not x</a:t>
+            </a:r>
+          </a:p>
+          <a:p>
+            <a:pPr marL="0" indent="0">
+              <a:buNone/>
+            </a:pPr>
+            <a:r>
+              <a:rPr lang="en-US" sz="2200" dirty="0"/>
+              <a:t>Left shift		&lt;&lt;</a:t>
+            </a:r>
+          </a:p>
+          <a:p>
+            <a:pPr marL="0" indent="0">
+              <a:buNone/>
+            </a:pPr>
+            <a:r>
+              <a:rPr lang="en-US" sz="2200" dirty="0"/>
+              <a:t>Right Shift 	&gt;&gt;</a:t>
+            </a:r>
+            <a:r>
+              <a:rPr lang="en-US" dirty="0"/>
+              <a:t>	           </a:t>
+            </a:r>
+          </a:p>
+          <a:p>
+            <a:pPr marL="0" indent="0">
+              <a:buNone/>
+            </a:pPr>
+            <a:r>
+              <a:rPr lang="en-US" dirty="0"/>
+              <a:t>	</a:t>
+            </a:r>
+          </a:p>
+        </p:txBody>
+      </p:sp>
+    </p:spTree>
+    <p:extLst>
+      <p:ext uri="{BB962C8B-B14F-4D97-AF65-F5344CB8AC3E}">
+        <p14:creationId xmlns:p14="http://schemas.microsoft.com/office/powerpoint/2010/main" val="3201880600"/>
+      </p:ext>
+    </p:extLst>
+  </p:cSld>
+  <p:clrMapOvr>
+    <a:masterClrMapping/>
+  </p:clrMapOvr>
+  <mc:AlternateContent xmlns:mc="http://schemas.openxmlformats.org/markup-compatibility/2006" xmlns:p14="http://schemas.microsoft.com/office/powerpoint/2010/main">
+    <mc:Choice Requires="p14">
+      <p:transition spd="med" p14:dur="700">
+        <p:fade/>
+      </p:transition>
+    </mc:Choice>
+    <mc:Fallback xmlns="">
+      <p:transition spd="med">
+        <p:fade/>
+      </p:transition>
+    </mc:Fallback>
+  </mc:AlternateContent>
+</p:sld>
+</file>
+
+<file path=ppt/slides/slide11.xml><?xml version="1.0" encoding="utf-8"?>
+<p:sld xmlns:a="http://schemas.openxmlformats.org/drawingml/2006/main" xmlns:r="http://schemas.openxmlformats.org/officeDocument/2006/relationships" xmlns:p="http://schemas.openxmlformats.org/presentationml/2006/main">
+  <p:cSld>
+    <p:spTree>
+      <p:nvGrpSpPr>
+        <p:cNvPr id="1" name=""/>
+        <p:cNvGrpSpPr/>
+        <p:nvPr/>
+      </p:nvGrpSpPr>
+      <p:grpSpPr>
+        <a:xfrm>
+          <a:off x="0" y="0"/>
+          <a:ext cx="0" cy="0"/>
+          <a:chOff x="0" y="0"/>
+          <a:chExt cx="0" cy="0"/>
+        </a:xfrm>
+      </p:grpSpPr>
+      <p:sp>
+        <p:nvSpPr>
+          <p:cNvPr id="2" name="Title 1">
+            <a:extLst>
+              <a:ext uri="{FF2B5EF4-FFF2-40B4-BE49-F238E27FC236}">
+                <a16:creationId xmlns:a16="http://schemas.microsoft.com/office/drawing/2014/main" id="{82EC5575-680E-4564-88BA-793489A9FE36}"/>
+              </a:ext>
+            </a:extLst>
+          </p:cNvPr>
+          <p:cNvSpPr>
+            <a:spLocks noGrp="1"/>
+          </p:cNvSpPr>
+          <p:nvPr>
+            <p:ph type="title"/>
+          </p:nvPr>
+        </p:nvSpPr>
+        <p:spPr/>
+        <p:txBody>
+          <a:bodyPr/>
+          <a:lstStyle/>
+          <a:p>
+            <a:r>
+              <a:rPr lang="en-US" dirty="0"/>
+              <a:t>4.b Operator Precedence</a:t>
+            </a:r>
+          </a:p>
+        </p:txBody>
+      </p:sp>
+      <p:sp>
+        <p:nvSpPr>
+          <p:cNvPr id="3" name="Content Placeholder 2">
+            <a:extLst>
+              <a:ext uri="{FF2B5EF4-FFF2-40B4-BE49-F238E27FC236}">
+                <a16:creationId xmlns:a16="http://schemas.microsoft.com/office/drawing/2014/main" id="{2D26D3FA-7DB3-4749-BE83-4BBB4F114AB3}"/>
+              </a:ext>
+            </a:extLst>
+          </p:cNvPr>
+          <p:cNvSpPr>
+            <a:spLocks noGrp="1"/>
+          </p:cNvSpPr>
+          <p:nvPr>
+            <p:ph idx="1"/>
+          </p:nvPr>
+        </p:nvSpPr>
+        <p:spPr/>
+        <p:txBody>
+          <a:bodyPr>
+            <a:normAutofit/>
+          </a:bodyPr>
+          <a:lstStyle/>
+          <a:p>
+            <a:r>
+              <a:rPr lang="en-US" dirty="0"/>
+              <a:t>1. First parentheses are evaluated. </a:t>
+            </a:r>
+          </a:p>
+          <a:p>
+            <a:r>
+              <a:rPr lang="en-US" dirty="0"/>
+              <a:t>2. Exponentiation is done next. </a:t>
+            </a:r>
+          </a:p>
+          <a:p>
+            <a:r>
+              <a:rPr lang="en-US" dirty="0"/>
+              <a:t>3. Multiplication, division, modulus and floor divisions are at equal priority. </a:t>
+            </a:r>
+          </a:p>
+          <a:p>
+            <a:r>
+              <a:rPr lang="en-US" dirty="0"/>
+              <a:t>4. Addition and subtraction are done afterwards. </a:t>
+            </a:r>
+          </a:p>
+          <a:p>
+            <a:r>
+              <a:rPr lang="en-US" dirty="0"/>
+              <a:t>5. Finally, assignment operation is performed.</a:t>
+            </a:r>
+          </a:p>
+          <a:p>
+            <a:pPr marL="0" indent="0">
+              <a:buNone/>
+            </a:pPr>
+            <a:r>
+              <a:rPr lang="en-US" dirty="0"/>
+              <a:t>Example: x = 1, y = 2, z = 3, a = 2, b = 2, c = 3</a:t>
+            </a:r>
+          </a:p>
+          <a:p>
+            <a:pPr marL="0" indent="0">
+              <a:buNone/>
+            </a:pPr>
+            <a:r>
+              <a:rPr lang="en-US" dirty="0"/>
+              <a:t>		d = (</a:t>
+            </a:r>
+            <a:r>
+              <a:rPr lang="en-US" dirty="0" err="1"/>
+              <a:t>x+y</a:t>
+            </a:r>
+            <a:r>
+              <a:rPr lang="en-US" dirty="0"/>
+              <a:t>) * z**a//</a:t>
+            </a:r>
+            <a:r>
+              <a:rPr lang="en-US" dirty="0" err="1"/>
+              <a:t>b+c</a:t>
+            </a:r>
+            <a:endParaRPr lang="en-US" dirty="0"/>
+          </a:p>
+          <a:p>
+            <a:endParaRPr lang="en-US" dirty="0"/>
+          </a:p>
+        </p:txBody>
+      </p:sp>
+    </p:spTree>
+    <p:extLst>
+      <p:ext uri="{BB962C8B-B14F-4D97-AF65-F5344CB8AC3E}">
+        <p14:creationId xmlns:p14="http://schemas.microsoft.com/office/powerpoint/2010/main" val="2886380229"/>
+      </p:ext>
+    </p:extLst>
+  </p:cSld>
+  <p:clrMapOvr>
+    <a:masterClrMapping/>
+  </p:clrMapOvr>
+  <mc:AlternateContent xmlns:mc="http://schemas.openxmlformats.org/markup-compatibility/2006" xmlns:p14="http://schemas.microsoft.com/office/powerpoint/2010/main">
+    <mc:Choice Requires="p14">
+      <p:transition spd="med" p14:dur="700">
+        <p:fade/>
+      </p:transition>
+    </mc:Choice>
+    <mc:Fallback xmlns="">
+      <p:transition spd="med">
+        <p:fade/>
+      </p:transition>
+    </mc:Fallback>
+  </mc:AlternateContent>
+</p:sld>
+</file>
+
 <file path=ppt/slides/slide2.xml><?xml version="1.0" encoding="utf-8"?>
 <p:sld xmlns:a="http://schemas.openxmlformats.org/drawingml/2006/main" xmlns:r="http://schemas.openxmlformats.org/officeDocument/2006/relationships" xmlns:p="http://schemas.openxmlformats.org/presentationml/2006/main">
   <p:cSld>
@@ -4670,13 +5009,7 @@
       </p:grpSpPr>
       <p:sp>
         <p:nvSpPr>
-          <p:cNvPr id="2" name="Title 1">
-            <a:extLst>
-              <a:ext uri="{FF2B5EF4-FFF2-40B4-BE49-F238E27FC236}">
-                <a16:creationId xmlns:a16="http://schemas.microsoft.com/office/drawing/2014/main" id="{A23EE193-128F-4CC2-90F5-547E5EC46129}"/>
-              </a:ext>
-            </a:extLst>
-          </p:cNvPr>
+          <p:cNvPr id="13" name="Title 12"/>
           <p:cNvSpPr>
             <a:spLocks noGrp="1"/>
           </p:cNvSpPr>
@@ -4691,20 +5024,14 @@
           <a:p>
             <a:r>
               <a:rPr lang="en-US" dirty="0"/>
-              <a:t>4.a.ii Assignment Operator		</a:t>
-            </a:r>
-          </a:p>
-        </p:txBody>
-      </p:sp>
-      <p:sp>
-        <p:nvSpPr>
-          <p:cNvPr id="3" name="Content Placeholder 2">
-            <a:extLst>
-              <a:ext uri="{FF2B5EF4-FFF2-40B4-BE49-F238E27FC236}">
-                <a16:creationId xmlns:a16="http://schemas.microsoft.com/office/drawing/2014/main" id="{665401CA-E27D-4281-A830-ED413723F316}"/>
-              </a:ext>
-            </a:extLst>
-          </p:cNvPr>
+              <a:t> CONT..</a:t>
+            </a:r>
+          </a:p>
+        </p:txBody>
+      </p:sp>
+      <p:sp>
+        <p:nvSpPr>
+          <p:cNvPr id="14" name="Content Placeholder 13"/>
           <p:cNvSpPr>
             <a:spLocks noGrp="1"/>
           </p:cNvSpPr>
@@ -4714,104 +5041,26 @@
         </p:nvSpPr>
         <p:spPr/>
         <p:txBody>
-          <a:bodyPr/>
+          <a:bodyPr>
+            <a:normAutofit/>
+          </a:bodyPr>
           <a:lstStyle/>
           <a:p>
             <a:pPr marL="426645" lvl="1" indent="0">
               <a:buNone/>
             </a:pPr>
             <a:r>
-              <a:rPr lang="en-US" dirty="0"/>
-              <a:t>Operator	Example 	</a:t>
-            </a:r>
-          </a:p>
-          <a:p>
-            <a:pPr marL="426645" lvl="1" indent="0">
-              <a:buNone/>
-            </a:pPr>
-            <a:r>
-              <a:rPr lang="en-US" dirty="0"/>
-              <a:t>=		z = x + y</a:t>
-            </a:r>
-          </a:p>
-          <a:p>
-            <a:pPr marL="426645" lvl="1" indent="0">
-              <a:buNone/>
-            </a:pPr>
-            <a:r>
-              <a:rPr lang="en-US" dirty="0"/>
-              <a:t>+=		z+=y</a:t>
-            </a:r>
-          </a:p>
-          <a:p>
-            <a:pPr marL="426645" lvl="1" indent="0">
-              <a:buNone/>
-            </a:pPr>
-            <a:r>
-              <a:rPr lang="en-US" dirty="0"/>
-              <a:t>-=		z-=y</a:t>
-            </a:r>
-          </a:p>
-          <a:p>
-            <a:pPr marL="426645" lvl="1" indent="0">
-              <a:buNone/>
-            </a:pPr>
-            <a:r>
-              <a:rPr lang="en-US" dirty="0"/>
-              <a:t>*=		z*=x</a:t>
-            </a:r>
-          </a:p>
-          <a:p>
-            <a:pPr marL="426645" lvl="1" indent="0">
-              <a:buNone/>
-            </a:pPr>
-            <a:r>
-              <a:rPr lang="en-US" dirty="0"/>
-              <a:t>/=		z/=x</a:t>
-            </a:r>
-          </a:p>
-          <a:p>
-            <a:pPr marL="426645" lvl="1" indent="0">
-              <a:buNone/>
-            </a:pPr>
-            <a:r>
-              <a:rPr lang="en-US" dirty="0"/>
-              <a:t>%=		z%=x</a:t>
-            </a:r>
-          </a:p>
-          <a:p>
-            <a:pPr marL="426645" lvl="1" indent="0">
-              <a:buNone/>
-            </a:pPr>
-            <a:r>
-              <a:rPr lang="en-US" dirty="0"/>
-              <a:t>**=		z**=y</a:t>
-            </a:r>
-          </a:p>
-          <a:p>
-            <a:pPr marL="426645" lvl="1" indent="0">
-              <a:buNone/>
-            </a:pPr>
-            <a:r>
-              <a:rPr lang="en-US" dirty="0"/>
-              <a:t>//=		z//=y</a:t>
-            </a:r>
-          </a:p>
-          <a:p>
-            <a:pPr marL="426645" lvl="1" indent="0">
-              <a:buNone/>
-            </a:pPr>
-            <a:r>
-              <a:rPr lang="en-US" dirty="0"/>
-              <a:t>Exercise: Try by taking one example.</a:t>
-            </a:r>
+              <a:rPr lang="en-US" sz="2200" dirty="0"/>
+              <a:t>7. Small Project.</a:t>
+            </a:r>
+            <a:endParaRPr lang="en-US" dirty="0"/>
           </a:p>
         </p:txBody>
       </p:sp>
     </p:spTree>
     <p:extLst>
       <p:ext uri="{BB962C8B-B14F-4D97-AF65-F5344CB8AC3E}">
-        <p14:creationId xmlns:p14="http://schemas.microsoft.com/office/powerpoint/2010/main" val="3283830827"/>
+        <p14:creationId xmlns:p14="http://schemas.microsoft.com/office/powerpoint/2010/main" val="1531493889"/>
       </p:ext>
     </p:extLst>
   </p:cSld>
@@ -4855,7 +5104,7 @@
           <p:cNvPr id="2" name="Title 1">
             <a:extLst>
               <a:ext uri="{FF2B5EF4-FFF2-40B4-BE49-F238E27FC236}">
-                <a16:creationId xmlns:a16="http://schemas.microsoft.com/office/drawing/2014/main" id="{05217FA7-7A78-4198-A2F0-3A343C70A87B}"/>
+                <a16:creationId xmlns:a16="http://schemas.microsoft.com/office/drawing/2014/main" id="{2A6BA3E0-DCC7-4CBA-A015-9C4981D8E29B}"/>
               </a:ext>
             </a:extLst>
           </p:cNvPr>
@@ -4873,7 +5122,7 @@
           <a:p>
             <a:r>
               <a:rPr lang="en-US" dirty="0"/>
-              <a:t>4.a.ii Logical Operator</a:t>
+              <a:t>Q&amp;A and Conclusion </a:t>
             </a:r>
           </a:p>
         </p:txBody>
@@ -4883,7 +5132,7 @@
           <p:cNvPr id="3" name="Content Placeholder 2">
             <a:extLst>
               <a:ext uri="{FF2B5EF4-FFF2-40B4-BE49-F238E27FC236}">
-                <a16:creationId xmlns:a16="http://schemas.microsoft.com/office/drawing/2014/main" id="{D41755D1-FB66-4EA2-A80A-7691FA364545}"/>
+                <a16:creationId xmlns:a16="http://schemas.microsoft.com/office/drawing/2014/main" id="{03F687DB-3A4B-49A8-A7DE-8F4BBA5D9CF7}"/>
               </a:ext>
             </a:extLst>
           </p:cNvPr>
@@ -4899,48 +5148,25 @@
           <a:bodyPr/>
           <a:lstStyle/>
           <a:p>
+            <a:endParaRPr lang="en-US" dirty="0"/>
+          </a:p>
+          <a:p>
+            <a:endParaRPr lang="en-US" dirty="0"/>
+          </a:p>
+          <a:p>
+            <a:endParaRPr lang="en-US" dirty="0"/>
+          </a:p>
+          <a:p>
+            <a:pPr lvl="1"/>
+            <a:endParaRPr lang="en-US" dirty="0"/>
+          </a:p>
+          <a:p>
             <a:pPr marL="0" indent="0">
               <a:buNone/>
             </a:pPr>
             <a:r>
-              <a:rPr lang="en-US" b="1" dirty="0"/>
-              <a:t>Operator	Example	Result</a:t>
-            </a:r>
-          </a:p>
-          <a:p>
-            <a:pPr marL="0" indent="0">
-              <a:buNone/>
-            </a:pPr>
-            <a:r>
               <a:rPr lang="en-US" dirty="0"/>
-              <a:t>and		x and y	         Return ‘x’ if ‘x’ is False, y otherwise</a:t>
-            </a:r>
-          </a:p>
-          <a:p>
-            <a:pPr marL="0" indent="0">
-              <a:buNone/>
-            </a:pPr>
-            <a:r>
-              <a:rPr lang="en-US" dirty="0"/>
-              <a:t>or		x or y	         Return ‘y’ if ‘x’ is False, x otherwise</a:t>
-            </a:r>
-          </a:p>
-          <a:p>
-            <a:pPr marL="0" indent="0">
-              <a:buNone/>
-            </a:pPr>
-            <a:r>
-              <a:rPr lang="en-US" dirty="0"/>
-              <a:t>not		not x	         Return ‘True’ if ‘x’ is false , True   </a:t>
-            </a:r>
-          </a:p>
-          <a:p>
-            <a:pPr marL="0" indent="0">
-              <a:buNone/>
-            </a:pPr>
-            <a:r>
-              <a:rPr lang="en-US" dirty="0"/>
-              <a:t>                                                     otherwise					</a:t>
+              <a:t>			</a:t>
             </a:r>
           </a:p>
         </p:txBody>
@@ -4948,7 +5174,7 @@
     </p:spTree>
     <p:extLst>
       <p:ext uri="{BB962C8B-B14F-4D97-AF65-F5344CB8AC3E}">
-        <p14:creationId xmlns:p14="http://schemas.microsoft.com/office/powerpoint/2010/main" val="886273382"/>
+        <p14:creationId xmlns:p14="http://schemas.microsoft.com/office/powerpoint/2010/main" val="3404059943"/>
       </p:ext>
     </p:extLst>
   </p:cSld>
@@ -5010,7 +5236,7 @@
           <a:p>
             <a:r>
               <a:rPr lang="en-US" dirty="0"/>
-              <a:t>4.a.iv Relational Operator		</a:t>
+              <a:t>4.a.ii Assignment Operator		</a:t>
             </a:r>
           </a:p>
         </p:txBody>
@@ -5031,16 +5257,9 @@
             <p:ph idx="1"/>
           </p:nvPr>
         </p:nvSpPr>
-        <p:spPr>
-          <a:xfrm>
-            <a:off x="1117309" y="1701800"/>
-            <a:ext cx="10157354" cy="4927600"/>
-          </a:xfrm>
-        </p:spPr>
-        <p:txBody>
-          <a:bodyPr>
-            <a:normAutofit/>
-          </a:bodyPr>
+        <p:spPr/>
+        <p:txBody>
+          <a:bodyPr/>
           <a:lstStyle/>
           <a:p>
             <a:pPr marL="426645" lvl="1" indent="0">
@@ -5048,7 +5267,11 @@
             </a:pPr>
             <a:r>
               <a:rPr lang="en-US" sz="2400" b="1" dirty="0"/>
-              <a:t>Operator	Example 	Result</a:t>
+              <a:t>Operator	Example </a:t>
+            </a:r>
+            <a:r>
+              <a:rPr lang="en-US" dirty="0"/>
+              <a:t>	</a:t>
             </a:r>
           </a:p>
           <a:p>
@@ -5057,7 +5280,7 @@
             </a:pPr>
             <a:r>
               <a:rPr lang="en-US" dirty="0"/>
-              <a:t>&gt;		a &gt; b		True/False</a:t>
+              <a:t>=		z = x + y</a:t>
             </a:r>
           </a:p>
           <a:p>
@@ -5066,7 +5289,7 @@
             </a:pPr>
             <a:r>
               <a:rPr lang="en-US" dirty="0"/>
-              <a:t>&gt;=		a &gt;=b 		True/False</a:t>
+              <a:t>+=		z+=y</a:t>
             </a:r>
           </a:p>
           <a:p>
@@ -5075,7 +5298,7 @@
             </a:pPr>
             <a:r>
               <a:rPr lang="en-US" dirty="0"/>
-              <a:t>&lt;		a &lt; b		True/False</a:t>
+              <a:t>-=		z-=y</a:t>
             </a:r>
           </a:p>
           <a:p>
@@ -5084,7 +5307,7 @@
             </a:pPr>
             <a:r>
               <a:rPr lang="en-US" dirty="0"/>
-              <a:t>&lt;=		a &lt;= b		True/False</a:t>
+              <a:t>*=		z*=x</a:t>
             </a:r>
           </a:p>
           <a:p>
@@ -5093,7 +5316,7 @@
             </a:pPr>
             <a:r>
               <a:rPr lang="en-US" dirty="0"/>
-              <a:t>==		a == b		True/False</a:t>
+              <a:t>/=		z/=x</a:t>
             </a:r>
           </a:p>
           <a:p>
@@ -5102,7 +5325,7 @@
             </a:pPr>
             <a:r>
               <a:rPr lang="en-US" dirty="0"/>
-              <a:t>!=		a != b		True/False</a:t>
+              <a:t>%=		z%=x</a:t>
             </a:r>
           </a:p>
           <a:p>
@@ -5111,7 +5334,7 @@
             </a:pPr>
             <a:r>
               <a:rPr lang="en-US" dirty="0"/>
-              <a:t>Chaining – </a:t>
+              <a:t>**=		z**=y</a:t>
             </a:r>
           </a:p>
           <a:p>
@@ -5120,7 +5343,7 @@
             </a:pPr>
             <a:r>
               <a:rPr lang="en-US" dirty="0"/>
-              <a:t>X = 20</a:t>
+              <a:t>//=		z//=y</a:t>
             </a:r>
           </a:p>
           <a:p>
@@ -5129,7 +5352,7 @@
             </a:pPr>
             <a:r>
               <a:rPr lang="en-US" dirty="0"/>
-              <a:t>10 &lt; x &lt; 50  # Result ?  10 &gt;= x &lt;20 # Result ? 10 &lt; x &gt; 10 # Result ?</a:t>
+              <a:t>Exercise: Try by taking one example.</a:t>
             </a:r>
           </a:p>
         </p:txBody>
@@ -5137,7 +5360,7 @@
     </p:spTree>
     <p:extLst>
       <p:ext uri="{BB962C8B-B14F-4D97-AF65-F5344CB8AC3E}">
-        <p14:creationId xmlns:p14="http://schemas.microsoft.com/office/powerpoint/2010/main" val="200002462"/>
+        <p14:creationId xmlns:p14="http://schemas.microsoft.com/office/powerpoint/2010/main" val="3283830827"/>
       </p:ext>
     </p:extLst>
   </p:cSld>
@@ -5181,7 +5404,7 @@
           <p:cNvPr id="2" name="Title 1">
             <a:extLst>
               <a:ext uri="{FF2B5EF4-FFF2-40B4-BE49-F238E27FC236}">
-                <a16:creationId xmlns:a16="http://schemas.microsoft.com/office/drawing/2014/main" id="{82EC5575-680E-4564-88BA-793489A9FE36}"/>
+                <a16:creationId xmlns:a16="http://schemas.microsoft.com/office/drawing/2014/main" id="{A23EE193-128F-4CC2-90F5-547E5EC46129}"/>
               </a:ext>
             </a:extLst>
           </p:cNvPr>
@@ -5199,7 +5422,7 @@
           <a:p>
             <a:r>
               <a:rPr lang="en-US" dirty="0"/>
-              <a:t>4.b Operator Precedence</a:t>
+              <a:t>4.a.iv Relational Operator		</a:t>
             </a:r>
           </a:p>
         </p:txBody>
@@ -5209,7 +5432,7 @@
           <p:cNvPr id="3" name="Content Placeholder 2">
             <a:extLst>
               <a:ext uri="{FF2B5EF4-FFF2-40B4-BE49-F238E27FC236}">
-                <a16:creationId xmlns:a16="http://schemas.microsoft.com/office/drawing/2014/main" id="{2D26D3FA-7DB3-4749-BE83-4BBB4F114AB3}"/>
+                <a16:creationId xmlns:a16="http://schemas.microsoft.com/office/drawing/2014/main" id="{665401CA-E27D-4281-A830-ED413723F316}"/>
               </a:ext>
             </a:extLst>
           </p:cNvPr>
@@ -5220,82 +5443,113 @@
             <p:ph idx="1"/>
           </p:nvPr>
         </p:nvSpPr>
-        <p:spPr/>
+        <p:spPr>
+          <a:xfrm>
+            <a:off x="1117309" y="1701800"/>
+            <a:ext cx="10157354" cy="4927600"/>
+          </a:xfrm>
+        </p:spPr>
         <p:txBody>
           <a:bodyPr>
             <a:normAutofit/>
           </a:bodyPr>
           <a:lstStyle/>
           <a:p>
+            <a:pPr marL="426645" lvl="1" indent="0">
+              <a:buNone/>
+            </a:pPr>
+            <a:r>
+              <a:rPr lang="en-US" sz="2400" b="1" dirty="0"/>
+              <a:t>Operator	Example 	Result</a:t>
+            </a:r>
+          </a:p>
+          <a:p>
+            <a:pPr marL="426645" lvl="1" indent="0">
+              <a:buNone/>
+            </a:pPr>
             <a:r>
               <a:rPr lang="en-US" dirty="0"/>
-              <a:t>1. First parentheses are evaluated. </a:t>
-            </a:r>
-          </a:p>
-          <a:p>
+              <a:t>&gt;		a &gt; b		True/False</a:t>
+            </a:r>
+          </a:p>
+          <a:p>
+            <a:pPr marL="426645" lvl="1" indent="0">
+              <a:buNone/>
+            </a:pPr>
             <a:r>
               <a:rPr lang="en-US" dirty="0"/>
-              <a:t>2. Exponentiation is done next. </a:t>
-            </a:r>
-          </a:p>
-          <a:p>
+              <a:t>&gt;=		a &gt;=b 		True/False</a:t>
+            </a:r>
+          </a:p>
+          <a:p>
+            <a:pPr marL="426645" lvl="1" indent="0">
+              <a:buNone/>
+            </a:pPr>
             <a:r>
               <a:rPr lang="en-US" dirty="0"/>
-              <a:t>3. Multiplication, division, modulus and floor divisions are at equal priority. </a:t>
-            </a:r>
-          </a:p>
-          <a:p>
+              <a:t>&lt;		a &lt; b		True/False</a:t>
+            </a:r>
+          </a:p>
+          <a:p>
+            <a:pPr marL="426645" lvl="1" indent="0">
+              <a:buNone/>
+            </a:pPr>
             <a:r>
               <a:rPr lang="en-US" dirty="0"/>
-              <a:t>4. Addition and subtraction are done afterwards. </a:t>
-            </a:r>
-          </a:p>
-          <a:p>
+              <a:t>&lt;=		a &lt;= b		True/False</a:t>
+            </a:r>
+          </a:p>
+          <a:p>
+            <a:pPr marL="426645" lvl="1" indent="0">
+              <a:buNone/>
+            </a:pPr>
             <a:r>
               <a:rPr lang="en-US" dirty="0"/>
-              <a:t>5. Finally, assignment operation is performed.</a:t>
-            </a:r>
-          </a:p>
-          <a:p>
-            <a:pPr marL="0" indent="0">
+              <a:t>==		a == b		True/False</a:t>
+            </a:r>
+          </a:p>
+          <a:p>
+            <a:pPr marL="426645" lvl="1" indent="0">
               <a:buNone/>
             </a:pPr>
             <a:r>
               <a:rPr lang="en-US" dirty="0"/>
-              <a:t>Example: x = 1, y = 2, z = 3, a = 2, b = 2, c = 3</a:t>
-            </a:r>
-          </a:p>
-          <a:p>
-            <a:pPr marL="0" indent="0">
+              <a:t>!=		a != b		True/False</a:t>
+            </a:r>
+          </a:p>
+          <a:p>
+            <a:pPr marL="426645" lvl="1" indent="0">
               <a:buNone/>
             </a:pPr>
             <a:r>
               <a:rPr lang="en-US" dirty="0"/>
-              <a:t>		d = (</a:t>
-            </a:r>
-            <a:r>
-              <a:rPr lang="en-US" dirty="0" err="1"/>
-              <a:t>x+y</a:t>
-            </a:r>
+              <a:t>Chaining – </a:t>
+            </a:r>
+          </a:p>
+          <a:p>
+            <a:pPr marL="426645" lvl="1" indent="0">
+              <a:buNone/>
+            </a:pPr>
             <a:r>
               <a:rPr lang="en-US" dirty="0"/>
-              <a:t>) * z**a//</a:t>
-            </a:r>
-            <a:r>
-              <a:rPr lang="en-US" dirty="0" err="1"/>
-              <a:t>b+c</a:t>
-            </a:r>
-            <a:endParaRPr lang="en-US" dirty="0"/>
-          </a:p>
-          <a:p>
-            <a:endParaRPr lang="en-US" dirty="0"/>
+              <a:t>X = 20</a:t>
+            </a:r>
+          </a:p>
+          <a:p>
+            <a:pPr marL="426645" lvl="1" indent="0">
+              <a:buNone/>
+            </a:pPr>
+            <a:r>
+              <a:rPr lang="en-US" dirty="0"/>
+              <a:t>10 &lt; x &lt; 50  # Result ?  10 &gt;= x &lt;20 # Result ? 10 &lt; x &gt; 10 # Result ?</a:t>
+            </a:r>
           </a:p>
         </p:txBody>
       </p:sp>
     </p:spTree>
     <p:extLst>
       <p:ext uri="{BB962C8B-B14F-4D97-AF65-F5344CB8AC3E}">
-        <p14:creationId xmlns:p14="http://schemas.microsoft.com/office/powerpoint/2010/main" val="2886380229"/>
+        <p14:creationId xmlns:p14="http://schemas.microsoft.com/office/powerpoint/2010/main" val="200002462"/>
       </p:ext>
     </p:extLst>
   </p:cSld>
@@ -5339,7 +5593,7 @@
           <p:cNvPr id="2" name="Title 1">
             <a:extLst>
               <a:ext uri="{FF2B5EF4-FFF2-40B4-BE49-F238E27FC236}">
-                <a16:creationId xmlns:a16="http://schemas.microsoft.com/office/drawing/2014/main" id="{2A6BA3E0-DCC7-4CBA-A015-9C4981D8E29B}"/>
+                <a16:creationId xmlns:a16="http://schemas.microsoft.com/office/drawing/2014/main" id="{05217FA7-7A78-4198-A2F0-3A343C70A87B}"/>
               </a:ext>
             </a:extLst>
           </p:cNvPr>
@@ -5357,7 +5611,7 @@
           <a:p>
             <a:r>
               <a:rPr lang="en-US" dirty="0"/>
-              <a:t>Q&amp;A and Conclusion </a:t>
+              <a:t>4.a.v Logical/Boolean Operator</a:t>
             </a:r>
           </a:p>
         </p:txBody>
@@ -5367,7 +5621,7 @@
           <p:cNvPr id="3" name="Content Placeholder 2">
             <a:extLst>
               <a:ext uri="{FF2B5EF4-FFF2-40B4-BE49-F238E27FC236}">
-                <a16:creationId xmlns:a16="http://schemas.microsoft.com/office/drawing/2014/main" id="{03F687DB-3A4B-49A8-A7DE-8F4BBA5D9CF7}"/>
+                <a16:creationId xmlns:a16="http://schemas.microsoft.com/office/drawing/2014/main" id="{D41755D1-FB66-4EA2-A80A-7691FA364545}"/>
               </a:ext>
             </a:extLst>
           </p:cNvPr>
@@ -5383,22 +5637,74 @@
           <a:bodyPr/>
           <a:lstStyle/>
           <a:p>
-            <a:endParaRPr lang="en-US" dirty="0"/>
-          </a:p>
-          <a:p>
-            <a:endParaRPr lang="en-US" dirty="0"/>
-          </a:p>
-          <a:p>
-            <a:endParaRPr lang="en-US" dirty="0"/>
-          </a:p>
-          <a:p>
-            <a:pPr lvl="1"/>
-            <a:endParaRPr lang="en-US" dirty="0"/>
-          </a:p>
-          <a:p>
             <a:pPr marL="0" indent="0">
               <a:buNone/>
             </a:pPr>
+            <a:r>
+              <a:rPr lang="en-US" b="1" dirty="0"/>
+              <a:t>Operator	Example	Result</a:t>
+            </a:r>
+          </a:p>
+          <a:p>
+            <a:pPr marL="0" indent="0">
+              <a:buNone/>
+            </a:pPr>
+            <a:r>
+              <a:rPr lang="en-US" sz="2000" dirty="0"/>
+              <a:t>and		x and y	         Return ‘x’ if ‘x’ is False, y otherwise</a:t>
+            </a:r>
+          </a:p>
+          <a:p>
+            <a:pPr marL="0" indent="0">
+              <a:buNone/>
+            </a:pPr>
+            <a:r>
+              <a:rPr lang="en-US" sz="2000" dirty="0"/>
+              <a:t>or		x or y	         Return ‘y’ if ‘x’ is False, x otherwise</a:t>
+            </a:r>
+          </a:p>
+          <a:p>
+            <a:pPr marL="0" indent="0">
+              <a:buNone/>
+            </a:pPr>
+            <a:r>
+              <a:rPr lang="en-US" sz="2000" dirty="0"/>
+              <a:t>not		not x	         Return ‘True’ if ‘x’ is false , True   </a:t>
+            </a:r>
+          </a:p>
+          <a:p>
+            <a:pPr marL="0" indent="0">
+              <a:buNone/>
+            </a:pPr>
+            <a:r>
+              <a:rPr lang="en-US" sz="2000" dirty="0"/>
+              <a:t>                                                     otherwise	</a:t>
+            </a:r>
+          </a:p>
+          <a:p>
+            <a:pPr marL="0" indent="0">
+              <a:buNone/>
+            </a:pPr>
+            <a:r>
+              <a:rPr lang="en-US" sz="2000" dirty="0"/>
+              <a:t>Boolean Values combinations: True </a:t>
+            </a:r>
+            <a:r>
+              <a:rPr lang="en-US" sz="2000" dirty="0" err="1"/>
+              <a:t>True</a:t>
+            </a:r>
+            <a:r>
+              <a:rPr lang="en-US" sz="2000" dirty="0"/>
+              <a:t>, False True, True False and False </a:t>
+            </a:r>
+            <a:r>
+              <a:rPr lang="en-US" sz="2000" dirty="0" err="1"/>
+              <a:t>False</a:t>
+            </a:r>
+            <a:r>
+              <a:rPr lang="en-US" sz="2000" dirty="0"/>
+              <a:t>	</a:t>
+            </a:r>
             <a:r>
               <a:rPr lang="en-US" dirty="0"/>
               <a:t>			</a:t>
@@ -5409,7 +5715,7 @@
     </p:spTree>
     <p:extLst>
       <p:ext uri="{BB962C8B-B14F-4D97-AF65-F5344CB8AC3E}">
-        <p14:creationId xmlns:p14="http://schemas.microsoft.com/office/powerpoint/2010/main" val="2270755447"/>
+        <p14:creationId xmlns:p14="http://schemas.microsoft.com/office/powerpoint/2010/main" val="886273382"/>
       </p:ext>
     </p:extLst>
   </p:cSld>
@@ -6241,12 +6547,1043 @@
 </file>
 
 <file path=customXml/item1.xml><?xml version="1.0" encoding="utf-8"?>
-<?mso-contentType ?>
-<FormTemplates xmlns="http://schemas.microsoft.com/sharepoint/v3/contenttype/forms">
-  <Display>DocumentLibraryForm</Display>
-  <Edit>AssetEditForm</Edit>
-  <New>DocumentLibraryForm</New>
-</FormTemplates>
+<ct:contentTypeSchema xmlns:ct="http://schemas.microsoft.com/office/2006/metadata/contentType" xmlns:ma="http://schemas.microsoft.com/office/2006/metadata/properties/metaAttributes" ct:_="" ma:_="" ma:contentTypeName="TemplateFile" ma:contentTypeID="0x0101006EDDDB5EE6D98C44930B742096920B300400F5B6D36B3EF94B4E9A635CDF2A18F5B8" ma:contentTypeVersion="72" ma:contentTypeDescription="Create a new document." ma:contentTypeScope="" ma:versionID="a23e56308344d904b51738559c3d67c9">
+  <xsd:schema xmlns:xsd="http://www.w3.org/2001/XMLSchema" xmlns:xs="http://www.w3.org/2001/XMLSchema" xmlns:p="http://schemas.microsoft.com/office/2006/metadata/properties" xmlns:ns2="4873beb7-5857-4685-be1f-d57550cc96cc" targetNamespace="http://schemas.microsoft.com/office/2006/metadata/properties" ma:root="true" ma:fieldsID="cd0908cc4600e77bf5da051303e00c8d" ns2:_="">
+    <xsd:import namespace="4873beb7-5857-4685-be1f-d57550cc96cc"/>
+    <xsd:element name="properties">
+      <xsd:complexType>
+        <xsd:sequence>
+          <xsd:element name="documentManagement">
+            <xsd:complexType>
+              <xsd:all>
+                <xsd:element ref="ns2:AcquiredFrom" minOccurs="0"/>
+                <xsd:element ref="ns2:UACurrentWords" minOccurs="0"/>
+                <xsd:element ref="ns2:TPApplication" minOccurs="0"/>
+                <xsd:element ref="ns2:ApprovalLog" minOccurs="0"/>
+                <xsd:element ref="ns2:ApprovalStatus" minOccurs="0"/>
+                <xsd:element ref="ns2:AssetStart" minOccurs="0"/>
+                <xsd:element ref="ns2:AssetExpire" minOccurs="0"/>
+                <xsd:element ref="ns2:AssetId" minOccurs="0"/>
+                <xsd:element ref="ns2:IsSearchable" minOccurs="0"/>
+                <xsd:element ref="ns2:AssetType" minOccurs="0"/>
+                <xsd:element ref="ns2:APAuthor" minOccurs="0"/>
+                <xsd:element ref="ns2:AverageRating" minOccurs="0"/>
+                <xsd:element ref="ns2:BlockPublish" minOccurs="0"/>
+                <xsd:element ref="ns2:BugNumber" minOccurs="0"/>
+                <xsd:element ref="ns2:CampaignTagsTaxHTField0" minOccurs="0"/>
+                <xsd:element ref="ns2:TPClientViewer" minOccurs="0"/>
+                <xsd:element ref="ns2:ClipArtFilename" minOccurs="0"/>
+                <xsd:element ref="ns2:TPCommandLine" minOccurs="0"/>
+                <xsd:element ref="ns2:TPComponent" minOccurs="0"/>
+                <xsd:element ref="ns2:ContentItem" minOccurs="0"/>
+                <xsd:element ref="ns2:CrawlForDependencies" minOccurs="0"/>
+                <xsd:element ref="ns2:CSXHash" minOccurs="0"/>
+                <xsd:element ref="ns2:CSXSubmissionMarket" minOccurs="0"/>
+                <xsd:element ref="ns2:CSXUpdate" minOccurs="0"/>
+                <xsd:element ref="ns2:IntlLangReviewDate" minOccurs="0"/>
+                <xsd:element ref="ns2:IsDeleted" minOccurs="0"/>
+                <xsd:element ref="ns2:APDescription" minOccurs="0"/>
+                <xsd:element ref="ns2:DirectSourceMarket" minOccurs="0"/>
+                <xsd:element ref="ns2:Downloads" minOccurs="0"/>
+                <xsd:element ref="ns2:DSATActionTaken" minOccurs="0"/>
+                <xsd:element ref="ns2:APEditor" minOccurs="0"/>
+                <xsd:element ref="ns2:EditorialStatus" minOccurs="0"/>
+                <xsd:element ref="ns2:EditorialTags" minOccurs="0"/>
+                <xsd:element ref="ns2:TPExecutable" minOccurs="0"/>
+                <xsd:element ref="ns2:FeatureTagsTaxHTField0" minOccurs="0"/>
+                <xsd:element ref="ns2:TPFriendlyName" minOccurs="0"/>
+                <xsd:element ref="ns2:FriendlyTitle" minOccurs="0"/>
+                <xsd:element ref="ns2:PrimaryImageGen" minOccurs="0"/>
+                <xsd:element ref="ns2:HandoffToMSDN" minOccurs="0"/>
+                <xsd:element ref="ns2:InProjectListLookup" minOccurs="0"/>
+                <xsd:element ref="ns2:TPInstallLocation" minOccurs="0"/>
+                <xsd:element ref="ns2:InternalTagsTaxHTField0" minOccurs="0"/>
+                <xsd:element ref="ns2:IntlLangReview" minOccurs="0"/>
+                <xsd:element ref="ns2:IntlLangReviewer" minOccurs="0"/>
+                <xsd:element ref="ns2:MarketSpecific" minOccurs="0"/>
+                <xsd:element ref="ns2:LastCompleteVersionLookup" minOccurs="0"/>
+                <xsd:element ref="ns2:LastHandOff" minOccurs="0"/>
+                <xsd:element ref="ns2:LastModifiedDateTime" minOccurs="0"/>
+                <xsd:element ref="ns2:LastPreviewErrorLookup" minOccurs="0"/>
+                <xsd:element ref="ns2:LastPreviewResultLookup" minOccurs="0"/>
+                <xsd:element ref="ns2:LastPreviewAttemptDateLookup" minOccurs="0"/>
+                <xsd:element ref="ns2:LastPreviewedByLookup" minOccurs="0"/>
+                <xsd:element ref="ns2:LastPreviewTimeLookup" minOccurs="0"/>
+                <xsd:element ref="ns2:LastPreviewVersionLookup" minOccurs="0"/>
+                <xsd:element ref="ns2:LastPublishErrorLookup" minOccurs="0"/>
+                <xsd:element ref="ns2:LastPublishResultLookup" minOccurs="0"/>
+                <xsd:element ref="ns2:LastPublishAttemptDateLookup" minOccurs="0"/>
+                <xsd:element ref="ns2:LastPublishedByLookup" minOccurs="0"/>
+                <xsd:element ref="ns2:LastPublishTimeLookup" minOccurs="0"/>
+                <xsd:element ref="ns2:LastPublishVersionLookup" minOccurs="0"/>
+                <xsd:element ref="ns2:TPLaunchHelpLinkType" minOccurs="0"/>
+                <xsd:element ref="ns2:LegacyData" minOccurs="0"/>
+                <xsd:element ref="ns2:TPLaunchHelpLink" minOccurs="0"/>
+                <xsd:element ref="ns2:LocComments" minOccurs="0"/>
+                <xsd:element ref="ns2:LocLastLocAttemptVersionLookup" minOccurs="0"/>
+                <xsd:element ref="ns2:LocLastLocAttemptVersionTypeLookup" minOccurs="0"/>
+                <xsd:element ref="ns2:LocManualTestRequired" minOccurs="0"/>
+                <xsd:element ref="ns2:LocMarketGroupTiers2" minOccurs="0"/>
+                <xsd:element ref="ns2:LocNewPublishedVersionLookup" minOccurs="0"/>
+                <xsd:element ref="ns2:LocOverallHandbackStatusLookup" minOccurs="0"/>
+                <xsd:element ref="ns2:LocOverallLocStatusLookup" minOccurs="0"/>
+                <xsd:element ref="ns2:LocOverallPreviewStatusLookup" minOccurs="0"/>
+                <xsd:element ref="ns2:LocOverallPublishStatusLookup" minOccurs="0"/>
+                <xsd:element ref="ns2:IntlLocPriority" minOccurs="0"/>
+                <xsd:element ref="ns2:LocProcessedForHandoffsLookup" minOccurs="0"/>
+                <xsd:element ref="ns2:LocProcessedForMarketsLookup" minOccurs="0"/>
+                <xsd:element ref="ns2:LocPublishedDependentAssetsLookup" minOccurs="0"/>
+                <xsd:element ref="ns2:LocPublishedLinkedAssetsLookup" minOccurs="0"/>
+                <xsd:element ref="ns2:LocRecommendedHandoff" minOccurs="0"/>
+                <xsd:element ref="ns2:LocalizationTagsTaxHTField0" minOccurs="0"/>
+                <xsd:element ref="ns2:MachineTranslated" minOccurs="0"/>
+                <xsd:element ref="ns2:Manager" minOccurs="0"/>
+                <xsd:element ref="ns2:Markets" minOccurs="0"/>
+                <xsd:element ref="ns2:Milestone" minOccurs="0"/>
+                <xsd:element ref="ns2:TPNamespace" minOccurs="0"/>
+                <xsd:element ref="ns2:NumericId" minOccurs="0"/>
+                <xsd:element ref="ns2:NumOfRatingsLookup" minOccurs="0"/>
+                <xsd:element ref="ns2:OOCacheId" minOccurs="0"/>
+                <xsd:element ref="ns2:OpenTemplate" minOccurs="0"/>
+                <xsd:element ref="ns2:OriginAsset" minOccurs="0"/>
+                <xsd:element ref="ns2:OriginalRelease" minOccurs="0"/>
+                <xsd:element ref="ns2:OriginalSourceMarket" minOccurs="0"/>
+                <xsd:element ref="ns2:OutputCachingOn" minOccurs="0"/>
+                <xsd:element ref="ns2:ParentAssetId" minOccurs="0"/>
+                <xsd:element ref="ns2:PlannedPubDate" minOccurs="0"/>
+                <xsd:element ref="ns2:PolicheckWords" minOccurs="0"/>
+                <xsd:element ref="ns2:BusinessGroup" minOccurs="0"/>
+                <xsd:element ref="ns2:UAProjectedTotalWords" minOccurs="0"/>
+                <xsd:element ref="ns2:Provider" minOccurs="0"/>
+                <xsd:element ref="ns2:Providers" minOccurs="0"/>
+                <xsd:element ref="ns2:PublishStatusLookup" minOccurs="0"/>
+                <xsd:element ref="ns2:PublishTargets" minOccurs="0"/>
+                <xsd:element ref="ns2:RecommendationsModifier" minOccurs="0"/>
+                <xsd:element ref="ns2:ArtSampleDocs" minOccurs="0"/>
+                <xsd:element ref="ns2:ScenarioTagsTaxHTField0" minOccurs="0"/>
+                <xsd:element ref="ns2:ShowIn" minOccurs="0"/>
+                <xsd:element ref="ns2:SourceTitle" minOccurs="0"/>
+                <xsd:element ref="ns2:CSXSubmissionDate" minOccurs="0"/>
+                <xsd:element ref="ns2:SubmitterId" minOccurs="0"/>
+                <xsd:element ref="ns2:TaxCatchAll" minOccurs="0"/>
+                <xsd:element ref="ns2:TaxCatchAllLabel" minOccurs="0"/>
+                <xsd:element ref="ns2:TemplateStatus" minOccurs="0"/>
+                <xsd:element ref="ns2:TemplateTemplateType" minOccurs="0"/>
+                <xsd:element ref="ns2:ThumbnailAssetId" minOccurs="0"/>
+                <xsd:element ref="ns2:TimesCloned" minOccurs="0"/>
+                <xsd:element ref="ns2:TrustLevel" minOccurs="0"/>
+                <xsd:element ref="ns2:UALocComments" minOccurs="0"/>
+                <xsd:element ref="ns2:UALocRecommendation" minOccurs="0"/>
+                <xsd:element ref="ns2:UANotes" minOccurs="0"/>
+                <xsd:element ref="ns2:TPAppVersion" minOccurs="0"/>
+                <xsd:element ref="ns2:VoteCount" minOccurs="0"/>
+              </xsd:all>
+            </xsd:complexType>
+          </xsd:element>
+        </xsd:sequence>
+      </xsd:complexType>
+    </xsd:element>
+  </xsd:schema>
+  <xsd:schema xmlns:xsd="http://www.w3.org/2001/XMLSchema" xmlns:xs="http://www.w3.org/2001/XMLSchema" xmlns:dms="http://schemas.microsoft.com/office/2006/documentManagement/types" xmlns:pc="http://schemas.microsoft.com/office/infopath/2007/PartnerControls" targetNamespace="4873beb7-5857-4685-be1f-d57550cc96cc" elementFormDefault="qualified">
+    <xsd:import namespace="http://schemas.microsoft.com/office/2006/documentManagement/types"/>
+    <xsd:import namespace="http://schemas.microsoft.com/office/infopath/2007/PartnerControls"/>
+    <xsd:element name="AcquiredFrom" ma:index="1" nillable="true" ma:displayName="Acquired From" ma:default="Internal MS" ma:internalName="AcquiredFrom" ma:readOnly="false">
+      <xsd:simpleType>
+        <xsd:restriction base="dms:Choice">
+          <xsd:enumeration value="Internal MS"/>
+          <xsd:enumeration value="Community"/>
+          <xsd:enumeration value="MVP"/>
+          <xsd:enumeration value="Publisher"/>
+          <xsd:enumeration value="Partner"/>
+          <xsd:enumeration value="None"/>
+        </xsd:restriction>
+      </xsd:simpleType>
+    </xsd:element>
+    <xsd:element name="UACurrentWords" ma:index="2" nillable="true" ma:displayName="Actual Word Count" ma:default="" ma:internalName="UACurrentWords" ma:readOnly="false">
+      <xsd:simpleType>
+        <xsd:restriction base="dms:Unknown"/>
+      </xsd:simpleType>
+    </xsd:element>
+    <xsd:element name="TPApplication" ma:index="3" nillable="true" ma:displayName="Application to Open Template With" ma:default="" ma:internalName="TPApplication">
+      <xsd:simpleType>
+        <xsd:restriction base="dms:Text"/>
+      </xsd:simpleType>
+    </xsd:element>
+    <xsd:element name="ApprovalLog" ma:index="4" nillable="true" ma:displayName="Approval Log" ma:default="" ma:hidden="true" ma:internalName="ApprovalLog" ma:readOnly="false">
+      <xsd:simpleType>
+        <xsd:restriction base="dms:Note"/>
+      </xsd:simpleType>
+    </xsd:element>
+    <xsd:element name="ApprovalStatus" ma:index="5" nillable="true" ma:displayName="Approval Status" ma:default="InProgress" ma:internalName="ApprovalStatus" ma:readOnly="false">
+      <xsd:simpleType>
+        <xsd:restriction base="dms:Choice">
+          <xsd:enumeration value="InProgress"/>
+          <xsd:enumeration value="Rejected"/>
+          <xsd:enumeration value="Questionable"/>
+          <xsd:enumeration value="ApprovedAutomatic"/>
+          <xsd:enumeration value="ApprovedManual"/>
+          <xsd:enumeration value="On Hold"/>
+          <xsd:enumeration value="Needs Review"/>
+          <xsd:enumeration value="A Violation"/>
+          <xsd:enumeration value="Unpublished Violation"/>
+        </xsd:restriction>
+      </xsd:simpleType>
+    </xsd:element>
+    <xsd:element name="AssetStart" ma:index="6" nillable="true" ma:displayName="Asset Begin Date" ma:default="[Today]" ma:internalName="AssetStart" ma:readOnly="false">
+      <xsd:simpleType>
+        <xsd:restriction base="dms:DateTime"/>
+      </xsd:simpleType>
+    </xsd:element>
+    <xsd:element name="AssetExpire" ma:index="7" nillable="true" ma:displayName="Asset End Date" ma:default="2029-01-01T08:00:00Z" ma:format="DateTime" ma:internalName="AssetExpire" ma:readOnly="false">
+      <xsd:simpleType>
+        <xsd:restriction base="dms:DateTime"/>
+      </xsd:simpleType>
+    </xsd:element>
+    <xsd:element name="AssetId" ma:index="8" nillable="true" ma:displayName="Asset ID" ma:default="" ma:indexed="true" ma:internalName="AssetId" ma:readOnly="false">
+      <xsd:simpleType>
+        <xsd:restriction base="dms:Text">
+          <xsd:maxLength value="255"/>
+        </xsd:restriction>
+      </xsd:simpleType>
+    </xsd:element>
+    <xsd:element name="IsSearchable" ma:index="9" nillable="true" ma:displayName="Asset Searchable?" ma:default="true" ma:internalName="IsSearchable" ma:readOnly="false">
+      <xsd:simpleType>
+        <xsd:restriction base="dms:Boolean"/>
+      </xsd:simpleType>
+    </xsd:element>
+    <xsd:element name="AssetType" ma:index="10" nillable="true" ma:displayName="Asset Type" ma:default="" ma:internalName="AssetType" ma:readOnly="false">
+      <xsd:simpleType>
+        <xsd:restriction base="dms:Unknown"/>
+      </xsd:simpleType>
+    </xsd:element>
+    <xsd:element name="APAuthor" ma:index="11" nillable="true" ma:displayName="Author" ma:default="" ma:list="UserInfo" ma:internalName="APAuthor" ma:readOnly="false">
+      <xsd:complexType>
+        <xsd:complexContent>
+          <xsd:extension base="dms:User">
+            <xsd:sequence>
+              <xsd:element name="UserInfo" minOccurs="0" maxOccurs="unbounded">
+                <xsd:complexType>
+                  <xsd:sequence>
+                    <xsd:element name="DisplayName" type="xsd:string" minOccurs="0"/>
+                    <xsd:element name="AccountId" type="dms:UserId" minOccurs="0" nillable="true"/>
+                    <xsd:element name="AccountType" type="xsd:string" minOccurs="0"/>
+                  </xsd:sequence>
+                </xsd:complexType>
+              </xsd:element>
+            </xsd:sequence>
+          </xsd:extension>
+        </xsd:complexContent>
+      </xsd:complexType>
+    </xsd:element>
+    <xsd:element name="AverageRating" ma:index="12" nillable="true" ma:displayName="Average Rating" ma:internalName="AverageRating" ma:readOnly="false">
+      <xsd:simpleType>
+        <xsd:restriction base="dms:Text"/>
+      </xsd:simpleType>
+    </xsd:element>
+    <xsd:element name="BlockPublish" ma:index="13" nillable="true" ma:displayName="Block from Publishing?" ma:default="" ma:internalName="BlockPublish" ma:readOnly="false">
+      <xsd:simpleType>
+        <xsd:restriction base="dms:Boolean"/>
+      </xsd:simpleType>
+    </xsd:element>
+    <xsd:element name="BugNumber" ma:index="14" nillable="true" ma:displayName="Bug Number" ma:default="" ma:internalName="BugNumber" ma:readOnly="false">
+      <xsd:simpleType>
+        <xsd:restriction base="dms:Text"/>
+      </xsd:simpleType>
+    </xsd:element>
+    <xsd:element name="CampaignTagsTaxHTField0" ma:index="16" nillable="true" ma:taxonomy="true" ma:internalName="CampaignTagsTaxHTField0" ma:taxonomyFieldName="CampaignTags" ma:displayName="Campaigns" ma:readOnly="false" ma:default="" ma:fieldId="{1df42cc3-2301-4f11-a52a-6ead923c29ed}" ma:taxonomyMulti="true" ma:sspId="8f79753a-75d3-41f5-8ca3-40b843941b4f" ma:termSetId="ca0e50d4-faa1-44ce-961e-bb1441c60e66" ma:anchorId="00000000-0000-0000-0000-000000000000" ma:open="false" ma:isKeyword="false">
+      <xsd:complexType>
+        <xsd:sequence>
+          <xsd:element ref="pc:Terms" minOccurs="0" maxOccurs="1"/>
+        </xsd:sequence>
+      </xsd:complexType>
+    </xsd:element>
+    <xsd:element name="TPClientViewer" ma:index="17" nillable="true" ma:displayName="Client Viewer" ma:default="" ma:internalName="TPClientViewer">
+      <xsd:simpleType>
+        <xsd:restriction base="dms:Text"/>
+      </xsd:simpleType>
+    </xsd:element>
+    <xsd:element name="ClipArtFilename" ma:index="18" nillable="true" ma:displayName="Clip Art Name" ma:default="" ma:internalName="ClipArtFilename" ma:readOnly="false">
+      <xsd:simpleType>
+        <xsd:restriction base="dms:Text"/>
+      </xsd:simpleType>
+    </xsd:element>
+    <xsd:element name="TPCommandLine" ma:index="19" nillable="true" ma:displayName="Command Line" ma:default="" ma:internalName="TPCommandLine">
+      <xsd:simpleType>
+        <xsd:restriction base="dms:Text"/>
+      </xsd:simpleType>
+    </xsd:element>
+    <xsd:element name="TPComponent" ma:index="20" nillable="true" ma:displayName="Component" ma:default="" ma:internalName="TPComponent">
+      <xsd:simpleType>
+        <xsd:restriction base="dms:Text"/>
+      </xsd:simpleType>
+    </xsd:element>
+    <xsd:element name="ContentItem" ma:index="21" nillable="true" ma:displayName="Content Item" ma:default="" ma:hidden="true" ma:internalName="ContentItem" ma:readOnly="false">
+      <xsd:simpleType>
+        <xsd:restriction base="dms:Unknown"/>
+      </xsd:simpleType>
+    </xsd:element>
+    <xsd:element name="CrawlForDependencies" ma:index="23" nillable="true" ma:displayName="Crawl for Dependencies?" ma:default="true" ma:internalName="CrawlForDependencies" ma:readOnly="false">
+      <xsd:simpleType>
+        <xsd:restriction base="dms:Boolean"/>
+      </xsd:simpleType>
+    </xsd:element>
+    <xsd:element name="CSXHash" ma:index="26" nillable="true" ma:displayName="CSX Hash" ma:default="" ma:indexed="true" ma:internalName="CSXHash" ma:readOnly="false">
+      <xsd:simpleType>
+        <xsd:restriction base="dms:Text"/>
+      </xsd:simpleType>
+    </xsd:element>
+    <xsd:element name="CSXSubmissionMarket" ma:index="27" nillable="true" ma:displayName="CSX Submission Market" ma:default="" ma:list="{2FBD1B11-2ACE-4FDC-B5A3-635D4ADF6F1B}" ma:internalName="CSXSubmissionMarket" ma:readOnly="false" ma:showField="MarketName" ma:web="4873beb7-5857-4685-be1f-d57550cc96cc">
+      <xsd:simpleType>
+        <xsd:restriction base="dms:Lookup"/>
+      </xsd:simpleType>
+    </xsd:element>
+    <xsd:element name="CSXUpdate" ma:index="28" nillable="true" ma:displayName="CSX Updated?" ma:default="false" ma:internalName="CSXUpdate" ma:readOnly="false">
+      <xsd:simpleType>
+        <xsd:restriction base="dms:Boolean"/>
+      </xsd:simpleType>
+    </xsd:element>
+    <xsd:element name="IntlLangReviewDate" ma:index="29" nillable="true" ma:displayName="Date to Complete Intl QA" ma:default="" ma:internalName="IntlLangReviewDate" ma:readOnly="false">
+      <xsd:simpleType>
+        <xsd:restriction base="dms:DateTime"/>
+      </xsd:simpleType>
+    </xsd:element>
+    <xsd:element name="IsDeleted" ma:index="30" nillable="true" ma:displayName="Deleted?" ma:default="" ma:internalName="IsDeleted" ma:readOnly="false">
+      <xsd:simpleType>
+        <xsd:restriction base="dms:Boolean"/>
+      </xsd:simpleType>
+    </xsd:element>
+    <xsd:element name="APDescription" ma:index="31" nillable="true" ma:displayName="Description" ma:default="" ma:internalName="APDescription" ma:readOnly="false">
+      <xsd:simpleType>
+        <xsd:restriction base="dms:Note"/>
+      </xsd:simpleType>
+    </xsd:element>
+    <xsd:element name="DirectSourceMarket" ma:index="32" nillable="true" ma:displayName="Direct Source Market Group" ma:default="" ma:internalName="DirectSourceMarket" ma:readOnly="false">
+      <xsd:simpleType>
+        <xsd:restriction base="dms:Text"/>
+      </xsd:simpleType>
+    </xsd:element>
+    <xsd:element name="Downloads" ma:index="33" nillable="true" ma:displayName="Downloads" ma:default="0" ma:hidden="true" ma:internalName="Downloads" ma:readOnly="false">
+      <xsd:simpleType>
+        <xsd:restriction base="dms:Unknown"/>
+      </xsd:simpleType>
+    </xsd:element>
+    <xsd:element name="DSATActionTaken" ma:index="34" nillable="true" ma:displayName="DSAT Action Taken" ma:default="" ma:internalName="DSATActionTaken" ma:readOnly="false">
+      <xsd:simpleType>
+        <xsd:restriction base="dms:Choice">
+          <xsd:enumeration value="Best Bets"/>
+          <xsd:enumeration value="Expire"/>
+          <xsd:enumeration value="Hide"/>
+          <xsd:enumeration value="None"/>
+        </xsd:restriction>
+      </xsd:simpleType>
+    </xsd:element>
+    <xsd:element name="APEditor" ma:index="35" nillable="true" ma:displayName="Editor" ma:default="" ma:list="UserInfo" ma:internalName="APEditor" ma:readOnly="false">
+      <xsd:complexType>
+        <xsd:complexContent>
+          <xsd:extension base="dms:User">
+            <xsd:sequence>
+              <xsd:element name="UserInfo" minOccurs="0" maxOccurs="unbounded">
+                <xsd:complexType>
+                  <xsd:sequence>
+                    <xsd:element name="DisplayName" type="xsd:string" minOccurs="0"/>
+                    <xsd:element name="AccountId" type="dms:UserId" minOccurs="0" nillable="true"/>
+                    <xsd:element name="AccountType" type="xsd:string" minOccurs="0"/>
+                  </xsd:sequence>
+                </xsd:complexType>
+              </xsd:element>
+            </xsd:sequence>
+          </xsd:extension>
+        </xsd:complexContent>
+      </xsd:complexType>
+    </xsd:element>
+    <xsd:element name="EditorialStatus" ma:index="36" nillable="true" ma:displayName="Editorial Status" ma:default="" ma:internalName="EditorialStatus" ma:readOnly="false">
+      <xsd:simpleType>
+        <xsd:restriction base="dms:Unknown"/>
+      </xsd:simpleType>
+    </xsd:element>
+    <xsd:element name="EditorialTags" ma:index="37" nillable="true" ma:displayName="Editorial Tags" ma:default="" ma:internalName="EditorialTags">
+      <xsd:simpleType>
+        <xsd:restriction base="dms:Unknown"/>
+      </xsd:simpleType>
+    </xsd:element>
+    <xsd:element name="TPExecutable" ma:index="38" nillable="true" ma:displayName="Executable" ma:default="" ma:internalName="TPExecutable">
+      <xsd:simpleType>
+        <xsd:restriction base="dms:Text"/>
+      </xsd:simpleType>
+    </xsd:element>
+    <xsd:element name="FeatureTagsTaxHTField0" ma:index="40" nillable="true" ma:taxonomy="true" ma:internalName="FeatureTagsTaxHTField0" ma:taxonomyFieldName="FeatureTags" ma:displayName="Features" ma:readOnly="false" ma:default="" ma:fieldId="{7fc0d542-15c6-4882-a8e3-13bca44403fb}" ma:taxonomyMulti="true" ma:sspId="8f79753a-75d3-41f5-8ca3-40b843941b4f" ma:termSetId="f1ab6845-967d-4854-a0ba-4ec07f0f8113" ma:anchorId="00000000-0000-0000-0000-000000000000" ma:open="false" ma:isKeyword="false">
+      <xsd:complexType>
+        <xsd:sequence>
+          <xsd:element ref="pc:Terms" minOccurs="0" maxOccurs="1"/>
+        </xsd:sequence>
+      </xsd:complexType>
+    </xsd:element>
+    <xsd:element name="TPFriendlyName" ma:index="41" nillable="true" ma:displayName="Friendly Name" ma:default="" ma:internalName="TPFriendlyName">
+      <xsd:simpleType>
+        <xsd:restriction base="dms:Text"/>
+      </xsd:simpleType>
+    </xsd:element>
+    <xsd:element name="FriendlyTitle" ma:index="42" nillable="true" ma:displayName="Friendly Title" ma:default="" ma:description="Shorter title to be used when displaying search results" ma:internalName="FriendlyTitle" ma:readOnly="false">
+      <xsd:simpleType>
+        <xsd:restriction base="dms:Text"/>
+      </xsd:simpleType>
+    </xsd:element>
+    <xsd:element name="PrimaryImageGen" ma:index="43" nillable="true" ma:displayName="Generate Images?" ma:default="true" ma:internalName="PrimaryImageGen">
+      <xsd:simpleType>
+        <xsd:restriction base="dms:Boolean"/>
+      </xsd:simpleType>
+    </xsd:element>
+    <xsd:element name="HandoffToMSDN" ma:index="44" nillable="true" ma:displayName="Handoff To MSDN Date" ma:default="" ma:internalName="HandoffToMSDN" ma:readOnly="false">
+      <xsd:simpleType>
+        <xsd:restriction base="dms:DateTime"/>
+      </xsd:simpleType>
+    </xsd:element>
+    <xsd:element name="InProjectListLookup" ma:index="45" nillable="true" ma:displayName="InProjectListLookup" ma:list="{9E343742-310B-4684-A24C-1D137CB4B230}" ma:internalName="InProjectListLookup" ma:readOnly="true" ma:showField="InProjectList" ma:web="4873beb7-5857-4685-be1f-d57550cc96cc">
+      <xsd:complexType>
+        <xsd:complexContent>
+          <xsd:extension base="dms:MultiChoiceLookup">
+            <xsd:sequence>
+              <xsd:element name="Value" type="dms:Lookup" maxOccurs="unbounded" minOccurs="0" nillable="true"/>
+            </xsd:sequence>
+          </xsd:extension>
+        </xsd:complexContent>
+      </xsd:complexType>
+    </xsd:element>
+    <xsd:element name="TPInstallLocation" ma:index="46" nillable="true" ma:displayName="Install Location" ma:default="" ma:internalName="TPInstallLocation">
+      <xsd:simpleType>
+        <xsd:restriction base="dms:Text"/>
+      </xsd:simpleType>
+    </xsd:element>
+    <xsd:element name="InternalTagsTaxHTField0" ma:index="48" nillable="true" ma:taxonomy="true" ma:internalName="InternalTagsTaxHTField0" ma:taxonomyFieldName="InternalTags" ma:displayName="Internal Tags" ma:readOnly="false" ma:default="" ma:fieldId="{1490b8a4-2706-41ec-b5e3-73176dccf34e}" ma:taxonomyMulti="true" ma:sspId="8f79753a-75d3-41f5-8ca3-40b843941b4f" ma:termSetId="82b6639e-f7fc-4c18-ad2d-003a6e707765" ma:anchorId="00000000-0000-0000-0000-000000000000" ma:open="false" ma:isKeyword="false">
+      <xsd:complexType>
+        <xsd:sequence>
+          <xsd:element ref="pc:Terms" minOccurs="0" maxOccurs="1"/>
+        </xsd:sequence>
+      </xsd:complexType>
+    </xsd:element>
+    <xsd:element name="IntlLangReview" ma:index="49" nillable="true" ma:displayName="Intl Lang QA Review Required?" ma:default="" ma:internalName="IntlLangReview" ma:readOnly="false">
+      <xsd:simpleType>
+        <xsd:restriction base="dms:Boolean"/>
+      </xsd:simpleType>
+    </xsd:element>
+    <xsd:element name="IntlLangReviewer" ma:index="50" nillable="true" ma:displayName="Intl Lang QA Reviewer" ma:default="" ma:internalName="IntlLangReviewer" ma:readOnly="false">
+      <xsd:simpleType>
+        <xsd:restriction base="dms:Text"/>
+      </xsd:simpleType>
+    </xsd:element>
+    <xsd:element name="MarketSpecific" ma:index="51" nillable="true" ma:displayName="Is Market Specific?" ma:default="" ma:internalName="MarketSpecific" ma:readOnly="false">
+      <xsd:simpleType>
+        <xsd:restriction base="dms:Boolean"/>
+      </xsd:simpleType>
+    </xsd:element>
+    <xsd:element name="LastCompleteVersionLookup" ma:index="52" nillable="true" ma:displayName="Last Complete Version Lookup" ma:default="" ma:list="{9E343742-310B-4684-A24C-1D137CB4B230}" ma:internalName="LastCompleteVersionLookup" ma:readOnly="true" ma:showField="LastCompleteVersion" ma:web="4873beb7-5857-4685-be1f-d57550cc96cc">
+      <xsd:complexType>
+        <xsd:complexContent>
+          <xsd:extension base="dms:MultiChoiceLookup">
+            <xsd:sequence>
+              <xsd:element name="Value" type="dms:Lookup" maxOccurs="unbounded" minOccurs="0" nillable="true"/>
+            </xsd:sequence>
+          </xsd:extension>
+        </xsd:complexContent>
+      </xsd:complexType>
+    </xsd:element>
+    <xsd:element name="LastHandOff" ma:index="53" nillable="true" ma:displayName="Last Hand-off" ma:default="" ma:internalName="LastHandOff" ma:readOnly="false">
+      <xsd:simpleType>
+        <xsd:restriction base="dms:DateTime"/>
+      </xsd:simpleType>
+    </xsd:element>
+    <xsd:element name="LastModifiedDateTime" ma:index="54" nillable="true" ma:displayName="Last Modified Date" ma:default="" ma:internalName="LastModifiedDateTime" ma:readOnly="false">
+      <xsd:simpleType>
+        <xsd:restriction base="dms:DateTime"/>
+      </xsd:simpleType>
+    </xsd:element>
+    <xsd:element name="LastPreviewErrorLookup" ma:index="55" nillable="true" ma:displayName="Last Preview Attempt Error" ma:default="" ma:list="{9E343742-310B-4684-A24C-1D137CB4B230}" ma:internalName="LastPreviewErrorLookup" ma:readOnly="true" ma:showField="LastPreviewError" ma:web="4873beb7-5857-4685-be1f-d57550cc96cc">
+      <xsd:complexType>
+        <xsd:complexContent>
+          <xsd:extension base="dms:MultiChoiceLookup">
+            <xsd:sequence>
+              <xsd:element name="Value" type="dms:Lookup" maxOccurs="unbounded" minOccurs="0" nillable="true"/>
+            </xsd:sequence>
+          </xsd:extension>
+        </xsd:complexContent>
+      </xsd:complexType>
+    </xsd:element>
+    <xsd:element name="LastPreviewResultLookup" ma:index="56" nillable="true" ma:displayName="Last Preview Attempt Result" ma:default="" ma:list="{9E343742-310B-4684-A24C-1D137CB4B230}" ma:internalName="LastPreviewResultLookup" ma:readOnly="true" ma:showField="LastPreviewResult" ma:web="4873beb7-5857-4685-be1f-d57550cc96cc">
+      <xsd:complexType>
+        <xsd:complexContent>
+          <xsd:extension base="dms:MultiChoiceLookup">
+            <xsd:sequence>
+              <xsd:element name="Value" type="dms:Lookup" maxOccurs="unbounded" minOccurs="0" nillable="true"/>
+            </xsd:sequence>
+          </xsd:extension>
+        </xsd:complexContent>
+      </xsd:complexType>
+    </xsd:element>
+    <xsd:element name="LastPreviewAttemptDateLookup" ma:index="57" nillable="true" ma:displayName="Last Preview Attempted On" ma:default="" ma:list="{9E343742-310B-4684-A24C-1D137CB4B230}" ma:internalName="LastPreviewAttemptDateLookup" ma:readOnly="true" ma:showField="LastPreviewAttemptDate" ma:web="4873beb7-5857-4685-be1f-d57550cc96cc">
+      <xsd:complexType>
+        <xsd:complexContent>
+          <xsd:extension base="dms:MultiChoiceLookup">
+            <xsd:sequence>
+              <xsd:element name="Value" type="dms:Lookup" maxOccurs="unbounded" minOccurs="0" nillable="true"/>
+            </xsd:sequence>
+          </xsd:extension>
+        </xsd:complexContent>
+      </xsd:complexType>
+    </xsd:element>
+    <xsd:element name="LastPreviewedByLookup" ma:index="58" nillable="true" ma:displayName="Last Previewed By" ma:default="" ma:list="{9E343742-310B-4684-A24C-1D137CB4B230}" ma:internalName="LastPreviewedByLookup" ma:readOnly="true" ma:showField="LastPreviewedBy" ma:web="4873beb7-5857-4685-be1f-d57550cc96cc">
+      <xsd:complexType>
+        <xsd:complexContent>
+          <xsd:extension base="dms:MultiChoiceLookup">
+            <xsd:sequence>
+              <xsd:element name="Value" type="dms:Lookup" maxOccurs="unbounded" minOccurs="0" nillable="true"/>
+            </xsd:sequence>
+          </xsd:extension>
+        </xsd:complexContent>
+      </xsd:complexType>
+    </xsd:element>
+    <xsd:element name="LastPreviewTimeLookup" ma:index="59" nillable="true" ma:displayName="Last Previewed Date" ma:default="" ma:list="{9E343742-310B-4684-A24C-1D137CB4B230}" ma:internalName="LastPreviewTimeLookup" ma:readOnly="true" ma:showField="LastPreviewTime" ma:web="4873beb7-5857-4685-be1f-d57550cc96cc">
+      <xsd:complexType>
+        <xsd:complexContent>
+          <xsd:extension base="dms:MultiChoiceLookup">
+            <xsd:sequence>
+              <xsd:element name="Value" type="dms:Lookup" maxOccurs="unbounded" minOccurs="0" nillable="true"/>
+            </xsd:sequence>
+          </xsd:extension>
+        </xsd:complexContent>
+      </xsd:complexType>
+    </xsd:element>
+    <xsd:element name="LastPreviewVersionLookup" ma:index="60" nillable="true" ma:displayName="Last Previewed Version" ma:default="" ma:list="{9E343742-310B-4684-A24C-1D137CB4B230}" ma:internalName="LastPreviewVersionLookup" ma:readOnly="true" ma:showField="LastPreviewVersion" ma:web="4873beb7-5857-4685-be1f-d57550cc96cc">
+      <xsd:complexType>
+        <xsd:complexContent>
+          <xsd:extension base="dms:MultiChoiceLookup">
+            <xsd:sequence>
+              <xsd:element name="Value" type="dms:Lookup" maxOccurs="unbounded" minOccurs="0" nillable="true"/>
+            </xsd:sequence>
+          </xsd:extension>
+        </xsd:complexContent>
+      </xsd:complexType>
+    </xsd:element>
+    <xsd:element name="LastPublishErrorLookup" ma:index="61" nillable="true" ma:displayName="Last Publish Attempt Error" ma:default="" ma:list="{9E343742-310B-4684-A24C-1D137CB4B230}" ma:internalName="LastPublishErrorLookup" ma:readOnly="true" ma:showField="LastPublishError" ma:web="4873beb7-5857-4685-be1f-d57550cc96cc">
+      <xsd:complexType>
+        <xsd:complexContent>
+          <xsd:extension base="dms:MultiChoiceLookup">
+            <xsd:sequence>
+              <xsd:element name="Value" type="dms:Lookup" maxOccurs="unbounded" minOccurs="0" nillable="true"/>
+            </xsd:sequence>
+          </xsd:extension>
+        </xsd:complexContent>
+      </xsd:complexType>
+    </xsd:element>
+    <xsd:element name="LastPublishResultLookup" ma:index="62" nillable="true" ma:displayName="Last Publish Attempt Result" ma:default="" ma:list="{9E343742-310B-4684-A24C-1D137CB4B230}" ma:internalName="LastPublishResultLookup" ma:readOnly="true" ma:showField="LastPublishResult" ma:web="4873beb7-5857-4685-be1f-d57550cc96cc">
+      <xsd:complexType>
+        <xsd:complexContent>
+          <xsd:extension base="dms:MultiChoiceLookup">
+            <xsd:sequence>
+              <xsd:element name="Value" type="dms:Lookup" maxOccurs="unbounded" minOccurs="0" nillable="true"/>
+            </xsd:sequence>
+          </xsd:extension>
+        </xsd:complexContent>
+      </xsd:complexType>
+    </xsd:element>
+    <xsd:element name="LastPublishAttemptDateLookup" ma:index="63" nillable="true" ma:displayName="Last Publish Attempted On" ma:default="" ma:list="{9E343742-310B-4684-A24C-1D137CB4B230}" ma:internalName="LastPublishAttemptDateLookup" ma:readOnly="true" ma:showField="LastPublishAttemptDate" ma:web="4873beb7-5857-4685-be1f-d57550cc96cc">
+      <xsd:complexType>
+        <xsd:complexContent>
+          <xsd:extension base="dms:MultiChoiceLookup">
+            <xsd:sequence>
+              <xsd:element name="Value" type="dms:Lookup" maxOccurs="unbounded" minOccurs="0" nillable="true"/>
+            </xsd:sequence>
+          </xsd:extension>
+        </xsd:complexContent>
+      </xsd:complexType>
+    </xsd:element>
+    <xsd:element name="LastPublishedByLookup" ma:index="64" nillable="true" ma:displayName="Last Published By" ma:default="" ma:list="{9E343742-310B-4684-A24C-1D137CB4B230}" ma:internalName="LastPublishedByLookup" ma:readOnly="true" ma:showField="LastPublishedBy" ma:web="4873beb7-5857-4685-be1f-d57550cc96cc">
+      <xsd:complexType>
+        <xsd:complexContent>
+          <xsd:extension base="dms:MultiChoiceLookup">
+            <xsd:sequence>
+              <xsd:element name="Value" type="dms:Lookup" maxOccurs="unbounded" minOccurs="0" nillable="true"/>
+            </xsd:sequence>
+          </xsd:extension>
+        </xsd:complexContent>
+      </xsd:complexType>
+    </xsd:element>
+    <xsd:element name="LastPublishTimeLookup" ma:index="65" nillable="true" ma:displayName="Last Published Date" ma:default="" ma:list="{9E343742-310B-4684-A24C-1D137CB4B230}" ma:internalName="LastPublishTimeLookup" ma:readOnly="true" ma:showField="LastPublishTime" ma:web="4873beb7-5857-4685-be1f-d57550cc96cc">
+      <xsd:complexType>
+        <xsd:complexContent>
+          <xsd:extension base="dms:MultiChoiceLookup">
+            <xsd:sequence>
+              <xsd:element name="Value" type="dms:Lookup" maxOccurs="unbounded" minOccurs="0" nillable="true"/>
+            </xsd:sequence>
+          </xsd:extension>
+        </xsd:complexContent>
+      </xsd:complexType>
+    </xsd:element>
+    <xsd:element name="LastPublishVersionLookup" ma:index="66" nillable="true" ma:displayName="Last Published Version" ma:default="" ma:list="{9E343742-310B-4684-A24C-1D137CB4B230}" ma:internalName="LastPublishVersionLookup" ma:readOnly="true" ma:showField="LastPublishVersion" ma:web="4873beb7-5857-4685-be1f-d57550cc96cc">
+      <xsd:complexType>
+        <xsd:complexContent>
+          <xsd:extension base="dms:MultiChoiceLookup">
+            <xsd:sequence>
+              <xsd:element name="Value" type="dms:Lookup" maxOccurs="unbounded" minOccurs="0" nillable="true"/>
+            </xsd:sequence>
+          </xsd:extension>
+        </xsd:complexContent>
+      </xsd:complexType>
+    </xsd:element>
+    <xsd:element name="TPLaunchHelpLinkType" ma:index="67" nillable="true" ma:displayName="Launch Help Link Type" ma:default="Template" ma:internalName="TPLaunchHelpLinkType">
+      <xsd:simpleType>
+        <xsd:restriction base="dms:Choice">
+          <xsd:enumeration value="Template"/>
+          <xsd:enumeration value="Training"/>
+          <xsd:enumeration value="URL"/>
+          <xsd:enumeration value="None"/>
+        </xsd:restriction>
+      </xsd:simpleType>
+    </xsd:element>
+    <xsd:element name="LegacyData" ma:index="68" nillable="true" ma:displayName="Legacy Data" ma:default="" ma:internalName="LegacyData" ma:readOnly="false">
+      <xsd:simpleType>
+        <xsd:restriction base="dms:Note"/>
+      </xsd:simpleType>
+    </xsd:element>
+    <xsd:element name="TPLaunchHelpLink" ma:index="69" nillable="true" ma:displayName="Link to Launch Help Topic" ma:default="" ma:internalName="TPLaunchHelpLink">
+      <xsd:simpleType>
+        <xsd:restriction base="dms:Text"/>
+      </xsd:simpleType>
+    </xsd:element>
+    <xsd:element name="LocComments" ma:index="70" nillable="true" ma:displayName="Loc Approval Comments" ma:default="" ma:internalName="LocComments" ma:readOnly="false">
+      <xsd:simpleType>
+        <xsd:restriction base="dms:Note"/>
+      </xsd:simpleType>
+    </xsd:element>
+    <xsd:element name="LocLastLocAttemptVersionLookup" ma:index="71" nillable="true" ma:displayName="Loc Last Loc Attempt Version" ma:default="" ma:list="{7DD1DCEC-E449-43D3-891F-7DC62F62AD21}" ma:internalName="LocLastLocAttemptVersionLookup" ma:readOnly="false" ma:showField="LastLocAttemptVersion" ma:web="4873beb7-5857-4685-be1f-d57550cc96cc">
+      <xsd:simpleType>
+        <xsd:restriction base="dms:Lookup"/>
+      </xsd:simpleType>
+    </xsd:element>
+    <xsd:element name="LocLastLocAttemptVersionTypeLookup" ma:index="72" nillable="true" ma:displayName="Loc Last Loc Attempt Version Type" ma:default="" ma:list="{7DD1DCEC-E449-43D3-891F-7DC62F62AD21}" ma:internalName="LocLastLocAttemptVersionTypeLookup" ma:readOnly="true" ma:showField="LastLocAttemptVersionType" ma:web="4873beb7-5857-4685-be1f-d57550cc96cc">
+      <xsd:simpleType>
+        <xsd:restriction base="dms:Lookup"/>
+      </xsd:simpleType>
+    </xsd:element>
+    <xsd:element name="LocManualTestRequired" ma:index="73" nillable="true" ma:displayName="Loc Manual Test Required" ma:default="" ma:internalName="LocManualTestRequired" ma:readOnly="false">
+      <xsd:simpleType>
+        <xsd:restriction base="dms:Boolean"/>
+      </xsd:simpleType>
+    </xsd:element>
+    <xsd:element name="LocMarketGroupTiers2" ma:index="74" nillable="true" ma:displayName="Loc Market Group Tiers" ma:internalName="LocMarketGroupTiers2" ma:readOnly="false">
+      <xsd:simpleType>
+        <xsd:restriction base="dms:Unknown"/>
+      </xsd:simpleType>
+    </xsd:element>
+    <xsd:element name="LocNewPublishedVersionLookup" ma:index="75" nillable="true" ma:displayName="Loc New Published Version Lookup" ma:default="" ma:list="{7DD1DCEC-E449-43D3-891F-7DC62F62AD21}" ma:internalName="LocNewPublishedVersionLookup" ma:readOnly="true" ma:showField="NewPublishedVersion" ma:web="4873beb7-5857-4685-be1f-d57550cc96cc">
+      <xsd:simpleType>
+        <xsd:restriction base="dms:Lookup"/>
+      </xsd:simpleType>
+    </xsd:element>
+    <xsd:element name="LocOverallHandbackStatusLookup" ma:index="76" nillable="true" ma:displayName="Loc Overall Handback Status" ma:default="" ma:list="{7DD1DCEC-E449-43D3-891F-7DC62F62AD21}" ma:internalName="LocOverallHandbackStatusLookup" ma:readOnly="true" ma:showField="OverallHandbackStatus" ma:web="4873beb7-5857-4685-be1f-d57550cc96cc">
+      <xsd:simpleType>
+        <xsd:restriction base="dms:Lookup"/>
+      </xsd:simpleType>
+    </xsd:element>
+    <xsd:element name="LocOverallLocStatusLookup" ma:index="77" nillable="true" ma:displayName="Loc Overall Localize Status" ma:default="" ma:list="{7DD1DCEC-E449-43D3-891F-7DC62F62AD21}" ma:internalName="LocOverallLocStatusLookup" ma:readOnly="true" ma:showField="OverallLocStatus" ma:web="4873beb7-5857-4685-be1f-d57550cc96cc">
+      <xsd:simpleType>
+        <xsd:restriction base="dms:Lookup"/>
+      </xsd:simpleType>
+    </xsd:element>
+    <xsd:element name="LocOverallPreviewStatusLookup" ma:index="78" nillable="true" ma:displayName="Loc Overall Preview Status" ma:default="" ma:list="{7DD1DCEC-E449-43D3-891F-7DC62F62AD21}" ma:internalName="LocOverallPreviewStatusLookup" ma:readOnly="true" ma:showField="OverallPreviewStatus" ma:web="4873beb7-5857-4685-be1f-d57550cc96cc">
+      <xsd:simpleType>
+        <xsd:restriction base="dms:Lookup"/>
+      </xsd:simpleType>
+    </xsd:element>
+    <xsd:element name="LocOverallPublishStatusLookup" ma:index="79" nillable="true" ma:displayName="Loc Overall Publish Status" ma:default="" ma:list="{7DD1DCEC-E449-43D3-891F-7DC62F62AD21}" ma:internalName="LocOverallPublishStatusLookup" ma:readOnly="true" ma:showField="OverallPublishStatus" ma:web="4873beb7-5857-4685-be1f-d57550cc96cc">
+      <xsd:simpleType>
+        <xsd:restriction base="dms:Lookup"/>
+      </xsd:simpleType>
+    </xsd:element>
+    <xsd:element name="IntlLocPriority" ma:index="80" nillable="true" ma:displayName="Loc Priority" ma:default="" ma:internalName="IntlLocPriority" ma:readOnly="false">
+      <xsd:simpleType>
+        <xsd:restriction base="dms:Unknown"/>
+      </xsd:simpleType>
+    </xsd:element>
+    <xsd:element name="LocProcessedForHandoffsLookup" ma:index="81" nillable="true" ma:displayName="Loc Processed For Handoffs" ma:default="" ma:list="{7DD1DCEC-E449-43D3-891F-7DC62F62AD21}" ma:internalName="LocProcessedForHandoffsLookup" ma:readOnly="true" ma:showField="ProcessedForHandoffs" ma:web="4873beb7-5857-4685-be1f-d57550cc96cc">
+      <xsd:simpleType>
+        <xsd:restriction base="dms:Lookup"/>
+      </xsd:simpleType>
+    </xsd:element>
+    <xsd:element name="LocProcessedForMarketsLookup" ma:index="82" nillable="true" ma:displayName="Loc Processed For Markets" ma:default="" ma:list="{7DD1DCEC-E449-43D3-891F-7DC62F62AD21}" ma:internalName="LocProcessedForMarketsLookup" ma:readOnly="true" ma:showField="ProcessedForMarkets" ma:web="4873beb7-5857-4685-be1f-d57550cc96cc">
+      <xsd:simpleType>
+        <xsd:restriction base="dms:Lookup"/>
+      </xsd:simpleType>
+    </xsd:element>
+    <xsd:element name="LocPublishedDependentAssetsLookup" ma:index="83" nillable="true" ma:displayName="Loc Published Dependent Assets" ma:default="" ma:list="{7DD1DCEC-E449-43D3-891F-7DC62F62AD21}" ma:internalName="LocPublishedDependentAssetsLookup" ma:readOnly="true" ma:showField="PublishedDependentAssets" ma:web="4873beb7-5857-4685-be1f-d57550cc96cc">
+      <xsd:simpleType>
+        <xsd:restriction base="dms:Lookup"/>
+      </xsd:simpleType>
+    </xsd:element>
+    <xsd:element name="LocPublishedLinkedAssetsLookup" ma:index="84" nillable="true" ma:displayName="Loc Published Linked Assets" ma:default="" ma:list="{7DD1DCEC-E449-43D3-891F-7DC62F62AD21}" ma:internalName="LocPublishedLinkedAssetsLookup" ma:readOnly="true" ma:showField="PublishedLinkedAssets" ma:web="4873beb7-5857-4685-be1f-d57550cc96cc">
+      <xsd:simpleType>
+        <xsd:restriction base="dms:Lookup"/>
+      </xsd:simpleType>
+    </xsd:element>
+    <xsd:element name="LocRecommendedHandoff" ma:index="85" nillable="true" ma:displayName="Loc Recommended Handoff" ma:default="" ma:indexed="true" ma:internalName="LocRecommendedHandoff" ma:readOnly="false">
+      <xsd:simpleType>
+        <xsd:restriction base="dms:Text"/>
+      </xsd:simpleType>
+    </xsd:element>
+    <xsd:element name="LocalizationTagsTaxHTField0" ma:index="87" nillable="true" ma:taxonomy="true" ma:internalName="LocalizationTagsTaxHTField0" ma:taxonomyFieldName="LocalizationTags" ma:displayName="Localization Tags" ma:readOnly="false" ma:default="" ma:fieldId="{00f02cb3-2c7c-424a-9c61-10e9b6878429}" ma:taxonomyMulti="true" ma:sspId="8f79753a-75d3-41f5-8ca3-40b843941b4f" ma:termSetId="5b7703a5-8e8b-4b58-8b31-1cea35331da3" ma:anchorId="00000000-0000-0000-0000-000000000000" ma:open="false" ma:isKeyword="false">
+      <xsd:complexType>
+        <xsd:sequence>
+          <xsd:element ref="pc:Terms" minOccurs="0" maxOccurs="1"/>
+        </xsd:sequence>
+      </xsd:complexType>
+    </xsd:element>
+    <xsd:element name="MachineTranslated" ma:index="88" nillable="true" ma:displayName="Machine Translated" ma:default="" ma:internalName="MachineTranslated" ma:readOnly="false">
+      <xsd:simpleType>
+        <xsd:restriction base="dms:Boolean"/>
+      </xsd:simpleType>
+    </xsd:element>
+    <xsd:element name="Manager" ma:index="89" nillable="true" ma:displayName="Manager" ma:hidden="true" ma:internalName="Manager" ma:readOnly="false">
+      <xsd:simpleType>
+        <xsd:restriction base="dms:Text"/>
+      </xsd:simpleType>
+    </xsd:element>
+    <xsd:element name="Markets" ma:index="90" nillable="true" ma:displayName="Markets" ma:default="" ma:description="Leave blank to show in all markets" ma:list="{2FBD1B11-2ACE-4FDC-B5A3-635D4ADF6F1B}" ma:internalName="Markets" ma:readOnly="false" ma:showField="MarketName" ma:web="4873beb7-5857-4685-be1f-d57550cc96cc">
+      <xsd:complexType>
+        <xsd:complexContent>
+          <xsd:extension base="dms:MultiChoiceLookup">
+            <xsd:sequence>
+              <xsd:element name="Value" type="dms:Lookup" maxOccurs="unbounded" minOccurs="0" nillable="true"/>
+            </xsd:sequence>
+          </xsd:extension>
+        </xsd:complexContent>
+      </xsd:complexType>
+    </xsd:element>
+    <xsd:element name="Milestone" ma:index="91" nillable="true" ma:displayName="Milestone" ma:default="" ma:internalName="Milestone" ma:readOnly="false">
+      <xsd:simpleType>
+        <xsd:restriction base="dms:Unknown"/>
+      </xsd:simpleType>
+    </xsd:element>
+    <xsd:element name="TPNamespace" ma:index="94" nillable="true" ma:displayName="Namespace" ma:default="" ma:internalName="TPNamespace">
+      <xsd:simpleType>
+        <xsd:restriction base="dms:Text"/>
+      </xsd:simpleType>
+    </xsd:element>
+    <xsd:element name="NumericId" ma:index="95" nillable="true" ma:displayName="Numeric ID" ma:default="" ma:indexed="true" ma:internalName="NumericId" ma:readOnly="false">
+      <xsd:simpleType>
+        <xsd:restriction base="dms:Number"/>
+      </xsd:simpleType>
+    </xsd:element>
+    <xsd:element name="NumOfRatingsLookup" ma:index="96" nillable="true" ma:displayName="NumOfRatings" ma:default="" ma:list="{9E343742-310B-4684-A24C-1D137CB4B230}" ma:internalName="NumOfRatingsLookup" ma:readOnly="true" ma:showField="NumOfRatings" ma:web="4873beb7-5857-4685-be1f-d57550cc96cc">
+      <xsd:complexType>
+        <xsd:complexContent>
+          <xsd:extension base="dms:MultiChoiceLookup">
+            <xsd:sequence>
+              <xsd:element name="Value" type="dms:Lookup" maxOccurs="unbounded" minOccurs="0" nillable="true"/>
+            </xsd:sequence>
+          </xsd:extension>
+        </xsd:complexContent>
+      </xsd:complexType>
+    </xsd:element>
+    <xsd:element name="OOCacheId" ma:index="97" nillable="true" ma:displayName="OOCacheId" ma:internalName="OOCacheId" ma:readOnly="false">
+      <xsd:simpleType>
+        <xsd:restriction base="dms:Text"/>
+      </xsd:simpleType>
+    </xsd:element>
+    <xsd:element name="OpenTemplate" ma:index="98" nillable="true" ma:displayName="Open Template" ma:default="true" ma:internalName="OpenTemplate">
+      <xsd:simpleType>
+        <xsd:restriction base="dms:Boolean"/>
+      </xsd:simpleType>
+    </xsd:element>
+    <xsd:element name="OriginAsset" ma:index="99" nillable="true" ma:displayName="Origin Asset" ma:default="" ma:internalName="OriginAsset" ma:readOnly="false">
+      <xsd:simpleType>
+        <xsd:restriction base="dms:Text"/>
+      </xsd:simpleType>
+    </xsd:element>
+    <xsd:element name="OriginalRelease" ma:index="100" nillable="true" ma:displayName="Original Release" ma:default="15" ma:internalName="OriginalRelease" ma:readOnly="false">
+      <xsd:simpleType>
+        <xsd:restriction base="dms:Choice">
+          <xsd:enumeration value="14"/>
+          <xsd:enumeration value="15"/>
+          <xsd:enumeration value="16"/>
+        </xsd:restriction>
+      </xsd:simpleType>
+    </xsd:element>
+    <xsd:element name="OriginalSourceMarket" ma:index="101" nillable="true" ma:displayName="Original Source Market Group" ma:default="" ma:internalName="OriginalSourceMarket" ma:readOnly="false">
+      <xsd:simpleType>
+        <xsd:restriction base="dms:Text"/>
+      </xsd:simpleType>
+    </xsd:element>
+    <xsd:element name="OutputCachingOn" ma:index="102" nillable="true" ma:displayName="Output Caching" ma:default="true" ma:hidden="true" ma:internalName="OutputCachingOn" ma:readOnly="false">
+      <xsd:simpleType>
+        <xsd:restriction base="dms:Boolean"/>
+      </xsd:simpleType>
+    </xsd:element>
+    <xsd:element name="ParentAssetId" ma:index="103" nillable="true" ma:displayName="Parent Asset Id" ma:default="" ma:internalName="ParentAssetId" ma:readOnly="false">
+      <xsd:simpleType>
+        <xsd:restriction base="dms:Text"/>
+      </xsd:simpleType>
+    </xsd:element>
+    <xsd:element name="PlannedPubDate" ma:index="104" nillable="true" ma:displayName="Planned Publish Date" ma:default="" ma:indexed="true" ma:internalName="PlannedPubDate" ma:readOnly="false">
+      <xsd:simpleType>
+        <xsd:restriction base="dms:DateTime"/>
+      </xsd:simpleType>
+    </xsd:element>
+    <xsd:element name="PolicheckWords" ma:index="105" nillable="true" ma:displayName="Policheck Words" ma:default="" ma:internalName="PolicheckWords" ma:readOnly="false">
+      <xsd:simpleType>
+        <xsd:restriction base="dms:Text"/>
+      </xsd:simpleType>
+    </xsd:element>
+    <xsd:element name="BusinessGroup" ma:index="106" nillable="true" ma:displayName="Product Division Owner" ma:default="" ma:internalName="BusinessGroup" ma:readOnly="false">
+      <xsd:simpleType>
+        <xsd:restriction base="dms:Unknown"/>
+      </xsd:simpleType>
+    </xsd:element>
+    <xsd:element name="UAProjectedTotalWords" ma:index="107" nillable="true" ma:displayName="Projected Word Count" ma:default="" ma:internalName="UAProjectedTotalWords" ma:readOnly="false">
+      <xsd:simpleType>
+        <xsd:restriction base="dms:Unknown"/>
+      </xsd:simpleType>
+    </xsd:element>
+    <xsd:element name="Provider" ma:index="108" nillable="true" ma:displayName="Provider" ma:default="" ma:internalName="Provider" ma:readOnly="false">
+      <xsd:simpleType>
+        <xsd:restriction base="dms:Unknown"/>
+      </xsd:simpleType>
+    </xsd:element>
+    <xsd:element name="Providers" ma:index="109" nillable="true" ma:displayName="Providers" ma:default="" ma:internalName="Providers">
+      <xsd:simpleType>
+        <xsd:restriction base="dms:Unknown"/>
+      </xsd:simpleType>
+    </xsd:element>
+    <xsd:element name="PublishStatusLookup" ma:index="110" nillable="true" ma:displayName="Publish Status" ma:default="" ma:list="{9E343742-310B-4684-A24C-1D137CB4B230}" ma:internalName="PublishStatusLookup" ma:readOnly="false" ma:showField="PublishStatus" ma:web="4873beb7-5857-4685-be1f-d57550cc96cc">
+      <xsd:complexType>
+        <xsd:complexContent>
+          <xsd:extension base="dms:MultiChoiceLookup">
+            <xsd:sequence>
+              <xsd:element name="Value" type="dms:Lookup" maxOccurs="unbounded" minOccurs="0" nillable="true"/>
+            </xsd:sequence>
+          </xsd:extension>
+        </xsd:complexContent>
+      </xsd:complexType>
+    </xsd:element>
+    <xsd:element name="PublishTargets" ma:index="111" nillable="true" ma:displayName="Publish Target" ma:default="OfficeOnlineVNext" ma:internalName="PublishTargets" ma:readOnly="false">
+      <xsd:simpleType>
+        <xsd:restriction base="dms:Unknown"/>
+      </xsd:simpleType>
+    </xsd:element>
+    <xsd:element name="RecommendationsModifier" ma:index="112" nillable="true" ma:displayName="Recommendations Modifier" ma:default="" ma:internalName="RecommendationsModifier" ma:readOnly="false">
+      <xsd:simpleType>
+        <xsd:restriction base="dms:Number"/>
+      </xsd:simpleType>
+    </xsd:element>
+    <xsd:element name="ArtSampleDocs" ma:index="113" nillable="true" ma:displayName="Sample Docs" ma:default="" ma:hidden="true" ma:internalName="ArtSampleDocs" ma:readOnly="false">
+      <xsd:simpleType>
+        <xsd:restriction base="dms:Text"/>
+      </xsd:simpleType>
+    </xsd:element>
+    <xsd:element name="ScenarioTagsTaxHTField0" ma:index="115" nillable="true" ma:taxonomy="true" ma:internalName="ScenarioTagsTaxHTField0" ma:taxonomyFieldName="ScenarioTags" ma:displayName="Scenarios" ma:readOnly="false" ma:default="" ma:fieldId="{93aef74d-6c78-4815-8310-51477dceeccc}" ma:taxonomyMulti="true" ma:sspId="8f79753a-75d3-41f5-8ca3-40b843941b4f" ma:termSetId="4b7d5f16-e2f2-4fc0-bab3-6e8b931e57d6" ma:anchorId="00000000-0000-0000-0000-000000000000" ma:open="false" ma:isKeyword="false">
+      <xsd:complexType>
+        <xsd:sequence>
+          <xsd:element ref="pc:Terms" minOccurs="0" maxOccurs="1"/>
+        </xsd:sequence>
+      </xsd:complexType>
+    </xsd:element>
+    <xsd:element name="ShowIn" ma:index="117" nillable="true" ma:displayName="Show In" ma:default="Show everywhere" ma:internalName="ShowIn" ma:readOnly="false">
+      <xsd:simpleType>
+        <xsd:restriction base="dms:Choice">
+          <xsd:enumeration value="Hide on web"/>
+          <xsd:enumeration value="On Web no search"/>
+          <xsd:enumeration value="Show everywhere"/>
+          <xsd:enumeration value="Special use only"/>
+        </xsd:restriction>
+      </xsd:simpleType>
+    </xsd:element>
+    <xsd:element name="SourceTitle" ma:index="118" nillable="true" ma:displayName="Source Title" ma:default="" ma:indexed="true" ma:internalName="SourceTitle" ma:readOnly="false">
+      <xsd:simpleType>
+        <xsd:restriction base="dms:Text"/>
+      </xsd:simpleType>
+    </xsd:element>
+    <xsd:element name="CSXSubmissionDate" ma:index="119" nillable="true" ma:displayName="Submission Date" ma:default="" ma:internalName="CSXSubmissionDate" ma:readOnly="false">
+      <xsd:simpleType>
+        <xsd:restriction base="dms:DateTime"/>
+      </xsd:simpleType>
+    </xsd:element>
+    <xsd:element name="SubmitterId" ma:index="120" nillable="true" ma:displayName="Submitter ID" ma:default="" ma:internalName="SubmitterId" ma:readOnly="false">
+      <xsd:simpleType>
+        <xsd:restriction base="dms:Text"/>
+      </xsd:simpleType>
+    </xsd:element>
+    <xsd:element name="TaxCatchAll" ma:index="121" nillable="true" ma:displayName="Taxonomy Catch All Column" ma:hidden="true" ma:list="{530f955b-6704-4601-bd83-f81d87f1e440}" ma:internalName="TaxCatchAll" ma:showField="CatchAllData" ma:web="4873beb7-5857-4685-be1f-d57550cc96cc">
+      <xsd:complexType>
+        <xsd:complexContent>
+          <xsd:extension base="dms:MultiChoiceLookup">
+            <xsd:sequence>
+              <xsd:element name="Value" type="dms:Lookup" maxOccurs="unbounded" minOccurs="0" nillable="true"/>
+            </xsd:sequence>
+          </xsd:extension>
+        </xsd:complexContent>
+      </xsd:complexType>
+    </xsd:element>
+    <xsd:element name="TaxCatchAllLabel" ma:index="122" nillable="true" ma:displayName="Taxonomy Catch All Column1" ma:hidden="true" ma:list="{530f955b-6704-4601-bd83-f81d87f1e440}" ma:internalName="TaxCatchAllLabel" ma:readOnly="true" ma:showField="CatchAllDataLabel" ma:web="4873beb7-5857-4685-be1f-d57550cc96cc">
+      <xsd:complexType>
+        <xsd:complexContent>
+          <xsd:extension base="dms:MultiChoiceLookup">
+            <xsd:sequence>
+              <xsd:element name="Value" type="dms:Lookup" maxOccurs="unbounded" minOccurs="0" nillable="true"/>
+            </xsd:sequence>
+          </xsd:extension>
+        </xsd:complexContent>
+      </xsd:complexType>
+    </xsd:element>
+    <xsd:element name="TemplateStatus" ma:index="123" nillable="true" ma:displayName="Template Status" ma:default="" ma:internalName="TemplateStatus">
+      <xsd:simpleType>
+        <xsd:restriction base="dms:Unknown"/>
+      </xsd:simpleType>
+    </xsd:element>
+    <xsd:element name="TemplateTemplateType" ma:index="124" nillable="true" ma:displayName="Template Type" ma:default="" ma:internalName="TemplateTemplateType">
+      <xsd:simpleType>
+        <xsd:restriction base="dms:Unknown"/>
+      </xsd:simpleType>
+    </xsd:element>
+    <xsd:element name="ThumbnailAssetId" ma:index="125" nillable="true" ma:displayName="Thumbnail Image Asset" ma:default="" ma:internalName="ThumbnailAssetId" ma:readOnly="false">
+      <xsd:simpleType>
+        <xsd:restriction base="dms:Text"/>
+      </xsd:simpleType>
+    </xsd:element>
+    <xsd:element name="TimesCloned" ma:index="126" nillable="true" ma:displayName="Times Cloned" ma:default="" ma:internalName="TimesCloned" ma:readOnly="false">
+      <xsd:simpleType>
+        <xsd:restriction base="dms:Number"/>
+      </xsd:simpleType>
+    </xsd:element>
+    <xsd:element name="TrustLevel" ma:index="128" nillable="true" ma:displayName="Trust Level" ma:default="1 Microsoft Managed Content" ma:internalName="TrustLevel" ma:readOnly="false">
+      <xsd:simpleType>
+        <xsd:restriction base="dms:Unknown"/>
+      </xsd:simpleType>
+    </xsd:element>
+    <xsd:element name="UALocComments" ma:index="129" nillable="true" ma:displayName="UA Loc Comments" ma:default="" ma:internalName="UALocComments" ma:readOnly="false">
+      <xsd:simpleType>
+        <xsd:restriction base="dms:Note"/>
+      </xsd:simpleType>
+    </xsd:element>
+    <xsd:element name="UALocRecommendation" ma:index="130" nillable="true" ma:displayName="UA Loc Recommendation" ma:default="Localize" ma:internalName="UALocRecommendation" ma:readOnly="false">
+      <xsd:simpleType>
+        <xsd:restriction base="dms:Choice">
+          <xsd:enumeration value="Localize"/>
+          <xsd:enumeration value="Never Localize"/>
+          <xsd:enumeration value="Priority Localize"/>
+        </xsd:restriction>
+      </xsd:simpleType>
+    </xsd:element>
+    <xsd:element name="UANotes" ma:index="131" nillable="true" ma:displayName="UA Notes" ma:default="" ma:internalName="UANotes" ma:readOnly="false">
+      <xsd:simpleType>
+        <xsd:restriction base="dms:Note"/>
+      </xsd:simpleType>
+    </xsd:element>
+    <xsd:element name="TPAppVersion" ma:index="132" nillable="true" ma:displayName="Version" ma:default="" ma:internalName="TPAppVersion">
+      <xsd:simpleType>
+        <xsd:restriction base="dms:Text"/>
+      </xsd:simpleType>
+    </xsd:element>
+    <xsd:element name="VoteCount" ma:index="133" nillable="true" ma:displayName="Vote Count" ma:default="" ma:internalName="VoteCount" ma:readOnly="false">
+      <xsd:simpleType>
+        <xsd:restriction base="dms:Unknown"/>
+      </xsd:simpleType>
+    </xsd:element>
+  </xsd:schema>
+  <xsd:schema xmlns="http://schemas.openxmlformats.org/package/2006/metadata/core-properties" xmlns:xsd="http://www.w3.org/2001/XMLSchema" xmlns:xsi="http://www.w3.org/2001/XMLSchema-instance" xmlns:dc="http://purl.org/dc/elements/1.1/" xmlns:dcterms="http://purl.org/dc/terms/" xmlns:odoc="http://schemas.microsoft.com/internal/obd" targetNamespace="http://schemas.openxmlformats.org/package/2006/metadata/core-properties" elementFormDefault="qualified" attributeFormDefault="unqualified" blockDefault="#all">
+    <xsd:import namespace="http://purl.org/dc/elements/1.1/" schemaLocation="http://dublincore.org/schemas/xmls/qdc/2003/04/02/dc.xsd"/>
+    <xsd:import namespace="http://purl.org/dc/terms/" schemaLocation="http://dublincore.org/schemas/xmls/qdc/2003/04/02/dcterms.xsd"/>
+    <xsd:element name="coreProperties" type="CT_coreProperties"/>
+    <xsd:complexType name="CT_coreProperties">
+      <xsd:all>
+        <xsd:element ref="dc:creator" minOccurs="0" maxOccurs="1"/>
+        <xsd:element ref="dcterms:created" minOccurs="0" maxOccurs="1"/>
+        <xsd:element ref="dc:identifier" minOccurs="0" maxOccurs="1"/>
+        <xsd:element name="contentType" minOccurs="0" maxOccurs="1" type="xsd:string" ma:index="22" ma:displayName="Content Type"/>
+        <xsd:element ref="dc:title" minOccurs="0" maxOccurs="1" ma:index="127" ma:displayName="Title"/>
+        <xsd:element ref="dc:subject" minOccurs="0" maxOccurs="1"/>
+        <xsd:element ref="dc:description" minOccurs="0" maxOccurs="1"/>
+        <xsd:element name="keywords" minOccurs="0" maxOccurs="1" type="xsd:string"/>
+        <xsd:element ref="dc:language" minOccurs="0" maxOccurs="1"/>
+        <xsd:element name="category" minOccurs="0" maxOccurs="1" type="xsd:string"/>
+        <xsd:element name="version" minOccurs="0" maxOccurs="1" type="xsd:string"/>
+        <xsd:element name="revision" minOccurs="0" maxOccurs="1" type="xsd:string">
+          <xsd:annotation>
+            <xsd:documentation>
+                        This value indicates the number of saves or revisions. The application is responsible for updating this value after each revision.
+                    </xsd:documentation>
+          </xsd:annotation>
+        </xsd:element>
+        <xsd:element name="lastModifiedBy" minOccurs="0" maxOccurs="1" type="xsd:string"/>
+        <xsd:element ref="dcterms:modified" minOccurs="0" maxOccurs="1"/>
+        <xsd:element name="contentStatus" minOccurs="0" maxOccurs="1" type="xsd:string"/>
+      </xsd:all>
+    </xsd:complexType>
+  </xsd:schema>
+  <xs:schema xmlns:pc="http://schemas.microsoft.com/office/infopath/2007/PartnerControls" xmlns:xs="http://www.w3.org/2001/XMLSchema" targetNamespace="http://schemas.microsoft.com/office/infopath/2007/PartnerControls" elementFormDefault="qualified" attributeFormDefault="unqualified">
+    <xs:element name="Person">
+      <xs:complexType>
+        <xs:sequence>
+          <xs:element ref="pc:DisplayName" minOccurs="0"/>
+          <xs:element ref="pc:AccountId" minOccurs="0"/>
+          <xs:element ref="pc:AccountType" minOccurs="0"/>
+        </xs:sequence>
+      </xs:complexType>
+    </xs:element>
+    <xs:element name="DisplayName" type="xs:string"/>
+    <xs:element name="AccountId" type="xs:string"/>
+    <xs:element name="AccountType" type="xs:string"/>
+    <xs:element name="BDCAssociatedEntity">
+      <xs:complexType>
+        <xs:sequence>
+          <xs:element ref="pc:BDCEntity" minOccurs="0" maxOccurs="unbounded"/>
+        </xs:sequence>
+        <xs:attribute ref="pc:EntityNamespace"/>
+        <xs:attribute ref="pc:EntityName"/>
+        <xs:attribute ref="pc:SystemInstanceName"/>
+        <xs:attribute ref="pc:AssociationName"/>
+      </xs:complexType>
+    </xs:element>
+    <xs:attribute name="EntityNamespace" type="xs:string"/>
+    <xs:attribute name="EntityName" type="xs:string"/>
+    <xs:attribute name="SystemInstanceName" type="xs:string"/>
+    <xs:attribute name="AssociationName" type="xs:string"/>
+    <xs:element name="BDCEntity">
+      <xs:complexType>
+        <xs:sequence>
+          <xs:element ref="pc:EntityDisplayName" minOccurs="0"/>
+          <xs:element ref="pc:EntityInstanceReference" minOccurs="0"/>
+          <xs:element ref="pc:EntityId1" minOccurs="0"/>
+          <xs:element ref="pc:EntityId2" minOccurs="0"/>
+          <xs:element ref="pc:EntityId3" minOccurs="0"/>
+          <xs:element ref="pc:EntityId4" minOccurs="0"/>
+          <xs:element ref="pc:EntityId5" minOccurs="0"/>
+        </xs:sequence>
+      </xs:complexType>
+    </xs:element>
+    <xs:element name="EntityDisplayName" type="xs:string"/>
+    <xs:element name="EntityInstanceReference" type="xs:string"/>
+    <xs:element name="EntityId1" type="xs:string"/>
+    <xs:element name="EntityId2" type="xs:string"/>
+    <xs:element name="EntityId3" type="xs:string"/>
+    <xs:element name="EntityId4" type="xs:string"/>
+    <xs:element name="EntityId5" type="xs:string"/>
+    <xs:element name="Terms">
+      <xs:complexType>
+        <xs:sequence>
+          <xs:element ref="pc:TermInfo" minOccurs="0" maxOccurs="unbounded"/>
+        </xs:sequence>
+      </xs:complexType>
+    </xs:element>
+    <xs:element name="TermInfo">
+      <xs:complexType>
+        <xs:sequence>
+          <xs:element ref="pc:TermName" minOccurs="0"/>
+          <xs:element ref="pc:TermId" minOccurs="0"/>
+        </xs:sequence>
+      </xs:complexType>
+    </xs:element>
+    <xs:element name="TermName" type="xs:string"/>
+    <xs:element name="TermId" type="xs:string"/>
+  </xs:schema>
+</ct:contentTypeSchema>
 </file>
 
 <file path=customXml/item2.xml><?xml version="1.0" encoding="utf-8"?>
@@ -6386,1049 +7723,28 @@
 </file>
 
 <file path=customXml/item3.xml><?xml version="1.0" encoding="utf-8"?>
-<ct:contentTypeSchema xmlns:ct="http://schemas.microsoft.com/office/2006/metadata/contentType" xmlns:ma="http://schemas.microsoft.com/office/2006/metadata/properties/metaAttributes" ct:_="" ma:_="" ma:contentTypeName="TemplateFile" ma:contentTypeID="0x0101006EDDDB5EE6D98C44930B742096920B300400F5B6D36B3EF94B4E9A635CDF2A18F5B8" ma:contentTypeVersion="72" ma:contentTypeDescription="Create a new document." ma:contentTypeScope="" ma:versionID="a23e56308344d904b51738559c3d67c9">
-  <xsd:schema xmlns:xsd="http://www.w3.org/2001/XMLSchema" xmlns:xs="http://www.w3.org/2001/XMLSchema" xmlns:p="http://schemas.microsoft.com/office/2006/metadata/properties" xmlns:ns2="4873beb7-5857-4685-be1f-d57550cc96cc" targetNamespace="http://schemas.microsoft.com/office/2006/metadata/properties" ma:root="true" ma:fieldsID="cd0908cc4600e77bf5da051303e00c8d" ns2:_="">
-    <xsd:import namespace="4873beb7-5857-4685-be1f-d57550cc96cc"/>
-    <xsd:element name="properties">
-      <xsd:complexType>
-        <xsd:sequence>
-          <xsd:element name="documentManagement">
-            <xsd:complexType>
-              <xsd:all>
-                <xsd:element ref="ns2:AcquiredFrom" minOccurs="0"/>
-                <xsd:element ref="ns2:UACurrentWords" minOccurs="0"/>
-                <xsd:element ref="ns2:TPApplication" minOccurs="0"/>
-                <xsd:element ref="ns2:ApprovalLog" minOccurs="0"/>
-                <xsd:element ref="ns2:ApprovalStatus" minOccurs="0"/>
-                <xsd:element ref="ns2:AssetStart" minOccurs="0"/>
-                <xsd:element ref="ns2:AssetExpire" minOccurs="0"/>
-                <xsd:element ref="ns2:AssetId" minOccurs="0"/>
-                <xsd:element ref="ns2:IsSearchable" minOccurs="0"/>
-                <xsd:element ref="ns2:AssetType" minOccurs="0"/>
-                <xsd:element ref="ns2:APAuthor" minOccurs="0"/>
-                <xsd:element ref="ns2:AverageRating" minOccurs="0"/>
-                <xsd:element ref="ns2:BlockPublish" minOccurs="0"/>
-                <xsd:element ref="ns2:BugNumber" minOccurs="0"/>
-                <xsd:element ref="ns2:CampaignTagsTaxHTField0" minOccurs="0"/>
-                <xsd:element ref="ns2:TPClientViewer" minOccurs="0"/>
-                <xsd:element ref="ns2:ClipArtFilename" minOccurs="0"/>
-                <xsd:element ref="ns2:TPCommandLine" minOccurs="0"/>
-                <xsd:element ref="ns2:TPComponent" minOccurs="0"/>
-                <xsd:element ref="ns2:ContentItem" minOccurs="0"/>
-                <xsd:element ref="ns2:CrawlForDependencies" minOccurs="0"/>
-                <xsd:element ref="ns2:CSXHash" minOccurs="0"/>
-                <xsd:element ref="ns2:CSXSubmissionMarket" minOccurs="0"/>
-                <xsd:element ref="ns2:CSXUpdate" minOccurs="0"/>
-                <xsd:element ref="ns2:IntlLangReviewDate" minOccurs="0"/>
-                <xsd:element ref="ns2:IsDeleted" minOccurs="0"/>
-                <xsd:element ref="ns2:APDescription" minOccurs="0"/>
-                <xsd:element ref="ns2:DirectSourceMarket" minOccurs="0"/>
-                <xsd:element ref="ns2:Downloads" minOccurs="0"/>
-                <xsd:element ref="ns2:DSATActionTaken" minOccurs="0"/>
-                <xsd:element ref="ns2:APEditor" minOccurs="0"/>
-                <xsd:element ref="ns2:EditorialStatus" minOccurs="0"/>
-                <xsd:element ref="ns2:EditorialTags" minOccurs="0"/>
-                <xsd:element ref="ns2:TPExecutable" minOccurs="0"/>
-                <xsd:element ref="ns2:FeatureTagsTaxHTField0" minOccurs="0"/>
-                <xsd:element ref="ns2:TPFriendlyName" minOccurs="0"/>
-                <xsd:element ref="ns2:FriendlyTitle" minOccurs="0"/>
-                <xsd:element ref="ns2:PrimaryImageGen" minOccurs="0"/>
-                <xsd:element ref="ns2:HandoffToMSDN" minOccurs="0"/>
-                <xsd:element ref="ns2:InProjectListLookup" minOccurs="0"/>
-                <xsd:element ref="ns2:TPInstallLocation" minOccurs="0"/>
-                <xsd:element ref="ns2:InternalTagsTaxHTField0" minOccurs="0"/>
-                <xsd:element ref="ns2:IntlLangReview" minOccurs="0"/>
-                <xsd:element ref="ns2:IntlLangReviewer" minOccurs="0"/>
-                <xsd:element ref="ns2:MarketSpecific" minOccurs="0"/>
-                <xsd:element ref="ns2:LastCompleteVersionLookup" minOccurs="0"/>
-                <xsd:element ref="ns2:LastHandOff" minOccurs="0"/>
-                <xsd:element ref="ns2:LastModifiedDateTime" minOccurs="0"/>
-                <xsd:element ref="ns2:LastPreviewErrorLookup" minOccurs="0"/>
-                <xsd:element ref="ns2:LastPreviewResultLookup" minOccurs="0"/>
-                <xsd:element ref="ns2:LastPreviewAttemptDateLookup" minOccurs="0"/>
-                <xsd:element ref="ns2:LastPreviewedByLookup" minOccurs="0"/>
-                <xsd:element ref="ns2:LastPreviewTimeLookup" minOccurs="0"/>
-                <xsd:element ref="ns2:LastPreviewVersionLookup" minOccurs="0"/>
-                <xsd:element ref="ns2:LastPublishErrorLookup" minOccurs="0"/>
-                <xsd:element ref="ns2:LastPublishResultLookup" minOccurs="0"/>
-                <xsd:element ref="ns2:LastPublishAttemptDateLookup" minOccurs="0"/>
-                <xsd:element ref="ns2:LastPublishedByLookup" minOccurs="0"/>
-                <xsd:element ref="ns2:LastPublishTimeLookup" minOccurs="0"/>
-                <xsd:element ref="ns2:LastPublishVersionLookup" minOccurs="0"/>
-                <xsd:element ref="ns2:TPLaunchHelpLinkType" minOccurs="0"/>
-                <xsd:element ref="ns2:LegacyData" minOccurs="0"/>
-                <xsd:element ref="ns2:TPLaunchHelpLink" minOccurs="0"/>
-                <xsd:element ref="ns2:LocComments" minOccurs="0"/>
-                <xsd:element ref="ns2:LocLastLocAttemptVersionLookup" minOccurs="0"/>
-                <xsd:element ref="ns2:LocLastLocAttemptVersionTypeLookup" minOccurs="0"/>
-                <xsd:element ref="ns2:LocManualTestRequired" minOccurs="0"/>
-                <xsd:element ref="ns2:LocMarketGroupTiers2" minOccurs="0"/>
-                <xsd:element ref="ns2:LocNewPublishedVersionLookup" minOccurs="0"/>
-                <xsd:element ref="ns2:LocOverallHandbackStatusLookup" minOccurs="0"/>
-                <xsd:element ref="ns2:LocOverallLocStatusLookup" minOccurs="0"/>
-                <xsd:element ref="ns2:LocOverallPreviewStatusLookup" minOccurs="0"/>
-                <xsd:element ref="ns2:LocOverallPublishStatusLookup" minOccurs="0"/>
-                <xsd:element ref="ns2:IntlLocPriority" minOccurs="0"/>
-                <xsd:element ref="ns2:LocProcessedForHandoffsLookup" minOccurs="0"/>
-                <xsd:element ref="ns2:LocProcessedForMarketsLookup" minOccurs="0"/>
-                <xsd:element ref="ns2:LocPublishedDependentAssetsLookup" minOccurs="0"/>
-                <xsd:element ref="ns2:LocPublishedLinkedAssetsLookup" minOccurs="0"/>
-                <xsd:element ref="ns2:LocRecommendedHandoff" minOccurs="0"/>
-                <xsd:element ref="ns2:LocalizationTagsTaxHTField0" minOccurs="0"/>
-                <xsd:element ref="ns2:MachineTranslated" minOccurs="0"/>
-                <xsd:element ref="ns2:Manager" minOccurs="0"/>
-                <xsd:element ref="ns2:Markets" minOccurs="0"/>
-                <xsd:element ref="ns2:Milestone" minOccurs="0"/>
-                <xsd:element ref="ns2:TPNamespace" minOccurs="0"/>
-                <xsd:element ref="ns2:NumericId" minOccurs="0"/>
-                <xsd:element ref="ns2:NumOfRatingsLookup" minOccurs="0"/>
-                <xsd:element ref="ns2:OOCacheId" minOccurs="0"/>
-                <xsd:element ref="ns2:OpenTemplate" minOccurs="0"/>
-                <xsd:element ref="ns2:OriginAsset" minOccurs="0"/>
-                <xsd:element ref="ns2:OriginalRelease" minOccurs="0"/>
-                <xsd:element ref="ns2:OriginalSourceMarket" minOccurs="0"/>
-                <xsd:element ref="ns2:OutputCachingOn" minOccurs="0"/>
-                <xsd:element ref="ns2:ParentAssetId" minOccurs="0"/>
-                <xsd:element ref="ns2:PlannedPubDate" minOccurs="0"/>
-                <xsd:element ref="ns2:PolicheckWords" minOccurs="0"/>
-                <xsd:element ref="ns2:BusinessGroup" minOccurs="0"/>
-                <xsd:element ref="ns2:UAProjectedTotalWords" minOccurs="0"/>
-                <xsd:element ref="ns2:Provider" minOccurs="0"/>
-                <xsd:element ref="ns2:Providers" minOccurs="0"/>
-                <xsd:element ref="ns2:PublishStatusLookup" minOccurs="0"/>
-                <xsd:element ref="ns2:PublishTargets" minOccurs="0"/>
-                <xsd:element ref="ns2:RecommendationsModifier" minOccurs="0"/>
-                <xsd:element ref="ns2:ArtSampleDocs" minOccurs="0"/>
-                <xsd:element ref="ns2:ScenarioTagsTaxHTField0" minOccurs="0"/>
-                <xsd:element ref="ns2:ShowIn" minOccurs="0"/>
-                <xsd:element ref="ns2:SourceTitle" minOccurs="0"/>
-                <xsd:element ref="ns2:CSXSubmissionDate" minOccurs="0"/>
-                <xsd:element ref="ns2:SubmitterId" minOccurs="0"/>
-                <xsd:element ref="ns2:TaxCatchAll" minOccurs="0"/>
-                <xsd:element ref="ns2:TaxCatchAllLabel" minOccurs="0"/>
-                <xsd:element ref="ns2:TemplateStatus" minOccurs="0"/>
-                <xsd:element ref="ns2:TemplateTemplateType" minOccurs="0"/>
-                <xsd:element ref="ns2:ThumbnailAssetId" minOccurs="0"/>
-                <xsd:element ref="ns2:TimesCloned" minOccurs="0"/>
-                <xsd:element ref="ns2:TrustLevel" minOccurs="0"/>
-                <xsd:element ref="ns2:UALocComments" minOccurs="0"/>
-                <xsd:element ref="ns2:UALocRecommendation" minOccurs="0"/>
-                <xsd:element ref="ns2:UANotes" minOccurs="0"/>
-                <xsd:element ref="ns2:TPAppVersion" minOccurs="0"/>
-                <xsd:element ref="ns2:VoteCount" minOccurs="0"/>
-              </xsd:all>
-            </xsd:complexType>
-          </xsd:element>
-        </xsd:sequence>
-      </xsd:complexType>
-    </xsd:element>
-  </xsd:schema>
-  <xsd:schema xmlns:xsd="http://www.w3.org/2001/XMLSchema" xmlns:xs="http://www.w3.org/2001/XMLSchema" xmlns:dms="http://schemas.microsoft.com/office/2006/documentManagement/types" xmlns:pc="http://schemas.microsoft.com/office/infopath/2007/PartnerControls" targetNamespace="4873beb7-5857-4685-be1f-d57550cc96cc" elementFormDefault="qualified">
-    <xsd:import namespace="http://schemas.microsoft.com/office/2006/documentManagement/types"/>
-    <xsd:import namespace="http://schemas.microsoft.com/office/infopath/2007/PartnerControls"/>
-    <xsd:element name="AcquiredFrom" ma:index="1" nillable="true" ma:displayName="Acquired From" ma:default="Internal MS" ma:internalName="AcquiredFrom" ma:readOnly="false">
-      <xsd:simpleType>
-        <xsd:restriction base="dms:Choice">
-          <xsd:enumeration value="Internal MS"/>
-          <xsd:enumeration value="Community"/>
-          <xsd:enumeration value="MVP"/>
-          <xsd:enumeration value="Publisher"/>
-          <xsd:enumeration value="Partner"/>
-          <xsd:enumeration value="None"/>
-        </xsd:restriction>
-      </xsd:simpleType>
-    </xsd:element>
-    <xsd:element name="UACurrentWords" ma:index="2" nillable="true" ma:displayName="Actual Word Count" ma:default="" ma:internalName="UACurrentWords" ma:readOnly="false">
-      <xsd:simpleType>
-        <xsd:restriction base="dms:Unknown"/>
-      </xsd:simpleType>
-    </xsd:element>
-    <xsd:element name="TPApplication" ma:index="3" nillable="true" ma:displayName="Application to Open Template With" ma:default="" ma:internalName="TPApplication">
-      <xsd:simpleType>
-        <xsd:restriction base="dms:Text"/>
-      </xsd:simpleType>
-    </xsd:element>
-    <xsd:element name="ApprovalLog" ma:index="4" nillable="true" ma:displayName="Approval Log" ma:default="" ma:hidden="true" ma:internalName="ApprovalLog" ma:readOnly="false">
-      <xsd:simpleType>
-        <xsd:restriction base="dms:Note"/>
-      </xsd:simpleType>
-    </xsd:element>
-    <xsd:element name="ApprovalStatus" ma:index="5" nillable="true" ma:displayName="Approval Status" ma:default="InProgress" ma:internalName="ApprovalStatus" ma:readOnly="false">
-      <xsd:simpleType>
-        <xsd:restriction base="dms:Choice">
-          <xsd:enumeration value="InProgress"/>
-          <xsd:enumeration value="Rejected"/>
-          <xsd:enumeration value="Questionable"/>
-          <xsd:enumeration value="ApprovedAutomatic"/>
-          <xsd:enumeration value="ApprovedManual"/>
-          <xsd:enumeration value="On Hold"/>
-          <xsd:enumeration value="Needs Review"/>
-          <xsd:enumeration value="A Violation"/>
-          <xsd:enumeration value="Unpublished Violation"/>
-        </xsd:restriction>
-      </xsd:simpleType>
-    </xsd:element>
-    <xsd:element name="AssetStart" ma:index="6" nillable="true" ma:displayName="Asset Begin Date" ma:default="[Today]" ma:internalName="AssetStart" ma:readOnly="false">
-      <xsd:simpleType>
-        <xsd:restriction base="dms:DateTime"/>
-      </xsd:simpleType>
-    </xsd:element>
-    <xsd:element name="AssetExpire" ma:index="7" nillable="true" ma:displayName="Asset End Date" ma:default="2029-01-01T08:00:00Z" ma:format="DateTime" ma:internalName="AssetExpire" ma:readOnly="false">
-      <xsd:simpleType>
-        <xsd:restriction base="dms:DateTime"/>
-      </xsd:simpleType>
-    </xsd:element>
-    <xsd:element name="AssetId" ma:index="8" nillable="true" ma:displayName="Asset ID" ma:default="" ma:indexed="true" ma:internalName="AssetId" ma:readOnly="false">
-      <xsd:simpleType>
-        <xsd:restriction base="dms:Text">
-          <xsd:maxLength value="255"/>
-        </xsd:restriction>
-      </xsd:simpleType>
-    </xsd:element>
-    <xsd:element name="IsSearchable" ma:index="9" nillable="true" ma:displayName="Asset Searchable?" ma:default="true" ma:internalName="IsSearchable" ma:readOnly="false">
-      <xsd:simpleType>
-        <xsd:restriction base="dms:Boolean"/>
-      </xsd:simpleType>
-    </xsd:element>
-    <xsd:element name="AssetType" ma:index="10" nillable="true" ma:displayName="Asset Type" ma:default="" ma:internalName="AssetType" ma:readOnly="false">
-      <xsd:simpleType>
-        <xsd:restriction base="dms:Unknown"/>
-      </xsd:simpleType>
-    </xsd:element>
-    <xsd:element name="APAuthor" ma:index="11" nillable="true" ma:displayName="Author" ma:default="" ma:list="UserInfo" ma:internalName="APAuthor" ma:readOnly="false">
-      <xsd:complexType>
-        <xsd:complexContent>
-          <xsd:extension base="dms:User">
-            <xsd:sequence>
-              <xsd:element name="UserInfo" minOccurs="0" maxOccurs="unbounded">
-                <xsd:complexType>
-                  <xsd:sequence>
-                    <xsd:element name="DisplayName" type="xsd:string" minOccurs="0"/>
-                    <xsd:element name="AccountId" type="dms:UserId" minOccurs="0" nillable="true"/>
-                    <xsd:element name="AccountType" type="xsd:string" minOccurs="0"/>
-                  </xsd:sequence>
-                </xsd:complexType>
-              </xsd:element>
-            </xsd:sequence>
-          </xsd:extension>
-        </xsd:complexContent>
-      </xsd:complexType>
-    </xsd:element>
-    <xsd:element name="AverageRating" ma:index="12" nillable="true" ma:displayName="Average Rating" ma:internalName="AverageRating" ma:readOnly="false">
-      <xsd:simpleType>
-        <xsd:restriction base="dms:Text"/>
-      </xsd:simpleType>
-    </xsd:element>
-    <xsd:element name="BlockPublish" ma:index="13" nillable="true" ma:displayName="Block from Publishing?" ma:default="" ma:internalName="BlockPublish" ma:readOnly="false">
-      <xsd:simpleType>
-        <xsd:restriction base="dms:Boolean"/>
-      </xsd:simpleType>
-    </xsd:element>
-    <xsd:element name="BugNumber" ma:index="14" nillable="true" ma:displayName="Bug Number" ma:default="" ma:internalName="BugNumber" ma:readOnly="false">
-      <xsd:simpleType>
-        <xsd:restriction base="dms:Text"/>
-      </xsd:simpleType>
-    </xsd:element>
-    <xsd:element name="CampaignTagsTaxHTField0" ma:index="16" nillable="true" ma:taxonomy="true" ma:internalName="CampaignTagsTaxHTField0" ma:taxonomyFieldName="CampaignTags" ma:displayName="Campaigns" ma:readOnly="false" ma:default="" ma:fieldId="{1df42cc3-2301-4f11-a52a-6ead923c29ed}" ma:taxonomyMulti="true" ma:sspId="8f79753a-75d3-41f5-8ca3-40b843941b4f" ma:termSetId="ca0e50d4-faa1-44ce-961e-bb1441c60e66" ma:anchorId="00000000-0000-0000-0000-000000000000" ma:open="false" ma:isKeyword="false">
-      <xsd:complexType>
-        <xsd:sequence>
-          <xsd:element ref="pc:Terms" minOccurs="0" maxOccurs="1"/>
-        </xsd:sequence>
-      </xsd:complexType>
-    </xsd:element>
-    <xsd:element name="TPClientViewer" ma:index="17" nillable="true" ma:displayName="Client Viewer" ma:default="" ma:internalName="TPClientViewer">
-      <xsd:simpleType>
-        <xsd:restriction base="dms:Text"/>
-      </xsd:simpleType>
-    </xsd:element>
-    <xsd:element name="ClipArtFilename" ma:index="18" nillable="true" ma:displayName="Clip Art Name" ma:default="" ma:internalName="ClipArtFilename" ma:readOnly="false">
-      <xsd:simpleType>
-        <xsd:restriction base="dms:Text"/>
-      </xsd:simpleType>
-    </xsd:element>
-    <xsd:element name="TPCommandLine" ma:index="19" nillable="true" ma:displayName="Command Line" ma:default="" ma:internalName="TPCommandLine">
-      <xsd:simpleType>
-        <xsd:restriction base="dms:Text"/>
-      </xsd:simpleType>
-    </xsd:element>
-    <xsd:element name="TPComponent" ma:index="20" nillable="true" ma:displayName="Component" ma:default="" ma:internalName="TPComponent">
-      <xsd:simpleType>
-        <xsd:restriction base="dms:Text"/>
-      </xsd:simpleType>
-    </xsd:element>
-    <xsd:element name="ContentItem" ma:index="21" nillable="true" ma:displayName="Content Item" ma:default="" ma:hidden="true" ma:internalName="ContentItem" ma:readOnly="false">
-      <xsd:simpleType>
-        <xsd:restriction base="dms:Unknown"/>
-      </xsd:simpleType>
-    </xsd:element>
-    <xsd:element name="CrawlForDependencies" ma:index="23" nillable="true" ma:displayName="Crawl for Dependencies?" ma:default="true" ma:internalName="CrawlForDependencies" ma:readOnly="false">
-      <xsd:simpleType>
-        <xsd:restriction base="dms:Boolean"/>
-      </xsd:simpleType>
-    </xsd:element>
-    <xsd:element name="CSXHash" ma:index="26" nillable="true" ma:displayName="CSX Hash" ma:default="" ma:indexed="true" ma:internalName="CSXHash" ma:readOnly="false">
-      <xsd:simpleType>
-        <xsd:restriction base="dms:Text"/>
-      </xsd:simpleType>
-    </xsd:element>
-    <xsd:element name="CSXSubmissionMarket" ma:index="27" nillable="true" ma:displayName="CSX Submission Market" ma:default="" ma:list="{2FBD1B11-2ACE-4FDC-B5A3-635D4ADF6F1B}" ma:internalName="CSXSubmissionMarket" ma:readOnly="false" ma:showField="MarketName" ma:web="4873beb7-5857-4685-be1f-d57550cc96cc">
-      <xsd:simpleType>
-        <xsd:restriction base="dms:Lookup"/>
-      </xsd:simpleType>
-    </xsd:element>
-    <xsd:element name="CSXUpdate" ma:index="28" nillable="true" ma:displayName="CSX Updated?" ma:default="false" ma:internalName="CSXUpdate" ma:readOnly="false">
-      <xsd:simpleType>
-        <xsd:restriction base="dms:Boolean"/>
-      </xsd:simpleType>
-    </xsd:element>
-    <xsd:element name="IntlLangReviewDate" ma:index="29" nillable="true" ma:displayName="Date to Complete Intl QA" ma:default="" ma:internalName="IntlLangReviewDate" ma:readOnly="false">
-      <xsd:simpleType>
-        <xsd:restriction base="dms:DateTime"/>
-      </xsd:simpleType>
-    </xsd:element>
-    <xsd:element name="IsDeleted" ma:index="30" nillable="true" ma:displayName="Deleted?" ma:default="" ma:internalName="IsDeleted" ma:readOnly="false">
-      <xsd:simpleType>
-        <xsd:restriction base="dms:Boolean"/>
-      </xsd:simpleType>
-    </xsd:element>
-    <xsd:element name="APDescription" ma:index="31" nillable="true" ma:displayName="Description" ma:default="" ma:internalName="APDescription" ma:readOnly="false">
-      <xsd:simpleType>
-        <xsd:restriction base="dms:Note"/>
-      </xsd:simpleType>
-    </xsd:element>
-    <xsd:element name="DirectSourceMarket" ma:index="32" nillable="true" ma:displayName="Direct Source Market Group" ma:default="" ma:internalName="DirectSourceMarket" ma:readOnly="false">
-      <xsd:simpleType>
-        <xsd:restriction base="dms:Text"/>
-      </xsd:simpleType>
-    </xsd:element>
-    <xsd:element name="Downloads" ma:index="33" nillable="true" ma:displayName="Downloads" ma:default="0" ma:hidden="true" ma:internalName="Downloads" ma:readOnly="false">
-      <xsd:simpleType>
-        <xsd:restriction base="dms:Unknown"/>
-      </xsd:simpleType>
-    </xsd:element>
-    <xsd:element name="DSATActionTaken" ma:index="34" nillable="true" ma:displayName="DSAT Action Taken" ma:default="" ma:internalName="DSATActionTaken" ma:readOnly="false">
-      <xsd:simpleType>
-        <xsd:restriction base="dms:Choice">
-          <xsd:enumeration value="Best Bets"/>
-          <xsd:enumeration value="Expire"/>
-          <xsd:enumeration value="Hide"/>
-          <xsd:enumeration value="None"/>
-        </xsd:restriction>
-      </xsd:simpleType>
-    </xsd:element>
-    <xsd:element name="APEditor" ma:index="35" nillable="true" ma:displayName="Editor" ma:default="" ma:list="UserInfo" ma:internalName="APEditor" ma:readOnly="false">
-      <xsd:complexType>
-        <xsd:complexContent>
-          <xsd:extension base="dms:User">
-            <xsd:sequence>
-              <xsd:element name="UserInfo" minOccurs="0" maxOccurs="unbounded">
-                <xsd:complexType>
-                  <xsd:sequence>
-                    <xsd:element name="DisplayName" type="xsd:string" minOccurs="0"/>
-                    <xsd:element name="AccountId" type="dms:UserId" minOccurs="0" nillable="true"/>
-                    <xsd:element name="AccountType" type="xsd:string" minOccurs="0"/>
-                  </xsd:sequence>
-                </xsd:complexType>
-              </xsd:element>
-            </xsd:sequence>
-          </xsd:extension>
-        </xsd:complexContent>
-      </xsd:complexType>
-    </xsd:element>
-    <xsd:element name="EditorialStatus" ma:index="36" nillable="true" ma:displayName="Editorial Status" ma:default="" ma:internalName="EditorialStatus" ma:readOnly="false">
-      <xsd:simpleType>
-        <xsd:restriction base="dms:Unknown"/>
-      </xsd:simpleType>
-    </xsd:element>
-    <xsd:element name="EditorialTags" ma:index="37" nillable="true" ma:displayName="Editorial Tags" ma:default="" ma:internalName="EditorialTags">
-      <xsd:simpleType>
-        <xsd:restriction base="dms:Unknown"/>
-      </xsd:simpleType>
-    </xsd:element>
-    <xsd:element name="TPExecutable" ma:index="38" nillable="true" ma:displayName="Executable" ma:default="" ma:internalName="TPExecutable">
-      <xsd:simpleType>
-        <xsd:restriction base="dms:Text"/>
-      </xsd:simpleType>
-    </xsd:element>
-    <xsd:element name="FeatureTagsTaxHTField0" ma:index="40" nillable="true" ma:taxonomy="true" ma:internalName="FeatureTagsTaxHTField0" ma:taxonomyFieldName="FeatureTags" ma:displayName="Features" ma:readOnly="false" ma:default="" ma:fieldId="{7fc0d542-15c6-4882-a8e3-13bca44403fb}" ma:taxonomyMulti="true" ma:sspId="8f79753a-75d3-41f5-8ca3-40b843941b4f" ma:termSetId="f1ab6845-967d-4854-a0ba-4ec07f0f8113" ma:anchorId="00000000-0000-0000-0000-000000000000" ma:open="false" ma:isKeyword="false">
-      <xsd:complexType>
-        <xsd:sequence>
-          <xsd:element ref="pc:Terms" minOccurs="0" maxOccurs="1"/>
-        </xsd:sequence>
-      </xsd:complexType>
-    </xsd:element>
-    <xsd:element name="TPFriendlyName" ma:index="41" nillable="true" ma:displayName="Friendly Name" ma:default="" ma:internalName="TPFriendlyName">
-      <xsd:simpleType>
-        <xsd:restriction base="dms:Text"/>
-      </xsd:simpleType>
-    </xsd:element>
-    <xsd:element name="FriendlyTitle" ma:index="42" nillable="true" ma:displayName="Friendly Title" ma:default="" ma:description="Shorter title to be used when displaying search results" ma:internalName="FriendlyTitle" ma:readOnly="false">
-      <xsd:simpleType>
-        <xsd:restriction base="dms:Text"/>
-      </xsd:simpleType>
-    </xsd:element>
-    <xsd:element name="PrimaryImageGen" ma:index="43" nillable="true" ma:displayName="Generate Images?" ma:default="true" ma:internalName="PrimaryImageGen">
-      <xsd:simpleType>
-        <xsd:restriction base="dms:Boolean"/>
-      </xsd:simpleType>
-    </xsd:element>
-    <xsd:element name="HandoffToMSDN" ma:index="44" nillable="true" ma:displayName="Handoff To MSDN Date" ma:default="" ma:internalName="HandoffToMSDN" ma:readOnly="false">
-      <xsd:simpleType>
-        <xsd:restriction base="dms:DateTime"/>
-      </xsd:simpleType>
-    </xsd:element>
-    <xsd:element name="InProjectListLookup" ma:index="45" nillable="true" ma:displayName="InProjectListLookup" ma:list="{9E343742-310B-4684-A24C-1D137CB4B230}" ma:internalName="InProjectListLookup" ma:readOnly="true" ma:showField="InProjectList" ma:web="4873beb7-5857-4685-be1f-d57550cc96cc">
-      <xsd:complexType>
-        <xsd:complexContent>
-          <xsd:extension base="dms:MultiChoiceLookup">
-            <xsd:sequence>
-              <xsd:element name="Value" type="dms:Lookup" maxOccurs="unbounded" minOccurs="0" nillable="true"/>
-            </xsd:sequence>
-          </xsd:extension>
-        </xsd:complexContent>
-      </xsd:complexType>
-    </xsd:element>
-    <xsd:element name="TPInstallLocation" ma:index="46" nillable="true" ma:displayName="Install Location" ma:default="" ma:internalName="TPInstallLocation">
-      <xsd:simpleType>
-        <xsd:restriction base="dms:Text"/>
-      </xsd:simpleType>
-    </xsd:element>
-    <xsd:element name="InternalTagsTaxHTField0" ma:index="48" nillable="true" ma:taxonomy="true" ma:internalName="InternalTagsTaxHTField0" ma:taxonomyFieldName="InternalTags" ma:displayName="Internal Tags" ma:readOnly="false" ma:default="" ma:fieldId="{1490b8a4-2706-41ec-b5e3-73176dccf34e}" ma:taxonomyMulti="true" ma:sspId="8f79753a-75d3-41f5-8ca3-40b843941b4f" ma:termSetId="82b6639e-f7fc-4c18-ad2d-003a6e707765" ma:anchorId="00000000-0000-0000-0000-000000000000" ma:open="false" ma:isKeyword="false">
-      <xsd:complexType>
-        <xsd:sequence>
-          <xsd:element ref="pc:Terms" minOccurs="0" maxOccurs="1"/>
-        </xsd:sequence>
-      </xsd:complexType>
-    </xsd:element>
-    <xsd:element name="IntlLangReview" ma:index="49" nillable="true" ma:displayName="Intl Lang QA Review Required?" ma:default="" ma:internalName="IntlLangReview" ma:readOnly="false">
-      <xsd:simpleType>
-        <xsd:restriction base="dms:Boolean"/>
-      </xsd:simpleType>
-    </xsd:element>
-    <xsd:element name="IntlLangReviewer" ma:index="50" nillable="true" ma:displayName="Intl Lang QA Reviewer" ma:default="" ma:internalName="IntlLangReviewer" ma:readOnly="false">
-      <xsd:simpleType>
-        <xsd:restriction base="dms:Text"/>
-      </xsd:simpleType>
-    </xsd:element>
-    <xsd:element name="MarketSpecific" ma:index="51" nillable="true" ma:displayName="Is Market Specific?" ma:default="" ma:internalName="MarketSpecific" ma:readOnly="false">
-      <xsd:simpleType>
-        <xsd:restriction base="dms:Boolean"/>
-      </xsd:simpleType>
-    </xsd:element>
-    <xsd:element name="LastCompleteVersionLookup" ma:index="52" nillable="true" ma:displayName="Last Complete Version Lookup" ma:default="" ma:list="{9E343742-310B-4684-A24C-1D137CB4B230}" ma:internalName="LastCompleteVersionLookup" ma:readOnly="true" ma:showField="LastCompleteVersion" ma:web="4873beb7-5857-4685-be1f-d57550cc96cc">
-      <xsd:complexType>
-        <xsd:complexContent>
-          <xsd:extension base="dms:MultiChoiceLookup">
-            <xsd:sequence>
-              <xsd:element name="Value" type="dms:Lookup" maxOccurs="unbounded" minOccurs="0" nillable="true"/>
-            </xsd:sequence>
-          </xsd:extension>
-        </xsd:complexContent>
-      </xsd:complexType>
-    </xsd:element>
-    <xsd:element name="LastHandOff" ma:index="53" nillable="true" ma:displayName="Last Hand-off" ma:default="" ma:internalName="LastHandOff" ma:readOnly="false">
-      <xsd:simpleType>
-        <xsd:restriction base="dms:DateTime"/>
-      </xsd:simpleType>
-    </xsd:element>
-    <xsd:element name="LastModifiedDateTime" ma:index="54" nillable="true" ma:displayName="Last Modified Date" ma:default="" ma:internalName="LastModifiedDateTime" ma:readOnly="false">
-      <xsd:simpleType>
-        <xsd:restriction base="dms:DateTime"/>
-      </xsd:simpleType>
-    </xsd:element>
-    <xsd:element name="LastPreviewErrorLookup" ma:index="55" nillable="true" ma:displayName="Last Preview Attempt Error" ma:default="" ma:list="{9E343742-310B-4684-A24C-1D137CB4B230}" ma:internalName="LastPreviewErrorLookup" ma:readOnly="true" ma:showField="LastPreviewError" ma:web="4873beb7-5857-4685-be1f-d57550cc96cc">
-      <xsd:complexType>
-        <xsd:complexContent>
-          <xsd:extension base="dms:MultiChoiceLookup">
-            <xsd:sequence>
-              <xsd:element name="Value" type="dms:Lookup" maxOccurs="unbounded" minOccurs="0" nillable="true"/>
-            </xsd:sequence>
-          </xsd:extension>
-        </xsd:complexContent>
-      </xsd:complexType>
-    </xsd:element>
-    <xsd:element name="LastPreviewResultLookup" ma:index="56" nillable="true" ma:displayName="Last Preview Attempt Result" ma:default="" ma:list="{9E343742-310B-4684-A24C-1D137CB4B230}" ma:internalName="LastPreviewResultLookup" ma:readOnly="true" ma:showField="LastPreviewResult" ma:web="4873beb7-5857-4685-be1f-d57550cc96cc">
-      <xsd:complexType>
-        <xsd:complexContent>
-          <xsd:extension base="dms:MultiChoiceLookup">
-            <xsd:sequence>
-              <xsd:element name="Value" type="dms:Lookup" maxOccurs="unbounded" minOccurs="0" nillable="true"/>
-            </xsd:sequence>
-          </xsd:extension>
-        </xsd:complexContent>
-      </xsd:complexType>
-    </xsd:element>
-    <xsd:element name="LastPreviewAttemptDateLookup" ma:index="57" nillable="true" ma:displayName="Last Preview Attempted On" ma:default="" ma:list="{9E343742-310B-4684-A24C-1D137CB4B230}" ma:internalName="LastPreviewAttemptDateLookup" ma:readOnly="true" ma:showField="LastPreviewAttemptDate" ma:web="4873beb7-5857-4685-be1f-d57550cc96cc">
-      <xsd:complexType>
-        <xsd:complexContent>
-          <xsd:extension base="dms:MultiChoiceLookup">
-            <xsd:sequence>
-              <xsd:element name="Value" type="dms:Lookup" maxOccurs="unbounded" minOccurs="0" nillable="true"/>
-            </xsd:sequence>
-          </xsd:extension>
-        </xsd:complexContent>
-      </xsd:complexType>
-    </xsd:element>
-    <xsd:element name="LastPreviewedByLookup" ma:index="58" nillable="true" ma:displayName="Last Previewed By" ma:default="" ma:list="{9E343742-310B-4684-A24C-1D137CB4B230}" ma:internalName="LastPreviewedByLookup" ma:readOnly="true" ma:showField="LastPreviewedBy" ma:web="4873beb7-5857-4685-be1f-d57550cc96cc">
-      <xsd:complexType>
-        <xsd:complexContent>
-          <xsd:extension base="dms:MultiChoiceLookup">
-            <xsd:sequence>
-              <xsd:element name="Value" type="dms:Lookup" maxOccurs="unbounded" minOccurs="0" nillable="true"/>
-            </xsd:sequence>
-          </xsd:extension>
-        </xsd:complexContent>
-      </xsd:complexType>
-    </xsd:element>
-    <xsd:element name="LastPreviewTimeLookup" ma:index="59" nillable="true" ma:displayName="Last Previewed Date" ma:default="" ma:list="{9E343742-310B-4684-A24C-1D137CB4B230}" ma:internalName="LastPreviewTimeLookup" ma:readOnly="true" ma:showField="LastPreviewTime" ma:web="4873beb7-5857-4685-be1f-d57550cc96cc">
-      <xsd:complexType>
-        <xsd:complexContent>
-          <xsd:extension base="dms:MultiChoiceLookup">
-            <xsd:sequence>
-              <xsd:element name="Value" type="dms:Lookup" maxOccurs="unbounded" minOccurs="0" nillable="true"/>
-            </xsd:sequence>
-          </xsd:extension>
-        </xsd:complexContent>
-      </xsd:complexType>
-    </xsd:element>
-    <xsd:element name="LastPreviewVersionLookup" ma:index="60" nillable="true" ma:displayName="Last Previewed Version" ma:default="" ma:list="{9E343742-310B-4684-A24C-1D137CB4B230}" ma:internalName="LastPreviewVersionLookup" ma:readOnly="true" ma:showField="LastPreviewVersion" ma:web="4873beb7-5857-4685-be1f-d57550cc96cc">
-      <xsd:complexType>
-        <xsd:complexContent>
-          <xsd:extension base="dms:MultiChoiceLookup">
-            <xsd:sequence>
-              <xsd:element name="Value" type="dms:Lookup" maxOccurs="unbounded" minOccurs="0" nillable="true"/>
-            </xsd:sequence>
-          </xsd:extension>
-        </xsd:complexContent>
-      </xsd:complexType>
-    </xsd:element>
-    <xsd:element name="LastPublishErrorLookup" ma:index="61" nillable="true" ma:displayName="Last Publish Attempt Error" ma:default="" ma:list="{9E343742-310B-4684-A24C-1D137CB4B230}" ma:internalName="LastPublishErrorLookup" ma:readOnly="true" ma:showField="LastPublishError" ma:web="4873beb7-5857-4685-be1f-d57550cc96cc">
-      <xsd:complexType>
-        <xsd:complexContent>
-          <xsd:extension base="dms:MultiChoiceLookup">
-            <xsd:sequence>
-              <xsd:element name="Value" type="dms:Lookup" maxOccurs="unbounded" minOccurs="0" nillable="true"/>
-            </xsd:sequence>
-          </xsd:extension>
-        </xsd:complexContent>
-      </xsd:complexType>
-    </xsd:element>
-    <xsd:element name="LastPublishResultLookup" ma:index="62" nillable="true" ma:displayName="Last Publish Attempt Result" ma:default="" ma:list="{9E343742-310B-4684-A24C-1D137CB4B230}" ma:internalName="LastPublishResultLookup" ma:readOnly="true" ma:showField="LastPublishResult" ma:web="4873beb7-5857-4685-be1f-d57550cc96cc">
-      <xsd:complexType>
-        <xsd:complexContent>
-          <xsd:extension base="dms:MultiChoiceLookup">
-            <xsd:sequence>
-              <xsd:element name="Value" type="dms:Lookup" maxOccurs="unbounded" minOccurs="0" nillable="true"/>
-            </xsd:sequence>
-          </xsd:extension>
-        </xsd:complexContent>
-      </xsd:complexType>
-    </xsd:element>
-    <xsd:element name="LastPublishAttemptDateLookup" ma:index="63" nillable="true" ma:displayName="Last Publish Attempted On" ma:default="" ma:list="{9E343742-310B-4684-A24C-1D137CB4B230}" ma:internalName="LastPublishAttemptDateLookup" ma:readOnly="true" ma:showField="LastPublishAttemptDate" ma:web="4873beb7-5857-4685-be1f-d57550cc96cc">
-      <xsd:complexType>
-        <xsd:complexContent>
-          <xsd:extension base="dms:MultiChoiceLookup">
-            <xsd:sequence>
-              <xsd:element name="Value" type="dms:Lookup" maxOccurs="unbounded" minOccurs="0" nillable="true"/>
-            </xsd:sequence>
-          </xsd:extension>
-        </xsd:complexContent>
-      </xsd:complexType>
-    </xsd:element>
-    <xsd:element name="LastPublishedByLookup" ma:index="64" nillable="true" ma:displayName="Last Published By" ma:default="" ma:list="{9E343742-310B-4684-A24C-1D137CB4B230}" ma:internalName="LastPublishedByLookup" ma:readOnly="true" ma:showField="LastPublishedBy" ma:web="4873beb7-5857-4685-be1f-d57550cc96cc">
-      <xsd:complexType>
-        <xsd:complexContent>
-          <xsd:extension base="dms:MultiChoiceLookup">
-            <xsd:sequence>
-              <xsd:element name="Value" type="dms:Lookup" maxOccurs="unbounded" minOccurs="0" nillable="true"/>
-            </xsd:sequence>
-          </xsd:extension>
-        </xsd:complexContent>
-      </xsd:complexType>
-    </xsd:element>
-    <xsd:element name="LastPublishTimeLookup" ma:index="65" nillable="true" ma:displayName="Last Published Date" ma:default="" ma:list="{9E343742-310B-4684-A24C-1D137CB4B230}" ma:internalName="LastPublishTimeLookup" ma:readOnly="true" ma:showField="LastPublishTime" ma:web="4873beb7-5857-4685-be1f-d57550cc96cc">
-      <xsd:complexType>
-        <xsd:complexContent>
-          <xsd:extension base="dms:MultiChoiceLookup">
-            <xsd:sequence>
-              <xsd:element name="Value" type="dms:Lookup" maxOccurs="unbounded" minOccurs="0" nillable="true"/>
-            </xsd:sequence>
-          </xsd:extension>
-        </xsd:complexContent>
-      </xsd:complexType>
-    </xsd:element>
-    <xsd:element name="LastPublishVersionLookup" ma:index="66" nillable="true" ma:displayName="Last Published Version" ma:default="" ma:list="{9E343742-310B-4684-A24C-1D137CB4B230}" ma:internalName="LastPublishVersionLookup" ma:readOnly="true" ma:showField="LastPublishVersion" ma:web="4873beb7-5857-4685-be1f-d57550cc96cc">
-      <xsd:complexType>
-        <xsd:complexContent>
-          <xsd:extension base="dms:MultiChoiceLookup">
-            <xsd:sequence>
-              <xsd:element name="Value" type="dms:Lookup" maxOccurs="unbounded" minOccurs="0" nillable="true"/>
-            </xsd:sequence>
-          </xsd:extension>
-        </xsd:complexContent>
-      </xsd:complexType>
-    </xsd:element>
-    <xsd:element name="TPLaunchHelpLinkType" ma:index="67" nillable="true" ma:displayName="Launch Help Link Type" ma:default="Template" ma:internalName="TPLaunchHelpLinkType">
-      <xsd:simpleType>
-        <xsd:restriction base="dms:Choice">
-          <xsd:enumeration value="Template"/>
-          <xsd:enumeration value="Training"/>
-          <xsd:enumeration value="URL"/>
-          <xsd:enumeration value="None"/>
-        </xsd:restriction>
-      </xsd:simpleType>
-    </xsd:element>
-    <xsd:element name="LegacyData" ma:index="68" nillable="true" ma:displayName="Legacy Data" ma:default="" ma:internalName="LegacyData" ma:readOnly="false">
-      <xsd:simpleType>
-        <xsd:restriction base="dms:Note"/>
-      </xsd:simpleType>
-    </xsd:element>
-    <xsd:element name="TPLaunchHelpLink" ma:index="69" nillable="true" ma:displayName="Link to Launch Help Topic" ma:default="" ma:internalName="TPLaunchHelpLink">
-      <xsd:simpleType>
-        <xsd:restriction base="dms:Text"/>
-      </xsd:simpleType>
-    </xsd:element>
-    <xsd:element name="LocComments" ma:index="70" nillable="true" ma:displayName="Loc Approval Comments" ma:default="" ma:internalName="LocComments" ma:readOnly="false">
-      <xsd:simpleType>
-        <xsd:restriction base="dms:Note"/>
-      </xsd:simpleType>
-    </xsd:element>
-    <xsd:element name="LocLastLocAttemptVersionLookup" ma:index="71" nillable="true" ma:displayName="Loc Last Loc Attempt Version" ma:default="" ma:list="{7DD1DCEC-E449-43D3-891F-7DC62F62AD21}" ma:internalName="LocLastLocAttemptVersionLookup" ma:readOnly="false" ma:showField="LastLocAttemptVersion" ma:web="4873beb7-5857-4685-be1f-d57550cc96cc">
-      <xsd:simpleType>
-        <xsd:restriction base="dms:Lookup"/>
-      </xsd:simpleType>
-    </xsd:element>
-    <xsd:element name="LocLastLocAttemptVersionTypeLookup" ma:index="72" nillable="true" ma:displayName="Loc Last Loc Attempt Version Type" ma:default="" ma:list="{7DD1DCEC-E449-43D3-891F-7DC62F62AD21}" ma:internalName="LocLastLocAttemptVersionTypeLookup" ma:readOnly="true" ma:showField="LastLocAttemptVersionType" ma:web="4873beb7-5857-4685-be1f-d57550cc96cc">
-      <xsd:simpleType>
-        <xsd:restriction base="dms:Lookup"/>
-      </xsd:simpleType>
-    </xsd:element>
-    <xsd:element name="LocManualTestRequired" ma:index="73" nillable="true" ma:displayName="Loc Manual Test Required" ma:default="" ma:internalName="LocManualTestRequired" ma:readOnly="false">
-      <xsd:simpleType>
-        <xsd:restriction base="dms:Boolean"/>
-      </xsd:simpleType>
-    </xsd:element>
-    <xsd:element name="LocMarketGroupTiers2" ma:index="74" nillable="true" ma:displayName="Loc Market Group Tiers" ma:internalName="LocMarketGroupTiers2" ma:readOnly="false">
-      <xsd:simpleType>
-        <xsd:restriction base="dms:Unknown"/>
-      </xsd:simpleType>
-    </xsd:element>
-    <xsd:element name="LocNewPublishedVersionLookup" ma:index="75" nillable="true" ma:displayName="Loc New Published Version Lookup" ma:default="" ma:list="{7DD1DCEC-E449-43D3-891F-7DC62F62AD21}" ma:internalName="LocNewPublishedVersionLookup" ma:readOnly="true" ma:showField="NewPublishedVersion" ma:web="4873beb7-5857-4685-be1f-d57550cc96cc">
-      <xsd:simpleType>
-        <xsd:restriction base="dms:Lookup"/>
-      </xsd:simpleType>
-    </xsd:element>
-    <xsd:element name="LocOverallHandbackStatusLookup" ma:index="76" nillable="true" ma:displayName="Loc Overall Handback Status" ma:default="" ma:list="{7DD1DCEC-E449-43D3-891F-7DC62F62AD21}" ma:internalName="LocOverallHandbackStatusLookup" ma:readOnly="true" ma:showField="OverallHandbackStatus" ma:web="4873beb7-5857-4685-be1f-d57550cc96cc">
-      <xsd:simpleType>
-        <xsd:restriction base="dms:Lookup"/>
-      </xsd:simpleType>
-    </xsd:element>
-    <xsd:element name="LocOverallLocStatusLookup" ma:index="77" nillable="true" ma:displayName="Loc Overall Localize Status" ma:default="" ma:list="{7DD1DCEC-E449-43D3-891F-7DC62F62AD21}" ma:internalName="LocOverallLocStatusLookup" ma:readOnly="true" ma:showField="OverallLocStatus" ma:web="4873beb7-5857-4685-be1f-d57550cc96cc">
-      <xsd:simpleType>
-        <xsd:restriction base="dms:Lookup"/>
-      </xsd:simpleType>
-    </xsd:element>
-    <xsd:element name="LocOverallPreviewStatusLookup" ma:index="78" nillable="true" ma:displayName="Loc Overall Preview Status" ma:default="" ma:list="{7DD1DCEC-E449-43D3-891F-7DC62F62AD21}" ma:internalName="LocOverallPreviewStatusLookup" ma:readOnly="true" ma:showField="OverallPreviewStatus" ma:web="4873beb7-5857-4685-be1f-d57550cc96cc">
-      <xsd:simpleType>
-        <xsd:restriction base="dms:Lookup"/>
-      </xsd:simpleType>
-    </xsd:element>
-    <xsd:element name="LocOverallPublishStatusLookup" ma:index="79" nillable="true" ma:displayName="Loc Overall Publish Status" ma:default="" ma:list="{7DD1DCEC-E449-43D3-891F-7DC62F62AD21}" ma:internalName="LocOverallPublishStatusLookup" ma:readOnly="true" ma:showField="OverallPublishStatus" ma:web="4873beb7-5857-4685-be1f-d57550cc96cc">
-      <xsd:simpleType>
-        <xsd:restriction base="dms:Lookup"/>
-      </xsd:simpleType>
-    </xsd:element>
-    <xsd:element name="IntlLocPriority" ma:index="80" nillable="true" ma:displayName="Loc Priority" ma:default="" ma:internalName="IntlLocPriority" ma:readOnly="false">
-      <xsd:simpleType>
-        <xsd:restriction base="dms:Unknown"/>
-      </xsd:simpleType>
-    </xsd:element>
-    <xsd:element name="LocProcessedForHandoffsLookup" ma:index="81" nillable="true" ma:displayName="Loc Processed For Handoffs" ma:default="" ma:list="{7DD1DCEC-E449-43D3-891F-7DC62F62AD21}" ma:internalName="LocProcessedForHandoffsLookup" ma:readOnly="true" ma:showField="ProcessedForHandoffs" ma:web="4873beb7-5857-4685-be1f-d57550cc96cc">
-      <xsd:simpleType>
-        <xsd:restriction base="dms:Lookup"/>
-      </xsd:simpleType>
-    </xsd:element>
-    <xsd:element name="LocProcessedForMarketsLookup" ma:index="82" nillable="true" ma:displayName="Loc Processed For Markets" ma:default="" ma:list="{7DD1DCEC-E449-43D3-891F-7DC62F62AD21}" ma:internalName="LocProcessedForMarketsLookup" ma:readOnly="true" ma:showField="ProcessedForMarkets" ma:web="4873beb7-5857-4685-be1f-d57550cc96cc">
-      <xsd:simpleType>
-        <xsd:restriction base="dms:Lookup"/>
-      </xsd:simpleType>
-    </xsd:element>
-    <xsd:element name="LocPublishedDependentAssetsLookup" ma:index="83" nillable="true" ma:displayName="Loc Published Dependent Assets" ma:default="" ma:list="{7DD1DCEC-E449-43D3-891F-7DC62F62AD21}" ma:internalName="LocPublishedDependentAssetsLookup" ma:readOnly="true" ma:showField="PublishedDependentAssets" ma:web="4873beb7-5857-4685-be1f-d57550cc96cc">
-      <xsd:simpleType>
-        <xsd:restriction base="dms:Lookup"/>
-      </xsd:simpleType>
-    </xsd:element>
-    <xsd:element name="LocPublishedLinkedAssetsLookup" ma:index="84" nillable="true" ma:displayName="Loc Published Linked Assets" ma:default="" ma:list="{7DD1DCEC-E449-43D3-891F-7DC62F62AD21}" ma:internalName="LocPublishedLinkedAssetsLookup" ma:readOnly="true" ma:showField="PublishedLinkedAssets" ma:web="4873beb7-5857-4685-be1f-d57550cc96cc">
-      <xsd:simpleType>
-        <xsd:restriction base="dms:Lookup"/>
-      </xsd:simpleType>
-    </xsd:element>
-    <xsd:element name="LocRecommendedHandoff" ma:index="85" nillable="true" ma:displayName="Loc Recommended Handoff" ma:default="" ma:indexed="true" ma:internalName="LocRecommendedHandoff" ma:readOnly="false">
-      <xsd:simpleType>
-        <xsd:restriction base="dms:Text"/>
-      </xsd:simpleType>
-    </xsd:element>
-    <xsd:element name="LocalizationTagsTaxHTField0" ma:index="87" nillable="true" ma:taxonomy="true" ma:internalName="LocalizationTagsTaxHTField0" ma:taxonomyFieldName="LocalizationTags" ma:displayName="Localization Tags" ma:readOnly="false" ma:default="" ma:fieldId="{00f02cb3-2c7c-424a-9c61-10e9b6878429}" ma:taxonomyMulti="true" ma:sspId="8f79753a-75d3-41f5-8ca3-40b843941b4f" ma:termSetId="5b7703a5-8e8b-4b58-8b31-1cea35331da3" ma:anchorId="00000000-0000-0000-0000-000000000000" ma:open="false" ma:isKeyword="false">
-      <xsd:complexType>
-        <xsd:sequence>
-          <xsd:element ref="pc:Terms" minOccurs="0" maxOccurs="1"/>
-        </xsd:sequence>
-      </xsd:complexType>
-    </xsd:element>
-    <xsd:element name="MachineTranslated" ma:index="88" nillable="true" ma:displayName="Machine Translated" ma:default="" ma:internalName="MachineTranslated" ma:readOnly="false">
-      <xsd:simpleType>
-        <xsd:restriction base="dms:Boolean"/>
-      </xsd:simpleType>
-    </xsd:element>
-    <xsd:element name="Manager" ma:index="89" nillable="true" ma:displayName="Manager" ma:hidden="true" ma:internalName="Manager" ma:readOnly="false">
-      <xsd:simpleType>
-        <xsd:restriction base="dms:Text"/>
-      </xsd:simpleType>
-    </xsd:element>
-    <xsd:element name="Markets" ma:index="90" nillable="true" ma:displayName="Markets" ma:default="" ma:description="Leave blank to show in all markets" ma:list="{2FBD1B11-2ACE-4FDC-B5A3-635D4ADF6F1B}" ma:internalName="Markets" ma:readOnly="false" ma:showField="MarketName" ma:web="4873beb7-5857-4685-be1f-d57550cc96cc">
-      <xsd:complexType>
-        <xsd:complexContent>
-          <xsd:extension base="dms:MultiChoiceLookup">
-            <xsd:sequence>
-              <xsd:element name="Value" type="dms:Lookup" maxOccurs="unbounded" minOccurs="0" nillable="true"/>
-            </xsd:sequence>
-          </xsd:extension>
-        </xsd:complexContent>
-      </xsd:complexType>
-    </xsd:element>
-    <xsd:element name="Milestone" ma:index="91" nillable="true" ma:displayName="Milestone" ma:default="" ma:internalName="Milestone" ma:readOnly="false">
-      <xsd:simpleType>
-        <xsd:restriction base="dms:Unknown"/>
-      </xsd:simpleType>
-    </xsd:element>
-    <xsd:element name="TPNamespace" ma:index="94" nillable="true" ma:displayName="Namespace" ma:default="" ma:internalName="TPNamespace">
-      <xsd:simpleType>
-        <xsd:restriction base="dms:Text"/>
-      </xsd:simpleType>
-    </xsd:element>
-    <xsd:element name="NumericId" ma:index="95" nillable="true" ma:displayName="Numeric ID" ma:default="" ma:indexed="true" ma:internalName="NumericId" ma:readOnly="false">
-      <xsd:simpleType>
-        <xsd:restriction base="dms:Number"/>
-      </xsd:simpleType>
-    </xsd:element>
-    <xsd:element name="NumOfRatingsLookup" ma:index="96" nillable="true" ma:displayName="NumOfRatings" ma:default="" ma:list="{9E343742-310B-4684-A24C-1D137CB4B230}" ma:internalName="NumOfRatingsLookup" ma:readOnly="true" ma:showField="NumOfRatings" ma:web="4873beb7-5857-4685-be1f-d57550cc96cc">
-      <xsd:complexType>
-        <xsd:complexContent>
-          <xsd:extension base="dms:MultiChoiceLookup">
-            <xsd:sequence>
-              <xsd:element name="Value" type="dms:Lookup" maxOccurs="unbounded" minOccurs="0" nillable="true"/>
-            </xsd:sequence>
-          </xsd:extension>
-        </xsd:complexContent>
-      </xsd:complexType>
-    </xsd:element>
-    <xsd:element name="OOCacheId" ma:index="97" nillable="true" ma:displayName="OOCacheId" ma:internalName="OOCacheId" ma:readOnly="false">
-      <xsd:simpleType>
-        <xsd:restriction base="dms:Text"/>
-      </xsd:simpleType>
-    </xsd:element>
-    <xsd:element name="OpenTemplate" ma:index="98" nillable="true" ma:displayName="Open Template" ma:default="true" ma:internalName="OpenTemplate">
-      <xsd:simpleType>
-        <xsd:restriction base="dms:Boolean"/>
-      </xsd:simpleType>
-    </xsd:element>
-    <xsd:element name="OriginAsset" ma:index="99" nillable="true" ma:displayName="Origin Asset" ma:default="" ma:internalName="OriginAsset" ma:readOnly="false">
-      <xsd:simpleType>
-        <xsd:restriction base="dms:Text"/>
-      </xsd:simpleType>
-    </xsd:element>
-    <xsd:element name="OriginalRelease" ma:index="100" nillable="true" ma:displayName="Original Release" ma:default="15" ma:internalName="OriginalRelease" ma:readOnly="false">
-      <xsd:simpleType>
-        <xsd:restriction base="dms:Choice">
-          <xsd:enumeration value="14"/>
-          <xsd:enumeration value="15"/>
-          <xsd:enumeration value="16"/>
-        </xsd:restriction>
-      </xsd:simpleType>
-    </xsd:element>
-    <xsd:element name="OriginalSourceMarket" ma:index="101" nillable="true" ma:displayName="Original Source Market Group" ma:default="" ma:internalName="OriginalSourceMarket" ma:readOnly="false">
-      <xsd:simpleType>
-        <xsd:restriction base="dms:Text"/>
-      </xsd:simpleType>
-    </xsd:element>
-    <xsd:element name="OutputCachingOn" ma:index="102" nillable="true" ma:displayName="Output Caching" ma:default="true" ma:hidden="true" ma:internalName="OutputCachingOn" ma:readOnly="false">
-      <xsd:simpleType>
-        <xsd:restriction base="dms:Boolean"/>
-      </xsd:simpleType>
-    </xsd:element>
-    <xsd:element name="ParentAssetId" ma:index="103" nillable="true" ma:displayName="Parent Asset Id" ma:default="" ma:internalName="ParentAssetId" ma:readOnly="false">
-      <xsd:simpleType>
-        <xsd:restriction base="dms:Text"/>
-      </xsd:simpleType>
-    </xsd:element>
-    <xsd:element name="PlannedPubDate" ma:index="104" nillable="true" ma:displayName="Planned Publish Date" ma:default="" ma:indexed="true" ma:internalName="PlannedPubDate" ma:readOnly="false">
-      <xsd:simpleType>
-        <xsd:restriction base="dms:DateTime"/>
-      </xsd:simpleType>
-    </xsd:element>
-    <xsd:element name="PolicheckWords" ma:index="105" nillable="true" ma:displayName="Policheck Words" ma:default="" ma:internalName="PolicheckWords" ma:readOnly="false">
-      <xsd:simpleType>
-        <xsd:restriction base="dms:Text"/>
-      </xsd:simpleType>
-    </xsd:element>
-    <xsd:element name="BusinessGroup" ma:index="106" nillable="true" ma:displayName="Product Division Owner" ma:default="" ma:internalName="BusinessGroup" ma:readOnly="false">
-      <xsd:simpleType>
-        <xsd:restriction base="dms:Unknown"/>
-      </xsd:simpleType>
-    </xsd:element>
-    <xsd:element name="UAProjectedTotalWords" ma:index="107" nillable="true" ma:displayName="Projected Word Count" ma:default="" ma:internalName="UAProjectedTotalWords" ma:readOnly="false">
-      <xsd:simpleType>
-        <xsd:restriction base="dms:Unknown"/>
-      </xsd:simpleType>
-    </xsd:element>
-    <xsd:element name="Provider" ma:index="108" nillable="true" ma:displayName="Provider" ma:default="" ma:internalName="Provider" ma:readOnly="false">
-      <xsd:simpleType>
-        <xsd:restriction base="dms:Unknown"/>
-      </xsd:simpleType>
-    </xsd:element>
-    <xsd:element name="Providers" ma:index="109" nillable="true" ma:displayName="Providers" ma:default="" ma:internalName="Providers">
-      <xsd:simpleType>
-        <xsd:restriction base="dms:Unknown"/>
-      </xsd:simpleType>
-    </xsd:element>
-    <xsd:element name="PublishStatusLookup" ma:index="110" nillable="true" ma:displayName="Publish Status" ma:default="" ma:list="{9E343742-310B-4684-A24C-1D137CB4B230}" ma:internalName="PublishStatusLookup" ma:readOnly="false" ma:showField="PublishStatus" ma:web="4873beb7-5857-4685-be1f-d57550cc96cc">
-      <xsd:complexType>
-        <xsd:complexContent>
-          <xsd:extension base="dms:MultiChoiceLookup">
-            <xsd:sequence>
-              <xsd:element name="Value" type="dms:Lookup" maxOccurs="unbounded" minOccurs="0" nillable="true"/>
-            </xsd:sequence>
-          </xsd:extension>
-        </xsd:complexContent>
-      </xsd:complexType>
-    </xsd:element>
-    <xsd:element name="PublishTargets" ma:index="111" nillable="true" ma:displayName="Publish Target" ma:default="OfficeOnlineVNext" ma:internalName="PublishTargets" ma:readOnly="false">
-      <xsd:simpleType>
-        <xsd:restriction base="dms:Unknown"/>
-      </xsd:simpleType>
-    </xsd:element>
-    <xsd:element name="RecommendationsModifier" ma:index="112" nillable="true" ma:displayName="Recommendations Modifier" ma:default="" ma:internalName="RecommendationsModifier" ma:readOnly="false">
-      <xsd:simpleType>
-        <xsd:restriction base="dms:Number"/>
-      </xsd:simpleType>
-    </xsd:element>
-    <xsd:element name="ArtSampleDocs" ma:index="113" nillable="true" ma:displayName="Sample Docs" ma:default="" ma:hidden="true" ma:internalName="ArtSampleDocs" ma:readOnly="false">
-      <xsd:simpleType>
-        <xsd:restriction base="dms:Text"/>
-      </xsd:simpleType>
-    </xsd:element>
-    <xsd:element name="ScenarioTagsTaxHTField0" ma:index="115" nillable="true" ma:taxonomy="true" ma:internalName="ScenarioTagsTaxHTField0" ma:taxonomyFieldName="ScenarioTags" ma:displayName="Scenarios" ma:readOnly="false" ma:default="" ma:fieldId="{93aef74d-6c78-4815-8310-51477dceeccc}" ma:taxonomyMulti="true" ma:sspId="8f79753a-75d3-41f5-8ca3-40b843941b4f" ma:termSetId="4b7d5f16-e2f2-4fc0-bab3-6e8b931e57d6" ma:anchorId="00000000-0000-0000-0000-000000000000" ma:open="false" ma:isKeyword="false">
-      <xsd:complexType>
-        <xsd:sequence>
-          <xsd:element ref="pc:Terms" minOccurs="0" maxOccurs="1"/>
-        </xsd:sequence>
-      </xsd:complexType>
-    </xsd:element>
-    <xsd:element name="ShowIn" ma:index="117" nillable="true" ma:displayName="Show In" ma:default="Show everywhere" ma:internalName="ShowIn" ma:readOnly="false">
-      <xsd:simpleType>
-        <xsd:restriction base="dms:Choice">
-          <xsd:enumeration value="Hide on web"/>
-          <xsd:enumeration value="On Web no search"/>
-          <xsd:enumeration value="Show everywhere"/>
-          <xsd:enumeration value="Special use only"/>
-        </xsd:restriction>
-      </xsd:simpleType>
-    </xsd:element>
-    <xsd:element name="SourceTitle" ma:index="118" nillable="true" ma:displayName="Source Title" ma:default="" ma:indexed="true" ma:internalName="SourceTitle" ma:readOnly="false">
-      <xsd:simpleType>
-        <xsd:restriction base="dms:Text"/>
-      </xsd:simpleType>
-    </xsd:element>
-    <xsd:element name="CSXSubmissionDate" ma:index="119" nillable="true" ma:displayName="Submission Date" ma:default="" ma:internalName="CSXSubmissionDate" ma:readOnly="false">
-      <xsd:simpleType>
-        <xsd:restriction base="dms:DateTime"/>
-      </xsd:simpleType>
-    </xsd:element>
-    <xsd:element name="SubmitterId" ma:index="120" nillable="true" ma:displayName="Submitter ID" ma:default="" ma:internalName="SubmitterId" ma:readOnly="false">
-      <xsd:simpleType>
-        <xsd:restriction base="dms:Text"/>
-      </xsd:simpleType>
-    </xsd:element>
-    <xsd:element name="TaxCatchAll" ma:index="121" nillable="true" ma:displayName="Taxonomy Catch All Column" ma:hidden="true" ma:list="{530f955b-6704-4601-bd83-f81d87f1e440}" ma:internalName="TaxCatchAll" ma:showField="CatchAllData" ma:web="4873beb7-5857-4685-be1f-d57550cc96cc">
-      <xsd:complexType>
-        <xsd:complexContent>
-          <xsd:extension base="dms:MultiChoiceLookup">
-            <xsd:sequence>
-              <xsd:element name="Value" type="dms:Lookup" maxOccurs="unbounded" minOccurs="0" nillable="true"/>
-            </xsd:sequence>
-          </xsd:extension>
-        </xsd:complexContent>
-      </xsd:complexType>
-    </xsd:element>
-    <xsd:element name="TaxCatchAllLabel" ma:index="122" nillable="true" ma:displayName="Taxonomy Catch All Column1" ma:hidden="true" ma:list="{530f955b-6704-4601-bd83-f81d87f1e440}" ma:internalName="TaxCatchAllLabel" ma:readOnly="true" ma:showField="CatchAllDataLabel" ma:web="4873beb7-5857-4685-be1f-d57550cc96cc">
-      <xsd:complexType>
-        <xsd:complexContent>
-          <xsd:extension base="dms:MultiChoiceLookup">
-            <xsd:sequence>
-              <xsd:element name="Value" type="dms:Lookup" maxOccurs="unbounded" minOccurs="0" nillable="true"/>
-            </xsd:sequence>
-          </xsd:extension>
-        </xsd:complexContent>
-      </xsd:complexType>
-    </xsd:element>
-    <xsd:element name="TemplateStatus" ma:index="123" nillable="true" ma:displayName="Template Status" ma:default="" ma:internalName="TemplateStatus">
-      <xsd:simpleType>
-        <xsd:restriction base="dms:Unknown"/>
-      </xsd:simpleType>
-    </xsd:element>
-    <xsd:element name="TemplateTemplateType" ma:index="124" nillable="true" ma:displayName="Template Type" ma:default="" ma:internalName="TemplateTemplateType">
-      <xsd:simpleType>
-        <xsd:restriction base="dms:Unknown"/>
-      </xsd:simpleType>
-    </xsd:element>
-    <xsd:element name="ThumbnailAssetId" ma:index="125" nillable="true" ma:displayName="Thumbnail Image Asset" ma:default="" ma:internalName="ThumbnailAssetId" ma:readOnly="false">
-      <xsd:simpleType>
-        <xsd:restriction base="dms:Text"/>
-      </xsd:simpleType>
-    </xsd:element>
-    <xsd:element name="TimesCloned" ma:index="126" nillable="true" ma:displayName="Times Cloned" ma:default="" ma:internalName="TimesCloned" ma:readOnly="false">
-      <xsd:simpleType>
-        <xsd:restriction base="dms:Number"/>
-      </xsd:simpleType>
-    </xsd:element>
-    <xsd:element name="TrustLevel" ma:index="128" nillable="true" ma:displayName="Trust Level" ma:default="1 Microsoft Managed Content" ma:internalName="TrustLevel" ma:readOnly="false">
-      <xsd:simpleType>
-        <xsd:restriction base="dms:Unknown"/>
-      </xsd:simpleType>
-    </xsd:element>
-    <xsd:element name="UALocComments" ma:index="129" nillable="true" ma:displayName="UA Loc Comments" ma:default="" ma:internalName="UALocComments" ma:readOnly="false">
-      <xsd:simpleType>
-        <xsd:restriction base="dms:Note"/>
-      </xsd:simpleType>
-    </xsd:element>
-    <xsd:element name="UALocRecommendation" ma:index="130" nillable="true" ma:displayName="UA Loc Recommendation" ma:default="Localize" ma:internalName="UALocRecommendation" ma:readOnly="false">
-      <xsd:simpleType>
-        <xsd:restriction base="dms:Choice">
-          <xsd:enumeration value="Localize"/>
-          <xsd:enumeration value="Never Localize"/>
-          <xsd:enumeration value="Priority Localize"/>
-        </xsd:restriction>
-      </xsd:simpleType>
-    </xsd:element>
-    <xsd:element name="UANotes" ma:index="131" nillable="true" ma:displayName="UA Notes" ma:default="" ma:internalName="UANotes" ma:readOnly="false">
-      <xsd:simpleType>
-        <xsd:restriction base="dms:Note"/>
-      </xsd:simpleType>
-    </xsd:element>
-    <xsd:element name="TPAppVersion" ma:index="132" nillable="true" ma:displayName="Version" ma:default="" ma:internalName="TPAppVersion">
-      <xsd:simpleType>
-        <xsd:restriction base="dms:Text"/>
-      </xsd:simpleType>
-    </xsd:element>
-    <xsd:element name="VoteCount" ma:index="133" nillable="true" ma:displayName="Vote Count" ma:default="" ma:internalName="VoteCount" ma:readOnly="false">
-      <xsd:simpleType>
-        <xsd:restriction base="dms:Unknown"/>
-      </xsd:simpleType>
-    </xsd:element>
-  </xsd:schema>
-  <xsd:schema xmlns="http://schemas.openxmlformats.org/package/2006/metadata/core-properties" xmlns:xsd="http://www.w3.org/2001/XMLSchema" xmlns:xsi="http://www.w3.org/2001/XMLSchema-instance" xmlns:dc="http://purl.org/dc/elements/1.1/" xmlns:dcterms="http://purl.org/dc/terms/" xmlns:odoc="http://schemas.microsoft.com/internal/obd" targetNamespace="http://schemas.openxmlformats.org/package/2006/metadata/core-properties" elementFormDefault="qualified" attributeFormDefault="unqualified" blockDefault="#all">
-    <xsd:import namespace="http://purl.org/dc/elements/1.1/" schemaLocation="http://dublincore.org/schemas/xmls/qdc/2003/04/02/dc.xsd"/>
-    <xsd:import namespace="http://purl.org/dc/terms/" schemaLocation="http://dublincore.org/schemas/xmls/qdc/2003/04/02/dcterms.xsd"/>
-    <xsd:element name="coreProperties" type="CT_coreProperties"/>
-    <xsd:complexType name="CT_coreProperties">
-      <xsd:all>
-        <xsd:element ref="dc:creator" minOccurs="0" maxOccurs="1"/>
-        <xsd:element ref="dcterms:created" minOccurs="0" maxOccurs="1"/>
-        <xsd:element ref="dc:identifier" minOccurs="0" maxOccurs="1"/>
-        <xsd:element name="contentType" minOccurs="0" maxOccurs="1" type="xsd:string" ma:index="22" ma:displayName="Content Type"/>
-        <xsd:element ref="dc:title" minOccurs="0" maxOccurs="1" ma:index="127" ma:displayName="Title"/>
-        <xsd:element ref="dc:subject" minOccurs="0" maxOccurs="1"/>
-        <xsd:element ref="dc:description" minOccurs="0" maxOccurs="1"/>
-        <xsd:element name="keywords" minOccurs="0" maxOccurs="1" type="xsd:string"/>
-        <xsd:element ref="dc:language" minOccurs="0" maxOccurs="1"/>
-        <xsd:element name="category" minOccurs="0" maxOccurs="1" type="xsd:string"/>
-        <xsd:element name="version" minOccurs="0" maxOccurs="1" type="xsd:string"/>
-        <xsd:element name="revision" minOccurs="0" maxOccurs="1" type="xsd:string">
-          <xsd:annotation>
-            <xsd:documentation>
-                        This value indicates the number of saves or revisions. The application is responsible for updating this value after each revision.
-                    </xsd:documentation>
-          </xsd:annotation>
-        </xsd:element>
-        <xsd:element name="lastModifiedBy" minOccurs="0" maxOccurs="1" type="xsd:string"/>
-        <xsd:element ref="dcterms:modified" minOccurs="0" maxOccurs="1"/>
-        <xsd:element name="contentStatus" minOccurs="0" maxOccurs="1" type="xsd:string"/>
-      </xsd:all>
-    </xsd:complexType>
-  </xsd:schema>
-  <xs:schema xmlns:pc="http://schemas.microsoft.com/office/infopath/2007/PartnerControls" xmlns:xs="http://www.w3.org/2001/XMLSchema" targetNamespace="http://schemas.microsoft.com/office/infopath/2007/PartnerControls" elementFormDefault="qualified" attributeFormDefault="unqualified">
-    <xs:element name="Person">
-      <xs:complexType>
-        <xs:sequence>
-          <xs:element ref="pc:DisplayName" minOccurs="0"/>
-          <xs:element ref="pc:AccountId" minOccurs="0"/>
-          <xs:element ref="pc:AccountType" minOccurs="0"/>
-        </xs:sequence>
-      </xs:complexType>
-    </xs:element>
-    <xs:element name="DisplayName" type="xs:string"/>
-    <xs:element name="AccountId" type="xs:string"/>
-    <xs:element name="AccountType" type="xs:string"/>
-    <xs:element name="BDCAssociatedEntity">
-      <xs:complexType>
-        <xs:sequence>
-          <xs:element ref="pc:BDCEntity" minOccurs="0" maxOccurs="unbounded"/>
-        </xs:sequence>
-        <xs:attribute ref="pc:EntityNamespace"/>
-        <xs:attribute ref="pc:EntityName"/>
-        <xs:attribute ref="pc:SystemInstanceName"/>
-        <xs:attribute ref="pc:AssociationName"/>
-      </xs:complexType>
-    </xs:element>
-    <xs:attribute name="EntityNamespace" type="xs:string"/>
-    <xs:attribute name="EntityName" type="xs:string"/>
-    <xs:attribute name="SystemInstanceName" type="xs:string"/>
-    <xs:attribute name="AssociationName" type="xs:string"/>
-    <xs:element name="BDCEntity">
-      <xs:complexType>
-        <xs:sequence>
-          <xs:element ref="pc:EntityDisplayName" minOccurs="0"/>
-          <xs:element ref="pc:EntityInstanceReference" minOccurs="0"/>
-          <xs:element ref="pc:EntityId1" minOccurs="0"/>
-          <xs:element ref="pc:EntityId2" minOccurs="0"/>
-          <xs:element ref="pc:EntityId3" minOccurs="0"/>
-          <xs:element ref="pc:EntityId4" minOccurs="0"/>
-          <xs:element ref="pc:EntityId5" minOccurs="0"/>
-        </xs:sequence>
-      </xs:complexType>
-    </xs:element>
-    <xs:element name="EntityDisplayName" type="xs:string"/>
-    <xs:element name="EntityInstanceReference" type="xs:string"/>
-    <xs:element name="EntityId1" type="xs:string"/>
-    <xs:element name="EntityId2" type="xs:string"/>
-    <xs:element name="EntityId3" type="xs:string"/>
-    <xs:element name="EntityId4" type="xs:string"/>
-    <xs:element name="EntityId5" type="xs:string"/>
-    <xs:element name="Terms">
-      <xs:complexType>
-        <xs:sequence>
-          <xs:element ref="pc:TermInfo" minOccurs="0" maxOccurs="unbounded"/>
-        </xs:sequence>
-      </xs:complexType>
-    </xs:element>
-    <xs:element name="TermInfo">
-      <xs:complexType>
-        <xs:sequence>
-          <xs:element ref="pc:TermName" minOccurs="0"/>
-          <xs:element ref="pc:TermId" minOccurs="0"/>
-        </xs:sequence>
-      </xs:complexType>
-    </xs:element>
-    <xs:element name="TermName" type="xs:string"/>
-    <xs:element name="TermId" type="xs:string"/>
-  </xs:schema>
-</ct:contentTypeSchema>
+<?mso-contentType ?>
+<FormTemplates xmlns="http://schemas.microsoft.com/sharepoint/v3/contenttype/forms">
+  <Display>DocumentLibraryForm</Display>
+  <Edit>AssetEditForm</Edit>
+  <New>DocumentLibraryForm</New>
+</FormTemplates>
 </file>
 
 <file path=customXml/itemProps1.xml><?xml version="1.0" encoding="utf-8"?>
-<ds:datastoreItem xmlns:ds="http://schemas.openxmlformats.org/officeDocument/2006/customXml" ds:itemID="{E1B558C7-619B-49BE-9097-7FCBDADD4ECE}">
+<ds:datastoreItem xmlns:ds="http://schemas.openxmlformats.org/officeDocument/2006/customXml" ds:itemID="{BBB5C329-08A6-4E5E-AEF1-A97828C87411}">
   <ds:schemaRefs>
-    <ds:schemaRef ds:uri="http://schemas.microsoft.com/sharepoint/v3/contenttype/forms"/>
+    <ds:schemaRef ds:uri="http://schemas.microsoft.com/office/2006/metadata/contentType"/>
+    <ds:schemaRef ds:uri="http://schemas.microsoft.com/office/2006/metadata/properties/metaAttributes"/>
+    <ds:schemaRef ds:uri="http://www.w3.org/2001/XMLSchema"/>
+    <ds:schemaRef ds:uri="http://schemas.microsoft.com/office/2006/metadata/properties"/>
+    <ds:schemaRef ds:uri="4873beb7-5857-4685-be1f-d57550cc96cc"/>
+    <ds:schemaRef ds:uri="http://schemas.microsoft.com/office/2006/documentManagement/types"/>
+    <ds:schemaRef ds:uri="http://schemas.microsoft.com/office/infopath/2007/PartnerControls"/>
+    <ds:schemaRef ds:uri="http://schemas.openxmlformats.org/package/2006/metadata/core-properties"/>
+    <ds:schemaRef ds:uri="http://purl.org/dc/elements/1.1/"/>
+    <ds:schemaRef ds:uri="http://purl.org/dc/terms/"/>
+    <ds:schemaRef ds:uri="http://schemas.microsoft.com/internal/obd"/>
   </ds:schemaRefs>
 </ds:datastoreItem>
 </file>
@@ -7450,19 +7766,9 @@
 </file>
 
 <file path=customXml/itemProps3.xml><?xml version="1.0" encoding="utf-8"?>
-<ds:datastoreItem xmlns:ds="http://schemas.openxmlformats.org/officeDocument/2006/customXml" ds:itemID="{BBB5C329-08A6-4E5E-AEF1-A97828C87411}">
+<ds:datastoreItem xmlns:ds="http://schemas.openxmlformats.org/officeDocument/2006/customXml" ds:itemID="{E1B558C7-619B-49BE-9097-7FCBDADD4ECE}">
   <ds:schemaRefs>
-    <ds:schemaRef ds:uri="http://schemas.microsoft.com/office/2006/metadata/contentType"/>
-    <ds:schemaRef ds:uri="http://schemas.microsoft.com/office/2006/metadata/properties/metaAttributes"/>
-    <ds:schemaRef ds:uri="http://www.w3.org/2001/XMLSchema"/>
-    <ds:schemaRef ds:uri="http://schemas.microsoft.com/office/2006/metadata/properties"/>
-    <ds:schemaRef ds:uri="4873beb7-5857-4685-be1f-d57550cc96cc"/>
-    <ds:schemaRef ds:uri="http://schemas.microsoft.com/office/2006/documentManagement/types"/>
-    <ds:schemaRef ds:uri="http://schemas.microsoft.com/office/infopath/2007/PartnerControls"/>
-    <ds:schemaRef ds:uri="http://schemas.openxmlformats.org/package/2006/metadata/core-properties"/>
-    <ds:schemaRef ds:uri="http://purl.org/dc/elements/1.1/"/>
-    <ds:schemaRef ds:uri="http://purl.org/dc/terms/"/>
-    <ds:schemaRef ds:uri="http://schemas.microsoft.com/internal/obd"/>
+    <ds:schemaRef ds:uri="http://schemas.microsoft.com/sharepoint/v3/contenttype/forms"/>
   </ds:schemaRefs>
 </ds:datastoreItem>
 </file>
--- a/Python/Session2/PPT/Python_Fundamentals(Notes).pptx
+++ b/Python/Session2/PPT/Python_Fundamentals(Notes).pptx
@@ -5,10 +5,10 @@
     <p:sldMasterId id="2147483660" r:id="rId4"/>
   </p:sldMasterIdLst>
   <p:notesMasterIdLst>
-    <p:notesMasterId r:id="rId16"/>
+    <p:notesMasterId r:id="rId29"/>
   </p:notesMasterIdLst>
   <p:handoutMasterIdLst>
-    <p:handoutMasterId r:id="rId17"/>
+    <p:handoutMasterId r:id="rId30"/>
   </p:handoutMasterIdLst>
   <p:sldIdLst>
     <p:sldId id="264" r:id="rId5"/>
@@ -17,11 +17,24 @@
     <p:sldId id="283" r:id="rId8"/>
     <p:sldId id="290" r:id="rId9"/>
     <p:sldId id="284" r:id="rId10"/>
-    <p:sldId id="286" r:id="rId11"/>
-    <p:sldId id="287" r:id="rId12"/>
-    <p:sldId id="288" r:id="rId13"/>
-    <p:sldId id="289" r:id="rId14"/>
-    <p:sldId id="285" r:id="rId15"/>
+    <p:sldId id="291" r:id="rId11"/>
+    <p:sldId id="286" r:id="rId12"/>
+    <p:sldId id="292" r:id="rId13"/>
+    <p:sldId id="287" r:id="rId14"/>
+    <p:sldId id="293" r:id="rId15"/>
+    <p:sldId id="288" r:id="rId16"/>
+    <p:sldId id="289" r:id="rId17"/>
+    <p:sldId id="294" r:id="rId18"/>
+    <p:sldId id="295" r:id="rId19"/>
+    <p:sldId id="285" r:id="rId20"/>
+    <p:sldId id="296" r:id="rId21"/>
+    <p:sldId id="297" r:id="rId22"/>
+    <p:sldId id="298" r:id="rId23"/>
+    <p:sldId id="299" r:id="rId24"/>
+    <p:sldId id="300" r:id="rId25"/>
+    <p:sldId id="301" r:id="rId26"/>
+    <p:sldId id="302" r:id="rId27"/>
+    <p:sldId id="303" r:id="rId28"/>
   </p:sldIdLst>
   <p:sldSz cx="12188825" cy="6858000"/>
   <p:notesSz cx="6858000" cy="9144000"/>
@@ -153,6 +166,10 @@
 </p:presentation>
 </file>
 
+<file path=ppt/revisionInfo.xml><?xml version="1.0" encoding="utf-8"?>
+<p1510:revInfo xmlns:a="http://schemas.openxmlformats.org/drawingml/2006/main" xmlns:r="http://schemas.openxmlformats.org/officeDocument/2006/relationships" xmlns:p1510="http://schemas.microsoft.com/office/powerpoint/2015/10/main"/>
+</file>
+
 <file path=ppt/handoutMasters/handoutMaster1.xml><?xml version="1.0" encoding="utf-8"?>
 <p:handoutMaster xmlns:a="http://schemas.openxmlformats.org/drawingml/2006/main" xmlns:r="http://schemas.openxmlformats.org/officeDocument/2006/relationships" xmlns:p="http://schemas.openxmlformats.org/presentationml/2006/main">
   <p:cSld>
@@ -243,7 +260,7 @@
                   <a:schemeClr val="tx2"/>
                 </a:solidFill>
               </a:rPr>
-              <a:t>7/29/2018</a:t>
+              <a:t>8/9/2018</a:t>
             </a:fld>
             <a:endParaRPr>
               <a:solidFill>
@@ -433,7 +450,7 @@
             <a:fld id="{F95CF31C-F757-429C-A789-86504F04C3BE}" type="datetimeFigureOut">
               <a:rPr lang="en-US"/>
               <a:pPr/>
-              <a:t>7/29/2018</a:t>
+              <a:t>8/9/2018</a:t>
             </a:fld>
             <a:endParaRPr/>
           </a:p>
@@ -1028,7 +1045,7 @@
           <a:p>
             <a:fld id="{7AECB6C2-1084-4AED-A74A-DF028B0094EA}" type="datetimeFigureOut">
               <a:rPr lang="en-US"/>
-              <a:t>7/29/2018</a:t>
+              <a:t>8/9/2018</a:t>
             </a:fld>
             <a:endParaRPr/>
           </a:p>
@@ -1220,7 +1237,7 @@
           <a:p>
             <a:fld id="{7AECB6C2-1084-4AED-A74A-DF028B0094EA}" type="datetimeFigureOut">
               <a:rPr lang="en-US"/>
-              <a:t>7/29/2018</a:t>
+              <a:t>8/9/2018</a:t>
             </a:fld>
             <a:endParaRPr/>
           </a:p>
@@ -1418,7 +1435,7 @@
           <a:p>
             <a:fld id="{8B5A30F4-0B4E-4E4B-BC36-C30CD13F4E17}" type="datetimeFigureOut">
               <a:rPr lang="en-US"/>
-              <a:t>7/29/2018</a:t>
+              <a:t>8/9/2018</a:t>
             </a:fld>
             <a:endParaRPr dirty="0"/>
           </a:p>
@@ -1935,7 +1952,7 @@
           <a:p>
             <a:fld id="{2DD204D1-F9BD-4643-8480-6EA41EB484F1}" type="datetimeFigureOut">
               <a:rPr lang="en-US"/>
-              <a:t>7/29/2018</a:t>
+              <a:t>8/9/2018</a:t>
             </a:fld>
             <a:endParaRPr/>
           </a:p>
@@ -2383,7 +2400,7 @@
           <a:p>
             <a:fld id="{2DD204D1-F9BD-4643-8480-6EA41EB484F1}" type="datetimeFigureOut">
               <a:rPr lang="en-US"/>
-              <a:t>7/29/2018</a:t>
+              <a:t>8/9/2018</a:t>
             </a:fld>
             <a:endParaRPr/>
           </a:p>
@@ -2513,7 +2530,7 @@
           <a:p>
             <a:fld id="{2DD204D1-F9BD-4643-8480-6EA41EB484F1}" type="datetimeFigureOut">
               <a:rPr lang="en-US"/>
-              <a:t>7/29/2018</a:t>
+              <a:t>8/9/2018</a:t>
             </a:fld>
             <a:endParaRPr/>
           </a:p>
@@ -2620,7 +2637,7 @@
           <a:p>
             <a:fld id="{2DD204D1-F9BD-4643-8480-6EA41EB484F1}" type="datetimeFigureOut">
               <a:rPr lang="en-US"/>
-              <a:t>7/29/2018</a:t>
+              <a:t>8/9/2018</a:t>
             </a:fld>
             <a:endParaRPr/>
           </a:p>
@@ -2977,7 +2994,7 @@
           <a:p>
             <a:fld id="{126BF754-515F-40B9-8D24-D54D5825B3D0}" type="datetimeFigureOut">
               <a:rPr lang="en-US"/>
-              <a:t>7/29/2018</a:t>
+              <a:t>8/9/2018</a:t>
             </a:fld>
             <a:endParaRPr/>
           </a:p>
@@ -3314,7 +3331,7 @@
           <a:p>
             <a:fld id="{126BF754-515F-40B9-8D24-D54D5825B3D0}" type="datetimeFigureOut">
               <a:rPr lang="en-US"/>
-              <a:t>7/29/2018</a:t>
+              <a:t>8/9/2018</a:t>
             </a:fld>
             <a:endParaRPr/>
           </a:p>
@@ -3609,7 +3626,7 @@
             <a:fld id="{2DD204D1-F9BD-4643-8480-6EA41EB484F1}" type="datetimeFigureOut">
               <a:rPr lang="en-US" smtClean="0"/>
               <a:pPr/>
-              <a:t>7/29/2018</a:t>
+              <a:t>8/9/2018</a:t>
             </a:fld>
             <a:endParaRPr lang="en-US"/>
           </a:p>
@@ -4146,7 +4163,7 @@
           <p:cNvPr id="2" name="Title 1">
             <a:extLst>
               <a:ext uri="{FF2B5EF4-FFF2-40B4-BE49-F238E27FC236}">
-                <a16:creationId xmlns:a16="http://schemas.microsoft.com/office/drawing/2014/main" id="{05217FA7-7A78-4198-A2F0-3A343C70A87B}"/>
+                <a16:creationId xmlns:a16="http://schemas.microsoft.com/office/drawing/2014/main" id="{A23EE193-128F-4CC2-90F5-547E5EC46129}"/>
               </a:ext>
             </a:extLst>
           </p:cNvPr>
@@ -4164,7 +4181,7 @@
           <a:p>
             <a:r>
               <a:rPr lang="en-US" dirty="0"/>
-              <a:t>4.a.vii Bitwise Operator</a:t>
+              <a:t>III. Unary Operator		</a:t>
             </a:r>
           </a:p>
         </p:txBody>
@@ -4174,7 +4191,7 @@
           <p:cNvPr id="3" name="Content Placeholder 2">
             <a:extLst>
               <a:ext uri="{FF2B5EF4-FFF2-40B4-BE49-F238E27FC236}">
-                <a16:creationId xmlns:a16="http://schemas.microsoft.com/office/drawing/2014/main" id="{D41755D1-FB66-4EA2-A80A-7691FA364545}"/>
+                <a16:creationId xmlns:a16="http://schemas.microsoft.com/office/drawing/2014/main" id="{665401CA-E27D-4281-A830-ED413723F316}"/>
               </a:ext>
             </a:extLst>
           </p:cNvPr>
@@ -4185,95 +4202,87 @@
             <p:ph idx="1"/>
           </p:nvPr>
         </p:nvSpPr>
-        <p:spPr/>
+        <p:spPr>
+          <a:xfrm>
+            <a:off x="1117309" y="1701800"/>
+            <a:ext cx="10157354" cy="4927600"/>
+          </a:xfrm>
+        </p:spPr>
         <p:txBody>
           <a:bodyPr>
-            <a:normAutofit fontScale="92500" lnSpcReduction="10000"/>
+            <a:normAutofit/>
           </a:bodyPr>
           <a:lstStyle/>
           <a:p>
-            <a:pPr marL="0" indent="0">
-              <a:buNone/>
-            </a:pPr>
-            <a:r>
-              <a:rPr lang="en-US" b="1" dirty="0"/>
-              <a:t>Operator	</a:t>
-            </a:r>
-          </a:p>
-          <a:p>
-            <a:pPr marL="0" indent="0">
-              <a:buNone/>
-            </a:pPr>
-            <a:r>
-              <a:rPr lang="en-US" sz="2200" dirty="0"/>
-              <a:t>Complement 	~  ( tilde )</a:t>
-            </a:r>
-          </a:p>
-          <a:p>
-            <a:pPr marL="0" indent="0">
-              <a:buNone/>
-            </a:pPr>
-            <a:r>
-              <a:rPr lang="en-US" sz="2200" dirty="0"/>
-              <a:t>AND		&amp;</a:t>
-            </a:r>
-          </a:p>
-          <a:p>
-            <a:pPr marL="0" indent="0">
-              <a:buNone/>
-            </a:pPr>
-            <a:r>
-              <a:rPr lang="en-US" sz="2200" dirty="0"/>
-              <a:t>OR		|</a:t>
-            </a:r>
-          </a:p>
-          <a:p>
-            <a:pPr marL="0" indent="0">
-              <a:buNone/>
-            </a:pPr>
-            <a:r>
-              <a:rPr lang="en-US" sz="2200" dirty="0"/>
-              <a:t>XOR		^  ( cap )</a:t>
-            </a:r>
-          </a:p>
-          <a:p>
-            <a:pPr marL="0" indent="0">
-              <a:buNone/>
-            </a:pPr>
-            <a:r>
-              <a:rPr lang="en-US" sz="2200" dirty="0"/>
-              <a:t>NOT		not x</a:t>
-            </a:r>
-          </a:p>
-          <a:p>
-            <a:pPr marL="0" indent="0">
-              <a:buNone/>
-            </a:pPr>
-            <a:r>
-              <a:rPr lang="en-US" sz="2200" dirty="0"/>
-              <a:t>Left shift		&lt;&lt;</a:t>
-            </a:r>
-          </a:p>
-          <a:p>
-            <a:pPr marL="0" indent="0">
-              <a:buNone/>
-            </a:pPr>
-            <a:r>
-              <a:rPr lang="en-US" sz="2200" dirty="0"/>
-              <a:t>Right Shift 	&gt;&gt;</a:t>
-            </a:r>
-            <a:r>
-              <a:rPr lang="en-US" dirty="0"/>
-              <a:t>	           </a:t>
-            </a:r>
-          </a:p>
-          <a:p>
-            <a:pPr marL="0" indent="0">
-              <a:buNone/>
-            </a:pPr>
-            <a:r>
-              <a:rPr lang="en-US" dirty="0"/>
-              <a:t>	</a:t>
+            <a:pPr marL="426645" lvl="1" indent="0">
+              <a:buNone/>
+            </a:pPr>
+            <a:r>
+              <a:rPr lang="en-US" sz="2400" b="1" dirty="0"/>
+              <a:t>Operator	Meaning 	</a:t>
+            </a:r>
+          </a:p>
+          <a:p>
+            <a:pPr marL="426645" lvl="1" indent="0">
+              <a:buNone/>
+            </a:pPr>
+            <a:r>
+              <a:rPr lang="en-US" sz="2400" b="1" dirty="0"/>
+              <a:t> “-”		</a:t>
+            </a:r>
+            <a:r>
+              <a:rPr lang="en-US" dirty="0"/>
+              <a:t>Used to negate the value ( +</a:t>
+            </a:r>
+            <a:r>
+              <a:rPr lang="en-US" dirty="0" err="1"/>
+              <a:t>ve</a:t>
+            </a:r>
+            <a:r>
+              <a:rPr lang="en-US" dirty="0"/>
+              <a:t> will become –</a:t>
+            </a:r>
+            <a:r>
+              <a:rPr lang="en-US" dirty="0" err="1"/>
+              <a:t>ve</a:t>
+            </a:r>
+            <a:r>
+              <a:rPr lang="en-US" dirty="0"/>
+              <a:t>, vice versa)</a:t>
+            </a:r>
+          </a:p>
+          <a:p>
+            <a:pPr lvl="1">
+              <a:buFontTx/>
+              <a:buChar char="-"/>
+            </a:pPr>
+            <a:endParaRPr lang="en-US" dirty="0"/>
+          </a:p>
+          <a:p>
+            <a:pPr marL="426645" lvl="1" indent="0">
+              <a:buNone/>
+            </a:pPr>
+            <a:r>
+              <a:rPr lang="en-US" dirty="0"/>
+              <a:t>Example:  </a:t>
+            </a:r>
+          </a:p>
+          <a:p>
+            <a:pPr marL="426645" lvl="1" indent="0">
+              <a:buNone/>
+            </a:pPr>
+            <a:r>
+              <a:rPr lang="en-US" dirty="0"/>
+              <a:t>N  = 10</a:t>
+            </a:r>
+          </a:p>
+          <a:p>
+            <a:pPr marL="426645" lvl="1" indent="0">
+              <a:buNone/>
+            </a:pPr>
+            <a:r>
+              <a:rPr lang="en-US" dirty="0"/>
+              <a:t>print(-10)	</a:t>
             </a:r>
           </a:p>
         </p:txBody>
@@ -4281,7 +4290,7 @@
     </p:spTree>
     <p:extLst>
       <p:ext uri="{BB962C8B-B14F-4D97-AF65-F5344CB8AC3E}">
-        <p14:creationId xmlns:p14="http://schemas.microsoft.com/office/powerpoint/2010/main" val="3201880600"/>
+        <p14:creationId xmlns:p14="http://schemas.microsoft.com/office/powerpoint/2010/main" val="200002462"/>
       </p:ext>
     </p:extLst>
   </p:cSld>
@@ -4325,6 +4334,892 @@
           <p:cNvPr id="2" name="Title 1">
             <a:extLst>
               <a:ext uri="{FF2B5EF4-FFF2-40B4-BE49-F238E27FC236}">
+                <a16:creationId xmlns:a16="http://schemas.microsoft.com/office/drawing/2014/main" id="{A23EE193-128F-4CC2-90F5-547E5EC46129}"/>
+              </a:ext>
+            </a:extLst>
+          </p:cNvPr>
+          <p:cNvSpPr>
+            <a:spLocks noGrp="1"/>
+          </p:cNvSpPr>
+          <p:nvPr>
+            <p:ph type="title"/>
+          </p:nvPr>
+        </p:nvSpPr>
+        <p:spPr/>
+        <p:txBody>
+          <a:bodyPr/>
+          <a:lstStyle/>
+          <a:p>
+            <a:r>
+              <a:rPr lang="en-US" dirty="0"/>
+              <a:t>IV. Relational Operator		</a:t>
+            </a:r>
+          </a:p>
+        </p:txBody>
+      </p:sp>
+      <p:sp>
+        <p:nvSpPr>
+          <p:cNvPr id="3" name="Content Placeholder 2">
+            <a:extLst>
+              <a:ext uri="{FF2B5EF4-FFF2-40B4-BE49-F238E27FC236}">
+                <a16:creationId xmlns:a16="http://schemas.microsoft.com/office/drawing/2014/main" id="{665401CA-E27D-4281-A830-ED413723F316}"/>
+              </a:ext>
+            </a:extLst>
+          </p:cNvPr>
+          <p:cNvSpPr>
+            <a:spLocks noGrp="1"/>
+          </p:cNvSpPr>
+          <p:nvPr>
+            <p:ph idx="1"/>
+          </p:nvPr>
+        </p:nvSpPr>
+        <p:spPr>
+          <a:xfrm>
+            <a:off x="1117309" y="1701800"/>
+            <a:ext cx="10157354" cy="4927600"/>
+          </a:xfrm>
+        </p:spPr>
+        <p:txBody>
+          <a:bodyPr>
+            <a:normAutofit/>
+          </a:bodyPr>
+          <a:lstStyle/>
+          <a:p>
+            <a:pPr marL="426645" lvl="1" indent="0">
+              <a:buNone/>
+            </a:pPr>
+            <a:r>
+              <a:rPr lang="en-US" sz="2400" b="1" dirty="0"/>
+              <a:t>Operator	Example 	Result</a:t>
+            </a:r>
+          </a:p>
+          <a:p>
+            <a:pPr marL="426645" lvl="1" indent="0">
+              <a:buNone/>
+            </a:pPr>
+            <a:r>
+              <a:rPr lang="en-US" dirty="0"/>
+              <a:t>&gt;		a &gt; b		True/False</a:t>
+            </a:r>
+          </a:p>
+          <a:p>
+            <a:pPr marL="426645" lvl="1" indent="0">
+              <a:buNone/>
+            </a:pPr>
+            <a:r>
+              <a:rPr lang="en-US" dirty="0"/>
+              <a:t>&gt;=		a &gt;=b 		True/False</a:t>
+            </a:r>
+          </a:p>
+          <a:p>
+            <a:pPr marL="426645" lvl="1" indent="0">
+              <a:buNone/>
+            </a:pPr>
+            <a:r>
+              <a:rPr lang="en-US" dirty="0"/>
+              <a:t>&lt;		a &lt; b		True/False</a:t>
+            </a:r>
+          </a:p>
+          <a:p>
+            <a:pPr marL="426645" lvl="1" indent="0">
+              <a:buNone/>
+            </a:pPr>
+            <a:r>
+              <a:rPr lang="en-US" dirty="0"/>
+              <a:t>&lt;=		a &lt;= b		True/False</a:t>
+            </a:r>
+          </a:p>
+          <a:p>
+            <a:pPr marL="426645" lvl="1" indent="0">
+              <a:buNone/>
+            </a:pPr>
+            <a:r>
+              <a:rPr lang="en-US" dirty="0"/>
+              <a:t>==		a == b		True/False</a:t>
+            </a:r>
+          </a:p>
+          <a:p>
+            <a:pPr marL="426645" lvl="1" indent="0">
+              <a:buNone/>
+            </a:pPr>
+            <a:r>
+              <a:rPr lang="en-US" dirty="0"/>
+              <a:t>!=		a != b		True/False</a:t>
+            </a:r>
+          </a:p>
+          <a:p>
+            <a:pPr marL="426645" lvl="1" indent="0">
+              <a:buNone/>
+            </a:pPr>
+            <a:r>
+              <a:rPr lang="en-US" dirty="0"/>
+              <a:t>Chaining – </a:t>
+            </a:r>
+          </a:p>
+          <a:p>
+            <a:pPr marL="426645" lvl="1" indent="0">
+              <a:buNone/>
+            </a:pPr>
+            <a:r>
+              <a:rPr lang="en-US" dirty="0"/>
+              <a:t>X = 20</a:t>
+            </a:r>
+          </a:p>
+          <a:p>
+            <a:pPr marL="426645" lvl="1" indent="0">
+              <a:buNone/>
+            </a:pPr>
+            <a:r>
+              <a:rPr lang="en-US" dirty="0"/>
+              <a:t>10 &lt; x &lt; 50  # Result ?  10 &gt;= x &lt;20 # Result ? 10 &lt; x &gt; 10 # Result ?</a:t>
+            </a:r>
+          </a:p>
+          <a:p>
+            <a:pPr marL="426645" lvl="1" indent="0">
+              <a:buNone/>
+            </a:pPr>
+            <a:r>
+              <a:rPr lang="en-US" dirty="0"/>
+              <a:t>one = [1,2,3,4] ; two = [1,2,3,4]  if(one == two)</a:t>
+            </a:r>
+          </a:p>
+        </p:txBody>
+      </p:sp>
+    </p:spTree>
+    <p:extLst>
+      <p:ext uri="{BB962C8B-B14F-4D97-AF65-F5344CB8AC3E}">
+        <p14:creationId xmlns:p14="http://schemas.microsoft.com/office/powerpoint/2010/main" val="1975747258"/>
+      </p:ext>
+    </p:extLst>
+  </p:cSld>
+  <p:clrMapOvr>
+    <a:masterClrMapping/>
+  </p:clrMapOvr>
+  <mc:AlternateContent xmlns:mc="http://schemas.openxmlformats.org/markup-compatibility/2006" xmlns:p14="http://schemas.microsoft.com/office/powerpoint/2010/main">
+    <mc:Choice Requires="p14">
+      <p:transition spd="med" p14:dur="700">
+        <p:fade/>
+      </p:transition>
+    </mc:Choice>
+    <mc:Fallback xmlns="">
+      <p:transition spd="med">
+        <p:fade/>
+      </p:transition>
+    </mc:Fallback>
+  </mc:AlternateContent>
+</p:sld>
+</file>
+
+<file path=ppt/slides/slide12.xml><?xml version="1.0" encoding="utf-8"?>
+<p:sld xmlns:a="http://schemas.openxmlformats.org/drawingml/2006/main" xmlns:r="http://schemas.openxmlformats.org/officeDocument/2006/relationships" xmlns:p="http://schemas.openxmlformats.org/presentationml/2006/main">
+  <p:cSld>
+    <p:spTree>
+      <p:nvGrpSpPr>
+        <p:cNvPr id="1" name=""/>
+        <p:cNvGrpSpPr/>
+        <p:nvPr/>
+      </p:nvGrpSpPr>
+      <p:grpSpPr>
+        <a:xfrm>
+          <a:off x="0" y="0"/>
+          <a:ext cx="0" cy="0"/>
+          <a:chOff x="0" y="0"/>
+          <a:chExt cx="0" cy="0"/>
+        </a:xfrm>
+      </p:grpSpPr>
+      <p:sp>
+        <p:nvSpPr>
+          <p:cNvPr id="2" name="Title 1">
+            <a:extLst>
+              <a:ext uri="{FF2B5EF4-FFF2-40B4-BE49-F238E27FC236}">
+                <a16:creationId xmlns:a16="http://schemas.microsoft.com/office/drawing/2014/main" id="{05217FA7-7A78-4198-A2F0-3A343C70A87B}"/>
+              </a:ext>
+            </a:extLst>
+          </p:cNvPr>
+          <p:cNvSpPr>
+            <a:spLocks noGrp="1"/>
+          </p:cNvSpPr>
+          <p:nvPr>
+            <p:ph type="title"/>
+          </p:nvPr>
+        </p:nvSpPr>
+        <p:spPr/>
+        <p:txBody>
+          <a:bodyPr/>
+          <a:lstStyle/>
+          <a:p>
+            <a:r>
+              <a:rPr lang="en-US" dirty="0"/>
+              <a:t>V. Logical/Boolean Operator</a:t>
+            </a:r>
+          </a:p>
+        </p:txBody>
+      </p:sp>
+      <p:sp>
+        <p:nvSpPr>
+          <p:cNvPr id="3" name="Content Placeholder 2">
+            <a:extLst>
+              <a:ext uri="{FF2B5EF4-FFF2-40B4-BE49-F238E27FC236}">
+                <a16:creationId xmlns:a16="http://schemas.microsoft.com/office/drawing/2014/main" id="{D41755D1-FB66-4EA2-A80A-7691FA364545}"/>
+              </a:ext>
+            </a:extLst>
+          </p:cNvPr>
+          <p:cNvSpPr>
+            <a:spLocks noGrp="1"/>
+          </p:cNvSpPr>
+          <p:nvPr>
+            <p:ph idx="1"/>
+          </p:nvPr>
+        </p:nvSpPr>
+        <p:spPr/>
+        <p:txBody>
+          <a:bodyPr/>
+          <a:lstStyle/>
+          <a:p>
+            <a:pPr marL="0" indent="0">
+              <a:buNone/>
+            </a:pPr>
+            <a:r>
+              <a:rPr lang="en-US" b="1" dirty="0"/>
+              <a:t>Operator	Example	Result</a:t>
+            </a:r>
+          </a:p>
+          <a:p>
+            <a:pPr marL="0" indent="0">
+              <a:buNone/>
+            </a:pPr>
+            <a:r>
+              <a:rPr lang="en-US" sz="2000" dirty="0"/>
+              <a:t>and		x and y	         Return ‘x’ if ‘x’ is False, y otherwise</a:t>
+            </a:r>
+          </a:p>
+          <a:p>
+            <a:pPr marL="0" indent="0">
+              <a:buNone/>
+            </a:pPr>
+            <a:r>
+              <a:rPr lang="en-US" sz="2000" dirty="0"/>
+              <a:t>or		x or y	         Return ‘y’ if ‘x’ is False, x otherwise</a:t>
+            </a:r>
+          </a:p>
+          <a:p>
+            <a:pPr marL="0" indent="0">
+              <a:buNone/>
+            </a:pPr>
+            <a:r>
+              <a:rPr lang="en-US" sz="2000" dirty="0"/>
+              <a:t>not		not x	         Return ‘True’ if ‘x’ is false , True   </a:t>
+            </a:r>
+          </a:p>
+          <a:p>
+            <a:pPr marL="0" indent="0">
+              <a:buNone/>
+            </a:pPr>
+            <a:r>
+              <a:rPr lang="en-US" sz="2000" dirty="0"/>
+              <a:t>                                                     			otherwise	</a:t>
+            </a:r>
+          </a:p>
+          <a:p>
+            <a:pPr marL="0" indent="0">
+              <a:buNone/>
+            </a:pPr>
+            <a:r>
+              <a:rPr lang="en-US" sz="2000" dirty="0"/>
+              <a:t>Boolean Values combinations: True </a:t>
+            </a:r>
+            <a:r>
+              <a:rPr lang="en-US" sz="2000" dirty="0" err="1"/>
+              <a:t>True</a:t>
+            </a:r>
+            <a:r>
+              <a:rPr lang="en-US" sz="2000" dirty="0"/>
+              <a:t>, False True, True False and False </a:t>
+            </a:r>
+            <a:r>
+              <a:rPr lang="en-US" sz="2000" dirty="0" err="1"/>
+              <a:t>False</a:t>
+            </a:r>
+            <a:r>
+              <a:rPr lang="en-US" sz="2000" dirty="0"/>
+              <a:t>	</a:t>
+            </a:r>
+            <a:r>
+              <a:rPr lang="en-US" dirty="0"/>
+              <a:t>			</a:t>
+            </a:r>
+          </a:p>
+        </p:txBody>
+      </p:sp>
+    </p:spTree>
+    <p:extLst>
+      <p:ext uri="{BB962C8B-B14F-4D97-AF65-F5344CB8AC3E}">
+        <p14:creationId xmlns:p14="http://schemas.microsoft.com/office/powerpoint/2010/main" val="886273382"/>
+      </p:ext>
+    </p:extLst>
+  </p:cSld>
+  <p:clrMapOvr>
+    <a:masterClrMapping/>
+  </p:clrMapOvr>
+  <mc:AlternateContent xmlns:mc="http://schemas.openxmlformats.org/markup-compatibility/2006" xmlns:p14="http://schemas.microsoft.com/office/powerpoint/2010/main">
+    <mc:Choice Requires="p14">
+      <p:transition spd="med" p14:dur="700">
+        <p:fade/>
+      </p:transition>
+    </mc:Choice>
+    <mc:Fallback xmlns="">
+      <p:transition spd="med">
+        <p:fade/>
+      </p:transition>
+    </mc:Fallback>
+  </mc:AlternateContent>
+</p:sld>
+</file>
+
+<file path=ppt/slides/slide13.xml><?xml version="1.0" encoding="utf-8"?>
+<p:sld xmlns:a="http://schemas.openxmlformats.org/drawingml/2006/main" xmlns:r="http://schemas.openxmlformats.org/officeDocument/2006/relationships" xmlns:p="http://schemas.openxmlformats.org/presentationml/2006/main">
+  <p:cSld>
+    <p:spTree>
+      <p:nvGrpSpPr>
+        <p:cNvPr id="1" name=""/>
+        <p:cNvGrpSpPr/>
+        <p:nvPr/>
+      </p:nvGrpSpPr>
+      <p:grpSpPr>
+        <a:xfrm>
+          <a:off x="0" y="0"/>
+          <a:ext cx="0" cy="0"/>
+          <a:chOff x="0" y="0"/>
+          <a:chExt cx="0" cy="0"/>
+        </a:xfrm>
+      </p:grpSpPr>
+      <p:sp>
+        <p:nvSpPr>
+          <p:cNvPr id="2" name="Title 1">
+            <a:extLst>
+              <a:ext uri="{FF2B5EF4-FFF2-40B4-BE49-F238E27FC236}">
+                <a16:creationId xmlns:a16="http://schemas.microsoft.com/office/drawing/2014/main" id="{05217FA7-7A78-4198-A2F0-3A343C70A87B}"/>
+              </a:ext>
+            </a:extLst>
+          </p:cNvPr>
+          <p:cNvSpPr>
+            <a:spLocks noGrp="1"/>
+          </p:cNvSpPr>
+          <p:nvPr>
+            <p:ph type="title"/>
+          </p:nvPr>
+        </p:nvSpPr>
+        <p:spPr/>
+        <p:txBody>
+          <a:bodyPr/>
+          <a:lstStyle/>
+          <a:p>
+            <a:r>
+              <a:rPr lang="en-US" dirty="0"/>
+              <a:t>VI. Bitwise Operator</a:t>
+            </a:r>
+          </a:p>
+        </p:txBody>
+      </p:sp>
+      <p:sp>
+        <p:nvSpPr>
+          <p:cNvPr id="3" name="Content Placeholder 2">
+            <a:extLst>
+              <a:ext uri="{FF2B5EF4-FFF2-40B4-BE49-F238E27FC236}">
+                <a16:creationId xmlns:a16="http://schemas.microsoft.com/office/drawing/2014/main" id="{D41755D1-FB66-4EA2-A80A-7691FA364545}"/>
+              </a:ext>
+            </a:extLst>
+          </p:cNvPr>
+          <p:cNvSpPr>
+            <a:spLocks noGrp="1"/>
+          </p:cNvSpPr>
+          <p:nvPr>
+            <p:ph idx="1"/>
+          </p:nvPr>
+        </p:nvSpPr>
+        <p:spPr/>
+        <p:txBody>
+          <a:bodyPr>
+            <a:normAutofit fontScale="92500" lnSpcReduction="10000"/>
+          </a:bodyPr>
+          <a:lstStyle/>
+          <a:p>
+            <a:pPr marL="0" indent="0">
+              <a:buNone/>
+            </a:pPr>
+            <a:r>
+              <a:rPr lang="en-US" b="1" dirty="0"/>
+              <a:t>Operator	</a:t>
+            </a:r>
+          </a:p>
+          <a:p>
+            <a:pPr marL="0" indent="0">
+              <a:buNone/>
+            </a:pPr>
+            <a:r>
+              <a:rPr lang="en-US" sz="2200" dirty="0"/>
+              <a:t>Complement 	~  ( tilde )</a:t>
+            </a:r>
+          </a:p>
+          <a:p>
+            <a:pPr marL="0" indent="0">
+              <a:buNone/>
+            </a:pPr>
+            <a:r>
+              <a:rPr lang="en-US" sz="2200" dirty="0"/>
+              <a:t>AND		&amp;</a:t>
+            </a:r>
+          </a:p>
+          <a:p>
+            <a:pPr marL="0" indent="0">
+              <a:buNone/>
+            </a:pPr>
+            <a:r>
+              <a:rPr lang="en-US" sz="2200" dirty="0"/>
+              <a:t>OR		|</a:t>
+            </a:r>
+          </a:p>
+          <a:p>
+            <a:pPr marL="0" indent="0">
+              <a:buNone/>
+            </a:pPr>
+            <a:r>
+              <a:rPr lang="en-US" sz="2200" dirty="0"/>
+              <a:t>XOR		^  ( cap )</a:t>
+            </a:r>
+          </a:p>
+          <a:p>
+            <a:pPr marL="0" indent="0">
+              <a:buNone/>
+            </a:pPr>
+            <a:r>
+              <a:rPr lang="en-US" sz="2200" dirty="0"/>
+              <a:t>NOT		not x</a:t>
+            </a:r>
+          </a:p>
+          <a:p>
+            <a:pPr marL="0" indent="0">
+              <a:buNone/>
+            </a:pPr>
+            <a:r>
+              <a:rPr lang="en-US" sz="2200" dirty="0"/>
+              <a:t>Left shift		&lt;&lt;</a:t>
+            </a:r>
+          </a:p>
+          <a:p>
+            <a:pPr marL="0" indent="0">
+              <a:buNone/>
+            </a:pPr>
+            <a:r>
+              <a:rPr lang="en-US" sz="2200" dirty="0"/>
+              <a:t>Right Shift 	&gt;&gt;</a:t>
+            </a:r>
+            <a:r>
+              <a:rPr lang="en-US" dirty="0"/>
+              <a:t>	           </a:t>
+            </a:r>
+          </a:p>
+          <a:p>
+            <a:pPr marL="0" indent="0">
+              <a:buNone/>
+            </a:pPr>
+            <a:r>
+              <a:rPr lang="en-US" dirty="0"/>
+              <a:t>	</a:t>
+            </a:r>
+          </a:p>
+        </p:txBody>
+      </p:sp>
+    </p:spTree>
+    <p:extLst>
+      <p:ext uri="{BB962C8B-B14F-4D97-AF65-F5344CB8AC3E}">
+        <p14:creationId xmlns:p14="http://schemas.microsoft.com/office/powerpoint/2010/main" val="3201880600"/>
+      </p:ext>
+    </p:extLst>
+  </p:cSld>
+  <p:clrMapOvr>
+    <a:masterClrMapping/>
+  </p:clrMapOvr>
+  <mc:AlternateContent xmlns:mc="http://schemas.openxmlformats.org/markup-compatibility/2006" xmlns:p14="http://schemas.microsoft.com/office/powerpoint/2010/main">
+    <mc:Choice Requires="p14">
+      <p:transition spd="med" p14:dur="700">
+        <p:fade/>
+      </p:transition>
+    </mc:Choice>
+    <mc:Fallback xmlns="">
+      <p:transition spd="med">
+        <p:fade/>
+      </p:transition>
+    </mc:Fallback>
+  </mc:AlternateContent>
+</p:sld>
+</file>
+
+<file path=ppt/slides/slide14.xml><?xml version="1.0" encoding="utf-8"?>
+<p:sld xmlns:a="http://schemas.openxmlformats.org/drawingml/2006/main" xmlns:r="http://schemas.openxmlformats.org/officeDocument/2006/relationships" xmlns:p="http://schemas.openxmlformats.org/presentationml/2006/main">
+  <p:cSld>
+    <p:spTree>
+      <p:nvGrpSpPr>
+        <p:cNvPr id="1" name=""/>
+        <p:cNvGrpSpPr/>
+        <p:nvPr/>
+      </p:nvGrpSpPr>
+      <p:grpSpPr>
+        <a:xfrm>
+          <a:off x="0" y="0"/>
+          <a:ext cx="0" cy="0"/>
+          <a:chOff x="0" y="0"/>
+          <a:chExt cx="0" cy="0"/>
+        </a:xfrm>
+      </p:grpSpPr>
+      <p:sp>
+        <p:nvSpPr>
+          <p:cNvPr id="2" name="Title 1">
+            <a:extLst>
+              <a:ext uri="{FF2B5EF4-FFF2-40B4-BE49-F238E27FC236}">
+                <a16:creationId xmlns:a16="http://schemas.microsoft.com/office/drawing/2014/main" id="{05217FA7-7A78-4198-A2F0-3A343C70A87B}"/>
+              </a:ext>
+            </a:extLst>
+          </p:cNvPr>
+          <p:cNvSpPr>
+            <a:spLocks noGrp="1"/>
+          </p:cNvSpPr>
+          <p:nvPr>
+            <p:ph type="title"/>
+          </p:nvPr>
+        </p:nvSpPr>
+        <p:spPr/>
+        <p:txBody>
+          <a:bodyPr/>
+          <a:lstStyle/>
+          <a:p>
+            <a:r>
+              <a:rPr lang="en-US" dirty="0"/>
+              <a:t>VII. Membership Operator</a:t>
+            </a:r>
+          </a:p>
+        </p:txBody>
+      </p:sp>
+      <p:sp>
+        <p:nvSpPr>
+          <p:cNvPr id="3" name="Content Placeholder 2">
+            <a:extLst>
+              <a:ext uri="{FF2B5EF4-FFF2-40B4-BE49-F238E27FC236}">
+                <a16:creationId xmlns:a16="http://schemas.microsoft.com/office/drawing/2014/main" id="{D41755D1-FB66-4EA2-A80A-7691FA364545}"/>
+              </a:ext>
+            </a:extLst>
+          </p:cNvPr>
+          <p:cNvSpPr>
+            <a:spLocks noGrp="1"/>
+          </p:cNvSpPr>
+          <p:nvPr>
+            <p:ph idx="1"/>
+          </p:nvPr>
+        </p:nvSpPr>
+        <p:spPr/>
+        <p:txBody>
+          <a:bodyPr>
+            <a:normAutofit/>
+          </a:bodyPr>
+          <a:lstStyle/>
+          <a:p>
+            <a:pPr marL="0" indent="0">
+              <a:buNone/>
+            </a:pPr>
+            <a:r>
+              <a:rPr lang="en-US" b="1" dirty="0"/>
+              <a:t>Operator  “in” and  “not in”</a:t>
+            </a:r>
+          </a:p>
+          <a:p>
+            <a:r>
+              <a:rPr lang="en-US" sz="2000" dirty="0"/>
+              <a:t>The membership operators are useful to test for membership in a sequence such as strings, lists, tuples or dictionaries. </a:t>
+            </a:r>
+          </a:p>
+          <a:p>
+            <a:r>
+              <a:rPr lang="en-US" sz="2000" dirty="0"/>
+              <a:t>For example, if an element is found in the sequence or not can be asserted using these operators. </a:t>
+            </a:r>
+          </a:p>
+          <a:p>
+            <a:pPr marL="0" indent="0">
+              <a:buNone/>
+            </a:pPr>
+            <a:r>
+              <a:rPr lang="en-US" sz="2000" dirty="0"/>
+              <a:t>     There are two membership operators as shown here: </a:t>
+            </a:r>
+          </a:p>
+          <a:p>
+            <a:pPr marL="0" indent="0">
+              <a:buNone/>
+            </a:pPr>
+            <a:r>
+              <a:rPr lang="en-US" sz="2000" dirty="0"/>
+              <a:t>	 in </a:t>
+            </a:r>
+          </a:p>
+          <a:p>
+            <a:pPr marL="0" indent="0">
+              <a:buNone/>
+            </a:pPr>
+            <a:r>
+              <a:rPr lang="en-US" sz="2000" dirty="0"/>
+              <a:t>	 not in</a:t>
+            </a:r>
+          </a:p>
+          <a:p>
+            <a:pPr marL="0" indent="0">
+              <a:buNone/>
+            </a:pPr>
+            <a:endParaRPr lang="en-US" dirty="0"/>
+          </a:p>
+        </p:txBody>
+      </p:sp>
+    </p:spTree>
+    <p:extLst>
+      <p:ext uri="{BB962C8B-B14F-4D97-AF65-F5344CB8AC3E}">
+        <p14:creationId xmlns:p14="http://schemas.microsoft.com/office/powerpoint/2010/main" val="3170154387"/>
+      </p:ext>
+    </p:extLst>
+  </p:cSld>
+  <p:clrMapOvr>
+    <a:masterClrMapping/>
+  </p:clrMapOvr>
+  <mc:AlternateContent xmlns:mc="http://schemas.openxmlformats.org/markup-compatibility/2006" xmlns:p14="http://schemas.microsoft.com/office/powerpoint/2010/main">
+    <mc:Choice Requires="p14">
+      <p:transition spd="med" p14:dur="700">
+        <p:fade/>
+      </p:transition>
+    </mc:Choice>
+    <mc:Fallback xmlns="">
+      <p:transition spd="med">
+        <p:fade/>
+      </p:transition>
+    </mc:Fallback>
+  </mc:AlternateContent>
+</p:sld>
+</file>
+
+<file path=ppt/slides/slide15.xml><?xml version="1.0" encoding="utf-8"?>
+<p:sld xmlns:a="http://schemas.openxmlformats.org/drawingml/2006/main" xmlns:r="http://schemas.openxmlformats.org/officeDocument/2006/relationships" xmlns:p="http://schemas.openxmlformats.org/presentationml/2006/main">
+  <p:cSld>
+    <p:spTree>
+      <p:nvGrpSpPr>
+        <p:cNvPr id="1" name=""/>
+        <p:cNvGrpSpPr/>
+        <p:nvPr/>
+      </p:nvGrpSpPr>
+      <p:grpSpPr>
+        <a:xfrm>
+          <a:off x="0" y="0"/>
+          <a:ext cx="0" cy="0"/>
+          <a:chOff x="0" y="0"/>
+          <a:chExt cx="0" cy="0"/>
+        </a:xfrm>
+      </p:grpSpPr>
+      <p:sp>
+        <p:nvSpPr>
+          <p:cNvPr id="2" name="Title 1">
+            <a:extLst>
+              <a:ext uri="{FF2B5EF4-FFF2-40B4-BE49-F238E27FC236}">
+                <a16:creationId xmlns:a16="http://schemas.microsoft.com/office/drawing/2014/main" id="{05217FA7-7A78-4198-A2F0-3A343C70A87B}"/>
+              </a:ext>
+            </a:extLst>
+          </p:cNvPr>
+          <p:cNvSpPr>
+            <a:spLocks noGrp="1"/>
+          </p:cNvSpPr>
+          <p:nvPr>
+            <p:ph type="title"/>
+          </p:nvPr>
+        </p:nvSpPr>
+        <p:spPr/>
+        <p:txBody>
+          <a:bodyPr/>
+          <a:lstStyle/>
+          <a:p>
+            <a:r>
+              <a:rPr lang="en-US" dirty="0"/>
+              <a:t>VIII. Identity Operators</a:t>
+            </a:r>
+          </a:p>
+        </p:txBody>
+      </p:sp>
+      <p:sp>
+        <p:nvSpPr>
+          <p:cNvPr id="3" name="Content Placeholder 2">
+            <a:extLst>
+              <a:ext uri="{FF2B5EF4-FFF2-40B4-BE49-F238E27FC236}">
+                <a16:creationId xmlns:a16="http://schemas.microsoft.com/office/drawing/2014/main" id="{D41755D1-FB66-4EA2-A80A-7691FA364545}"/>
+              </a:ext>
+            </a:extLst>
+          </p:cNvPr>
+          <p:cNvSpPr>
+            <a:spLocks noGrp="1"/>
+          </p:cNvSpPr>
+          <p:nvPr>
+            <p:ph idx="1"/>
+          </p:nvPr>
+        </p:nvSpPr>
+        <p:spPr>
+          <a:xfrm>
+            <a:off x="1143216" y="1500694"/>
+            <a:ext cx="10157354" cy="5128705"/>
+          </a:xfrm>
+        </p:spPr>
+        <p:txBody>
+          <a:bodyPr>
+            <a:normAutofit fontScale="85000" lnSpcReduction="20000"/>
+          </a:bodyPr>
+          <a:lstStyle/>
+          <a:p>
+            <a:pPr marL="0" indent="0">
+              <a:buNone/>
+            </a:pPr>
+            <a:r>
+              <a:rPr lang="en-US" b="1" dirty="0"/>
+              <a:t>Operator – “id”</a:t>
+            </a:r>
+          </a:p>
+          <a:p>
+            <a:r>
+              <a:rPr lang="en-US" sz="2000" dirty="0"/>
+              <a:t>These operators compare the memory locations of two objects.</a:t>
+            </a:r>
+          </a:p>
+          <a:p>
+            <a:r>
+              <a:rPr lang="en-US" sz="2000" dirty="0"/>
+              <a:t>Hence, it is possible to know whether the two objects are same or not. </a:t>
+            </a:r>
+          </a:p>
+          <a:p>
+            <a:r>
+              <a:rPr lang="en-US" sz="2000" dirty="0"/>
+              <a:t>The memory location of an object can be seen using the id() function. This function returns an integer number, called the identity number that internally represents the memory location of the object.</a:t>
+            </a:r>
+          </a:p>
+          <a:p>
+            <a:pPr marL="0" indent="0">
+              <a:buNone/>
+            </a:pPr>
+            <a:r>
+              <a:rPr lang="en-US" sz="2000" dirty="0"/>
+              <a:t>Example:</a:t>
+            </a:r>
+          </a:p>
+          <a:p>
+            <a:pPr marL="0" indent="0">
+              <a:buNone/>
+            </a:pPr>
+            <a:r>
+              <a:rPr lang="en-US" sz="2000" dirty="0"/>
+              <a:t>&gt;&gt;&gt; a = 49    </a:t>
+            </a:r>
+          </a:p>
+          <a:p>
+            <a:pPr marL="0" indent="0">
+              <a:buNone/>
+            </a:pPr>
+            <a:r>
+              <a:rPr lang="en-US" sz="2000" dirty="0"/>
+              <a:t>&gt;&gt;&gt; b = 49</a:t>
+            </a:r>
+          </a:p>
+          <a:p>
+            <a:pPr marL="0" indent="0">
+              <a:buNone/>
+            </a:pPr>
+            <a:r>
+              <a:rPr lang="en-US" sz="2000" dirty="0"/>
+              <a:t>&gt;&gt;&gt; id(a)</a:t>
+            </a:r>
+          </a:p>
+          <a:p>
+            <a:pPr marL="0" indent="0">
+              <a:buNone/>
+            </a:pPr>
+            <a:r>
+              <a:rPr lang="en-US" sz="2000" dirty="0"/>
+              <a:t>1729248256</a:t>
+            </a:r>
+          </a:p>
+          <a:p>
+            <a:pPr marL="0" indent="0">
+              <a:buNone/>
+            </a:pPr>
+            <a:r>
+              <a:rPr lang="en-US" sz="2000" dirty="0"/>
+              <a:t>&gt;&gt;&gt; id(b)</a:t>
+            </a:r>
+          </a:p>
+          <a:p>
+            <a:pPr marL="0" indent="0">
+              <a:buNone/>
+            </a:pPr>
+            <a:r>
+              <a:rPr lang="en-US" sz="2000" dirty="0"/>
+              <a:t>1729248256</a:t>
+            </a:r>
+          </a:p>
+          <a:p>
+            <a:pPr marL="0" indent="0">
+              <a:buNone/>
+            </a:pPr>
+            <a:endParaRPr lang="en-US" b="1" dirty="0"/>
+          </a:p>
+        </p:txBody>
+      </p:sp>
+    </p:spTree>
+    <p:extLst>
+      <p:ext uri="{BB962C8B-B14F-4D97-AF65-F5344CB8AC3E}">
+        <p14:creationId xmlns:p14="http://schemas.microsoft.com/office/powerpoint/2010/main" val="1010527725"/>
+      </p:ext>
+    </p:extLst>
+  </p:cSld>
+  <p:clrMapOvr>
+    <a:masterClrMapping/>
+  </p:clrMapOvr>
+  <mc:AlternateContent xmlns:mc="http://schemas.openxmlformats.org/markup-compatibility/2006" xmlns:p14="http://schemas.microsoft.com/office/powerpoint/2010/main">
+    <mc:Choice Requires="p14">
+      <p:transition spd="med" p14:dur="700">
+        <p:fade/>
+      </p:transition>
+    </mc:Choice>
+    <mc:Fallback xmlns="">
+      <p:transition spd="med">
+        <p:fade/>
+      </p:transition>
+    </mc:Fallback>
+  </mc:AlternateContent>
+</p:sld>
+</file>
+
+<file path=ppt/slides/slide16.xml><?xml version="1.0" encoding="utf-8"?>
+<p:sld xmlns:a="http://schemas.openxmlformats.org/drawingml/2006/main" xmlns:r="http://schemas.openxmlformats.org/officeDocument/2006/relationships" xmlns:p="http://schemas.openxmlformats.org/presentationml/2006/main">
+  <p:cSld>
+    <p:spTree>
+      <p:nvGrpSpPr>
+        <p:cNvPr id="1" name=""/>
+        <p:cNvGrpSpPr/>
+        <p:nvPr/>
+      </p:nvGrpSpPr>
+      <p:grpSpPr>
+        <a:xfrm>
+          <a:off x="0" y="0"/>
+          <a:ext cx="0" cy="0"/>
+          <a:chOff x="0" y="0"/>
+          <a:chExt cx="0" cy="0"/>
+        </a:xfrm>
+      </p:grpSpPr>
+      <p:sp>
+        <p:nvSpPr>
+          <p:cNvPr id="2" name="Title 1">
+            <a:extLst>
+              <a:ext uri="{FF2B5EF4-FFF2-40B4-BE49-F238E27FC236}">
                 <a16:creationId xmlns:a16="http://schemas.microsoft.com/office/drawing/2014/main" id="{82EC5575-680E-4564-88BA-793489A9FE36}"/>
               </a:ext>
             </a:extLst>
@@ -4343,7 +5238,7 @@
           <a:p>
             <a:r>
               <a:rPr lang="en-US" dirty="0"/>
-              <a:t>4.b Operator Precedence</a:t>
+              <a:t>b Operator Precedence</a:t>
             </a:r>
           </a:p>
         </p:txBody>
@@ -4440,6 +5335,450 @@
     <p:extLst>
       <p:ext uri="{BB962C8B-B14F-4D97-AF65-F5344CB8AC3E}">
         <p14:creationId xmlns:p14="http://schemas.microsoft.com/office/powerpoint/2010/main" val="2886380229"/>
+      </p:ext>
+    </p:extLst>
+  </p:cSld>
+  <p:clrMapOvr>
+    <a:masterClrMapping/>
+  </p:clrMapOvr>
+  <mc:AlternateContent xmlns:mc="http://schemas.openxmlformats.org/markup-compatibility/2006" xmlns:p14="http://schemas.microsoft.com/office/powerpoint/2010/main">
+    <mc:Choice Requires="p14">
+      <p:transition spd="med" p14:dur="700">
+        <p:fade/>
+      </p:transition>
+    </mc:Choice>
+    <mc:Fallback xmlns="">
+      <p:transition spd="med">
+        <p:fade/>
+      </p:transition>
+    </mc:Fallback>
+  </mc:AlternateContent>
+</p:sld>
+</file>
+
+<file path=ppt/slides/slide17.xml><?xml version="1.0" encoding="utf-8"?>
+<p:sld xmlns:a="http://schemas.openxmlformats.org/drawingml/2006/main" xmlns:r="http://schemas.openxmlformats.org/officeDocument/2006/relationships" xmlns:p="http://schemas.openxmlformats.org/presentationml/2006/main">
+  <p:cSld>
+    <p:spTree>
+      <p:nvGrpSpPr>
+        <p:cNvPr id="1" name=""/>
+        <p:cNvGrpSpPr/>
+        <p:nvPr/>
+      </p:nvGrpSpPr>
+      <p:grpSpPr>
+        <a:xfrm>
+          <a:off x="0" y="0"/>
+          <a:ext cx="0" cy="0"/>
+          <a:chOff x="0" y="0"/>
+          <a:chExt cx="0" cy="0"/>
+        </a:xfrm>
+      </p:grpSpPr>
+      <p:sp>
+        <p:nvSpPr>
+          <p:cNvPr id="13" name="Title 12"/>
+          <p:cNvSpPr>
+            <a:spLocks noGrp="1"/>
+          </p:cNvSpPr>
+          <p:nvPr>
+            <p:ph type="title"/>
+          </p:nvPr>
+        </p:nvSpPr>
+        <p:spPr>
+          <a:xfrm>
+            <a:off x="1751012" y="2819400"/>
+            <a:ext cx="10157354" cy="1397000"/>
+          </a:xfrm>
+        </p:spPr>
+        <p:txBody>
+          <a:bodyPr/>
+          <a:lstStyle/>
+          <a:p>
+            <a:r>
+              <a:rPr lang="en-US" dirty="0"/>
+              <a:t>4. Input and Output </a:t>
+            </a:r>
+            <a:br>
+              <a:rPr lang="en-US" dirty="0"/>
+            </a:br>
+            <a:endParaRPr lang="en-US" dirty="0"/>
+          </a:p>
+        </p:txBody>
+      </p:sp>
+    </p:spTree>
+    <p:extLst>
+      <p:ext uri="{BB962C8B-B14F-4D97-AF65-F5344CB8AC3E}">
+        <p14:creationId xmlns:p14="http://schemas.microsoft.com/office/powerpoint/2010/main" val="52079639"/>
+      </p:ext>
+    </p:extLst>
+  </p:cSld>
+  <p:clrMapOvr>
+    <a:masterClrMapping/>
+  </p:clrMapOvr>
+  <mc:AlternateContent xmlns:mc="http://schemas.openxmlformats.org/markup-compatibility/2006" xmlns:p14="http://schemas.microsoft.com/office/powerpoint/2010/main">
+    <mc:Choice Requires="p14">
+      <p:transition spd="med" p14:dur="700">
+        <p:fade/>
+      </p:transition>
+    </mc:Choice>
+    <mc:Fallback xmlns="">
+      <p:transition spd="med">
+        <p:fade/>
+      </p:transition>
+    </mc:Fallback>
+  </mc:AlternateContent>
+</p:sld>
+</file>
+
+<file path=ppt/slides/slide18.xml><?xml version="1.0" encoding="utf-8"?>
+<p:sld xmlns:a="http://schemas.openxmlformats.org/drawingml/2006/main" xmlns:r="http://schemas.openxmlformats.org/officeDocument/2006/relationships" xmlns:p="http://schemas.openxmlformats.org/presentationml/2006/main">
+  <p:cSld>
+    <p:spTree>
+      <p:nvGrpSpPr>
+        <p:cNvPr id="1" name=""/>
+        <p:cNvGrpSpPr/>
+        <p:nvPr/>
+      </p:nvGrpSpPr>
+      <p:grpSpPr>
+        <a:xfrm>
+          <a:off x="0" y="0"/>
+          <a:ext cx="0" cy="0"/>
+          <a:chOff x="0" y="0"/>
+          <a:chExt cx="0" cy="0"/>
+        </a:xfrm>
+      </p:grpSpPr>
+      <p:sp>
+        <p:nvSpPr>
+          <p:cNvPr id="2" name="Title 1">
+            <a:extLst>
+              <a:ext uri="{FF2B5EF4-FFF2-40B4-BE49-F238E27FC236}">
+                <a16:creationId xmlns:a16="http://schemas.microsoft.com/office/drawing/2014/main" id="{5C7CFD56-1316-436E-BA88-180EE70C97EC}"/>
+              </a:ext>
+            </a:extLst>
+          </p:cNvPr>
+          <p:cNvSpPr>
+            <a:spLocks noGrp="1"/>
+          </p:cNvSpPr>
+          <p:nvPr>
+            <p:ph type="title"/>
+          </p:nvPr>
+        </p:nvSpPr>
+        <p:spPr/>
+        <p:txBody>
+          <a:bodyPr/>
+          <a:lstStyle/>
+          <a:p>
+            <a:r>
+              <a:rPr lang="en-US" dirty="0"/>
+              <a:t>a. Output Statement</a:t>
+            </a:r>
+          </a:p>
+        </p:txBody>
+      </p:sp>
+      <p:sp>
+        <p:nvSpPr>
+          <p:cNvPr id="3" name="Content Placeholder 2">
+            <a:extLst>
+              <a:ext uri="{FF2B5EF4-FFF2-40B4-BE49-F238E27FC236}">
+                <a16:creationId xmlns:a16="http://schemas.microsoft.com/office/drawing/2014/main" id="{5E669C58-B4CF-463F-9116-63AD6BD1301A}"/>
+              </a:ext>
+            </a:extLst>
+          </p:cNvPr>
+          <p:cNvSpPr>
+            <a:spLocks noGrp="1"/>
+          </p:cNvSpPr>
+          <p:nvPr>
+            <p:ph idx="1"/>
+          </p:nvPr>
+        </p:nvSpPr>
+        <p:spPr/>
+        <p:txBody>
+          <a:bodyPr/>
+          <a:lstStyle/>
+          <a:p>
+            <a:r>
+              <a:rPr lang="en-US" dirty="0"/>
+              <a:t>print(“string”) Statement</a:t>
+            </a:r>
+          </a:p>
+          <a:p>
+            <a:r>
+              <a:rPr lang="en-US" dirty="0"/>
+              <a:t>print(Variable list) 	command		output</a:t>
+            </a:r>
+          </a:p>
+          <a:p>
+            <a:pPr marL="0" indent="0">
+              <a:buNone/>
+            </a:pPr>
+            <a:r>
+              <a:rPr lang="en-US" dirty="0"/>
+              <a:t>     Example: a, b = 2, 4 # print( a , b )    		2   4</a:t>
+            </a:r>
+          </a:p>
+          <a:p>
+            <a:pPr marL="0" indent="0">
+              <a:buNone/>
+            </a:pPr>
+            <a:r>
+              <a:rPr lang="en-US" dirty="0"/>
+              <a:t>		           #  print(a, b, </a:t>
+            </a:r>
+            <a:r>
+              <a:rPr lang="en-US" dirty="0" err="1"/>
+              <a:t>sep</a:t>
+            </a:r>
+            <a:r>
+              <a:rPr lang="en-US" dirty="0"/>
+              <a:t>=”,“)	2,4</a:t>
+            </a:r>
+          </a:p>
+          <a:p>
+            <a:pPr marL="0" indent="0">
+              <a:buNone/>
+            </a:pPr>
+            <a:r>
+              <a:rPr lang="en-US" dirty="0"/>
+              <a:t>		           #	  print(a, b, </a:t>
+            </a:r>
+            <a:r>
+              <a:rPr lang="en-US" dirty="0" err="1"/>
+              <a:t>sep</a:t>
+            </a:r>
+            <a:r>
+              <a:rPr lang="en-US" dirty="0"/>
+              <a:t>=“:”)	2:4</a:t>
+            </a:r>
+          </a:p>
+          <a:p>
+            <a:pPr marL="0" indent="0">
+              <a:buNone/>
+            </a:pPr>
+            <a:r>
+              <a:rPr lang="en-US" dirty="0"/>
+              <a:t>		            #  print(a, b, </a:t>
+            </a:r>
+            <a:r>
+              <a:rPr lang="en-US" dirty="0" err="1"/>
+              <a:t>sep</a:t>
+            </a:r>
+            <a:r>
+              <a:rPr lang="en-US" dirty="0"/>
+              <a:t>=“---”)	2---4 			</a:t>
+            </a:r>
+          </a:p>
+        </p:txBody>
+      </p:sp>
+    </p:spTree>
+    <p:extLst>
+      <p:ext uri="{BB962C8B-B14F-4D97-AF65-F5344CB8AC3E}">
+        <p14:creationId xmlns:p14="http://schemas.microsoft.com/office/powerpoint/2010/main" val="2802558730"/>
+      </p:ext>
+    </p:extLst>
+  </p:cSld>
+  <p:clrMapOvr>
+    <a:masterClrMapping/>
+  </p:clrMapOvr>
+  <mc:AlternateContent xmlns:mc="http://schemas.openxmlformats.org/markup-compatibility/2006" xmlns:p14="http://schemas.microsoft.com/office/powerpoint/2010/main">
+    <mc:Choice Requires="p14">
+      <p:transition spd="med" p14:dur="700">
+        <p:fade/>
+      </p:transition>
+    </mc:Choice>
+    <mc:Fallback xmlns="">
+      <p:transition spd="med">
+        <p:fade/>
+      </p:transition>
+    </mc:Fallback>
+  </mc:AlternateContent>
+</p:sld>
+</file>
+
+<file path=ppt/slides/slide19.xml><?xml version="1.0" encoding="utf-8"?>
+<p:sld xmlns:a="http://schemas.openxmlformats.org/drawingml/2006/main" xmlns:r="http://schemas.openxmlformats.org/officeDocument/2006/relationships" xmlns:p="http://schemas.openxmlformats.org/presentationml/2006/main">
+  <p:cSld>
+    <p:spTree>
+      <p:nvGrpSpPr>
+        <p:cNvPr id="1" name=""/>
+        <p:cNvGrpSpPr/>
+        <p:nvPr/>
+      </p:nvGrpSpPr>
+      <p:grpSpPr>
+        <a:xfrm>
+          <a:off x="0" y="0"/>
+          <a:ext cx="0" cy="0"/>
+          <a:chOff x="0" y="0"/>
+          <a:chExt cx="0" cy="0"/>
+        </a:xfrm>
+      </p:grpSpPr>
+      <p:sp>
+        <p:nvSpPr>
+          <p:cNvPr id="2" name="Title 1">
+            <a:extLst>
+              <a:ext uri="{FF2B5EF4-FFF2-40B4-BE49-F238E27FC236}">
+                <a16:creationId xmlns:a16="http://schemas.microsoft.com/office/drawing/2014/main" id="{5C7CFD56-1316-436E-BA88-180EE70C97EC}"/>
+              </a:ext>
+            </a:extLst>
+          </p:cNvPr>
+          <p:cNvSpPr>
+            <a:spLocks noGrp="1"/>
+          </p:cNvSpPr>
+          <p:nvPr>
+            <p:ph type="title"/>
+          </p:nvPr>
+        </p:nvSpPr>
+        <p:spPr/>
+        <p:txBody>
+          <a:bodyPr/>
+          <a:lstStyle/>
+          <a:p>
+            <a:r>
+              <a:rPr lang="en-US" dirty="0"/>
+              <a:t>Contd..</a:t>
+            </a:r>
+          </a:p>
+        </p:txBody>
+      </p:sp>
+      <p:sp>
+        <p:nvSpPr>
+          <p:cNvPr id="3" name="Content Placeholder 2">
+            <a:extLst>
+              <a:ext uri="{FF2B5EF4-FFF2-40B4-BE49-F238E27FC236}">
+                <a16:creationId xmlns:a16="http://schemas.microsoft.com/office/drawing/2014/main" id="{5E669C58-B4CF-463F-9116-63AD6BD1301A}"/>
+              </a:ext>
+            </a:extLst>
+          </p:cNvPr>
+          <p:cNvSpPr>
+            <a:spLocks noGrp="1"/>
+          </p:cNvSpPr>
+          <p:nvPr>
+            <p:ph idx="1"/>
+          </p:nvPr>
+        </p:nvSpPr>
+        <p:spPr>
+          <a:xfrm>
+            <a:off x="1117309" y="1701800"/>
+            <a:ext cx="10157354" cy="4851400"/>
+          </a:xfrm>
+        </p:spPr>
+        <p:txBody>
+          <a:bodyPr>
+            <a:normAutofit fontScale="85000" lnSpcReduction="20000"/>
+          </a:bodyPr>
+          <a:lstStyle/>
+          <a:p>
+            <a:pPr marL="0" indent="0">
+              <a:buNone/>
+            </a:pPr>
+            <a:r>
+              <a:rPr lang="en-US" dirty="0"/>
+              <a:t>Example:					</a:t>
+            </a:r>
+            <a:r>
+              <a:rPr lang="en-US" b="1" dirty="0"/>
+              <a:t>output</a:t>
+            </a:r>
+          </a:p>
+          <a:p>
+            <a:pPr marL="0" indent="0">
+              <a:buNone/>
+            </a:pPr>
+            <a:r>
+              <a:rPr lang="en-US" dirty="0"/>
+              <a:t>		print("Hello") 		Hello</a:t>
+            </a:r>
+          </a:p>
+          <a:p>
+            <a:pPr marL="0" indent="0">
+              <a:buNone/>
+            </a:pPr>
+            <a:r>
+              <a:rPr lang="en-US" dirty="0"/>
+              <a:t>		print("Dear") 		Dear</a:t>
+            </a:r>
+          </a:p>
+          <a:p>
+            <a:pPr marL="0" indent="0">
+              <a:buNone/>
+            </a:pPr>
+            <a:r>
+              <a:rPr lang="en-US" dirty="0"/>
+              <a:t>		print('How are U?’)		How are U?</a:t>
+            </a:r>
+          </a:p>
+          <a:p>
+            <a:pPr marL="0" indent="0">
+              <a:buNone/>
+            </a:pPr>
+            <a:r>
+              <a:rPr lang="en-US" dirty="0"/>
+              <a:t>		print("Hello", end=‘’)	</a:t>
+            </a:r>
+            <a:r>
+              <a:rPr lang="en-US" dirty="0" err="1"/>
+              <a:t>HelloDearHow</a:t>
+            </a:r>
+            <a:r>
+              <a:rPr lang="en-US" dirty="0"/>
+              <a:t> are U?	 </a:t>
+            </a:r>
+          </a:p>
+          <a:p>
+            <a:pPr marL="0" indent="0">
+              <a:buNone/>
+            </a:pPr>
+            <a:r>
+              <a:rPr lang="en-US" dirty="0"/>
+              <a:t>                                   print("Dear", end=‘’) </a:t>
+            </a:r>
+          </a:p>
+          <a:p>
+            <a:pPr marL="0" indent="0">
+              <a:buNone/>
+            </a:pPr>
+            <a:r>
+              <a:rPr lang="en-US" dirty="0"/>
+              <a:t>                                   print('How are U?', end=‘’)</a:t>
+            </a:r>
+          </a:p>
+          <a:p>
+            <a:pPr marL="0" indent="0">
+              <a:buNone/>
+            </a:pPr>
+            <a:r>
+              <a:rPr lang="en-US" dirty="0"/>
+              <a:t>Note: but default end=‘\n’</a:t>
+            </a:r>
+          </a:p>
+          <a:p>
+            <a:pPr marL="0" indent="0">
+              <a:buNone/>
+            </a:pPr>
+            <a:r>
+              <a:rPr lang="en-US" dirty="0"/>
+              <a:t>Example: use end=‘\t’ and see the output</a:t>
+            </a:r>
+          </a:p>
+          <a:p>
+            <a:pPr marL="0" indent="0">
+              <a:buNone/>
+            </a:pPr>
+            <a:r>
+              <a:rPr lang="en-US" dirty="0"/>
+              <a:t>		</a:t>
+            </a:r>
+          </a:p>
+          <a:p>
+            <a:pPr marL="0" indent="0">
+              <a:buNone/>
+            </a:pPr>
+            <a:endParaRPr lang="en-US" dirty="0"/>
+          </a:p>
+        </p:txBody>
+      </p:sp>
+    </p:spTree>
+    <p:extLst>
+      <p:ext uri="{BB962C8B-B14F-4D97-AF65-F5344CB8AC3E}">
+        <p14:creationId xmlns:p14="http://schemas.microsoft.com/office/powerpoint/2010/main" val="1927476622"/>
       </p:ext>
     </p:extLst>
   </p:cSld>
@@ -4652,6 +5991,818 @@
 </p:sld>
 </file>
 
+<file path=ppt/slides/slide20.xml><?xml version="1.0" encoding="utf-8"?>
+<p:sld xmlns:a="http://schemas.openxmlformats.org/drawingml/2006/main" xmlns:r="http://schemas.openxmlformats.org/officeDocument/2006/relationships" xmlns:p="http://schemas.openxmlformats.org/presentationml/2006/main">
+  <p:cSld>
+    <p:spTree>
+      <p:nvGrpSpPr>
+        <p:cNvPr id="1" name=""/>
+        <p:cNvGrpSpPr/>
+        <p:nvPr/>
+      </p:nvGrpSpPr>
+      <p:grpSpPr>
+        <a:xfrm>
+          <a:off x="0" y="0"/>
+          <a:ext cx="0" cy="0"/>
+          <a:chOff x="0" y="0"/>
+          <a:chExt cx="0" cy="0"/>
+        </a:xfrm>
+      </p:grpSpPr>
+      <p:sp>
+        <p:nvSpPr>
+          <p:cNvPr id="2" name="Title 1">
+            <a:extLst>
+              <a:ext uri="{FF2B5EF4-FFF2-40B4-BE49-F238E27FC236}">
+                <a16:creationId xmlns:a16="http://schemas.microsoft.com/office/drawing/2014/main" id="{5C7CFD56-1316-436E-BA88-180EE70C97EC}"/>
+              </a:ext>
+            </a:extLst>
+          </p:cNvPr>
+          <p:cNvSpPr>
+            <a:spLocks noGrp="1"/>
+          </p:cNvSpPr>
+          <p:nvPr>
+            <p:ph type="title"/>
+          </p:nvPr>
+        </p:nvSpPr>
+        <p:spPr/>
+        <p:txBody>
+          <a:bodyPr/>
+          <a:lstStyle/>
+          <a:p>
+            <a:r>
+              <a:rPr lang="en-US" dirty="0"/>
+              <a:t>Contd..</a:t>
+            </a:r>
+          </a:p>
+        </p:txBody>
+      </p:sp>
+      <p:sp>
+        <p:nvSpPr>
+          <p:cNvPr id="3" name="Content Placeholder 2">
+            <a:extLst>
+              <a:ext uri="{FF2B5EF4-FFF2-40B4-BE49-F238E27FC236}">
+                <a16:creationId xmlns:a16="http://schemas.microsoft.com/office/drawing/2014/main" id="{5E669C58-B4CF-463F-9116-63AD6BD1301A}"/>
+              </a:ext>
+            </a:extLst>
+          </p:cNvPr>
+          <p:cNvSpPr>
+            <a:spLocks noGrp="1"/>
+          </p:cNvSpPr>
+          <p:nvPr>
+            <p:ph idx="1"/>
+          </p:nvPr>
+        </p:nvSpPr>
+        <p:spPr/>
+        <p:txBody>
+          <a:bodyPr/>
+          <a:lstStyle/>
+          <a:p>
+            <a:r>
+              <a:rPr lang="en-US" dirty="0"/>
+              <a:t>print(“object”)              // list, </a:t>
+            </a:r>
+            <a:r>
+              <a:rPr lang="en-US" dirty="0" err="1"/>
+              <a:t>dict</a:t>
+            </a:r>
+            <a:r>
+              <a:rPr lang="en-US" dirty="0"/>
+              <a:t>, tuple etc.   Try.</a:t>
+            </a:r>
+          </a:p>
+          <a:p>
+            <a:r>
+              <a:rPr lang="en-US" dirty="0"/>
+              <a:t>print(“string”, Variable list)   </a:t>
+            </a:r>
+          </a:p>
+          <a:p>
+            <a:pPr marL="0" indent="0">
+              <a:buNone/>
+            </a:pPr>
+            <a:r>
+              <a:rPr lang="en-US" dirty="0"/>
+              <a:t>Example:	a = 2</a:t>
+            </a:r>
+          </a:p>
+          <a:p>
+            <a:pPr marL="0" indent="0">
+              <a:buNone/>
+            </a:pPr>
+            <a:r>
+              <a:rPr lang="en-US" dirty="0"/>
+              <a:t>		print(a, “ is even number”)</a:t>
+            </a:r>
+          </a:p>
+          <a:p>
+            <a:r>
+              <a:rPr lang="en-US" dirty="0"/>
+              <a:t>print(“formatted string”)   % operator can be used for formatting purpose</a:t>
+            </a:r>
+          </a:p>
+          <a:p>
+            <a:pPr marL="0" indent="0">
+              <a:buNone/>
+            </a:pPr>
+            <a:r>
+              <a:rPr lang="en-US" dirty="0"/>
+              <a:t>Example: print(“formatted string” %(variable list))			</a:t>
+            </a:r>
+          </a:p>
+        </p:txBody>
+      </p:sp>
+    </p:spTree>
+    <p:extLst>
+      <p:ext uri="{BB962C8B-B14F-4D97-AF65-F5344CB8AC3E}">
+        <p14:creationId xmlns:p14="http://schemas.microsoft.com/office/powerpoint/2010/main" val="2820094508"/>
+      </p:ext>
+    </p:extLst>
+  </p:cSld>
+  <p:clrMapOvr>
+    <a:masterClrMapping/>
+  </p:clrMapOvr>
+  <mc:AlternateContent xmlns:mc="http://schemas.openxmlformats.org/markup-compatibility/2006" xmlns:p14="http://schemas.microsoft.com/office/powerpoint/2010/main">
+    <mc:Choice Requires="p14">
+      <p:transition spd="med" p14:dur="700">
+        <p:fade/>
+      </p:transition>
+    </mc:Choice>
+    <mc:Fallback xmlns="">
+      <p:transition spd="med">
+        <p:fade/>
+      </p:transition>
+    </mc:Fallback>
+  </mc:AlternateContent>
+</p:sld>
+</file>
+
+<file path=ppt/slides/slide21.xml><?xml version="1.0" encoding="utf-8"?>
+<p:sld xmlns:a="http://schemas.openxmlformats.org/drawingml/2006/main" xmlns:r="http://schemas.openxmlformats.org/officeDocument/2006/relationships" xmlns:p="http://schemas.openxmlformats.org/presentationml/2006/main">
+  <p:cSld>
+    <p:spTree>
+      <p:nvGrpSpPr>
+        <p:cNvPr id="1" name=""/>
+        <p:cNvGrpSpPr/>
+        <p:nvPr/>
+      </p:nvGrpSpPr>
+      <p:grpSpPr>
+        <a:xfrm>
+          <a:off x="0" y="0"/>
+          <a:ext cx="0" cy="0"/>
+          <a:chOff x="0" y="0"/>
+          <a:chExt cx="0" cy="0"/>
+        </a:xfrm>
+      </p:grpSpPr>
+      <p:sp>
+        <p:nvSpPr>
+          <p:cNvPr id="2" name="Title 1">
+            <a:extLst>
+              <a:ext uri="{FF2B5EF4-FFF2-40B4-BE49-F238E27FC236}">
+                <a16:creationId xmlns:a16="http://schemas.microsoft.com/office/drawing/2014/main" id="{5C7CFD56-1316-436E-BA88-180EE70C97EC}"/>
+              </a:ext>
+            </a:extLst>
+          </p:cNvPr>
+          <p:cNvSpPr>
+            <a:spLocks noGrp="1"/>
+          </p:cNvSpPr>
+          <p:nvPr>
+            <p:ph type="title"/>
+          </p:nvPr>
+        </p:nvSpPr>
+        <p:spPr/>
+        <p:txBody>
+          <a:bodyPr/>
+          <a:lstStyle/>
+          <a:p>
+            <a:r>
+              <a:rPr lang="en-US" dirty="0" err="1"/>
+              <a:t>Contd</a:t>
+            </a:r>
+            <a:endParaRPr lang="en-US" dirty="0"/>
+          </a:p>
+        </p:txBody>
+      </p:sp>
+      <p:sp>
+        <p:nvSpPr>
+          <p:cNvPr id="3" name="Content Placeholder 2">
+            <a:extLst>
+              <a:ext uri="{FF2B5EF4-FFF2-40B4-BE49-F238E27FC236}">
+                <a16:creationId xmlns:a16="http://schemas.microsoft.com/office/drawing/2014/main" id="{5E669C58-B4CF-463F-9116-63AD6BD1301A}"/>
+              </a:ext>
+            </a:extLst>
+          </p:cNvPr>
+          <p:cNvSpPr>
+            <a:spLocks noGrp="1"/>
+          </p:cNvSpPr>
+          <p:nvPr>
+            <p:ph idx="1"/>
+          </p:nvPr>
+        </p:nvSpPr>
+        <p:spPr/>
+        <p:txBody>
+          <a:bodyPr/>
+          <a:lstStyle/>
+          <a:p>
+            <a:pPr marL="0" indent="0">
+              <a:buNone/>
+            </a:pPr>
+            <a:r>
+              <a:rPr lang="en-US" b="1" dirty="0"/>
+              <a:t>Example 1:</a:t>
+            </a:r>
+            <a:r>
+              <a:rPr lang="en-US" dirty="0"/>
+              <a:t>			</a:t>
+            </a:r>
+            <a:r>
+              <a:rPr lang="en-US" b="1" dirty="0"/>
+              <a:t>Example 3:</a:t>
+            </a:r>
+          </a:p>
+          <a:p>
+            <a:pPr marL="0" indent="0">
+              <a:buNone/>
+            </a:pPr>
+            <a:r>
+              <a:rPr lang="en-US" dirty="0"/>
+              <a:t>X = 20				name = ‘Bangalore’</a:t>
+            </a:r>
+          </a:p>
+          <a:p>
+            <a:pPr marL="0" indent="0">
+              <a:buNone/>
+            </a:pPr>
+            <a:r>
+              <a:rPr lang="en-US" dirty="0"/>
+              <a:t>print(‘Value = %</a:t>
+            </a:r>
+            <a:r>
+              <a:rPr lang="en-US" dirty="0" err="1"/>
+              <a:t>i</a:t>
+            </a:r>
+            <a:r>
+              <a:rPr lang="en-US" dirty="0"/>
+              <a:t>’ % X)		print(‘Hai %s’ % name)</a:t>
+            </a:r>
+          </a:p>
+          <a:p>
+            <a:pPr marL="0" indent="0">
+              <a:buNone/>
+            </a:pPr>
+            <a:r>
+              <a:rPr lang="en-US" b="1" dirty="0"/>
+              <a:t>Example 2:</a:t>
+            </a:r>
+            <a:r>
+              <a:rPr lang="en-US" dirty="0"/>
+              <a:t>			others:  %c, %f</a:t>
+            </a:r>
+          </a:p>
+          <a:p>
+            <a:pPr marL="0" indent="0">
+              <a:buNone/>
+            </a:pPr>
+            <a:r>
+              <a:rPr lang="en-US" dirty="0"/>
+              <a:t>X, Y = 10, 20</a:t>
+            </a:r>
+          </a:p>
+          <a:p>
+            <a:pPr marL="0" indent="0">
+              <a:buNone/>
+            </a:pPr>
+            <a:r>
+              <a:rPr lang="en-US" dirty="0"/>
+              <a:t>print(‘X = %</a:t>
+            </a:r>
+            <a:r>
+              <a:rPr lang="en-US" dirty="0" err="1"/>
+              <a:t>i</a:t>
+            </a:r>
+            <a:r>
+              <a:rPr lang="en-US" dirty="0"/>
+              <a:t> y = %d’ %(X, Y))		</a:t>
+            </a:r>
+          </a:p>
+        </p:txBody>
+      </p:sp>
+    </p:spTree>
+    <p:extLst>
+      <p:ext uri="{BB962C8B-B14F-4D97-AF65-F5344CB8AC3E}">
+        <p14:creationId xmlns:p14="http://schemas.microsoft.com/office/powerpoint/2010/main" val="40489945"/>
+      </p:ext>
+    </p:extLst>
+  </p:cSld>
+  <p:clrMapOvr>
+    <a:masterClrMapping/>
+  </p:clrMapOvr>
+  <mc:AlternateContent xmlns:mc="http://schemas.openxmlformats.org/markup-compatibility/2006" xmlns:p14="http://schemas.microsoft.com/office/powerpoint/2010/main">
+    <mc:Choice Requires="p14">
+      <p:transition spd="med" p14:dur="700">
+        <p:fade/>
+      </p:transition>
+    </mc:Choice>
+    <mc:Fallback xmlns="">
+      <p:transition spd="med">
+        <p:fade/>
+      </p:transition>
+    </mc:Fallback>
+  </mc:AlternateContent>
+</p:sld>
+</file>
+
+<file path=ppt/slides/slide22.xml><?xml version="1.0" encoding="utf-8"?>
+<p:sld xmlns:a="http://schemas.openxmlformats.org/drawingml/2006/main" xmlns:r="http://schemas.openxmlformats.org/officeDocument/2006/relationships" xmlns:p="http://schemas.openxmlformats.org/presentationml/2006/main">
+  <p:cSld>
+    <p:spTree>
+      <p:nvGrpSpPr>
+        <p:cNvPr id="1" name=""/>
+        <p:cNvGrpSpPr/>
+        <p:nvPr/>
+      </p:nvGrpSpPr>
+      <p:grpSpPr>
+        <a:xfrm>
+          <a:off x="0" y="0"/>
+          <a:ext cx="0" cy="0"/>
+          <a:chOff x="0" y="0"/>
+          <a:chExt cx="0" cy="0"/>
+        </a:xfrm>
+      </p:grpSpPr>
+      <p:sp>
+        <p:nvSpPr>
+          <p:cNvPr id="2" name="Title 1">
+            <a:extLst>
+              <a:ext uri="{FF2B5EF4-FFF2-40B4-BE49-F238E27FC236}">
+                <a16:creationId xmlns:a16="http://schemas.microsoft.com/office/drawing/2014/main" id="{DE3CC058-FE72-4D95-A754-71708074E0CD}"/>
+              </a:ext>
+            </a:extLst>
+          </p:cNvPr>
+          <p:cNvSpPr>
+            <a:spLocks noGrp="1"/>
+          </p:cNvSpPr>
+          <p:nvPr>
+            <p:ph type="title"/>
+          </p:nvPr>
+        </p:nvSpPr>
+        <p:spPr/>
+        <p:txBody>
+          <a:bodyPr/>
+          <a:lstStyle/>
+          <a:p>
+            <a:r>
+              <a:rPr lang="en-US" dirty="0"/>
+              <a:t>b. Input Statement</a:t>
+            </a:r>
+          </a:p>
+        </p:txBody>
+      </p:sp>
+      <p:sp>
+        <p:nvSpPr>
+          <p:cNvPr id="3" name="Content Placeholder 2">
+            <a:extLst>
+              <a:ext uri="{FF2B5EF4-FFF2-40B4-BE49-F238E27FC236}">
+                <a16:creationId xmlns:a16="http://schemas.microsoft.com/office/drawing/2014/main" id="{9271B9B7-9503-48C5-82D8-6956A39F208F}"/>
+              </a:ext>
+            </a:extLst>
+          </p:cNvPr>
+          <p:cNvSpPr>
+            <a:spLocks noGrp="1"/>
+          </p:cNvSpPr>
+          <p:nvPr>
+            <p:ph idx="1"/>
+          </p:nvPr>
+        </p:nvSpPr>
+        <p:spPr/>
+        <p:txBody>
+          <a:bodyPr/>
+          <a:lstStyle/>
+          <a:p>
+            <a:endParaRPr lang="en-US"/>
+          </a:p>
+        </p:txBody>
+      </p:sp>
+    </p:spTree>
+    <p:extLst>
+      <p:ext uri="{BB962C8B-B14F-4D97-AF65-F5344CB8AC3E}">
+        <p14:creationId xmlns:p14="http://schemas.microsoft.com/office/powerpoint/2010/main" val="1977444974"/>
+      </p:ext>
+    </p:extLst>
+  </p:cSld>
+  <p:clrMapOvr>
+    <a:masterClrMapping/>
+  </p:clrMapOvr>
+  <mc:AlternateContent xmlns:mc="http://schemas.openxmlformats.org/markup-compatibility/2006" xmlns:p14="http://schemas.microsoft.com/office/powerpoint/2010/main">
+    <mc:Choice Requires="p14">
+      <p:transition spd="med" p14:dur="700">
+        <p:fade/>
+      </p:transition>
+    </mc:Choice>
+    <mc:Fallback xmlns="">
+      <p:transition spd="med">
+        <p:fade/>
+      </p:transition>
+    </mc:Fallback>
+  </mc:AlternateContent>
+</p:sld>
+</file>
+
+<file path=ppt/slides/slide23.xml><?xml version="1.0" encoding="utf-8"?>
+<p:sld xmlns:a="http://schemas.openxmlformats.org/drawingml/2006/main" xmlns:r="http://schemas.openxmlformats.org/officeDocument/2006/relationships" xmlns:p="http://schemas.openxmlformats.org/presentationml/2006/main">
+  <p:cSld>
+    <p:spTree>
+      <p:nvGrpSpPr>
+        <p:cNvPr id="1" name=""/>
+        <p:cNvGrpSpPr/>
+        <p:nvPr/>
+      </p:nvGrpSpPr>
+      <p:grpSpPr>
+        <a:xfrm>
+          <a:off x="0" y="0"/>
+          <a:ext cx="0" cy="0"/>
+          <a:chOff x="0" y="0"/>
+          <a:chExt cx="0" cy="0"/>
+        </a:xfrm>
+      </p:grpSpPr>
+      <p:sp>
+        <p:nvSpPr>
+          <p:cNvPr id="2" name="Title 1">
+            <a:extLst>
+              <a:ext uri="{FF2B5EF4-FFF2-40B4-BE49-F238E27FC236}">
+                <a16:creationId xmlns:a16="http://schemas.microsoft.com/office/drawing/2014/main" id="{F6E2121D-12C6-4C1F-AABC-197ECC03059C}"/>
+              </a:ext>
+            </a:extLst>
+          </p:cNvPr>
+          <p:cNvSpPr>
+            <a:spLocks noGrp="1"/>
+          </p:cNvSpPr>
+          <p:nvPr>
+            <p:ph type="title"/>
+          </p:nvPr>
+        </p:nvSpPr>
+        <p:spPr/>
+        <p:txBody>
+          <a:bodyPr/>
+          <a:lstStyle/>
+          <a:p>
+            <a:r>
+              <a:rPr lang="en-US" dirty="0"/>
+              <a:t>6 Control Statements</a:t>
+            </a:r>
+          </a:p>
+        </p:txBody>
+      </p:sp>
+      <p:sp>
+        <p:nvSpPr>
+          <p:cNvPr id="3" name="Content Placeholder 2">
+            <a:extLst>
+              <a:ext uri="{FF2B5EF4-FFF2-40B4-BE49-F238E27FC236}">
+                <a16:creationId xmlns:a16="http://schemas.microsoft.com/office/drawing/2014/main" id="{C8098603-EAC9-45ED-903C-CB05E010AF4B}"/>
+              </a:ext>
+            </a:extLst>
+          </p:cNvPr>
+          <p:cNvSpPr>
+            <a:spLocks noGrp="1"/>
+          </p:cNvSpPr>
+          <p:nvPr>
+            <p:ph idx="1"/>
+          </p:nvPr>
+        </p:nvSpPr>
+        <p:spPr/>
+        <p:txBody>
+          <a:bodyPr>
+            <a:normAutofit fontScale="92500" lnSpcReduction="20000"/>
+          </a:bodyPr>
+          <a:lstStyle/>
+          <a:p>
+            <a:pPr marL="457200" indent="-457200">
+              <a:buAutoNum type="alphaLcPeriod"/>
+            </a:pPr>
+            <a:r>
+              <a:rPr lang="en-US" b="1" dirty="0"/>
+              <a:t>If statements			c. if … </a:t>
+            </a:r>
+            <a:r>
+              <a:rPr lang="en-US" b="1" dirty="0" err="1"/>
+              <a:t>elif</a:t>
+            </a:r>
+            <a:r>
+              <a:rPr lang="en-US" b="1" dirty="0"/>
+              <a:t> … else</a:t>
+            </a:r>
+          </a:p>
+          <a:p>
+            <a:pPr marL="0" indent="0">
+              <a:buNone/>
+            </a:pPr>
+            <a:r>
+              <a:rPr lang="en-US" dirty="0"/>
+              <a:t>	if condition:		if condition:</a:t>
+            </a:r>
+          </a:p>
+          <a:p>
+            <a:pPr marL="0" indent="0">
+              <a:buNone/>
+            </a:pPr>
+            <a:r>
+              <a:rPr lang="en-US" dirty="0"/>
+              <a:t>		statements		statement</a:t>
+            </a:r>
+          </a:p>
+          <a:p>
+            <a:pPr marL="0" indent="0">
+              <a:buNone/>
+            </a:pPr>
+            <a:r>
+              <a:rPr lang="en-US" dirty="0"/>
+              <a:t>Note:  ‘:’ and “indentation”	</a:t>
+            </a:r>
+            <a:r>
+              <a:rPr lang="en-US" dirty="0" err="1"/>
+              <a:t>elif</a:t>
+            </a:r>
+            <a:r>
+              <a:rPr lang="en-US" dirty="0"/>
+              <a:t> condition:</a:t>
+            </a:r>
+          </a:p>
+          <a:p>
+            <a:pPr marL="0" indent="0">
+              <a:buNone/>
+            </a:pPr>
+            <a:r>
+              <a:rPr lang="en-US" b="1" dirty="0"/>
+              <a:t>      if … else statement			</a:t>
+            </a:r>
+            <a:r>
+              <a:rPr lang="en-US" dirty="0"/>
+              <a:t>statement</a:t>
+            </a:r>
+            <a:endParaRPr lang="en-US" b="1" dirty="0"/>
+          </a:p>
+          <a:p>
+            <a:pPr marL="0" indent="0">
+              <a:buNone/>
+            </a:pPr>
+            <a:r>
+              <a:rPr lang="en-US" b="1" dirty="0"/>
+              <a:t>	</a:t>
+            </a:r>
+            <a:r>
+              <a:rPr lang="en-US" dirty="0"/>
+              <a:t>if condition:		else:</a:t>
+            </a:r>
+          </a:p>
+          <a:p>
+            <a:pPr marL="0" indent="0">
+              <a:buNone/>
+            </a:pPr>
+            <a:r>
+              <a:rPr lang="en-US" b="1" dirty="0"/>
+              <a:t>		</a:t>
+            </a:r>
+            <a:r>
+              <a:rPr lang="en-US" dirty="0"/>
+              <a:t>statement		statement</a:t>
+            </a:r>
+          </a:p>
+          <a:p>
+            <a:pPr marL="0" indent="0">
+              <a:buNone/>
+            </a:pPr>
+            <a:r>
+              <a:rPr lang="en-US" b="1" dirty="0"/>
+              <a:t>	</a:t>
+            </a:r>
+            <a:r>
+              <a:rPr lang="en-US" dirty="0"/>
+              <a:t>else:</a:t>
+            </a:r>
+          </a:p>
+          <a:p>
+            <a:pPr marL="0" indent="0">
+              <a:buNone/>
+            </a:pPr>
+            <a:r>
+              <a:rPr lang="en-US" b="1" dirty="0"/>
+              <a:t>		</a:t>
+            </a:r>
+            <a:r>
+              <a:rPr lang="en-US" dirty="0"/>
+              <a:t>statement</a:t>
+            </a:r>
+            <a:endParaRPr lang="en-US" b="1" dirty="0"/>
+          </a:p>
+        </p:txBody>
+      </p:sp>
+    </p:spTree>
+    <p:extLst>
+      <p:ext uri="{BB962C8B-B14F-4D97-AF65-F5344CB8AC3E}">
+        <p14:creationId xmlns:p14="http://schemas.microsoft.com/office/powerpoint/2010/main" val="4072171695"/>
+      </p:ext>
+    </p:extLst>
+  </p:cSld>
+  <p:clrMapOvr>
+    <a:masterClrMapping/>
+  </p:clrMapOvr>
+  <mc:AlternateContent xmlns:mc="http://schemas.openxmlformats.org/markup-compatibility/2006" xmlns:p14="http://schemas.microsoft.com/office/powerpoint/2010/main">
+    <mc:Choice Requires="p14">
+      <p:transition spd="med" p14:dur="700">
+        <p:fade/>
+      </p:transition>
+    </mc:Choice>
+    <mc:Fallback xmlns="">
+      <p:transition spd="med">
+        <p:fade/>
+      </p:transition>
+    </mc:Fallback>
+  </mc:AlternateContent>
+</p:sld>
+</file>
+
+<file path=ppt/slides/slide24.xml><?xml version="1.0" encoding="utf-8"?>
+<p:sld xmlns:a="http://schemas.openxmlformats.org/drawingml/2006/main" xmlns:r="http://schemas.openxmlformats.org/officeDocument/2006/relationships" xmlns:p="http://schemas.openxmlformats.org/presentationml/2006/main">
+  <p:cSld>
+    <p:spTree>
+      <p:nvGrpSpPr>
+        <p:cNvPr id="1" name=""/>
+        <p:cNvGrpSpPr/>
+        <p:nvPr/>
+      </p:nvGrpSpPr>
+      <p:grpSpPr>
+        <a:xfrm>
+          <a:off x="0" y="0"/>
+          <a:ext cx="0" cy="0"/>
+          <a:chOff x="0" y="0"/>
+          <a:chExt cx="0" cy="0"/>
+        </a:xfrm>
+      </p:grpSpPr>
+      <p:sp>
+        <p:nvSpPr>
+          <p:cNvPr id="2" name="Title 1">
+            <a:extLst>
+              <a:ext uri="{FF2B5EF4-FFF2-40B4-BE49-F238E27FC236}">
+                <a16:creationId xmlns:a16="http://schemas.microsoft.com/office/drawing/2014/main" id="{BFB9BC67-CE5F-4682-BD23-94C47C980EAD}"/>
+              </a:ext>
+            </a:extLst>
+          </p:cNvPr>
+          <p:cNvSpPr>
+            <a:spLocks noGrp="1"/>
+          </p:cNvSpPr>
+          <p:nvPr>
+            <p:ph type="title"/>
+          </p:nvPr>
+        </p:nvSpPr>
+        <p:spPr/>
+        <p:txBody>
+          <a:bodyPr/>
+          <a:lstStyle/>
+          <a:p>
+            <a:endParaRPr lang="en-US"/>
+          </a:p>
+        </p:txBody>
+      </p:sp>
+      <p:sp>
+        <p:nvSpPr>
+          <p:cNvPr id="3" name="Content Placeholder 2">
+            <a:extLst>
+              <a:ext uri="{FF2B5EF4-FFF2-40B4-BE49-F238E27FC236}">
+                <a16:creationId xmlns:a16="http://schemas.microsoft.com/office/drawing/2014/main" id="{4EDDE707-04FF-42D5-9AD0-716C20A33D97}"/>
+              </a:ext>
+            </a:extLst>
+          </p:cNvPr>
+          <p:cNvSpPr>
+            <a:spLocks noGrp="1"/>
+          </p:cNvSpPr>
+          <p:nvPr>
+            <p:ph idx="1"/>
+          </p:nvPr>
+        </p:nvSpPr>
+        <p:spPr/>
+        <p:txBody>
+          <a:bodyPr/>
+          <a:lstStyle/>
+          <a:p>
+            <a:pPr marL="0" indent="0">
+              <a:buNone/>
+            </a:pPr>
+            <a:r>
+              <a:rPr lang="en-US" dirty="0"/>
+              <a:t>b. while loop</a:t>
+            </a:r>
+          </a:p>
+          <a:p>
+            <a:pPr marL="0" indent="0">
+              <a:buNone/>
+            </a:pPr>
+            <a:r>
+              <a:rPr lang="en-US" dirty="0"/>
+              <a:t>    </a:t>
+            </a:r>
+            <a:r>
+              <a:rPr lang="en-US" b="1" dirty="0"/>
+              <a:t>while</a:t>
+            </a:r>
+            <a:r>
+              <a:rPr lang="en-US" dirty="0"/>
+              <a:t> condition:</a:t>
+            </a:r>
+          </a:p>
+          <a:p>
+            <a:pPr marL="0" indent="0">
+              <a:buNone/>
+            </a:pPr>
+            <a:r>
+              <a:rPr lang="en-US" dirty="0"/>
+              <a:t>	statements</a:t>
+            </a:r>
+          </a:p>
+          <a:p>
+            <a:pPr marL="0" indent="0">
+              <a:buNone/>
+            </a:pPr>
+            <a:r>
+              <a:rPr lang="en-US" dirty="0"/>
+              <a:t>Note: conditions are formed using relational and logical/Boolean operators.</a:t>
+            </a:r>
+          </a:p>
+          <a:p>
+            <a:pPr marL="457200" indent="-457200">
+              <a:buAutoNum type="alphaLcPeriod" startAt="3"/>
+            </a:pPr>
+            <a:r>
+              <a:rPr lang="en-US" dirty="0"/>
+              <a:t>For loop</a:t>
+            </a:r>
+          </a:p>
+          <a:p>
+            <a:pPr marL="0" indent="0">
+              <a:buNone/>
+            </a:pPr>
+            <a:r>
+              <a:rPr lang="en-US" dirty="0"/>
+              <a:t>      </a:t>
+            </a:r>
+            <a:r>
+              <a:rPr lang="en-US" b="1" dirty="0"/>
+              <a:t>for</a:t>
+            </a:r>
+            <a:r>
+              <a:rPr lang="en-US" dirty="0"/>
+              <a:t> </a:t>
+            </a:r>
+            <a:r>
+              <a:rPr lang="en-US" dirty="0" err="1"/>
+              <a:t>var</a:t>
+            </a:r>
+            <a:r>
+              <a:rPr lang="en-US" dirty="0"/>
+              <a:t> in sequence:		Example:  for I in range(10)</a:t>
+            </a:r>
+          </a:p>
+          <a:p>
+            <a:pPr marL="0" indent="0">
+              <a:buNone/>
+            </a:pPr>
+            <a:r>
+              <a:rPr lang="en-US" dirty="0"/>
+              <a:t>	statements	 			print(</a:t>
+            </a:r>
+            <a:r>
+              <a:rPr lang="en-US" dirty="0" err="1"/>
+              <a:t>i</a:t>
+            </a:r>
+            <a:r>
+              <a:rPr lang="en-US" dirty="0"/>
+              <a:t>)</a:t>
+            </a:r>
+          </a:p>
+        </p:txBody>
+      </p:sp>
+    </p:spTree>
+    <p:extLst>
+      <p:ext uri="{BB962C8B-B14F-4D97-AF65-F5344CB8AC3E}">
+        <p14:creationId xmlns:p14="http://schemas.microsoft.com/office/powerpoint/2010/main" val="1491365460"/>
+      </p:ext>
+    </p:extLst>
+  </p:cSld>
+  <p:clrMapOvr>
+    <a:masterClrMapping/>
+  </p:clrMapOvr>
+  <mc:AlternateContent xmlns:mc="http://schemas.openxmlformats.org/markup-compatibility/2006" xmlns:p14="http://schemas.microsoft.com/office/powerpoint/2010/main">
+    <mc:Choice Requires="p14">
+      <p:transition spd="med" p14:dur="700">
+        <p:fade/>
+      </p:transition>
+    </mc:Choice>
+    <mc:Fallback xmlns="">
+      <p:transition spd="med">
+        <p:fade/>
+      </p:transition>
+    </mc:Fallback>
+  </mc:AlternateContent>
+</p:sld>
+</file>
+
 <file path=ppt/slides/slide3.xml><?xml version="1.0" encoding="utf-8"?>
 <p:sld xmlns:a="http://schemas.openxmlformats.org/drawingml/2006/main" xmlns:r="http://schemas.openxmlformats.org/officeDocument/2006/relationships" xmlns:p="http://schemas.openxmlformats.org/presentationml/2006/main">
   <p:cSld>
@@ -4704,7 +6855,7 @@
         <p:spPr/>
         <p:txBody>
           <a:bodyPr>
-            <a:normAutofit fontScale="92500" lnSpcReduction="20000"/>
+            <a:normAutofit lnSpcReduction="10000"/>
           </a:bodyPr>
           <a:lstStyle/>
           <a:p>
@@ -4721,17 +6872,8 @@
               <a:buNone/>
             </a:pPr>
             <a:r>
-              <a:rPr lang="en-US" sz="2000" dirty="0"/>
-              <a:t>          	c.  Mathematical Functions</a:t>
-            </a:r>
-          </a:p>
-          <a:p>
-            <a:pPr marL="0" indent="0">
-              <a:buNone/>
-            </a:pPr>
-            <a:r>
-              <a:rPr lang="en-US" dirty="0"/>
-              <a:t>   5. Input and Output</a:t>
+              <a:rPr lang="en-US" dirty="0"/>
+              <a:t>5. Input and Output</a:t>
             </a:r>
           </a:p>
           <a:p>
@@ -5215,13 +7357,7 @@
       </p:grpSpPr>
       <p:sp>
         <p:nvSpPr>
-          <p:cNvPr id="2" name="Title 1">
-            <a:extLst>
-              <a:ext uri="{FF2B5EF4-FFF2-40B4-BE49-F238E27FC236}">
-                <a16:creationId xmlns:a16="http://schemas.microsoft.com/office/drawing/2014/main" id="{A23EE193-128F-4CC2-90F5-547E5EC46129}"/>
-              </a:ext>
-            </a:extLst>
-          </p:cNvPr>
+          <p:cNvPr id="13" name="Title 12"/>
           <p:cNvSpPr>
             <a:spLocks noGrp="1"/>
           </p:cNvSpPr>
@@ -5229,138 +7365,31 @@
             <p:ph type="title"/>
           </p:nvPr>
         </p:nvSpPr>
-        <p:spPr/>
+        <p:spPr>
+          <a:xfrm>
+            <a:off x="1751012" y="2819400"/>
+            <a:ext cx="10157354" cy="1397000"/>
+          </a:xfrm>
+        </p:spPr>
         <p:txBody>
           <a:bodyPr/>
           <a:lstStyle/>
           <a:p>
             <a:r>
               <a:rPr lang="en-US" dirty="0"/>
-              <a:t>4.a.ii Assignment Operator		</a:t>
-            </a:r>
-          </a:p>
-        </p:txBody>
-      </p:sp>
-      <p:sp>
-        <p:nvSpPr>
-          <p:cNvPr id="3" name="Content Placeholder 2">
-            <a:extLst>
-              <a:ext uri="{FF2B5EF4-FFF2-40B4-BE49-F238E27FC236}">
-                <a16:creationId xmlns:a16="http://schemas.microsoft.com/office/drawing/2014/main" id="{665401CA-E27D-4281-A830-ED413723F316}"/>
-              </a:ext>
-            </a:extLst>
-          </p:cNvPr>
-          <p:cNvSpPr>
-            <a:spLocks noGrp="1"/>
-          </p:cNvSpPr>
-          <p:nvPr>
-            <p:ph idx="1"/>
-          </p:nvPr>
-        </p:nvSpPr>
-        <p:spPr/>
-        <p:txBody>
-          <a:bodyPr/>
-          <a:lstStyle/>
-          <a:p>
-            <a:pPr marL="426645" lvl="1" indent="0">
-              <a:buNone/>
-            </a:pPr>
-            <a:r>
-              <a:rPr lang="en-US" sz="2400" b="1" dirty="0"/>
-              <a:t>Operator	Example </a:t>
-            </a:r>
-            <a:r>
-              <a:rPr lang="en-US" dirty="0"/>
-              <a:t>	</a:t>
-            </a:r>
-          </a:p>
-          <a:p>
-            <a:pPr marL="426645" lvl="1" indent="0">
-              <a:buNone/>
-            </a:pPr>
-            <a:r>
-              <a:rPr lang="en-US" dirty="0"/>
-              <a:t>=		z = x + y</a:t>
-            </a:r>
-          </a:p>
-          <a:p>
-            <a:pPr marL="426645" lvl="1" indent="0">
-              <a:buNone/>
-            </a:pPr>
-            <a:r>
-              <a:rPr lang="en-US" dirty="0"/>
-              <a:t>+=		z+=y</a:t>
-            </a:r>
-          </a:p>
-          <a:p>
-            <a:pPr marL="426645" lvl="1" indent="0">
-              <a:buNone/>
-            </a:pPr>
-            <a:r>
-              <a:rPr lang="en-US" dirty="0"/>
-              <a:t>-=		z-=y</a:t>
-            </a:r>
-          </a:p>
-          <a:p>
-            <a:pPr marL="426645" lvl="1" indent="0">
-              <a:buNone/>
-            </a:pPr>
-            <a:r>
-              <a:rPr lang="en-US" dirty="0"/>
-              <a:t>*=		z*=x</a:t>
-            </a:r>
-          </a:p>
-          <a:p>
-            <a:pPr marL="426645" lvl="1" indent="0">
-              <a:buNone/>
-            </a:pPr>
-            <a:r>
-              <a:rPr lang="en-US" dirty="0"/>
-              <a:t>/=		z/=x</a:t>
-            </a:r>
-          </a:p>
-          <a:p>
-            <a:pPr marL="426645" lvl="1" indent="0">
-              <a:buNone/>
-            </a:pPr>
-            <a:r>
-              <a:rPr lang="en-US" dirty="0"/>
-              <a:t>%=		z%=x</a:t>
-            </a:r>
-          </a:p>
-          <a:p>
-            <a:pPr marL="426645" lvl="1" indent="0">
-              <a:buNone/>
-            </a:pPr>
-            <a:r>
-              <a:rPr lang="en-US" dirty="0"/>
-              <a:t>**=		z**=y</a:t>
-            </a:r>
-          </a:p>
-          <a:p>
-            <a:pPr marL="426645" lvl="1" indent="0">
-              <a:buNone/>
-            </a:pPr>
-            <a:r>
-              <a:rPr lang="en-US" dirty="0"/>
-              <a:t>//=		z//=y</a:t>
-            </a:r>
-          </a:p>
-          <a:p>
-            <a:pPr marL="426645" lvl="1" indent="0">
-              <a:buNone/>
-            </a:pPr>
-            <a:r>
-              <a:rPr lang="en-US" dirty="0"/>
-              <a:t>Exercise: Try by taking one example.</a:t>
-            </a:r>
+              <a:t>4. Operators in Python</a:t>
+            </a:r>
+            <a:br>
+              <a:rPr lang="en-US" dirty="0"/>
+            </a:br>
+            <a:endParaRPr lang="en-US" dirty="0"/>
           </a:p>
         </p:txBody>
       </p:sp>
     </p:spTree>
     <p:extLst>
       <p:ext uri="{BB962C8B-B14F-4D97-AF65-F5344CB8AC3E}">
-        <p14:creationId xmlns:p14="http://schemas.microsoft.com/office/powerpoint/2010/main" val="3283830827"/>
+        <p14:creationId xmlns:p14="http://schemas.microsoft.com/office/powerpoint/2010/main" val="624377575"/>
       </p:ext>
     </p:extLst>
   </p:cSld>
@@ -5422,7 +7451,7 @@
           <a:p>
             <a:r>
               <a:rPr lang="en-US" dirty="0"/>
-              <a:t>4.a.iv Relational Operator		</a:t>
+              <a:t>I. Arithmetic Operators		</a:t>
             </a:r>
           </a:p>
         </p:txBody>
@@ -5443,16 +7472,9 @@
             <p:ph idx="1"/>
           </p:nvPr>
         </p:nvSpPr>
-        <p:spPr>
-          <a:xfrm>
-            <a:off x="1117309" y="1701800"/>
-            <a:ext cx="10157354" cy="4927600"/>
-          </a:xfrm>
-        </p:spPr>
-        <p:txBody>
-          <a:bodyPr>
-            <a:normAutofit/>
-          </a:bodyPr>
+        <p:spPr/>
+        <p:txBody>
+          <a:bodyPr/>
           <a:lstStyle/>
           <a:p>
             <a:pPr marL="426645" lvl="1" indent="0">
@@ -5460,7 +7482,11 @@
             </a:pPr>
             <a:r>
               <a:rPr lang="en-US" sz="2400" b="1" dirty="0"/>
-              <a:t>Operator	Example 	Result</a:t>
+              <a:t>Operator	Meaning		Example </a:t>
+            </a:r>
+            <a:r>
+              <a:rPr lang="en-US" dirty="0"/>
+              <a:t>	</a:t>
             </a:r>
           </a:p>
           <a:p>
@@ -5469,7 +7495,7 @@
             </a:pPr>
             <a:r>
               <a:rPr lang="en-US" dirty="0"/>
-              <a:t>&gt;		a &gt; b		True/False</a:t>
+              <a:t>+		Addition			a + b</a:t>
             </a:r>
           </a:p>
           <a:p>
@@ -5478,7 +7504,7 @@
             </a:pPr>
             <a:r>
               <a:rPr lang="en-US" dirty="0"/>
-              <a:t>&gt;=		a &gt;=b 		True/False</a:t>
+              <a:t>-		Subtraction		a - b</a:t>
             </a:r>
           </a:p>
           <a:p>
@@ -5487,7 +7513,7 @@
             </a:pPr>
             <a:r>
               <a:rPr lang="en-US" dirty="0"/>
-              <a:t>&lt;		a &lt; b		True/False</a:t>
+              <a:t>*		Multiplication		a * b</a:t>
             </a:r>
           </a:p>
           <a:p>
@@ -5496,7 +7522,7 @@
             </a:pPr>
             <a:r>
               <a:rPr lang="en-US" dirty="0"/>
-              <a:t>&lt;=		a &lt;= b		True/False</a:t>
+              <a:t>/		Division Operator		a / b </a:t>
             </a:r>
           </a:p>
           <a:p>
@@ -5505,7 +7531,7 @@
             </a:pPr>
             <a:r>
               <a:rPr lang="en-US" dirty="0"/>
-              <a:t>==		a == b		True/False</a:t>
+              <a:t>%		Modulus  Operator		a % b</a:t>
             </a:r>
           </a:p>
           <a:p>
@@ -5514,7 +7540,7 @@
             </a:pPr>
             <a:r>
               <a:rPr lang="en-US" dirty="0"/>
-              <a:t>!=		a != b		True/False</a:t>
+              <a:t>**		Exponent operator		a ** b</a:t>
             </a:r>
           </a:p>
           <a:p>
@@ -5523,25 +7549,7 @@
             </a:pPr>
             <a:r>
               <a:rPr lang="en-US" dirty="0"/>
-              <a:t>Chaining – </a:t>
-            </a:r>
-          </a:p>
-          <a:p>
-            <a:pPr marL="426645" lvl="1" indent="0">
-              <a:buNone/>
-            </a:pPr>
-            <a:r>
-              <a:rPr lang="en-US" dirty="0"/>
-              <a:t>X = 20</a:t>
-            </a:r>
-          </a:p>
-          <a:p>
-            <a:pPr marL="426645" lvl="1" indent="0">
-              <a:buNone/>
-            </a:pPr>
-            <a:r>
-              <a:rPr lang="en-US" dirty="0"/>
-              <a:t>10 &lt; x &lt; 50  # Result ?  10 &gt;= x &lt;20 # Result ? 10 &lt; x &gt; 10 # Result ?</a:t>
+              <a:t>//		Integer Division		a // b</a:t>
             </a:r>
           </a:p>
         </p:txBody>
@@ -5549,7 +7557,7 @@
     </p:spTree>
     <p:extLst>
       <p:ext uri="{BB962C8B-B14F-4D97-AF65-F5344CB8AC3E}">
-        <p14:creationId xmlns:p14="http://schemas.microsoft.com/office/powerpoint/2010/main" val="200002462"/>
+        <p14:creationId xmlns:p14="http://schemas.microsoft.com/office/powerpoint/2010/main" val="3283830827"/>
       </p:ext>
     </p:extLst>
   </p:cSld>
@@ -5593,7 +7601,7 @@
           <p:cNvPr id="2" name="Title 1">
             <a:extLst>
               <a:ext uri="{FF2B5EF4-FFF2-40B4-BE49-F238E27FC236}">
-                <a16:creationId xmlns:a16="http://schemas.microsoft.com/office/drawing/2014/main" id="{05217FA7-7A78-4198-A2F0-3A343C70A87B}"/>
+                <a16:creationId xmlns:a16="http://schemas.microsoft.com/office/drawing/2014/main" id="{A23EE193-128F-4CC2-90F5-547E5EC46129}"/>
               </a:ext>
             </a:extLst>
           </p:cNvPr>
@@ -5611,7 +7619,7 @@
           <a:p>
             <a:r>
               <a:rPr lang="en-US" dirty="0"/>
-              <a:t>4.a.v Logical/Boolean Operator</a:t>
+              <a:t>II Assignment Operator		</a:t>
             </a:r>
           </a:p>
         </p:txBody>
@@ -5621,7 +7629,7 @@
           <p:cNvPr id="3" name="Content Placeholder 2">
             <a:extLst>
               <a:ext uri="{FF2B5EF4-FFF2-40B4-BE49-F238E27FC236}">
-                <a16:creationId xmlns:a16="http://schemas.microsoft.com/office/drawing/2014/main" id="{D41755D1-FB66-4EA2-A80A-7691FA364545}"/>
+                <a16:creationId xmlns:a16="http://schemas.microsoft.com/office/drawing/2014/main" id="{665401CA-E27D-4281-A830-ED413723F316}"/>
               </a:ext>
             </a:extLst>
           </p:cNvPr>
@@ -5632,90 +7640,130 @@
             <p:ph idx="1"/>
           </p:nvPr>
         </p:nvSpPr>
-        <p:spPr/>
+        <p:spPr>
+          <a:xfrm>
+            <a:off x="1117309" y="1701800"/>
+            <a:ext cx="10157354" cy="4927600"/>
+          </a:xfrm>
+        </p:spPr>
         <p:txBody>
           <a:bodyPr/>
           <a:lstStyle/>
           <a:p>
-            <a:pPr marL="0" indent="0">
-              <a:buNone/>
-            </a:pPr>
-            <a:r>
-              <a:rPr lang="en-US" b="1" dirty="0"/>
-              <a:t>Operator	Example	Result</a:t>
-            </a:r>
-          </a:p>
-          <a:p>
-            <a:pPr marL="0" indent="0">
-              <a:buNone/>
-            </a:pPr>
-            <a:r>
-              <a:rPr lang="en-US" sz="2000" dirty="0"/>
-              <a:t>and		x and y	         Return ‘x’ if ‘x’ is False, y otherwise</a:t>
-            </a:r>
-          </a:p>
-          <a:p>
-            <a:pPr marL="0" indent="0">
-              <a:buNone/>
-            </a:pPr>
-            <a:r>
-              <a:rPr lang="en-US" sz="2000" dirty="0"/>
-              <a:t>or		x or y	         Return ‘y’ if ‘x’ is False, x otherwise</a:t>
-            </a:r>
-          </a:p>
-          <a:p>
-            <a:pPr marL="0" indent="0">
-              <a:buNone/>
-            </a:pPr>
-            <a:r>
-              <a:rPr lang="en-US" sz="2000" dirty="0"/>
-              <a:t>not		not x	         Return ‘True’ if ‘x’ is false , True   </a:t>
-            </a:r>
-          </a:p>
-          <a:p>
-            <a:pPr marL="0" indent="0">
-              <a:buNone/>
-            </a:pPr>
-            <a:r>
-              <a:rPr lang="en-US" sz="2000" dirty="0"/>
-              <a:t>                                                     otherwise	</a:t>
-            </a:r>
-          </a:p>
-          <a:p>
-            <a:pPr marL="0" indent="0">
-              <a:buNone/>
-            </a:pPr>
-            <a:r>
-              <a:rPr lang="en-US" sz="2000" dirty="0"/>
-              <a:t>Boolean Values combinations: True </a:t>
-            </a:r>
-            <a:r>
-              <a:rPr lang="en-US" sz="2000" dirty="0" err="1"/>
-              <a:t>True</a:t>
-            </a:r>
-            <a:r>
-              <a:rPr lang="en-US" sz="2000" dirty="0"/>
-              <a:t>, False True, True False and False </a:t>
-            </a:r>
-            <a:r>
-              <a:rPr lang="en-US" sz="2000" dirty="0" err="1"/>
-              <a:t>False</a:t>
-            </a:r>
-            <a:r>
-              <a:rPr lang="en-US" sz="2000" dirty="0"/>
+            <a:pPr marL="426645" lvl="1" indent="0">
+              <a:buNone/>
+            </a:pPr>
+            <a:r>
+              <a:rPr lang="en-US" sz="2400" b="1" dirty="0"/>
+              <a:t>Operator	Example </a:t>
+            </a:r>
+            <a:r>
+              <a:rPr lang="en-US" dirty="0"/>
               <a:t>	</a:t>
             </a:r>
-            <a:r>
-              <a:rPr lang="en-US" dirty="0"/>
-              <a:t>			</a:t>
-            </a:r>
+          </a:p>
+          <a:p>
+            <a:pPr marL="426645" lvl="1" indent="0">
+              <a:buNone/>
+            </a:pPr>
+            <a:r>
+              <a:rPr lang="en-US" dirty="0"/>
+              <a:t>=		z = x + y</a:t>
+            </a:r>
+          </a:p>
+          <a:p>
+            <a:pPr marL="426645" lvl="1" indent="0">
+              <a:buNone/>
+            </a:pPr>
+            <a:r>
+              <a:rPr lang="en-US" dirty="0"/>
+              <a:t>+=		z+=y</a:t>
+            </a:r>
+          </a:p>
+          <a:p>
+            <a:pPr marL="426645" lvl="1" indent="0">
+              <a:buNone/>
+            </a:pPr>
+            <a:r>
+              <a:rPr lang="en-US" dirty="0"/>
+              <a:t>-=		z-=y</a:t>
+            </a:r>
+          </a:p>
+          <a:p>
+            <a:pPr marL="426645" lvl="1" indent="0">
+              <a:buNone/>
+            </a:pPr>
+            <a:r>
+              <a:rPr lang="en-US" dirty="0"/>
+              <a:t>*=		z*=x</a:t>
+            </a:r>
+          </a:p>
+          <a:p>
+            <a:pPr marL="426645" lvl="1" indent="0">
+              <a:buNone/>
+            </a:pPr>
+            <a:r>
+              <a:rPr lang="en-US" dirty="0"/>
+              <a:t>/=		z/=x</a:t>
+            </a:r>
+          </a:p>
+          <a:p>
+            <a:pPr marL="426645" lvl="1" indent="0">
+              <a:buNone/>
+            </a:pPr>
+            <a:r>
+              <a:rPr lang="en-US" dirty="0"/>
+              <a:t>%=		z%=x</a:t>
+            </a:r>
+          </a:p>
+          <a:p>
+            <a:pPr marL="426645" lvl="1" indent="0">
+              <a:buNone/>
+            </a:pPr>
+            <a:r>
+              <a:rPr lang="en-US" dirty="0"/>
+              <a:t>**=		z**=y</a:t>
+            </a:r>
+          </a:p>
+          <a:p>
+            <a:pPr marL="426645" lvl="1" indent="0">
+              <a:buNone/>
+            </a:pPr>
+            <a:r>
+              <a:rPr lang="en-US" dirty="0"/>
+              <a:t>//=		z//=y</a:t>
+            </a:r>
+          </a:p>
+          <a:p>
+            <a:pPr marL="426645" lvl="1" indent="0">
+              <a:buNone/>
+            </a:pPr>
+            <a:r>
+              <a:rPr lang="en-US" dirty="0"/>
+              <a:t>Exercise: Try by taking one example.</a:t>
+            </a:r>
+          </a:p>
+          <a:p>
+            <a:pPr marL="426645" lvl="1" indent="0">
+              <a:buNone/>
+            </a:pPr>
+            <a:r>
+              <a:rPr lang="en-US" dirty="0"/>
+              <a:t>Example: 	a, b = 2, 4              print(a, b)</a:t>
+            </a:r>
+          </a:p>
+          <a:p>
+            <a:pPr marL="426645" lvl="1" indent="0">
+              <a:buNone/>
+            </a:pPr>
+            <a:endParaRPr lang="en-US" dirty="0"/>
           </a:p>
         </p:txBody>
       </p:sp>
     </p:spTree>
     <p:extLst>
       <p:ext uri="{BB962C8B-B14F-4D97-AF65-F5344CB8AC3E}">
-        <p14:creationId xmlns:p14="http://schemas.microsoft.com/office/powerpoint/2010/main" val="886273382"/>
+        <p14:creationId xmlns:p14="http://schemas.microsoft.com/office/powerpoint/2010/main" val="1303911048"/>
       </p:ext>
     </p:extLst>
   </p:cSld>
@@ -6547,6 +8595,142 @@
 </file>
 
 <file path=customXml/item1.xml><?xml version="1.0" encoding="utf-8"?>
+<p:properties xmlns:p="http://schemas.microsoft.com/office/2006/metadata/properties" xmlns:xsi="http://www.w3.org/2001/XMLSchema-instance" xmlns:pc="http://schemas.microsoft.com/office/infopath/2007/PartnerControls">
+  <documentManagement>
+    <LocPublishedLinkedAssetsLookup xmlns="4873beb7-5857-4685-be1f-d57550cc96cc" xsi:nil="true"/>
+    <ApprovalStatus xmlns="4873beb7-5857-4685-be1f-d57550cc96cc">InProgress</ApprovalStatus>
+    <MarketSpecific xmlns="4873beb7-5857-4685-be1f-d57550cc96cc">false</MarketSpecific>
+    <LocComments xmlns="4873beb7-5857-4685-be1f-d57550cc96cc" xsi:nil="true"/>
+    <LocLastLocAttemptVersionTypeLookup xmlns="4873beb7-5857-4685-be1f-d57550cc96cc" xsi:nil="true"/>
+    <DirectSourceMarket xmlns="4873beb7-5857-4685-be1f-d57550cc96cc" xsi:nil="true"/>
+    <ThumbnailAssetId xmlns="4873beb7-5857-4685-be1f-d57550cc96cc" xsi:nil="true"/>
+    <PrimaryImageGen xmlns="4873beb7-5857-4685-be1f-d57550cc96cc">false</PrimaryImageGen>
+    <LocNewPublishedVersionLookup xmlns="4873beb7-5857-4685-be1f-d57550cc96cc" xsi:nil="true"/>
+    <LegacyData xmlns="4873beb7-5857-4685-be1f-d57550cc96cc" xsi:nil="true"/>
+    <LocRecommendedHandoff xmlns="4873beb7-5857-4685-be1f-d57550cc96cc" xsi:nil="true"/>
+    <BusinessGroup xmlns="4873beb7-5857-4685-be1f-d57550cc96cc" xsi:nil="true"/>
+    <BlockPublish xmlns="4873beb7-5857-4685-be1f-d57550cc96cc">false</BlockPublish>
+    <TPFriendlyName xmlns="4873beb7-5857-4685-be1f-d57550cc96cc" xsi:nil="true"/>
+    <LocOverallPublishStatusLookup xmlns="4873beb7-5857-4685-be1f-d57550cc96cc" xsi:nil="true"/>
+    <NumericId xmlns="4873beb7-5857-4685-be1f-d57550cc96cc" xsi:nil="true"/>
+    <APEditor xmlns="4873beb7-5857-4685-be1f-d57550cc96cc">
+      <UserInfo>
+        <DisplayName/>
+        <AccountId xsi:nil="true"/>
+        <AccountType/>
+      </UserInfo>
+    </APEditor>
+    <SourceTitle xmlns="4873beb7-5857-4685-be1f-d57550cc96cc" xsi:nil="true"/>
+    <OpenTemplate xmlns="4873beb7-5857-4685-be1f-d57550cc96cc">true</OpenTemplate>
+    <LocOverallLocStatusLookup xmlns="4873beb7-5857-4685-be1f-d57550cc96cc" xsi:nil="true"/>
+    <UALocComments xmlns="4873beb7-5857-4685-be1f-d57550cc96cc" xsi:nil="true"/>
+    <ParentAssetId xmlns="4873beb7-5857-4685-be1f-d57550cc96cc" xsi:nil="true"/>
+    <IntlLangReviewDate xmlns="4873beb7-5857-4685-be1f-d57550cc96cc" xsi:nil="true"/>
+    <FeatureTagsTaxHTField0 xmlns="4873beb7-5857-4685-be1f-d57550cc96cc">
+      <Terms xmlns="http://schemas.microsoft.com/office/infopath/2007/PartnerControls"/>
+    </FeatureTagsTaxHTField0>
+    <PublishStatusLookup xmlns="4873beb7-5857-4685-be1f-d57550cc96cc">
+      <Value>1345039</Value>
+    </PublishStatusLookup>
+    <Providers xmlns="4873beb7-5857-4685-be1f-d57550cc96cc" xsi:nil="true"/>
+    <MachineTranslated xmlns="4873beb7-5857-4685-be1f-d57550cc96cc">false</MachineTranslated>
+    <OriginalSourceMarket xmlns="4873beb7-5857-4685-be1f-d57550cc96cc" xsi:nil="true"/>
+    <APDescription xmlns="4873beb7-5857-4685-be1f-d57550cc96cc">The bookstacks present on most slides  make this a good choice for students, teachers, reading enthusiasts, and others in education. This presentation template contains multiple slide layouts in widescreen format (16x9) and includes a sample table and chart that you can easily  modify.</APDescription>
+    <ClipArtFilename xmlns="4873beb7-5857-4685-be1f-d57550cc96cc" xsi:nil="true"/>
+    <ContentItem xmlns="4873beb7-5857-4685-be1f-d57550cc96cc" xsi:nil="true"/>
+    <TPInstallLocation xmlns="4873beb7-5857-4685-be1f-d57550cc96cc" xsi:nil="true"/>
+    <PublishTargets xmlns="4873beb7-5857-4685-be1f-d57550cc96cc">OfficeOnlineVNext</PublishTargets>
+    <TimesCloned xmlns="4873beb7-5857-4685-be1f-d57550cc96cc" xsi:nil="true"/>
+    <AssetStart xmlns="4873beb7-5857-4685-be1f-d57550cc96cc">2011-11-26T00:00:00+00:00</AssetStart>
+    <Provider xmlns="4873beb7-5857-4685-be1f-d57550cc96cc" xsi:nil="true"/>
+    <AcquiredFrom xmlns="4873beb7-5857-4685-be1f-d57550cc96cc">Internal MS</AcquiredFrom>
+    <FriendlyTitle xmlns="4873beb7-5857-4685-be1f-d57550cc96cc" xsi:nil="true"/>
+    <LastHandOff xmlns="4873beb7-5857-4685-be1f-d57550cc96cc" xsi:nil="true"/>
+    <TPClientViewer xmlns="4873beb7-5857-4685-be1f-d57550cc96cc" xsi:nil="true"/>
+    <TemplateStatus xmlns="4873beb7-5857-4685-be1f-d57550cc96cc">Complete</TemplateStatus>
+    <Downloads xmlns="4873beb7-5857-4685-be1f-d57550cc96cc">0</Downloads>
+    <OOCacheId xmlns="4873beb7-5857-4685-be1f-d57550cc96cc" xsi:nil="true"/>
+    <IsDeleted xmlns="4873beb7-5857-4685-be1f-d57550cc96cc">false</IsDeleted>
+    <LocPublishedDependentAssetsLookup xmlns="4873beb7-5857-4685-be1f-d57550cc96cc" xsi:nil="true"/>
+    <AssetExpire xmlns="4873beb7-5857-4685-be1f-d57550cc96cc">2029-05-12T07:00:00+00:00</AssetExpire>
+    <DSATActionTaken xmlns="4873beb7-5857-4685-be1f-d57550cc96cc" xsi:nil="true"/>
+    <CSXSubmissionMarket xmlns="4873beb7-5857-4685-be1f-d57550cc96cc" xsi:nil="true"/>
+    <TPExecutable xmlns="4873beb7-5857-4685-be1f-d57550cc96cc" xsi:nil="true"/>
+    <EditorialTags xmlns="4873beb7-5857-4685-be1f-d57550cc96cc" xsi:nil="true"/>
+    <SubmitterId xmlns="4873beb7-5857-4685-be1f-d57550cc96cc" xsi:nil="true"/>
+    <ApprovalLog xmlns="4873beb7-5857-4685-be1f-d57550cc96cc" xsi:nil="true"/>
+    <AssetType xmlns="4873beb7-5857-4685-be1f-d57550cc96cc">TP</AssetType>
+    <BugNumber xmlns="4873beb7-5857-4685-be1f-d57550cc96cc" xsi:nil="true"/>
+    <CSXSubmissionDate xmlns="4873beb7-5857-4685-be1f-d57550cc96cc" xsi:nil="true"/>
+    <CSXUpdate xmlns="4873beb7-5857-4685-be1f-d57550cc96cc">false</CSXUpdate>
+    <Milestone xmlns="4873beb7-5857-4685-be1f-d57550cc96cc" xsi:nil="true"/>
+    <RecommendationsModifier xmlns="4873beb7-5857-4685-be1f-d57550cc96cc" xsi:nil="true"/>
+    <OriginAsset xmlns="4873beb7-5857-4685-be1f-d57550cc96cc" xsi:nil="true"/>
+    <TPComponent xmlns="4873beb7-5857-4685-be1f-d57550cc96cc" xsi:nil="true"/>
+    <AssetId xmlns="4873beb7-5857-4685-be1f-d57550cc96cc">TP102787939</AssetId>
+    <IntlLocPriority xmlns="4873beb7-5857-4685-be1f-d57550cc96cc" xsi:nil="true"/>
+    <PolicheckWords xmlns="4873beb7-5857-4685-be1f-d57550cc96cc" xsi:nil="true"/>
+    <TPLaunchHelpLink xmlns="4873beb7-5857-4685-be1f-d57550cc96cc" xsi:nil="true"/>
+    <TPApplication xmlns="4873beb7-5857-4685-be1f-d57550cc96cc" xsi:nil="true"/>
+    <CrawlForDependencies xmlns="4873beb7-5857-4685-be1f-d57550cc96cc">false</CrawlForDependencies>
+    <HandoffToMSDN xmlns="4873beb7-5857-4685-be1f-d57550cc96cc" xsi:nil="true"/>
+    <PlannedPubDate xmlns="4873beb7-5857-4685-be1f-d57550cc96cc" xsi:nil="true"/>
+    <IntlLangReviewer xmlns="4873beb7-5857-4685-be1f-d57550cc96cc" xsi:nil="true"/>
+    <TrustLevel xmlns="4873beb7-5857-4685-be1f-d57550cc96cc">1 Microsoft Managed Content</TrustLevel>
+    <LocLastLocAttemptVersionLookup xmlns="4873beb7-5857-4685-be1f-d57550cc96cc">694216</LocLastLocAttemptVersionLookup>
+    <LocProcessedForHandoffsLookup xmlns="4873beb7-5857-4685-be1f-d57550cc96cc" xsi:nil="true"/>
+    <IsSearchable xmlns="4873beb7-5857-4685-be1f-d57550cc96cc">true</IsSearchable>
+    <TemplateTemplateType xmlns="4873beb7-5857-4685-be1f-d57550cc96cc">PowerPoint Presentation Template</TemplateTemplateType>
+    <CampaignTagsTaxHTField0 xmlns="4873beb7-5857-4685-be1f-d57550cc96cc">
+      <Terms xmlns="http://schemas.microsoft.com/office/infopath/2007/PartnerControls"/>
+    </CampaignTagsTaxHTField0>
+    <TPNamespace xmlns="4873beb7-5857-4685-be1f-d57550cc96cc" xsi:nil="true"/>
+    <LocOverallPreviewStatusLookup xmlns="4873beb7-5857-4685-be1f-d57550cc96cc" xsi:nil="true"/>
+    <TaxCatchAll xmlns="4873beb7-5857-4685-be1f-d57550cc96cc"/>
+    <Markets xmlns="4873beb7-5857-4685-be1f-d57550cc96cc"/>
+    <UAProjectedTotalWords xmlns="4873beb7-5857-4685-be1f-d57550cc96cc" xsi:nil="true"/>
+    <IntlLangReview xmlns="4873beb7-5857-4685-be1f-d57550cc96cc" xsi:nil="true"/>
+    <OutputCachingOn xmlns="4873beb7-5857-4685-be1f-d57550cc96cc">false</OutputCachingOn>
+    <AverageRating xmlns="4873beb7-5857-4685-be1f-d57550cc96cc" xsi:nil="true"/>
+    <APAuthor xmlns="4873beb7-5857-4685-be1f-d57550cc96cc">
+      <UserInfo>
+        <DisplayName>REDMOND\kristaa</DisplayName>
+        <AccountId>136</AccountId>
+        <AccountType/>
+      </UserInfo>
+    </APAuthor>
+    <LocManualTestRequired xmlns="4873beb7-5857-4685-be1f-d57550cc96cc">false</LocManualTestRequired>
+    <TPCommandLine xmlns="4873beb7-5857-4685-be1f-d57550cc96cc" xsi:nil="true"/>
+    <TPAppVersion xmlns="4873beb7-5857-4685-be1f-d57550cc96cc" xsi:nil="true"/>
+    <EditorialStatus xmlns="4873beb7-5857-4685-be1f-d57550cc96cc">Complete</EditorialStatus>
+    <LastModifiedDateTime xmlns="4873beb7-5857-4685-be1f-d57550cc96cc" xsi:nil="true"/>
+    <ScenarioTagsTaxHTField0 xmlns="4873beb7-5857-4685-be1f-d57550cc96cc">
+      <Terms xmlns="http://schemas.microsoft.com/office/infopath/2007/PartnerControls"/>
+    </ScenarioTagsTaxHTField0>
+    <LocProcessedForMarketsLookup xmlns="4873beb7-5857-4685-be1f-d57550cc96cc" xsi:nil="true"/>
+    <TPLaunchHelpLinkType xmlns="4873beb7-5857-4685-be1f-d57550cc96cc">Template</TPLaunchHelpLinkType>
+    <OriginalRelease xmlns="4873beb7-5857-4685-be1f-d57550cc96cc">15</OriginalRelease>
+    <LocalizationTagsTaxHTField0 xmlns="4873beb7-5857-4685-be1f-d57550cc96cc">
+      <Terms xmlns="http://schemas.microsoft.com/office/infopath/2007/PartnerControls"/>
+    </LocalizationTagsTaxHTField0>
+    <UACurrentWords xmlns="4873beb7-5857-4685-be1f-d57550cc96cc" xsi:nil="true"/>
+    <ArtSampleDocs xmlns="4873beb7-5857-4685-be1f-d57550cc96cc" xsi:nil="true"/>
+    <UALocRecommendation xmlns="4873beb7-5857-4685-be1f-d57550cc96cc">Localize</UALocRecommendation>
+    <Manager xmlns="4873beb7-5857-4685-be1f-d57550cc96cc" xsi:nil="true"/>
+    <LocOverallHandbackStatusLookup xmlns="4873beb7-5857-4685-be1f-d57550cc96cc" xsi:nil="true"/>
+    <ShowIn xmlns="4873beb7-5857-4685-be1f-d57550cc96cc">Show everywhere</ShowIn>
+    <UANotes xmlns="4873beb7-5857-4685-be1f-d57550cc96cc" xsi:nil="true"/>
+    <InternalTagsTaxHTField0 xmlns="4873beb7-5857-4685-be1f-d57550cc96cc">
+      <Terms xmlns="http://schemas.microsoft.com/office/infopath/2007/PartnerControls"/>
+    </InternalTagsTaxHTField0>
+    <CSXHash xmlns="4873beb7-5857-4685-be1f-d57550cc96cc" xsi:nil="true"/>
+    <VoteCount xmlns="4873beb7-5857-4685-be1f-d57550cc96cc" xsi:nil="true"/>
+    <LocMarketGroupTiers2 xmlns="4873beb7-5857-4685-be1f-d57550cc96cc" xsi:nil="true"/>
+  </documentManagement>
+</p:properties>
+</file>
+
+<file path=customXml/item2.xml><?xml version="1.0" encoding="utf-8"?>
 <ct:contentTypeSchema xmlns:ct="http://schemas.microsoft.com/office/2006/metadata/contentType" xmlns:ma="http://schemas.microsoft.com/office/2006/metadata/properties/metaAttributes" ct:_="" ma:_="" ma:contentTypeName="TemplateFile" ma:contentTypeID="0x0101006EDDDB5EE6D98C44930B742096920B300400F5B6D36B3EF94B4E9A635CDF2A18F5B8" ma:contentTypeVersion="72" ma:contentTypeDescription="Create a new document." ma:contentTypeScope="" ma:versionID="a23e56308344d904b51738559c3d67c9">
   <xsd:schema xmlns:xsd="http://www.w3.org/2001/XMLSchema" xmlns:xs="http://www.w3.org/2001/XMLSchema" xmlns:p="http://schemas.microsoft.com/office/2006/metadata/properties" xmlns:ns2="4873beb7-5857-4685-be1f-d57550cc96cc" targetNamespace="http://schemas.microsoft.com/office/2006/metadata/properties" ma:root="true" ma:fieldsID="cd0908cc4600e77bf5da051303e00c8d" ns2:_="">
     <xsd:import namespace="4873beb7-5857-4685-be1f-d57550cc96cc"/>
@@ -7586,142 +9770,6 @@
 </ct:contentTypeSchema>
 </file>
 
-<file path=customXml/item2.xml><?xml version="1.0" encoding="utf-8"?>
-<p:properties xmlns:p="http://schemas.microsoft.com/office/2006/metadata/properties" xmlns:xsi="http://www.w3.org/2001/XMLSchema-instance" xmlns:pc="http://schemas.microsoft.com/office/infopath/2007/PartnerControls">
-  <documentManagement>
-    <LocPublishedLinkedAssetsLookup xmlns="4873beb7-5857-4685-be1f-d57550cc96cc" xsi:nil="true"/>
-    <ApprovalStatus xmlns="4873beb7-5857-4685-be1f-d57550cc96cc">InProgress</ApprovalStatus>
-    <MarketSpecific xmlns="4873beb7-5857-4685-be1f-d57550cc96cc">false</MarketSpecific>
-    <LocComments xmlns="4873beb7-5857-4685-be1f-d57550cc96cc" xsi:nil="true"/>
-    <LocLastLocAttemptVersionTypeLookup xmlns="4873beb7-5857-4685-be1f-d57550cc96cc" xsi:nil="true"/>
-    <DirectSourceMarket xmlns="4873beb7-5857-4685-be1f-d57550cc96cc" xsi:nil="true"/>
-    <ThumbnailAssetId xmlns="4873beb7-5857-4685-be1f-d57550cc96cc" xsi:nil="true"/>
-    <PrimaryImageGen xmlns="4873beb7-5857-4685-be1f-d57550cc96cc">false</PrimaryImageGen>
-    <LocNewPublishedVersionLookup xmlns="4873beb7-5857-4685-be1f-d57550cc96cc" xsi:nil="true"/>
-    <LegacyData xmlns="4873beb7-5857-4685-be1f-d57550cc96cc" xsi:nil="true"/>
-    <LocRecommendedHandoff xmlns="4873beb7-5857-4685-be1f-d57550cc96cc" xsi:nil="true"/>
-    <BusinessGroup xmlns="4873beb7-5857-4685-be1f-d57550cc96cc" xsi:nil="true"/>
-    <BlockPublish xmlns="4873beb7-5857-4685-be1f-d57550cc96cc">false</BlockPublish>
-    <TPFriendlyName xmlns="4873beb7-5857-4685-be1f-d57550cc96cc" xsi:nil="true"/>
-    <LocOverallPublishStatusLookup xmlns="4873beb7-5857-4685-be1f-d57550cc96cc" xsi:nil="true"/>
-    <NumericId xmlns="4873beb7-5857-4685-be1f-d57550cc96cc" xsi:nil="true"/>
-    <APEditor xmlns="4873beb7-5857-4685-be1f-d57550cc96cc">
-      <UserInfo>
-        <DisplayName/>
-        <AccountId xsi:nil="true"/>
-        <AccountType/>
-      </UserInfo>
-    </APEditor>
-    <SourceTitle xmlns="4873beb7-5857-4685-be1f-d57550cc96cc" xsi:nil="true"/>
-    <OpenTemplate xmlns="4873beb7-5857-4685-be1f-d57550cc96cc">true</OpenTemplate>
-    <LocOverallLocStatusLookup xmlns="4873beb7-5857-4685-be1f-d57550cc96cc" xsi:nil="true"/>
-    <UALocComments xmlns="4873beb7-5857-4685-be1f-d57550cc96cc" xsi:nil="true"/>
-    <ParentAssetId xmlns="4873beb7-5857-4685-be1f-d57550cc96cc" xsi:nil="true"/>
-    <IntlLangReviewDate xmlns="4873beb7-5857-4685-be1f-d57550cc96cc" xsi:nil="true"/>
-    <FeatureTagsTaxHTField0 xmlns="4873beb7-5857-4685-be1f-d57550cc96cc">
-      <Terms xmlns="http://schemas.microsoft.com/office/infopath/2007/PartnerControls"/>
-    </FeatureTagsTaxHTField0>
-    <PublishStatusLookup xmlns="4873beb7-5857-4685-be1f-d57550cc96cc">
-      <Value>1345039</Value>
-    </PublishStatusLookup>
-    <Providers xmlns="4873beb7-5857-4685-be1f-d57550cc96cc" xsi:nil="true"/>
-    <MachineTranslated xmlns="4873beb7-5857-4685-be1f-d57550cc96cc">false</MachineTranslated>
-    <OriginalSourceMarket xmlns="4873beb7-5857-4685-be1f-d57550cc96cc" xsi:nil="true"/>
-    <APDescription xmlns="4873beb7-5857-4685-be1f-d57550cc96cc">The bookstacks present on most slides  make this a good choice for students, teachers, reading enthusiasts, and others in education. This presentation template contains multiple slide layouts in widescreen format (16x9) and includes a sample table and chart that you can easily  modify.</APDescription>
-    <ClipArtFilename xmlns="4873beb7-5857-4685-be1f-d57550cc96cc" xsi:nil="true"/>
-    <ContentItem xmlns="4873beb7-5857-4685-be1f-d57550cc96cc" xsi:nil="true"/>
-    <TPInstallLocation xmlns="4873beb7-5857-4685-be1f-d57550cc96cc" xsi:nil="true"/>
-    <PublishTargets xmlns="4873beb7-5857-4685-be1f-d57550cc96cc">OfficeOnlineVNext</PublishTargets>
-    <TimesCloned xmlns="4873beb7-5857-4685-be1f-d57550cc96cc" xsi:nil="true"/>
-    <AssetStart xmlns="4873beb7-5857-4685-be1f-d57550cc96cc">2011-11-26T00:00:00+00:00</AssetStart>
-    <Provider xmlns="4873beb7-5857-4685-be1f-d57550cc96cc" xsi:nil="true"/>
-    <AcquiredFrom xmlns="4873beb7-5857-4685-be1f-d57550cc96cc">Internal MS</AcquiredFrom>
-    <FriendlyTitle xmlns="4873beb7-5857-4685-be1f-d57550cc96cc" xsi:nil="true"/>
-    <LastHandOff xmlns="4873beb7-5857-4685-be1f-d57550cc96cc" xsi:nil="true"/>
-    <TPClientViewer xmlns="4873beb7-5857-4685-be1f-d57550cc96cc" xsi:nil="true"/>
-    <TemplateStatus xmlns="4873beb7-5857-4685-be1f-d57550cc96cc">Complete</TemplateStatus>
-    <Downloads xmlns="4873beb7-5857-4685-be1f-d57550cc96cc">0</Downloads>
-    <OOCacheId xmlns="4873beb7-5857-4685-be1f-d57550cc96cc" xsi:nil="true"/>
-    <IsDeleted xmlns="4873beb7-5857-4685-be1f-d57550cc96cc">false</IsDeleted>
-    <LocPublishedDependentAssetsLookup xmlns="4873beb7-5857-4685-be1f-d57550cc96cc" xsi:nil="true"/>
-    <AssetExpire xmlns="4873beb7-5857-4685-be1f-d57550cc96cc">2029-05-12T07:00:00+00:00</AssetExpire>
-    <DSATActionTaken xmlns="4873beb7-5857-4685-be1f-d57550cc96cc" xsi:nil="true"/>
-    <CSXSubmissionMarket xmlns="4873beb7-5857-4685-be1f-d57550cc96cc" xsi:nil="true"/>
-    <TPExecutable xmlns="4873beb7-5857-4685-be1f-d57550cc96cc" xsi:nil="true"/>
-    <EditorialTags xmlns="4873beb7-5857-4685-be1f-d57550cc96cc" xsi:nil="true"/>
-    <SubmitterId xmlns="4873beb7-5857-4685-be1f-d57550cc96cc" xsi:nil="true"/>
-    <ApprovalLog xmlns="4873beb7-5857-4685-be1f-d57550cc96cc" xsi:nil="true"/>
-    <AssetType xmlns="4873beb7-5857-4685-be1f-d57550cc96cc">TP</AssetType>
-    <BugNumber xmlns="4873beb7-5857-4685-be1f-d57550cc96cc" xsi:nil="true"/>
-    <CSXSubmissionDate xmlns="4873beb7-5857-4685-be1f-d57550cc96cc" xsi:nil="true"/>
-    <CSXUpdate xmlns="4873beb7-5857-4685-be1f-d57550cc96cc">false</CSXUpdate>
-    <Milestone xmlns="4873beb7-5857-4685-be1f-d57550cc96cc" xsi:nil="true"/>
-    <RecommendationsModifier xmlns="4873beb7-5857-4685-be1f-d57550cc96cc" xsi:nil="true"/>
-    <OriginAsset xmlns="4873beb7-5857-4685-be1f-d57550cc96cc" xsi:nil="true"/>
-    <TPComponent xmlns="4873beb7-5857-4685-be1f-d57550cc96cc" xsi:nil="true"/>
-    <AssetId xmlns="4873beb7-5857-4685-be1f-d57550cc96cc">TP102787939</AssetId>
-    <IntlLocPriority xmlns="4873beb7-5857-4685-be1f-d57550cc96cc" xsi:nil="true"/>
-    <PolicheckWords xmlns="4873beb7-5857-4685-be1f-d57550cc96cc" xsi:nil="true"/>
-    <TPLaunchHelpLink xmlns="4873beb7-5857-4685-be1f-d57550cc96cc" xsi:nil="true"/>
-    <TPApplication xmlns="4873beb7-5857-4685-be1f-d57550cc96cc" xsi:nil="true"/>
-    <CrawlForDependencies xmlns="4873beb7-5857-4685-be1f-d57550cc96cc">false</CrawlForDependencies>
-    <HandoffToMSDN xmlns="4873beb7-5857-4685-be1f-d57550cc96cc" xsi:nil="true"/>
-    <PlannedPubDate xmlns="4873beb7-5857-4685-be1f-d57550cc96cc" xsi:nil="true"/>
-    <IntlLangReviewer xmlns="4873beb7-5857-4685-be1f-d57550cc96cc" xsi:nil="true"/>
-    <TrustLevel xmlns="4873beb7-5857-4685-be1f-d57550cc96cc">1 Microsoft Managed Content</TrustLevel>
-    <LocLastLocAttemptVersionLookup xmlns="4873beb7-5857-4685-be1f-d57550cc96cc">694216</LocLastLocAttemptVersionLookup>
-    <LocProcessedForHandoffsLookup xmlns="4873beb7-5857-4685-be1f-d57550cc96cc" xsi:nil="true"/>
-    <IsSearchable xmlns="4873beb7-5857-4685-be1f-d57550cc96cc">true</IsSearchable>
-    <TemplateTemplateType xmlns="4873beb7-5857-4685-be1f-d57550cc96cc">PowerPoint Presentation Template</TemplateTemplateType>
-    <CampaignTagsTaxHTField0 xmlns="4873beb7-5857-4685-be1f-d57550cc96cc">
-      <Terms xmlns="http://schemas.microsoft.com/office/infopath/2007/PartnerControls"/>
-    </CampaignTagsTaxHTField0>
-    <TPNamespace xmlns="4873beb7-5857-4685-be1f-d57550cc96cc" xsi:nil="true"/>
-    <LocOverallPreviewStatusLookup xmlns="4873beb7-5857-4685-be1f-d57550cc96cc" xsi:nil="true"/>
-    <TaxCatchAll xmlns="4873beb7-5857-4685-be1f-d57550cc96cc"/>
-    <Markets xmlns="4873beb7-5857-4685-be1f-d57550cc96cc"/>
-    <UAProjectedTotalWords xmlns="4873beb7-5857-4685-be1f-d57550cc96cc" xsi:nil="true"/>
-    <IntlLangReview xmlns="4873beb7-5857-4685-be1f-d57550cc96cc" xsi:nil="true"/>
-    <OutputCachingOn xmlns="4873beb7-5857-4685-be1f-d57550cc96cc">false</OutputCachingOn>
-    <AverageRating xmlns="4873beb7-5857-4685-be1f-d57550cc96cc" xsi:nil="true"/>
-    <APAuthor xmlns="4873beb7-5857-4685-be1f-d57550cc96cc">
-      <UserInfo>
-        <DisplayName>REDMOND\kristaa</DisplayName>
-        <AccountId>136</AccountId>
-        <AccountType/>
-      </UserInfo>
-    </APAuthor>
-    <LocManualTestRequired xmlns="4873beb7-5857-4685-be1f-d57550cc96cc">false</LocManualTestRequired>
-    <TPCommandLine xmlns="4873beb7-5857-4685-be1f-d57550cc96cc" xsi:nil="true"/>
-    <TPAppVersion xmlns="4873beb7-5857-4685-be1f-d57550cc96cc" xsi:nil="true"/>
-    <EditorialStatus xmlns="4873beb7-5857-4685-be1f-d57550cc96cc">Complete</EditorialStatus>
-    <LastModifiedDateTime xmlns="4873beb7-5857-4685-be1f-d57550cc96cc" xsi:nil="true"/>
-    <ScenarioTagsTaxHTField0 xmlns="4873beb7-5857-4685-be1f-d57550cc96cc">
-      <Terms xmlns="http://schemas.microsoft.com/office/infopath/2007/PartnerControls"/>
-    </ScenarioTagsTaxHTField0>
-    <LocProcessedForMarketsLookup xmlns="4873beb7-5857-4685-be1f-d57550cc96cc" xsi:nil="true"/>
-    <TPLaunchHelpLinkType xmlns="4873beb7-5857-4685-be1f-d57550cc96cc">Template</TPLaunchHelpLinkType>
-    <OriginalRelease xmlns="4873beb7-5857-4685-be1f-d57550cc96cc">15</OriginalRelease>
-    <LocalizationTagsTaxHTField0 xmlns="4873beb7-5857-4685-be1f-d57550cc96cc">
-      <Terms xmlns="http://schemas.microsoft.com/office/infopath/2007/PartnerControls"/>
-    </LocalizationTagsTaxHTField0>
-    <UACurrentWords xmlns="4873beb7-5857-4685-be1f-d57550cc96cc" xsi:nil="true"/>
-    <ArtSampleDocs xmlns="4873beb7-5857-4685-be1f-d57550cc96cc" xsi:nil="true"/>
-    <UALocRecommendation xmlns="4873beb7-5857-4685-be1f-d57550cc96cc">Localize</UALocRecommendation>
-    <Manager xmlns="4873beb7-5857-4685-be1f-d57550cc96cc" xsi:nil="true"/>
-    <LocOverallHandbackStatusLookup xmlns="4873beb7-5857-4685-be1f-d57550cc96cc" xsi:nil="true"/>
-    <ShowIn xmlns="4873beb7-5857-4685-be1f-d57550cc96cc">Show everywhere</ShowIn>
-    <UANotes xmlns="4873beb7-5857-4685-be1f-d57550cc96cc" xsi:nil="true"/>
-    <InternalTagsTaxHTField0 xmlns="4873beb7-5857-4685-be1f-d57550cc96cc">
-      <Terms xmlns="http://schemas.microsoft.com/office/infopath/2007/PartnerControls"/>
-    </InternalTagsTaxHTField0>
-    <CSXHash xmlns="4873beb7-5857-4685-be1f-d57550cc96cc" xsi:nil="true"/>
-    <VoteCount xmlns="4873beb7-5857-4685-be1f-d57550cc96cc" xsi:nil="true"/>
-    <LocMarketGroupTiers2 xmlns="4873beb7-5857-4685-be1f-d57550cc96cc" xsi:nil="true"/>
-  </documentManagement>
-</p:properties>
-</file>
-
 <file path=customXml/item3.xml><?xml version="1.0" encoding="utf-8"?>
 <?mso-contentType ?>
 <FormTemplates xmlns="http://schemas.microsoft.com/sharepoint/v3/contenttype/forms">
@@ -7732,6 +9780,22 @@
 </file>
 
 <file path=customXml/itemProps1.xml><?xml version="1.0" encoding="utf-8"?>
+<ds:datastoreItem xmlns:ds="http://schemas.openxmlformats.org/officeDocument/2006/customXml" ds:itemID="{F301D382-32B0-43EE-932C-28906AF37617}">
+  <ds:schemaRefs>
+    <ds:schemaRef ds:uri="4873beb7-5857-4685-be1f-d57550cc96cc"/>
+    <ds:schemaRef ds:uri="http://schemas.openxmlformats.org/package/2006/metadata/core-properties"/>
+    <ds:schemaRef ds:uri="http://purl.org/dc/terms/"/>
+    <ds:schemaRef ds:uri="http://schemas.microsoft.com/office/infopath/2007/PartnerControls"/>
+    <ds:schemaRef ds:uri="http://schemas.microsoft.com/office/2006/documentManagement/types"/>
+    <ds:schemaRef ds:uri="http://purl.org/dc/elements/1.1/"/>
+    <ds:schemaRef ds:uri="http://schemas.microsoft.com/office/2006/metadata/properties"/>
+    <ds:schemaRef ds:uri="http://www.w3.org/XML/1998/namespace"/>
+    <ds:schemaRef ds:uri="http://purl.org/dc/dcmitype/"/>
+  </ds:schemaRefs>
+</ds:datastoreItem>
+</file>
+
+<file path=customXml/itemProps2.xml><?xml version="1.0" encoding="utf-8"?>
 <ds:datastoreItem xmlns:ds="http://schemas.openxmlformats.org/officeDocument/2006/customXml" ds:itemID="{BBB5C329-08A6-4E5E-AEF1-A97828C87411}">
   <ds:schemaRefs>
     <ds:schemaRef ds:uri="http://schemas.microsoft.com/office/2006/metadata/contentType"/>
@@ -7749,22 +9813,6 @@
 </ds:datastoreItem>
 </file>
 
-<file path=customXml/itemProps2.xml><?xml version="1.0" encoding="utf-8"?>
-<ds:datastoreItem xmlns:ds="http://schemas.openxmlformats.org/officeDocument/2006/customXml" ds:itemID="{F301D382-32B0-43EE-932C-28906AF37617}">
-  <ds:schemaRefs>
-    <ds:schemaRef ds:uri="4873beb7-5857-4685-be1f-d57550cc96cc"/>
-    <ds:schemaRef ds:uri="http://schemas.openxmlformats.org/package/2006/metadata/core-properties"/>
-    <ds:schemaRef ds:uri="http://purl.org/dc/terms/"/>
-    <ds:schemaRef ds:uri="http://schemas.microsoft.com/office/infopath/2007/PartnerControls"/>
-    <ds:schemaRef ds:uri="http://schemas.microsoft.com/office/2006/documentManagement/types"/>
-    <ds:schemaRef ds:uri="http://purl.org/dc/elements/1.1/"/>
-    <ds:schemaRef ds:uri="http://schemas.microsoft.com/office/2006/metadata/properties"/>
-    <ds:schemaRef ds:uri="http://www.w3.org/XML/1998/namespace"/>
-    <ds:schemaRef ds:uri="http://purl.org/dc/dcmitype/"/>
-  </ds:schemaRefs>
-</ds:datastoreItem>
-</file>
-
 <file path=customXml/itemProps3.xml><?xml version="1.0" encoding="utf-8"?>
 <ds:datastoreItem xmlns:ds="http://schemas.openxmlformats.org/officeDocument/2006/customXml" ds:itemID="{E1B558C7-619B-49BE-9097-7FCBDADD4ECE}">
   <ds:schemaRefs>

--- a/Python/Session2/PPT/Python_Fundamentals(Notes).pptx
+++ b/Python/Session2/PPT/Python_Fundamentals(Notes).pptx
@@ -5,10 +5,10 @@
     <p:sldMasterId id="2147483660" r:id="rId4"/>
   </p:sldMasterIdLst>
   <p:notesMasterIdLst>
-    <p:notesMasterId r:id="rId29"/>
+    <p:notesMasterId r:id="rId32"/>
   </p:notesMasterIdLst>
   <p:handoutMasterIdLst>
-    <p:handoutMasterId r:id="rId30"/>
+    <p:handoutMasterId r:id="rId33"/>
   </p:handoutMasterIdLst>
   <p:sldIdLst>
     <p:sldId id="264" r:id="rId5"/>
@@ -33,8 +33,11 @@
     <p:sldId id="299" r:id="rId24"/>
     <p:sldId id="300" r:id="rId25"/>
     <p:sldId id="301" r:id="rId26"/>
-    <p:sldId id="302" r:id="rId27"/>
-    <p:sldId id="303" r:id="rId28"/>
+    <p:sldId id="304" r:id="rId27"/>
+    <p:sldId id="305" r:id="rId28"/>
+    <p:sldId id="306" r:id="rId29"/>
+    <p:sldId id="302" r:id="rId30"/>
+    <p:sldId id="303" r:id="rId31"/>
   </p:sldIdLst>
   <p:sldSz cx="12188825" cy="6858000"/>
   <p:notesSz cx="6858000" cy="9144000"/>
@@ -260,7 +263,7 @@
                   <a:schemeClr val="tx2"/>
                 </a:solidFill>
               </a:rPr>
-              <a:t>8/9/2018</a:t>
+              <a:t>8/10/2018</a:t>
             </a:fld>
             <a:endParaRPr>
               <a:solidFill>
@@ -450,7 +453,7 @@
             <a:fld id="{F95CF31C-F757-429C-A789-86504F04C3BE}" type="datetimeFigureOut">
               <a:rPr lang="en-US"/>
               <a:pPr/>
-              <a:t>8/9/2018</a:t>
+              <a:t>8/10/2018</a:t>
             </a:fld>
             <a:endParaRPr/>
           </a:p>
@@ -1045,7 +1048,7 @@
           <a:p>
             <a:fld id="{7AECB6C2-1084-4AED-A74A-DF028B0094EA}" type="datetimeFigureOut">
               <a:rPr lang="en-US"/>
-              <a:t>8/9/2018</a:t>
+              <a:t>8/10/2018</a:t>
             </a:fld>
             <a:endParaRPr/>
           </a:p>
@@ -1237,7 +1240,7 @@
           <a:p>
             <a:fld id="{7AECB6C2-1084-4AED-A74A-DF028B0094EA}" type="datetimeFigureOut">
               <a:rPr lang="en-US"/>
-              <a:t>8/9/2018</a:t>
+              <a:t>8/10/2018</a:t>
             </a:fld>
             <a:endParaRPr/>
           </a:p>
@@ -1435,7 +1438,7 @@
           <a:p>
             <a:fld id="{8B5A30F4-0B4E-4E4B-BC36-C30CD13F4E17}" type="datetimeFigureOut">
               <a:rPr lang="en-US"/>
-              <a:t>8/9/2018</a:t>
+              <a:t>8/10/2018</a:t>
             </a:fld>
             <a:endParaRPr dirty="0"/>
           </a:p>
@@ -1952,7 +1955,7 @@
           <a:p>
             <a:fld id="{2DD204D1-F9BD-4643-8480-6EA41EB484F1}" type="datetimeFigureOut">
               <a:rPr lang="en-US"/>
-              <a:t>8/9/2018</a:t>
+              <a:t>8/10/2018</a:t>
             </a:fld>
             <a:endParaRPr/>
           </a:p>
@@ -2400,7 +2403,7 @@
           <a:p>
             <a:fld id="{2DD204D1-F9BD-4643-8480-6EA41EB484F1}" type="datetimeFigureOut">
               <a:rPr lang="en-US"/>
-              <a:t>8/9/2018</a:t>
+              <a:t>8/10/2018</a:t>
             </a:fld>
             <a:endParaRPr/>
           </a:p>
@@ -2530,7 +2533,7 @@
           <a:p>
             <a:fld id="{2DD204D1-F9BD-4643-8480-6EA41EB484F1}" type="datetimeFigureOut">
               <a:rPr lang="en-US"/>
-              <a:t>8/9/2018</a:t>
+              <a:t>8/10/2018</a:t>
             </a:fld>
             <a:endParaRPr/>
           </a:p>
@@ -2637,7 +2640,7 @@
           <a:p>
             <a:fld id="{2DD204D1-F9BD-4643-8480-6EA41EB484F1}" type="datetimeFigureOut">
               <a:rPr lang="en-US"/>
-              <a:t>8/9/2018</a:t>
+              <a:t>8/10/2018</a:t>
             </a:fld>
             <a:endParaRPr/>
           </a:p>
@@ -2994,7 +2997,7 @@
           <a:p>
             <a:fld id="{126BF754-515F-40B9-8D24-D54D5825B3D0}" type="datetimeFigureOut">
               <a:rPr lang="en-US"/>
-              <a:t>8/9/2018</a:t>
+              <a:t>8/10/2018</a:t>
             </a:fld>
             <a:endParaRPr/>
           </a:p>
@@ -3331,7 +3334,7 @@
           <a:p>
             <a:fld id="{126BF754-515F-40B9-8D24-D54D5825B3D0}" type="datetimeFigureOut">
               <a:rPr lang="en-US"/>
-              <a:t>8/9/2018</a:t>
+              <a:t>8/10/2018</a:t>
             </a:fld>
             <a:endParaRPr/>
           </a:p>
@@ -3626,7 +3629,7 @@
             <a:fld id="{2DD204D1-F9BD-4643-8480-6EA41EB484F1}" type="datetimeFigureOut">
               <a:rPr lang="en-US" smtClean="0"/>
               <a:pPr/>
-              <a:t>8/9/2018</a:t>
+              <a:t>8/10/2018</a:t>
             </a:fld>
             <a:endParaRPr lang="en-US"/>
           </a:p>
@@ -5746,7 +5749,7 @@
             </a:pPr>
             <a:r>
               <a:rPr lang="en-US" dirty="0"/>
-              <a:t>Note: but default end=‘\n’</a:t>
+              <a:t>Note: by default end=‘\n’</a:t>
             </a:r>
           </a:p>
           <a:p>
@@ -5754,8 +5757,12 @@
               <a:buNone/>
             </a:pPr>
             <a:r>
-              <a:rPr lang="en-US" dirty="0"/>
-              <a:t>Example: use end=‘\t’ and see the output</a:t>
+              <a:rPr lang="en-US" b="1" dirty="0"/>
+              <a:t>Example</a:t>
+            </a:r>
+            <a:r>
+              <a:rPr lang="en-US" dirty="0"/>
+              <a:t>: use end=‘\t’ and see the output</a:t>
             </a:r>
           </a:p>
           <a:p>
@@ -6081,8 +6088,12 @@
               <a:buNone/>
             </a:pPr>
             <a:r>
-              <a:rPr lang="en-US" dirty="0"/>
-              <a:t>Example:	a = 2</a:t>
+              <a:rPr lang="en-US" b="1" dirty="0"/>
+              <a:t>Example</a:t>
+            </a:r>
+            <a:r>
+              <a:rPr lang="en-US" dirty="0"/>
+              <a:t>:	a = 2</a:t>
             </a:r>
           </a:p>
           <a:p>
@@ -6105,8 +6116,12 @@
               <a:buNone/>
             </a:pPr>
             <a:r>
-              <a:rPr lang="en-US" dirty="0"/>
-              <a:t>Example: print(“formatted string” %(variable list))			</a:t>
+              <a:rPr lang="en-US" b="1" dirty="0"/>
+              <a:t>Example</a:t>
+            </a:r>
+            <a:r>
+              <a:rPr lang="en-US" dirty="0"/>
+              <a:t>: print(“formatted string” %(variable list))			</a:t>
             </a:r>
           </a:p>
         </p:txBody>
@@ -6377,7 +6392,61 @@
           <a:bodyPr/>
           <a:lstStyle/>
           <a:p>
-            <a:endParaRPr lang="en-US"/>
+            <a:pPr marL="0" indent="0">
+              <a:buNone/>
+            </a:pPr>
+            <a:r>
+              <a:rPr lang="en-US" dirty="0"/>
+              <a:t>To accept input from user, python provides </a:t>
+            </a:r>
+            <a:r>
+              <a:rPr lang="en-US" b="1" dirty="0"/>
+              <a:t>input() </a:t>
+            </a:r>
+            <a:r>
+              <a:rPr lang="en-US" dirty="0"/>
+              <a:t>function. This takes values from user and return it as string.</a:t>
+            </a:r>
+          </a:p>
+          <a:p>
+            <a:pPr marL="0" indent="0">
+              <a:buNone/>
+            </a:pPr>
+            <a:r>
+              <a:rPr lang="en-US" b="1" dirty="0"/>
+              <a:t>Example: </a:t>
+            </a:r>
+            <a:r>
+              <a:rPr lang="en-US" dirty="0"/>
+              <a:t> variable = input()</a:t>
+            </a:r>
+          </a:p>
+          <a:p>
+            <a:pPr marL="0" indent="0">
+              <a:buNone/>
+            </a:pPr>
+            <a:r>
+              <a:rPr lang="en-US" b="1" dirty="0"/>
+              <a:t>	    </a:t>
+            </a:r>
+            <a:r>
+              <a:rPr lang="en-US" dirty="0"/>
+              <a:t>print(variable)</a:t>
+            </a:r>
+            <a:endParaRPr lang="en-US" b="1" dirty="0"/>
+          </a:p>
+          <a:p>
+            <a:pPr marL="0" indent="0">
+              <a:buNone/>
+            </a:pPr>
+            <a:r>
+              <a:rPr lang="en-US" b="1" dirty="0"/>
+              <a:t>Note: </a:t>
+            </a:r>
+            <a:r>
+              <a:rPr lang="en-US" dirty="0"/>
+              <a:t>See lab program for more examples</a:t>
+            </a:r>
           </a:p>
         </p:txBody>
       </p:sp>
@@ -6428,6 +6497,567 @@
           <p:cNvPr id="2" name="Title 1">
             <a:extLst>
               <a:ext uri="{FF2B5EF4-FFF2-40B4-BE49-F238E27FC236}">
+                <a16:creationId xmlns:a16="http://schemas.microsoft.com/office/drawing/2014/main" id="{F18D41C6-A153-4185-8BAA-233BE0AACB5E}"/>
+              </a:ext>
+            </a:extLst>
+          </p:cNvPr>
+          <p:cNvSpPr>
+            <a:spLocks noGrp="1"/>
+          </p:cNvSpPr>
+          <p:nvPr>
+            <p:ph type="title"/>
+          </p:nvPr>
+        </p:nvSpPr>
+        <p:spPr/>
+        <p:txBody>
+          <a:bodyPr/>
+          <a:lstStyle/>
+          <a:p>
+            <a:r>
+              <a:rPr lang="en-US" dirty="0"/>
+              <a:t>c. Command line arguments</a:t>
+            </a:r>
+          </a:p>
+        </p:txBody>
+      </p:sp>
+      <p:sp>
+        <p:nvSpPr>
+          <p:cNvPr id="3" name="Content Placeholder 2">
+            <a:extLst>
+              <a:ext uri="{FF2B5EF4-FFF2-40B4-BE49-F238E27FC236}">
+                <a16:creationId xmlns:a16="http://schemas.microsoft.com/office/drawing/2014/main" id="{E24F2365-2B07-4C30-9916-C1136801974A}"/>
+              </a:ext>
+            </a:extLst>
+          </p:cNvPr>
+          <p:cNvSpPr>
+            <a:spLocks noGrp="1"/>
+          </p:cNvSpPr>
+          <p:nvPr>
+            <p:ph idx="1"/>
+          </p:nvPr>
+        </p:nvSpPr>
+        <p:spPr/>
+        <p:txBody>
+          <a:bodyPr/>
+          <a:lstStyle/>
+          <a:p>
+            <a:pPr marL="0" indent="0">
+              <a:buNone/>
+            </a:pPr>
+            <a:r>
+              <a:rPr lang="en-US" b="1" dirty="0"/>
+              <a:t>Example:   </a:t>
+            </a:r>
+            <a:r>
+              <a:rPr lang="en-US" dirty="0"/>
+              <a:t>python add.py 10 20</a:t>
+            </a:r>
+          </a:p>
+          <a:p>
+            <a:pPr marL="0" indent="0">
+              <a:buNone/>
+            </a:pPr>
+            <a:r>
+              <a:rPr lang="en-US" dirty="0"/>
+              <a:t>Here, add.py, 10 and 20 are arguments separated by space.</a:t>
+            </a:r>
+          </a:p>
+          <a:p>
+            <a:pPr marL="0" indent="0">
+              <a:buNone/>
+            </a:pPr>
+            <a:r>
+              <a:rPr lang="en-US" dirty="0"/>
+              <a:t>These are stored in the form of strings in a list with the name</a:t>
+            </a:r>
+            <a:r>
+              <a:rPr lang="en-US" b="1" dirty="0"/>
+              <a:t> ‘</a:t>
+            </a:r>
+            <a:r>
+              <a:rPr lang="en-US" b="1" dirty="0" err="1"/>
+              <a:t>argv</a:t>
+            </a:r>
+            <a:r>
+              <a:rPr lang="en-US" b="1" dirty="0"/>
+              <a:t>’</a:t>
+            </a:r>
+          </a:p>
+          <a:p>
+            <a:pPr marL="0" indent="0">
+              <a:buNone/>
+            </a:pPr>
+            <a:r>
+              <a:rPr lang="en-US" dirty="0"/>
+              <a:t>In the above example:  </a:t>
+            </a:r>
+            <a:r>
+              <a:rPr lang="en-US" dirty="0" err="1"/>
+              <a:t>argv</a:t>
+            </a:r>
+            <a:r>
+              <a:rPr lang="en-US" dirty="0"/>
+              <a:t>[0] = ‘add.py’, </a:t>
+            </a:r>
+            <a:r>
+              <a:rPr lang="en-US" dirty="0" err="1"/>
+              <a:t>argv</a:t>
+            </a:r>
+            <a:r>
+              <a:rPr lang="en-US" dirty="0"/>
+              <a:t>[1] = ‘10’ and </a:t>
+            </a:r>
+            <a:r>
+              <a:rPr lang="en-US" dirty="0" err="1"/>
+              <a:t>argv</a:t>
+            </a:r>
+            <a:r>
+              <a:rPr lang="en-US" dirty="0"/>
+              <a:t>[2] = ‘20’</a:t>
+            </a:r>
+          </a:p>
+          <a:p>
+            <a:pPr marL="0" indent="0">
+              <a:buNone/>
+            </a:pPr>
+            <a:r>
+              <a:rPr lang="en-US" dirty="0"/>
+              <a:t>To find number of command  line arguments, we can use </a:t>
+            </a:r>
+            <a:r>
+              <a:rPr lang="en-US" b="1" dirty="0" err="1"/>
+              <a:t>len</a:t>
+            </a:r>
+            <a:r>
+              <a:rPr lang="en-US" b="1" dirty="0"/>
+              <a:t> </a:t>
+            </a:r>
+            <a:r>
+              <a:rPr lang="en-US" dirty="0"/>
+              <a:t>function. Example </a:t>
+            </a:r>
+            <a:r>
+              <a:rPr lang="en-US" b="1" dirty="0" err="1"/>
+              <a:t>len</a:t>
+            </a:r>
+            <a:r>
+              <a:rPr lang="en-US" b="1" dirty="0"/>
+              <a:t>(</a:t>
+            </a:r>
+            <a:r>
+              <a:rPr lang="en-US" b="1" dirty="0" err="1"/>
+              <a:t>sys.argv</a:t>
+            </a:r>
+            <a:r>
+              <a:rPr lang="en-US" b="1" dirty="0"/>
+              <a:t>)</a:t>
+            </a:r>
+          </a:p>
+          <a:p>
+            <a:pPr marL="0" indent="0">
+              <a:buNone/>
+            </a:pPr>
+            <a:r>
+              <a:rPr lang="en-US" dirty="0"/>
+              <a:t>See lab example.</a:t>
+            </a:r>
+          </a:p>
+        </p:txBody>
+      </p:sp>
+    </p:spTree>
+    <p:extLst>
+      <p:ext uri="{BB962C8B-B14F-4D97-AF65-F5344CB8AC3E}">
+        <p14:creationId xmlns:p14="http://schemas.microsoft.com/office/powerpoint/2010/main" val="2781158074"/>
+      </p:ext>
+    </p:extLst>
+  </p:cSld>
+  <p:clrMapOvr>
+    <a:masterClrMapping/>
+  </p:clrMapOvr>
+  <mc:AlternateContent xmlns:mc="http://schemas.openxmlformats.org/markup-compatibility/2006" xmlns:p14="http://schemas.microsoft.com/office/powerpoint/2010/main">
+    <mc:Choice Requires="p14">
+      <p:transition spd="med" p14:dur="700">
+        <p:fade/>
+      </p:transition>
+    </mc:Choice>
+    <mc:Fallback xmlns="">
+      <p:transition spd="med">
+        <p:fade/>
+      </p:transition>
+    </mc:Fallback>
+  </mc:AlternateContent>
+</p:sld>
+</file>
+
+<file path=ppt/slides/slide24.xml><?xml version="1.0" encoding="utf-8"?>
+<p:sld xmlns:a="http://schemas.openxmlformats.org/drawingml/2006/main" xmlns:r="http://schemas.openxmlformats.org/officeDocument/2006/relationships" xmlns:p="http://schemas.openxmlformats.org/presentationml/2006/main">
+  <p:cSld>
+    <p:spTree>
+      <p:nvGrpSpPr>
+        <p:cNvPr id="1" name=""/>
+        <p:cNvGrpSpPr/>
+        <p:nvPr/>
+      </p:nvGrpSpPr>
+      <p:grpSpPr>
+        <a:xfrm>
+          <a:off x="0" y="0"/>
+          <a:ext cx="0" cy="0"/>
+          <a:chOff x="0" y="0"/>
+          <a:chExt cx="0" cy="0"/>
+        </a:xfrm>
+      </p:grpSpPr>
+      <p:sp>
+        <p:nvSpPr>
+          <p:cNvPr id="2" name="Title 1">
+            <a:extLst>
+              <a:ext uri="{FF2B5EF4-FFF2-40B4-BE49-F238E27FC236}">
+                <a16:creationId xmlns:a16="http://schemas.microsoft.com/office/drawing/2014/main" id="{869353D5-424A-4778-93AE-AFD65B238C74}"/>
+              </a:ext>
+            </a:extLst>
+          </p:cNvPr>
+          <p:cNvSpPr>
+            <a:spLocks noGrp="1"/>
+          </p:cNvSpPr>
+          <p:nvPr>
+            <p:ph type="title"/>
+          </p:nvPr>
+        </p:nvSpPr>
+        <p:spPr/>
+        <p:txBody>
+          <a:bodyPr/>
+          <a:lstStyle/>
+          <a:p>
+            <a:r>
+              <a:rPr lang="en-US" dirty="0"/>
+              <a:t>d. Parsing command line arguments</a:t>
+            </a:r>
+          </a:p>
+        </p:txBody>
+      </p:sp>
+      <p:sp>
+        <p:nvSpPr>
+          <p:cNvPr id="3" name="Content Placeholder 2">
+            <a:extLst>
+              <a:ext uri="{FF2B5EF4-FFF2-40B4-BE49-F238E27FC236}">
+                <a16:creationId xmlns:a16="http://schemas.microsoft.com/office/drawing/2014/main" id="{50B2BD36-66D0-44B5-8761-5051B2519051}"/>
+              </a:ext>
+            </a:extLst>
+          </p:cNvPr>
+          <p:cNvSpPr>
+            <a:spLocks noGrp="1"/>
+          </p:cNvSpPr>
+          <p:nvPr>
+            <p:ph idx="1"/>
+          </p:nvPr>
+        </p:nvSpPr>
+        <p:spPr/>
+        <p:txBody>
+          <a:bodyPr/>
+          <a:lstStyle/>
+          <a:p>
+            <a:pPr marL="0" indent="0">
+              <a:buNone/>
+            </a:pPr>
+            <a:r>
+              <a:rPr lang="en-US" dirty="0"/>
+              <a:t>“</a:t>
+            </a:r>
+            <a:r>
+              <a:rPr lang="en-US" dirty="0" err="1"/>
+              <a:t>argparse</a:t>
+            </a:r>
+            <a:r>
+              <a:rPr lang="en-US" dirty="0"/>
+              <a:t>” module</a:t>
+            </a:r>
+          </a:p>
+          <a:p>
+            <a:pPr marL="0" indent="0">
+              <a:buNone/>
+            </a:pPr>
+            <a:r>
+              <a:rPr lang="en-US" dirty="0"/>
+              <a:t>Notes:</a:t>
+            </a:r>
+          </a:p>
+          <a:p>
+            <a:pPr marL="457200" indent="-457200">
+              <a:buAutoNum type="arabicPeriod"/>
+            </a:pPr>
+            <a:r>
+              <a:rPr lang="en-US" dirty="0"/>
+              <a:t>Useful to develop user friendly programs using command line arguments</a:t>
+            </a:r>
+          </a:p>
+          <a:p>
+            <a:pPr marL="457200" indent="-457200">
+              <a:buAutoNum type="arabicPeriod"/>
+            </a:pPr>
+            <a:r>
+              <a:rPr lang="en-US" dirty="0"/>
+              <a:t>It automatically generates help and usage messages when user gives the program invalid arguments.</a:t>
+            </a:r>
+          </a:p>
+          <a:p>
+            <a:pPr marL="457200" indent="-457200">
+              <a:buAutoNum type="arabicPeriod"/>
+            </a:pPr>
+            <a:r>
+              <a:rPr lang="en-US" dirty="0"/>
+              <a:t>“import </a:t>
+            </a:r>
+            <a:r>
+              <a:rPr lang="en-US" dirty="0" err="1"/>
+              <a:t>argparse</a:t>
+            </a:r>
+            <a:r>
+              <a:rPr lang="en-US" dirty="0"/>
+              <a:t>” to use this module.</a:t>
+            </a:r>
+          </a:p>
+        </p:txBody>
+      </p:sp>
+    </p:spTree>
+    <p:extLst>
+      <p:ext uri="{BB962C8B-B14F-4D97-AF65-F5344CB8AC3E}">
+        <p14:creationId xmlns:p14="http://schemas.microsoft.com/office/powerpoint/2010/main" val="1784966674"/>
+      </p:ext>
+    </p:extLst>
+  </p:cSld>
+  <p:clrMapOvr>
+    <a:masterClrMapping/>
+  </p:clrMapOvr>
+  <mc:AlternateContent xmlns:mc="http://schemas.openxmlformats.org/markup-compatibility/2006" xmlns:p14="http://schemas.microsoft.com/office/powerpoint/2010/main">
+    <mc:Choice Requires="p14">
+      <p:transition spd="med" p14:dur="700">
+        <p:fade/>
+      </p:transition>
+    </mc:Choice>
+    <mc:Fallback xmlns="">
+      <p:transition spd="med">
+        <p:fade/>
+      </p:transition>
+    </mc:Fallback>
+  </mc:AlternateContent>
+</p:sld>
+</file>
+
+<file path=ppt/slides/slide25.xml><?xml version="1.0" encoding="utf-8"?>
+<p:sld xmlns:a="http://schemas.openxmlformats.org/drawingml/2006/main" xmlns:r="http://schemas.openxmlformats.org/officeDocument/2006/relationships" xmlns:p="http://schemas.openxmlformats.org/presentationml/2006/main">
+  <p:cSld>
+    <p:spTree>
+      <p:nvGrpSpPr>
+        <p:cNvPr id="1" name=""/>
+        <p:cNvGrpSpPr/>
+        <p:nvPr/>
+      </p:nvGrpSpPr>
+      <p:grpSpPr>
+        <a:xfrm>
+          <a:off x="0" y="0"/>
+          <a:ext cx="0" cy="0"/>
+          <a:chOff x="0" y="0"/>
+          <a:chExt cx="0" cy="0"/>
+        </a:xfrm>
+      </p:grpSpPr>
+      <p:sp>
+        <p:nvSpPr>
+          <p:cNvPr id="2" name="Title 1">
+            <a:extLst>
+              <a:ext uri="{FF2B5EF4-FFF2-40B4-BE49-F238E27FC236}">
+                <a16:creationId xmlns:a16="http://schemas.microsoft.com/office/drawing/2014/main" id="{A1B1E910-0D08-44D6-B608-7079467C9BBC}"/>
+              </a:ext>
+            </a:extLst>
+          </p:cNvPr>
+          <p:cNvSpPr>
+            <a:spLocks noGrp="1"/>
+          </p:cNvSpPr>
+          <p:nvPr>
+            <p:ph type="title"/>
+          </p:nvPr>
+        </p:nvSpPr>
+        <p:spPr/>
+        <p:txBody>
+          <a:bodyPr/>
+          <a:lstStyle/>
+          <a:p>
+            <a:r>
+              <a:rPr lang="en-US" dirty="0" err="1"/>
+              <a:t>Contd</a:t>
+            </a:r>
+            <a:endParaRPr lang="en-US" dirty="0"/>
+          </a:p>
+        </p:txBody>
+      </p:sp>
+      <p:sp>
+        <p:nvSpPr>
+          <p:cNvPr id="3" name="Content Placeholder 2">
+            <a:extLst>
+              <a:ext uri="{FF2B5EF4-FFF2-40B4-BE49-F238E27FC236}">
+                <a16:creationId xmlns:a16="http://schemas.microsoft.com/office/drawing/2014/main" id="{ACF29F50-4675-4EC0-B9D7-F4E7E8860FF2}"/>
+              </a:ext>
+            </a:extLst>
+          </p:cNvPr>
+          <p:cNvSpPr>
+            <a:spLocks noGrp="1"/>
+          </p:cNvSpPr>
+          <p:nvPr>
+            <p:ph idx="1"/>
+          </p:nvPr>
+        </p:nvSpPr>
+        <p:spPr/>
+        <p:txBody>
+          <a:bodyPr/>
+          <a:lstStyle/>
+          <a:p>
+            <a:pPr marL="0" indent="0">
+              <a:buNone/>
+            </a:pPr>
+            <a:r>
+              <a:rPr lang="en-US" dirty="0"/>
+              <a:t>To work with </a:t>
+            </a:r>
+            <a:r>
+              <a:rPr lang="en-US" dirty="0" err="1"/>
+              <a:t>argparse</a:t>
+            </a:r>
+            <a:endParaRPr lang="en-US" dirty="0"/>
+          </a:p>
+          <a:p>
+            <a:pPr marL="457200" indent="-457200">
+              <a:buAutoNum type="arabicPeriod"/>
+            </a:pPr>
+            <a:r>
+              <a:rPr lang="en-US" dirty="0"/>
+              <a:t>Import </a:t>
+            </a:r>
+            <a:r>
+              <a:rPr lang="en-US" dirty="0" err="1"/>
+              <a:t>argparse</a:t>
+            </a:r>
+            <a:endParaRPr lang="en-US" dirty="0"/>
+          </a:p>
+          <a:p>
+            <a:pPr marL="457200" indent="-457200">
+              <a:buAutoNum type="arabicPeriod"/>
+            </a:pPr>
+            <a:r>
+              <a:rPr lang="en-US" dirty="0"/>
+              <a:t>Create object of </a:t>
+            </a:r>
+            <a:r>
+              <a:rPr lang="en-US" dirty="0" err="1"/>
+              <a:t>ArgumentParser</a:t>
+            </a:r>
+            <a:r>
+              <a:rPr lang="en-US" dirty="0"/>
+              <a:t> class with description.</a:t>
+            </a:r>
+          </a:p>
+          <a:p>
+            <a:pPr marL="457200" indent="-457200">
+              <a:buAutoNum type="arabicPeriod"/>
+            </a:pPr>
+            <a:r>
+              <a:rPr lang="en-US" dirty="0"/>
+              <a:t>Adding arguments to the parser using </a:t>
+            </a:r>
+            <a:r>
+              <a:rPr lang="en-US" dirty="0" err="1"/>
+              <a:t>add_argument</a:t>
+            </a:r>
+            <a:r>
+              <a:rPr lang="en-US" dirty="0"/>
+              <a:t>() method.</a:t>
+            </a:r>
+          </a:p>
+          <a:p>
+            <a:pPr marL="457200" indent="-457200">
+              <a:buAutoNum type="arabicPeriod"/>
+            </a:pPr>
+            <a:r>
+              <a:rPr lang="en-US" dirty="0"/>
+              <a:t>By using </a:t>
+            </a:r>
+            <a:r>
+              <a:rPr lang="en-US" dirty="0" err="1"/>
+              <a:t>parse_args</a:t>
+            </a:r>
+            <a:r>
+              <a:rPr lang="en-US" dirty="0"/>
+              <a:t>() method, we will receive the arguments.</a:t>
+            </a:r>
+          </a:p>
+          <a:p>
+            <a:pPr marL="457200" indent="-457200">
+              <a:buAutoNum type="arabicPeriod"/>
+            </a:pPr>
+            <a:r>
+              <a:rPr lang="en-US" dirty="0"/>
+              <a:t>Getting help :  use –h </a:t>
+            </a:r>
+          </a:p>
+          <a:p>
+            <a:pPr marL="0" indent="0">
+              <a:buNone/>
+            </a:pPr>
+            <a:r>
+              <a:rPr lang="en-US" b="1" dirty="0"/>
+              <a:t>Note: </a:t>
+            </a:r>
+            <a:r>
+              <a:rPr lang="en-US" dirty="0"/>
+              <a:t>Refer Project for more details.	</a:t>
+            </a:r>
+          </a:p>
+        </p:txBody>
+      </p:sp>
+    </p:spTree>
+    <p:extLst>
+      <p:ext uri="{BB962C8B-B14F-4D97-AF65-F5344CB8AC3E}">
+        <p14:creationId xmlns:p14="http://schemas.microsoft.com/office/powerpoint/2010/main" val="1974527936"/>
+      </p:ext>
+    </p:extLst>
+  </p:cSld>
+  <p:clrMapOvr>
+    <a:masterClrMapping/>
+  </p:clrMapOvr>
+  <mc:AlternateContent xmlns:mc="http://schemas.openxmlformats.org/markup-compatibility/2006" xmlns:p14="http://schemas.microsoft.com/office/powerpoint/2010/main">
+    <mc:Choice Requires="p14">
+      <p:transition spd="med" p14:dur="700">
+        <p:fade/>
+      </p:transition>
+    </mc:Choice>
+    <mc:Fallback xmlns="">
+      <p:transition spd="med">
+        <p:fade/>
+      </p:transition>
+    </mc:Fallback>
+  </mc:AlternateContent>
+</p:sld>
+</file>
+
+<file path=ppt/slides/slide26.xml><?xml version="1.0" encoding="utf-8"?>
+<p:sld xmlns:a="http://schemas.openxmlformats.org/drawingml/2006/main" xmlns:r="http://schemas.openxmlformats.org/officeDocument/2006/relationships" xmlns:p="http://schemas.openxmlformats.org/presentationml/2006/main">
+  <p:cSld>
+    <p:spTree>
+      <p:nvGrpSpPr>
+        <p:cNvPr id="1" name=""/>
+        <p:cNvGrpSpPr/>
+        <p:nvPr/>
+      </p:nvGrpSpPr>
+      <p:grpSpPr>
+        <a:xfrm>
+          <a:off x="0" y="0"/>
+          <a:ext cx="0" cy="0"/>
+          <a:chOff x="0" y="0"/>
+          <a:chExt cx="0" cy="0"/>
+        </a:xfrm>
+      </p:grpSpPr>
+      <p:sp>
+        <p:nvSpPr>
+          <p:cNvPr id="2" name="Title 1">
+            <a:extLst>
+              <a:ext uri="{FF2B5EF4-FFF2-40B4-BE49-F238E27FC236}">
                 <a16:creationId xmlns:a16="http://schemas.microsoft.com/office/drawing/2014/main" id="{F6E2121D-12C6-4C1F-AABC-197ECC03059C}"/>
               </a:ext>
             </a:extLst>
@@ -6619,7 +7249,7 @@
 </p:sld>
 </file>
 
-<file path=ppt/slides/slide24.xml><?xml version="1.0" encoding="utf-8"?>
+<file path=ppt/slides/slide27.xml><?xml version="1.0" encoding="utf-8"?>
 <p:sld xmlns:a="http://schemas.openxmlformats.org/drawingml/2006/main" xmlns:r="http://schemas.openxmlformats.org/officeDocument/2006/relationships" xmlns:p="http://schemas.openxmlformats.org/presentationml/2006/main">
   <p:cSld>
     <p:spTree>
@@ -8595,139 +9225,12 @@
 </file>
 
 <file path=customXml/item1.xml><?xml version="1.0" encoding="utf-8"?>
-<p:properties xmlns:p="http://schemas.microsoft.com/office/2006/metadata/properties" xmlns:xsi="http://www.w3.org/2001/XMLSchema-instance" xmlns:pc="http://schemas.microsoft.com/office/infopath/2007/PartnerControls">
-  <documentManagement>
-    <LocPublishedLinkedAssetsLookup xmlns="4873beb7-5857-4685-be1f-d57550cc96cc" xsi:nil="true"/>
-    <ApprovalStatus xmlns="4873beb7-5857-4685-be1f-d57550cc96cc">InProgress</ApprovalStatus>
-    <MarketSpecific xmlns="4873beb7-5857-4685-be1f-d57550cc96cc">false</MarketSpecific>
-    <LocComments xmlns="4873beb7-5857-4685-be1f-d57550cc96cc" xsi:nil="true"/>
-    <LocLastLocAttemptVersionTypeLookup xmlns="4873beb7-5857-4685-be1f-d57550cc96cc" xsi:nil="true"/>
-    <DirectSourceMarket xmlns="4873beb7-5857-4685-be1f-d57550cc96cc" xsi:nil="true"/>
-    <ThumbnailAssetId xmlns="4873beb7-5857-4685-be1f-d57550cc96cc" xsi:nil="true"/>
-    <PrimaryImageGen xmlns="4873beb7-5857-4685-be1f-d57550cc96cc">false</PrimaryImageGen>
-    <LocNewPublishedVersionLookup xmlns="4873beb7-5857-4685-be1f-d57550cc96cc" xsi:nil="true"/>
-    <LegacyData xmlns="4873beb7-5857-4685-be1f-d57550cc96cc" xsi:nil="true"/>
-    <LocRecommendedHandoff xmlns="4873beb7-5857-4685-be1f-d57550cc96cc" xsi:nil="true"/>
-    <BusinessGroup xmlns="4873beb7-5857-4685-be1f-d57550cc96cc" xsi:nil="true"/>
-    <BlockPublish xmlns="4873beb7-5857-4685-be1f-d57550cc96cc">false</BlockPublish>
-    <TPFriendlyName xmlns="4873beb7-5857-4685-be1f-d57550cc96cc" xsi:nil="true"/>
-    <LocOverallPublishStatusLookup xmlns="4873beb7-5857-4685-be1f-d57550cc96cc" xsi:nil="true"/>
-    <NumericId xmlns="4873beb7-5857-4685-be1f-d57550cc96cc" xsi:nil="true"/>
-    <APEditor xmlns="4873beb7-5857-4685-be1f-d57550cc96cc">
-      <UserInfo>
-        <DisplayName/>
-        <AccountId xsi:nil="true"/>
-        <AccountType/>
-      </UserInfo>
-    </APEditor>
-    <SourceTitle xmlns="4873beb7-5857-4685-be1f-d57550cc96cc" xsi:nil="true"/>
-    <OpenTemplate xmlns="4873beb7-5857-4685-be1f-d57550cc96cc">true</OpenTemplate>
-    <LocOverallLocStatusLookup xmlns="4873beb7-5857-4685-be1f-d57550cc96cc" xsi:nil="true"/>
-    <UALocComments xmlns="4873beb7-5857-4685-be1f-d57550cc96cc" xsi:nil="true"/>
-    <ParentAssetId xmlns="4873beb7-5857-4685-be1f-d57550cc96cc" xsi:nil="true"/>
-    <IntlLangReviewDate xmlns="4873beb7-5857-4685-be1f-d57550cc96cc" xsi:nil="true"/>
-    <FeatureTagsTaxHTField0 xmlns="4873beb7-5857-4685-be1f-d57550cc96cc">
-      <Terms xmlns="http://schemas.microsoft.com/office/infopath/2007/PartnerControls"/>
-    </FeatureTagsTaxHTField0>
-    <PublishStatusLookup xmlns="4873beb7-5857-4685-be1f-d57550cc96cc">
-      <Value>1345039</Value>
-    </PublishStatusLookup>
-    <Providers xmlns="4873beb7-5857-4685-be1f-d57550cc96cc" xsi:nil="true"/>
-    <MachineTranslated xmlns="4873beb7-5857-4685-be1f-d57550cc96cc">false</MachineTranslated>
-    <OriginalSourceMarket xmlns="4873beb7-5857-4685-be1f-d57550cc96cc" xsi:nil="true"/>
-    <APDescription xmlns="4873beb7-5857-4685-be1f-d57550cc96cc">The bookstacks present on most slides  make this a good choice for students, teachers, reading enthusiasts, and others in education. This presentation template contains multiple slide layouts in widescreen format (16x9) and includes a sample table and chart that you can easily  modify.</APDescription>
-    <ClipArtFilename xmlns="4873beb7-5857-4685-be1f-d57550cc96cc" xsi:nil="true"/>
-    <ContentItem xmlns="4873beb7-5857-4685-be1f-d57550cc96cc" xsi:nil="true"/>
-    <TPInstallLocation xmlns="4873beb7-5857-4685-be1f-d57550cc96cc" xsi:nil="true"/>
-    <PublishTargets xmlns="4873beb7-5857-4685-be1f-d57550cc96cc">OfficeOnlineVNext</PublishTargets>
-    <TimesCloned xmlns="4873beb7-5857-4685-be1f-d57550cc96cc" xsi:nil="true"/>
-    <AssetStart xmlns="4873beb7-5857-4685-be1f-d57550cc96cc">2011-11-26T00:00:00+00:00</AssetStart>
-    <Provider xmlns="4873beb7-5857-4685-be1f-d57550cc96cc" xsi:nil="true"/>
-    <AcquiredFrom xmlns="4873beb7-5857-4685-be1f-d57550cc96cc">Internal MS</AcquiredFrom>
-    <FriendlyTitle xmlns="4873beb7-5857-4685-be1f-d57550cc96cc" xsi:nil="true"/>
-    <LastHandOff xmlns="4873beb7-5857-4685-be1f-d57550cc96cc" xsi:nil="true"/>
-    <TPClientViewer xmlns="4873beb7-5857-4685-be1f-d57550cc96cc" xsi:nil="true"/>
-    <TemplateStatus xmlns="4873beb7-5857-4685-be1f-d57550cc96cc">Complete</TemplateStatus>
-    <Downloads xmlns="4873beb7-5857-4685-be1f-d57550cc96cc">0</Downloads>
-    <OOCacheId xmlns="4873beb7-5857-4685-be1f-d57550cc96cc" xsi:nil="true"/>
-    <IsDeleted xmlns="4873beb7-5857-4685-be1f-d57550cc96cc">false</IsDeleted>
-    <LocPublishedDependentAssetsLookup xmlns="4873beb7-5857-4685-be1f-d57550cc96cc" xsi:nil="true"/>
-    <AssetExpire xmlns="4873beb7-5857-4685-be1f-d57550cc96cc">2029-05-12T07:00:00+00:00</AssetExpire>
-    <DSATActionTaken xmlns="4873beb7-5857-4685-be1f-d57550cc96cc" xsi:nil="true"/>
-    <CSXSubmissionMarket xmlns="4873beb7-5857-4685-be1f-d57550cc96cc" xsi:nil="true"/>
-    <TPExecutable xmlns="4873beb7-5857-4685-be1f-d57550cc96cc" xsi:nil="true"/>
-    <EditorialTags xmlns="4873beb7-5857-4685-be1f-d57550cc96cc" xsi:nil="true"/>
-    <SubmitterId xmlns="4873beb7-5857-4685-be1f-d57550cc96cc" xsi:nil="true"/>
-    <ApprovalLog xmlns="4873beb7-5857-4685-be1f-d57550cc96cc" xsi:nil="true"/>
-    <AssetType xmlns="4873beb7-5857-4685-be1f-d57550cc96cc">TP</AssetType>
-    <BugNumber xmlns="4873beb7-5857-4685-be1f-d57550cc96cc" xsi:nil="true"/>
-    <CSXSubmissionDate xmlns="4873beb7-5857-4685-be1f-d57550cc96cc" xsi:nil="true"/>
-    <CSXUpdate xmlns="4873beb7-5857-4685-be1f-d57550cc96cc">false</CSXUpdate>
-    <Milestone xmlns="4873beb7-5857-4685-be1f-d57550cc96cc" xsi:nil="true"/>
-    <RecommendationsModifier xmlns="4873beb7-5857-4685-be1f-d57550cc96cc" xsi:nil="true"/>
-    <OriginAsset xmlns="4873beb7-5857-4685-be1f-d57550cc96cc" xsi:nil="true"/>
-    <TPComponent xmlns="4873beb7-5857-4685-be1f-d57550cc96cc" xsi:nil="true"/>
-    <AssetId xmlns="4873beb7-5857-4685-be1f-d57550cc96cc">TP102787939</AssetId>
-    <IntlLocPriority xmlns="4873beb7-5857-4685-be1f-d57550cc96cc" xsi:nil="true"/>
-    <PolicheckWords xmlns="4873beb7-5857-4685-be1f-d57550cc96cc" xsi:nil="true"/>
-    <TPLaunchHelpLink xmlns="4873beb7-5857-4685-be1f-d57550cc96cc" xsi:nil="true"/>
-    <TPApplication xmlns="4873beb7-5857-4685-be1f-d57550cc96cc" xsi:nil="true"/>
-    <CrawlForDependencies xmlns="4873beb7-5857-4685-be1f-d57550cc96cc">false</CrawlForDependencies>
-    <HandoffToMSDN xmlns="4873beb7-5857-4685-be1f-d57550cc96cc" xsi:nil="true"/>
-    <PlannedPubDate xmlns="4873beb7-5857-4685-be1f-d57550cc96cc" xsi:nil="true"/>
-    <IntlLangReviewer xmlns="4873beb7-5857-4685-be1f-d57550cc96cc" xsi:nil="true"/>
-    <TrustLevel xmlns="4873beb7-5857-4685-be1f-d57550cc96cc">1 Microsoft Managed Content</TrustLevel>
-    <LocLastLocAttemptVersionLookup xmlns="4873beb7-5857-4685-be1f-d57550cc96cc">694216</LocLastLocAttemptVersionLookup>
-    <LocProcessedForHandoffsLookup xmlns="4873beb7-5857-4685-be1f-d57550cc96cc" xsi:nil="true"/>
-    <IsSearchable xmlns="4873beb7-5857-4685-be1f-d57550cc96cc">true</IsSearchable>
-    <TemplateTemplateType xmlns="4873beb7-5857-4685-be1f-d57550cc96cc">PowerPoint Presentation Template</TemplateTemplateType>
-    <CampaignTagsTaxHTField0 xmlns="4873beb7-5857-4685-be1f-d57550cc96cc">
-      <Terms xmlns="http://schemas.microsoft.com/office/infopath/2007/PartnerControls"/>
-    </CampaignTagsTaxHTField0>
-    <TPNamespace xmlns="4873beb7-5857-4685-be1f-d57550cc96cc" xsi:nil="true"/>
-    <LocOverallPreviewStatusLookup xmlns="4873beb7-5857-4685-be1f-d57550cc96cc" xsi:nil="true"/>
-    <TaxCatchAll xmlns="4873beb7-5857-4685-be1f-d57550cc96cc"/>
-    <Markets xmlns="4873beb7-5857-4685-be1f-d57550cc96cc"/>
-    <UAProjectedTotalWords xmlns="4873beb7-5857-4685-be1f-d57550cc96cc" xsi:nil="true"/>
-    <IntlLangReview xmlns="4873beb7-5857-4685-be1f-d57550cc96cc" xsi:nil="true"/>
-    <OutputCachingOn xmlns="4873beb7-5857-4685-be1f-d57550cc96cc">false</OutputCachingOn>
-    <AverageRating xmlns="4873beb7-5857-4685-be1f-d57550cc96cc" xsi:nil="true"/>
-    <APAuthor xmlns="4873beb7-5857-4685-be1f-d57550cc96cc">
-      <UserInfo>
-        <DisplayName>REDMOND\kristaa</DisplayName>
-        <AccountId>136</AccountId>
-        <AccountType/>
-      </UserInfo>
-    </APAuthor>
-    <LocManualTestRequired xmlns="4873beb7-5857-4685-be1f-d57550cc96cc">false</LocManualTestRequired>
-    <TPCommandLine xmlns="4873beb7-5857-4685-be1f-d57550cc96cc" xsi:nil="true"/>
-    <TPAppVersion xmlns="4873beb7-5857-4685-be1f-d57550cc96cc" xsi:nil="true"/>
-    <EditorialStatus xmlns="4873beb7-5857-4685-be1f-d57550cc96cc">Complete</EditorialStatus>
-    <LastModifiedDateTime xmlns="4873beb7-5857-4685-be1f-d57550cc96cc" xsi:nil="true"/>
-    <ScenarioTagsTaxHTField0 xmlns="4873beb7-5857-4685-be1f-d57550cc96cc">
-      <Terms xmlns="http://schemas.microsoft.com/office/infopath/2007/PartnerControls"/>
-    </ScenarioTagsTaxHTField0>
-    <LocProcessedForMarketsLookup xmlns="4873beb7-5857-4685-be1f-d57550cc96cc" xsi:nil="true"/>
-    <TPLaunchHelpLinkType xmlns="4873beb7-5857-4685-be1f-d57550cc96cc">Template</TPLaunchHelpLinkType>
-    <OriginalRelease xmlns="4873beb7-5857-4685-be1f-d57550cc96cc">15</OriginalRelease>
-    <LocalizationTagsTaxHTField0 xmlns="4873beb7-5857-4685-be1f-d57550cc96cc">
-      <Terms xmlns="http://schemas.microsoft.com/office/infopath/2007/PartnerControls"/>
-    </LocalizationTagsTaxHTField0>
-    <UACurrentWords xmlns="4873beb7-5857-4685-be1f-d57550cc96cc" xsi:nil="true"/>
-    <ArtSampleDocs xmlns="4873beb7-5857-4685-be1f-d57550cc96cc" xsi:nil="true"/>
-    <UALocRecommendation xmlns="4873beb7-5857-4685-be1f-d57550cc96cc">Localize</UALocRecommendation>
-    <Manager xmlns="4873beb7-5857-4685-be1f-d57550cc96cc" xsi:nil="true"/>
-    <LocOverallHandbackStatusLookup xmlns="4873beb7-5857-4685-be1f-d57550cc96cc" xsi:nil="true"/>
-    <ShowIn xmlns="4873beb7-5857-4685-be1f-d57550cc96cc">Show everywhere</ShowIn>
-    <UANotes xmlns="4873beb7-5857-4685-be1f-d57550cc96cc" xsi:nil="true"/>
-    <InternalTagsTaxHTField0 xmlns="4873beb7-5857-4685-be1f-d57550cc96cc">
-      <Terms xmlns="http://schemas.microsoft.com/office/infopath/2007/PartnerControls"/>
-    </InternalTagsTaxHTField0>
-    <CSXHash xmlns="4873beb7-5857-4685-be1f-d57550cc96cc" xsi:nil="true"/>
-    <VoteCount xmlns="4873beb7-5857-4685-be1f-d57550cc96cc" xsi:nil="true"/>
-    <LocMarketGroupTiers2 xmlns="4873beb7-5857-4685-be1f-d57550cc96cc" xsi:nil="true"/>
-  </documentManagement>
-</p:properties>
+<?mso-contentType ?>
+<FormTemplates xmlns="http://schemas.microsoft.com/sharepoint/v3/contenttype/forms">
+  <Display>DocumentLibraryForm</Display>
+  <Edit>AssetEditForm</Edit>
+  <New>DocumentLibraryForm</New>
+</FormTemplates>
 </file>
 
 <file path=customXml/item2.xml><?xml version="1.0" encoding="utf-8"?>
@@ -9771,26 +10274,145 @@
 </file>
 
 <file path=customXml/item3.xml><?xml version="1.0" encoding="utf-8"?>
-<?mso-contentType ?>
-<FormTemplates xmlns="http://schemas.microsoft.com/sharepoint/v3/contenttype/forms">
-  <Display>DocumentLibraryForm</Display>
-  <Edit>AssetEditForm</Edit>
-  <New>DocumentLibraryForm</New>
-</FormTemplates>
+<p:properties xmlns:p="http://schemas.microsoft.com/office/2006/metadata/properties" xmlns:xsi="http://www.w3.org/2001/XMLSchema-instance" xmlns:pc="http://schemas.microsoft.com/office/infopath/2007/PartnerControls">
+  <documentManagement>
+    <LocPublishedLinkedAssetsLookup xmlns="4873beb7-5857-4685-be1f-d57550cc96cc" xsi:nil="true"/>
+    <ApprovalStatus xmlns="4873beb7-5857-4685-be1f-d57550cc96cc">InProgress</ApprovalStatus>
+    <MarketSpecific xmlns="4873beb7-5857-4685-be1f-d57550cc96cc">false</MarketSpecific>
+    <LocComments xmlns="4873beb7-5857-4685-be1f-d57550cc96cc" xsi:nil="true"/>
+    <LocLastLocAttemptVersionTypeLookup xmlns="4873beb7-5857-4685-be1f-d57550cc96cc" xsi:nil="true"/>
+    <DirectSourceMarket xmlns="4873beb7-5857-4685-be1f-d57550cc96cc" xsi:nil="true"/>
+    <ThumbnailAssetId xmlns="4873beb7-5857-4685-be1f-d57550cc96cc" xsi:nil="true"/>
+    <PrimaryImageGen xmlns="4873beb7-5857-4685-be1f-d57550cc96cc">false</PrimaryImageGen>
+    <LocNewPublishedVersionLookup xmlns="4873beb7-5857-4685-be1f-d57550cc96cc" xsi:nil="true"/>
+    <LegacyData xmlns="4873beb7-5857-4685-be1f-d57550cc96cc" xsi:nil="true"/>
+    <LocRecommendedHandoff xmlns="4873beb7-5857-4685-be1f-d57550cc96cc" xsi:nil="true"/>
+    <BusinessGroup xmlns="4873beb7-5857-4685-be1f-d57550cc96cc" xsi:nil="true"/>
+    <BlockPublish xmlns="4873beb7-5857-4685-be1f-d57550cc96cc">false</BlockPublish>
+    <TPFriendlyName xmlns="4873beb7-5857-4685-be1f-d57550cc96cc" xsi:nil="true"/>
+    <LocOverallPublishStatusLookup xmlns="4873beb7-5857-4685-be1f-d57550cc96cc" xsi:nil="true"/>
+    <NumericId xmlns="4873beb7-5857-4685-be1f-d57550cc96cc" xsi:nil="true"/>
+    <APEditor xmlns="4873beb7-5857-4685-be1f-d57550cc96cc">
+      <UserInfo>
+        <DisplayName/>
+        <AccountId xsi:nil="true"/>
+        <AccountType/>
+      </UserInfo>
+    </APEditor>
+    <SourceTitle xmlns="4873beb7-5857-4685-be1f-d57550cc96cc" xsi:nil="true"/>
+    <OpenTemplate xmlns="4873beb7-5857-4685-be1f-d57550cc96cc">true</OpenTemplate>
+    <LocOverallLocStatusLookup xmlns="4873beb7-5857-4685-be1f-d57550cc96cc" xsi:nil="true"/>
+    <UALocComments xmlns="4873beb7-5857-4685-be1f-d57550cc96cc" xsi:nil="true"/>
+    <ParentAssetId xmlns="4873beb7-5857-4685-be1f-d57550cc96cc" xsi:nil="true"/>
+    <IntlLangReviewDate xmlns="4873beb7-5857-4685-be1f-d57550cc96cc" xsi:nil="true"/>
+    <FeatureTagsTaxHTField0 xmlns="4873beb7-5857-4685-be1f-d57550cc96cc">
+      <Terms xmlns="http://schemas.microsoft.com/office/infopath/2007/PartnerControls"/>
+    </FeatureTagsTaxHTField0>
+    <PublishStatusLookup xmlns="4873beb7-5857-4685-be1f-d57550cc96cc">
+      <Value>1345039</Value>
+    </PublishStatusLookup>
+    <Providers xmlns="4873beb7-5857-4685-be1f-d57550cc96cc" xsi:nil="true"/>
+    <MachineTranslated xmlns="4873beb7-5857-4685-be1f-d57550cc96cc">false</MachineTranslated>
+    <OriginalSourceMarket xmlns="4873beb7-5857-4685-be1f-d57550cc96cc" xsi:nil="true"/>
+    <APDescription xmlns="4873beb7-5857-4685-be1f-d57550cc96cc">The bookstacks present on most slides  make this a good choice for students, teachers, reading enthusiasts, and others in education. This presentation template contains multiple slide layouts in widescreen format (16x9) and includes a sample table and chart that you can easily  modify.</APDescription>
+    <ClipArtFilename xmlns="4873beb7-5857-4685-be1f-d57550cc96cc" xsi:nil="true"/>
+    <ContentItem xmlns="4873beb7-5857-4685-be1f-d57550cc96cc" xsi:nil="true"/>
+    <TPInstallLocation xmlns="4873beb7-5857-4685-be1f-d57550cc96cc" xsi:nil="true"/>
+    <PublishTargets xmlns="4873beb7-5857-4685-be1f-d57550cc96cc">OfficeOnlineVNext</PublishTargets>
+    <TimesCloned xmlns="4873beb7-5857-4685-be1f-d57550cc96cc" xsi:nil="true"/>
+    <AssetStart xmlns="4873beb7-5857-4685-be1f-d57550cc96cc">2011-11-26T00:00:00+00:00</AssetStart>
+    <Provider xmlns="4873beb7-5857-4685-be1f-d57550cc96cc" xsi:nil="true"/>
+    <AcquiredFrom xmlns="4873beb7-5857-4685-be1f-d57550cc96cc">Internal MS</AcquiredFrom>
+    <FriendlyTitle xmlns="4873beb7-5857-4685-be1f-d57550cc96cc" xsi:nil="true"/>
+    <LastHandOff xmlns="4873beb7-5857-4685-be1f-d57550cc96cc" xsi:nil="true"/>
+    <TPClientViewer xmlns="4873beb7-5857-4685-be1f-d57550cc96cc" xsi:nil="true"/>
+    <TemplateStatus xmlns="4873beb7-5857-4685-be1f-d57550cc96cc">Complete</TemplateStatus>
+    <Downloads xmlns="4873beb7-5857-4685-be1f-d57550cc96cc">0</Downloads>
+    <OOCacheId xmlns="4873beb7-5857-4685-be1f-d57550cc96cc" xsi:nil="true"/>
+    <IsDeleted xmlns="4873beb7-5857-4685-be1f-d57550cc96cc">false</IsDeleted>
+    <LocPublishedDependentAssetsLookup xmlns="4873beb7-5857-4685-be1f-d57550cc96cc" xsi:nil="true"/>
+    <AssetExpire xmlns="4873beb7-5857-4685-be1f-d57550cc96cc">2029-05-12T07:00:00+00:00</AssetExpire>
+    <DSATActionTaken xmlns="4873beb7-5857-4685-be1f-d57550cc96cc" xsi:nil="true"/>
+    <CSXSubmissionMarket xmlns="4873beb7-5857-4685-be1f-d57550cc96cc" xsi:nil="true"/>
+    <TPExecutable xmlns="4873beb7-5857-4685-be1f-d57550cc96cc" xsi:nil="true"/>
+    <EditorialTags xmlns="4873beb7-5857-4685-be1f-d57550cc96cc" xsi:nil="true"/>
+    <SubmitterId xmlns="4873beb7-5857-4685-be1f-d57550cc96cc" xsi:nil="true"/>
+    <ApprovalLog xmlns="4873beb7-5857-4685-be1f-d57550cc96cc" xsi:nil="true"/>
+    <AssetType xmlns="4873beb7-5857-4685-be1f-d57550cc96cc">TP</AssetType>
+    <BugNumber xmlns="4873beb7-5857-4685-be1f-d57550cc96cc" xsi:nil="true"/>
+    <CSXSubmissionDate xmlns="4873beb7-5857-4685-be1f-d57550cc96cc" xsi:nil="true"/>
+    <CSXUpdate xmlns="4873beb7-5857-4685-be1f-d57550cc96cc">false</CSXUpdate>
+    <Milestone xmlns="4873beb7-5857-4685-be1f-d57550cc96cc" xsi:nil="true"/>
+    <RecommendationsModifier xmlns="4873beb7-5857-4685-be1f-d57550cc96cc" xsi:nil="true"/>
+    <OriginAsset xmlns="4873beb7-5857-4685-be1f-d57550cc96cc" xsi:nil="true"/>
+    <TPComponent xmlns="4873beb7-5857-4685-be1f-d57550cc96cc" xsi:nil="true"/>
+    <AssetId xmlns="4873beb7-5857-4685-be1f-d57550cc96cc">TP102787939</AssetId>
+    <IntlLocPriority xmlns="4873beb7-5857-4685-be1f-d57550cc96cc" xsi:nil="true"/>
+    <PolicheckWords xmlns="4873beb7-5857-4685-be1f-d57550cc96cc" xsi:nil="true"/>
+    <TPLaunchHelpLink xmlns="4873beb7-5857-4685-be1f-d57550cc96cc" xsi:nil="true"/>
+    <TPApplication xmlns="4873beb7-5857-4685-be1f-d57550cc96cc" xsi:nil="true"/>
+    <CrawlForDependencies xmlns="4873beb7-5857-4685-be1f-d57550cc96cc">false</CrawlForDependencies>
+    <HandoffToMSDN xmlns="4873beb7-5857-4685-be1f-d57550cc96cc" xsi:nil="true"/>
+    <PlannedPubDate xmlns="4873beb7-5857-4685-be1f-d57550cc96cc" xsi:nil="true"/>
+    <IntlLangReviewer xmlns="4873beb7-5857-4685-be1f-d57550cc96cc" xsi:nil="true"/>
+    <TrustLevel xmlns="4873beb7-5857-4685-be1f-d57550cc96cc">1 Microsoft Managed Content</TrustLevel>
+    <LocLastLocAttemptVersionLookup xmlns="4873beb7-5857-4685-be1f-d57550cc96cc">694216</LocLastLocAttemptVersionLookup>
+    <LocProcessedForHandoffsLookup xmlns="4873beb7-5857-4685-be1f-d57550cc96cc" xsi:nil="true"/>
+    <IsSearchable xmlns="4873beb7-5857-4685-be1f-d57550cc96cc">true</IsSearchable>
+    <TemplateTemplateType xmlns="4873beb7-5857-4685-be1f-d57550cc96cc">PowerPoint Presentation Template</TemplateTemplateType>
+    <CampaignTagsTaxHTField0 xmlns="4873beb7-5857-4685-be1f-d57550cc96cc">
+      <Terms xmlns="http://schemas.microsoft.com/office/infopath/2007/PartnerControls"/>
+    </CampaignTagsTaxHTField0>
+    <TPNamespace xmlns="4873beb7-5857-4685-be1f-d57550cc96cc" xsi:nil="true"/>
+    <LocOverallPreviewStatusLookup xmlns="4873beb7-5857-4685-be1f-d57550cc96cc" xsi:nil="true"/>
+    <TaxCatchAll xmlns="4873beb7-5857-4685-be1f-d57550cc96cc"/>
+    <Markets xmlns="4873beb7-5857-4685-be1f-d57550cc96cc"/>
+    <UAProjectedTotalWords xmlns="4873beb7-5857-4685-be1f-d57550cc96cc" xsi:nil="true"/>
+    <IntlLangReview xmlns="4873beb7-5857-4685-be1f-d57550cc96cc" xsi:nil="true"/>
+    <OutputCachingOn xmlns="4873beb7-5857-4685-be1f-d57550cc96cc">false</OutputCachingOn>
+    <AverageRating xmlns="4873beb7-5857-4685-be1f-d57550cc96cc" xsi:nil="true"/>
+    <APAuthor xmlns="4873beb7-5857-4685-be1f-d57550cc96cc">
+      <UserInfo>
+        <DisplayName>REDMOND\kristaa</DisplayName>
+        <AccountId>136</AccountId>
+        <AccountType/>
+      </UserInfo>
+    </APAuthor>
+    <LocManualTestRequired xmlns="4873beb7-5857-4685-be1f-d57550cc96cc">false</LocManualTestRequired>
+    <TPCommandLine xmlns="4873beb7-5857-4685-be1f-d57550cc96cc" xsi:nil="true"/>
+    <TPAppVersion xmlns="4873beb7-5857-4685-be1f-d57550cc96cc" xsi:nil="true"/>
+    <EditorialStatus xmlns="4873beb7-5857-4685-be1f-d57550cc96cc">Complete</EditorialStatus>
+    <LastModifiedDateTime xmlns="4873beb7-5857-4685-be1f-d57550cc96cc" xsi:nil="true"/>
+    <ScenarioTagsTaxHTField0 xmlns="4873beb7-5857-4685-be1f-d57550cc96cc">
+      <Terms xmlns="http://schemas.microsoft.com/office/infopath/2007/PartnerControls"/>
+    </ScenarioTagsTaxHTField0>
+    <LocProcessedForMarketsLookup xmlns="4873beb7-5857-4685-be1f-d57550cc96cc" xsi:nil="true"/>
+    <TPLaunchHelpLinkType xmlns="4873beb7-5857-4685-be1f-d57550cc96cc">Template</TPLaunchHelpLinkType>
+    <OriginalRelease xmlns="4873beb7-5857-4685-be1f-d57550cc96cc">15</OriginalRelease>
+    <LocalizationTagsTaxHTField0 xmlns="4873beb7-5857-4685-be1f-d57550cc96cc">
+      <Terms xmlns="http://schemas.microsoft.com/office/infopath/2007/PartnerControls"/>
+    </LocalizationTagsTaxHTField0>
+    <UACurrentWords xmlns="4873beb7-5857-4685-be1f-d57550cc96cc" xsi:nil="true"/>
+    <ArtSampleDocs xmlns="4873beb7-5857-4685-be1f-d57550cc96cc" xsi:nil="true"/>
+    <UALocRecommendation xmlns="4873beb7-5857-4685-be1f-d57550cc96cc">Localize</UALocRecommendation>
+    <Manager xmlns="4873beb7-5857-4685-be1f-d57550cc96cc" xsi:nil="true"/>
+    <LocOverallHandbackStatusLookup xmlns="4873beb7-5857-4685-be1f-d57550cc96cc" xsi:nil="true"/>
+    <ShowIn xmlns="4873beb7-5857-4685-be1f-d57550cc96cc">Show everywhere</ShowIn>
+    <UANotes xmlns="4873beb7-5857-4685-be1f-d57550cc96cc" xsi:nil="true"/>
+    <InternalTagsTaxHTField0 xmlns="4873beb7-5857-4685-be1f-d57550cc96cc">
+      <Terms xmlns="http://schemas.microsoft.com/office/infopath/2007/PartnerControls"/>
+    </InternalTagsTaxHTField0>
+    <CSXHash xmlns="4873beb7-5857-4685-be1f-d57550cc96cc" xsi:nil="true"/>
+    <VoteCount xmlns="4873beb7-5857-4685-be1f-d57550cc96cc" xsi:nil="true"/>
+    <LocMarketGroupTiers2 xmlns="4873beb7-5857-4685-be1f-d57550cc96cc" xsi:nil="true"/>
+  </documentManagement>
+</p:properties>
 </file>
 
 <file path=customXml/itemProps1.xml><?xml version="1.0" encoding="utf-8"?>
-<ds:datastoreItem xmlns:ds="http://schemas.openxmlformats.org/officeDocument/2006/customXml" ds:itemID="{F301D382-32B0-43EE-932C-28906AF37617}">
+<ds:datastoreItem xmlns:ds="http://schemas.openxmlformats.org/officeDocument/2006/customXml" ds:itemID="{E1B558C7-619B-49BE-9097-7FCBDADD4ECE}">
   <ds:schemaRefs>
-    <ds:schemaRef ds:uri="4873beb7-5857-4685-be1f-d57550cc96cc"/>
-    <ds:schemaRef ds:uri="http://schemas.openxmlformats.org/package/2006/metadata/core-properties"/>
-    <ds:schemaRef ds:uri="http://purl.org/dc/terms/"/>
-    <ds:schemaRef ds:uri="http://schemas.microsoft.com/office/infopath/2007/PartnerControls"/>
-    <ds:schemaRef ds:uri="http://schemas.microsoft.com/office/2006/documentManagement/types"/>
-    <ds:schemaRef ds:uri="http://purl.org/dc/elements/1.1/"/>
-    <ds:schemaRef ds:uri="http://schemas.microsoft.com/office/2006/metadata/properties"/>
-    <ds:schemaRef ds:uri="http://www.w3.org/XML/1998/namespace"/>
-    <ds:schemaRef ds:uri="http://purl.org/dc/dcmitype/"/>
+    <ds:schemaRef ds:uri="http://schemas.microsoft.com/sharepoint/v3/contenttype/forms"/>
   </ds:schemaRefs>
 </ds:datastoreItem>
 </file>
@@ -9814,9 +10436,17 @@
 </file>
 
 <file path=customXml/itemProps3.xml><?xml version="1.0" encoding="utf-8"?>
-<ds:datastoreItem xmlns:ds="http://schemas.openxmlformats.org/officeDocument/2006/customXml" ds:itemID="{E1B558C7-619B-49BE-9097-7FCBDADD4ECE}">
+<ds:datastoreItem xmlns:ds="http://schemas.openxmlformats.org/officeDocument/2006/customXml" ds:itemID="{F301D382-32B0-43EE-932C-28906AF37617}">
   <ds:schemaRefs>
-    <ds:schemaRef ds:uri="http://schemas.microsoft.com/sharepoint/v3/contenttype/forms"/>
+    <ds:schemaRef ds:uri="4873beb7-5857-4685-be1f-d57550cc96cc"/>
+    <ds:schemaRef ds:uri="http://schemas.openxmlformats.org/package/2006/metadata/core-properties"/>
+    <ds:schemaRef ds:uri="http://purl.org/dc/terms/"/>
+    <ds:schemaRef ds:uri="http://schemas.microsoft.com/office/infopath/2007/PartnerControls"/>
+    <ds:schemaRef ds:uri="http://schemas.microsoft.com/office/2006/documentManagement/types"/>
+    <ds:schemaRef ds:uri="http://purl.org/dc/elements/1.1/"/>
+    <ds:schemaRef ds:uri="http://schemas.microsoft.com/office/2006/metadata/properties"/>
+    <ds:schemaRef ds:uri="http://www.w3.org/XML/1998/namespace"/>
+    <ds:schemaRef ds:uri="http://purl.org/dc/dcmitype/"/>
   </ds:schemaRefs>
 </ds:datastoreItem>
 </file>
--- a/Python/Session2/PPT/Python_Fundamentals(Notes).pptx
+++ b/Python/Session2/PPT/Python_Fundamentals(Notes).pptx
@@ -5665,7 +5665,7 @@
         </p:spPr>
         <p:txBody>
           <a:bodyPr>
-            <a:normAutofit fontScale="85000" lnSpcReduction="20000"/>
+            <a:normAutofit fontScale="70000" lnSpcReduction="20000"/>
           </a:bodyPr>
           <a:lstStyle/>
           <a:p>
@@ -5748,8 +5748,33 @@
               <a:buNone/>
             </a:pPr>
             <a:r>
-              <a:rPr lang="en-US" dirty="0"/>
-              <a:t>Note: by default end=‘\n’</a:t>
+              <a:rPr lang="en-US" b="1" dirty="0"/>
+              <a:t>Note</a:t>
+            </a:r>
+            <a:r>
+              <a:rPr lang="en-US" dirty="0"/>
+              <a:t>: by default end=‘\n’</a:t>
+            </a:r>
+          </a:p>
+          <a:p>
+            <a:pPr marL="0" indent="0">
+              <a:buNone/>
+            </a:pPr>
+            <a:r>
+              <a:rPr lang="en-US" b="1" dirty="0"/>
+              <a:t>Note</a:t>
+            </a:r>
+            <a:r>
+              <a:rPr lang="en-US" dirty="0"/>
+              <a:t>: Difference between end and </a:t>
+            </a:r>
+            <a:r>
+              <a:rPr lang="en-US" dirty="0" err="1"/>
+              <a:t>sep</a:t>
+            </a:r>
+            <a:r>
+              <a:rPr lang="en-US" dirty="0"/>
+              <a:t>?</a:t>
             </a:r>
           </a:p>
           <a:p>

--- a/Python/Session2/PPT/Python_Fundamentals(Notes).pptx
+++ b/Python/Session2/PPT/Python_Fundamentals(Notes).pptx
@@ -5,10 +5,10 @@
     <p:sldMasterId id="2147483660" r:id="rId4"/>
   </p:sldMasterIdLst>
   <p:notesMasterIdLst>
-    <p:notesMasterId r:id="rId32"/>
+    <p:notesMasterId r:id="rId37"/>
   </p:notesMasterIdLst>
   <p:handoutMasterIdLst>
-    <p:handoutMasterId r:id="rId33"/>
+    <p:handoutMasterId r:id="rId38"/>
   </p:handoutMasterIdLst>
   <p:sldIdLst>
     <p:sldId id="264" r:id="rId5"/>
@@ -38,6 +38,11 @@
     <p:sldId id="306" r:id="rId29"/>
     <p:sldId id="302" r:id="rId30"/>
     <p:sldId id="303" r:id="rId31"/>
+    <p:sldId id="307" r:id="rId32"/>
+    <p:sldId id="308" r:id="rId33"/>
+    <p:sldId id="309" r:id="rId34"/>
+    <p:sldId id="310" r:id="rId35"/>
+    <p:sldId id="311" r:id="rId36"/>
   </p:sldIdLst>
   <p:sldSz cx="12188825" cy="6858000"/>
   <p:notesSz cx="6858000" cy="9144000"/>
@@ -263,7 +268,7 @@
                   <a:schemeClr val="tx2"/>
                 </a:solidFill>
               </a:rPr>
-              <a:t>8/10/2018</a:t>
+              <a:t>8/12/2018</a:t>
             </a:fld>
             <a:endParaRPr>
               <a:solidFill>
@@ -453,7 +458,7 @@
             <a:fld id="{F95CF31C-F757-429C-A789-86504F04C3BE}" type="datetimeFigureOut">
               <a:rPr lang="en-US"/>
               <a:pPr/>
-              <a:t>8/10/2018</a:t>
+              <a:t>8/12/2018</a:t>
             </a:fld>
             <a:endParaRPr/>
           </a:p>
@@ -1048,7 +1053,7 @@
           <a:p>
             <a:fld id="{7AECB6C2-1084-4AED-A74A-DF028B0094EA}" type="datetimeFigureOut">
               <a:rPr lang="en-US"/>
-              <a:t>8/10/2018</a:t>
+              <a:t>8/12/2018</a:t>
             </a:fld>
             <a:endParaRPr/>
           </a:p>
@@ -1240,7 +1245,7 @@
           <a:p>
             <a:fld id="{7AECB6C2-1084-4AED-A74A-DF028B0094EA}" type="datetimeFigureOut">
               <a:rPr lang="en-US"/>
-              <a:t>8/10/2018</a:t>
+              <a:t>8/12/2018</a:t>
             </a:fld>
             <a:endParaRPr/>
           </a:p>
@@ -1438,7 +1443,7 @@
           <a:p>
             <a:fld id="{8B5A30F4-0B4E-4E4B-BC36-C30CD13F4E17}" type="datetimeFigureOut">
               <a:rPr lang="en-US"/>
-              <a:t>8/10/2018</a:t>
+              <a:t>8/12/2018</a:t>
             </a:fld>
             <a:endParaRPr dirty="0"/>
           </a:p>
@@ -1955,7 +1960,7 @@
           <a:p>
             <a:fld id="{2DD204D1-F9BD-4643-8480-6EA41EB484F1}" type="datetimeFigureOut">
               <a:rPr lang="en-US"/>
-              <a:t>8/10/2018</a:t>
+              <a:t>8/12/2018</a:t>
             </a:fld>
             <a:endParaRPr/>
           </a:p>
@@ -2403,7 +2408,7 @@
           <a:p>
             <a:fld id="{2DD204D1-F9BD-4643-8480-6EA41EB484F1}" type="datetimeFigureOut">
               <a:rPr lang="en-US"/>
-              <a:t>8/10/2018</a:t>
+              <a:t>8/12/2018</a:t>
             </a:fld>
             <a:endParaRPr/>
           </a:p>
@@ -2533,7 +2538,7 @@
           <a:p>
             <a:fld id="{2DD204D1-F9BD-4643-8480-6EA41EB484F1}" type="datetimeFigureOut">
               <a:rPr lang="en-US"/>
-              <a:t>8/10/2018</a:t>
+              <a:t>8/12/2018</a:t>
             </a:fld>
             <a:endParaRPr/>
           </a:p>
@@ -2640,7 +2645,7 @@
           <a:p>
             <a:fld id="{2DD204D1-F9BD-4643-8480-6EA41EB484F1}" type="datetimeFigureOut">
               <a:rPr lang="en-US"/>
-              <a:t>8/10/2018</a:t>
+              <a:t>8/12/2018</a:t>
             </a:fld>
             <a:endParaRPr/>
           </a:p>
@@ -2997,7 +3002,7 @@
           <a:p>
             <a:fld id="{126BF754-515F-40B9-8D24-D54D5825B3D0}" type="datetimeFigureOut">
               <a:rPr lang="en-US"/>
-              <a:t>8/10/2018</a:t>
+              <a:t>8/12/2018</a:t>
             </a:fld>
             <a:endParaRPr/>
           </a:p>
@@ -3334,7 +3339,7 @@
           <a:p>
             <a:fld id="{126BF754-515F-40B9-8D24-D54D5825B3D0}" type="datetimeFigureOut">
               <a:rPr lang="en-US"/>
-              <a:t>8/10/2018</a:t>
+              <a:t>8/12/2018</a:t>
             </a:fld>
             <a:endParaRPr/>
           </a:p>
@@ -3629,7 +3634,7 @@
             <a:fld id="{2DD204D1-F9BD-4643-8480-6EA41EB484F1}" type="datetimeFigureOut">
               <a:rPr lang="en-US" smtClean="0"/>
               <a:pPr/>
-              <a:t>8/10/2018</a:t>
+              <a:t>8/12/2018</a:t>
             </a:fld>
             <a:endParaRPr lang="en-US"/>
           </a:p>
@@ -5665,7 +5670,7 @@
         </p:spPr>
         <p:txBody>
           <a:bodyPr>
-            <a:normAutofit fontScale="70000" lnSpcReduction="20000"/>
+            <a:normAutofit fontScale="85000" lnSpcReduction="20000"/>
           </a:bodyPr>
           <a:lstStyle/>
           <a:p>
@@ -5774,13 +5779,8 @@
             </a:r>
             <a:r>
               <a:rPr lang="en-US" dirty="0"/>
-              <a:t>?</a:t>
-            </a:r>
-          </a:p>
-          <a:p>
-            <a:pPr marL="0" indent="0">
-              <a:buNone/>
-            </a:pPr>
+              <a:t>?   </a:t>
+            </a:r>
             <a:r>
               <a:rPr lang="en-US" b="1" dirty="0"/>
               <a:t>Example</a:t>
@@ -6659,22 +6659,30 @@
             </a:r>
             <a:r>
               <a:rPr lang="en-US" dirty="0"/>
-              <a:t>function. Example </a:t>
-            </a:r>
-            <a:r>
-              <a:rPr lang="en-US" b="1" dirty="0" err="1"/>
+              <a:t>function. </a:t>
+            </a:r>
+            <a:r>
+              <a:rPr lang="en-US" b="1" dirty="0"/>
+              <a:t>Example</a:t>
+            </a:r>
+            <a:r>
+              <a:rPr lang="en-US" dirty="0"/>
+              <a:t>: </a:t>
+            </a:r>
+            <a:r>
+              <a:rPr lang="en-US" dirty="0" err="1"/>
               <a:t>len</a:t>
             </a:r>
             <a:r>
-              <a:rPr lang="en-US" b="1" dirty="0"/>
+              <a:rPr lang="en-US" dirty="0"/>
               <a:t>(</a:t>
             </a:r>
             <a:r>
-              <a:rPr lang="en-US" b="1" dirty="0" err="1"/>
+              <a:rPr lang="en-US" dirty="0" err="1"/>
               <a:t>sys.argv</a:t>
             </a:r>
             <a:r>
-              <a:rPr lang="en-US" b="1" dirty="0"/>
+              <a:rPr lang="en-US" dirty="0"/>
               <a:t>)</a:t>
             </a:r>
           </a:p>
@@ -6820,7 +6828,23 @@
             </a:pPr>
             <a:r>
               <a:rPr lang="en-US" dirty="0"/>
-              <a:t>It automatically generates help and usage messages when user gives the program invalid arguments.</a:t>
+              <a:t>It automatically </a:t>
+            </a:r>
+            <a:r>
+              <a:rPr lang="en-US" b="1" dirty="0"/>
+              <a:t>generates help </a:t>
+            </a:r>
+            <a:r>
+              <a:rPr lang="en-US" dirty="0"/>
+              <a:t>and </a:t>
+            </a:r>
+            <a:r>
+              <a:rPr lang="en-US" b="1" dirty="0"/>
+              <a:t>usage messages</a:t>
+            </a:r>
+            <a:r>
+              <a:rPr lang="en-US" dirty="0"/>
+              <a:t> when user gives the program invalid arguments.</a:t>
             </a:r>
           </a:p>
           <a:p>
@@ -6970,7 +6994,7 @@
               <a:t>Create object of </a:t>
             </a:r>
             <a:r>
-              <a:rPr lang="en-US" dirty="0" err="1"/>
+              <a:rPr lang="en-US" b="1" dirty="0" err="1"/>
               <a:t>ArgumentParser</a:t>
             </a:r>
             <a:r>
@@ -6987,12 +7011,16 @@
               <a:t>Adding arguments to the parser using </a:t>
             </a:r>
             <a:r>
-              <a:rPr lang="en-US" dirty="0" err="1"/>
+              <a:rPr lang="en-US" b="1" dirty="0" err="1"/>
               <a:t>add_argument</a:t>
             </a:r>
             <a:r>
-              <a:rPr lang="en-US" dirty="0"/>
-              <a:t>() method.</a:t>
+              <a:rPr lang="en-US" b="1" dirty="0"/>
+              <a:t>() </a:t>
+            </a:r>
+            <a:r>
+              <a:rPr lang="en-US" dirty="0"/>
+              <a:t>method.</a:t>
             </a:r>
           </a:p>
           <a:p>
@@ -7004,12 +7032,16 @@
               <a:t>By using </a:t>
             </a:r>
             <a:r>
-              <a:rPr lang="en-US" dirty="0" err="1"/>
+              <a:rPr lang="en-US" b="1" dirty="0" err="1"/>
               <a:t>parse_args</a:t>
             </a:r>
             <a:r>
-              <a:rPr lang="en-US" dirty="0"/>
-              <a:t>() method, we will receive the arguments.</a:t>
+              <a:rPr lang="en-US" b="1" dirty="0"/>
+              <a:t>() </a:t>
+            </a:r>
+            <a:r>
+              <a:rPr lang="en-US" dirty="0"/>
+              <a:t>method, we will receive the arguments.</a:t>
             </a:r>
           </a:p>
           <a:p>
@@ -7341,7 +7373,7 @@
               <a:buNone/>
             </a:pPr>
             <a:r>
-              <a:rPr lang="en-US" dirty="0"/>
+              <a:rPr lang="en-US" b="1" dirty="0"/>
               <a:t>b. while loop</a:t>
             </a:r>
           </a:p>
@@ -7376,8 +7408,12 @@
               <a:buNone/>
             </a:pPr>
             <a:r>
-              <a:rPr lang="en-US" dirty="0"/>
-              <a:t>Note: conditions are formed using relational and logical/Boolean operators.</a:t>
+              <a:rPr lang="en-US" b="1" dirty="0"/>
+              <a:t>Note: </a:t>
+            </a:r>
+            <a:r>
+              <a:rPr lang="en-US" dirty="0"/>
+              <a:t>conditions are formed using relational and logical/Boolean operators.</a:t>
             </a:r>
           </a:p>
           <a:p>
@@ -7385,7 +7421,7 @@
               <a:buAutoNum type="alphaLcPeriod" startAt="3"/>
             </a:pPr>
             <a:r>
-              <a:rPr lang="en-US" dirty="0"/>
+              <a:rPr lang="en-US" b="1" dirty="0"/>
               <a:t>For loop</a:t>
             </a:r>
           </a:p>
@@ -7411,7 +7447,15 @@
             </a:r>
             <a:r>
               <a:rPr lang="en-US" dirty="0"/>
-              <a:t> in sequence:		Example:  for I in range(10)</a:t>
+              <a:t> in sequence:		Example:  </a:t>
+            </a:r>
+            <a:r>
+              <a:rPr lang="en-US" b="1" dirty="0"/>
+              <a:t>for</a:t>
+            </a:r>
+            <a:r>
+              <a:rPr lang="en-US" dirty="0"/>
+              <a:t> I in range(10)</a:t>
             </a:r>
           </a:p>
           <a:p>
@@ -7437,6 +7481,340 @@
     <p:extLst>
       <p:ext uri="{BB962C8B-B14F-4D97-AF65-F5344CB8AC3E}">
         <p14:creationId xmlns:p14="http://schemas.microsoft.com/office/powerpoint/2010/main" val="1491365460"/>
+      </p:ext>
+    </p:extLst>
+  </p:cSld>
+  <p:clrMapOvr>
+    <a:masterClrMapping/>
+  </p:clrMapOvr>
+  <mc:AlternateContent xmlns:mc="http://schemas.openxmlformats.org/markup-compatibility/2006" xmlns:p14="http://schemas.microsoft.com/office/powerpoint/2010/main">
+    <mc:Choice Requires="p14">
+      <p:transition spd="med" p14:dur="700">
+        <p:fade/>
+      </p:transition>
+    </mc:Choice>
+    <mc:Fallback xmlns="">
+      <p:transition spd="med">
+        <p:fade/>
+      </p:transition>
+    </mc:Fallback>
+  </mc:AlternateContent>
+</p:sld>
+</file>
+
+<file path=ppt/slides/slide28.xml><?xml version="1.0" encoding="utf-8"?>
+<p:sld xmlns:a="http://schemas.openxmlformats.org/drawingml/2006/main" xmlns:r="http://schemas.openxmlformats.org/officeDocument/2006/relationships" xmlns:p="http://schemas.openxmlformats.org/presentationml/2006/main">
+  <p:cSld>
+    <p:spTree>
+      <p:nvGrpSpPr>
+        <p:cNvPr id="1" name=""/>
+        <p:cNvGrpSpPr/>
+        <p:nvPr/>
+      </p:nvGrpSpPr>
+      <p:grpSpPr>
+        <a:xfrm>
+          <a:off x="0" y="0"/>
+          <a:ext cx="0" cy="0"/>
+          <a:chOff x="0" y="0"/>
+          <a:chExt cx="0" cy="0"/>
+        </a:xfrm>
+      </p:grpSpPr>
+      <p:sp>
+        <p:nvSpPr>
+          <p:cNvPr id="2" name="Title 1">
+            <a:extLst>
+              <a:ext uri="{FF2B5EF4-FFF2-40B4-BE49-F238E27FC236}">
+                <a16:creationId xmlns:a16="http://schemas.microsoft.com/office/drawing/2014/main" id="{480D8EF2-AAD7-4412-9A6E-272B6D51AE7E}"/>
+              </a:ext>
+            </a:extLst>
+          </p:cNvPr>
+          <p:cNvSpPr>
+            <a:spLocks noGrp="1"/>
+          </p:cNvSpPr>
+          <p:nvPr>
+            <p:ph type="title"/>
+          </p:nvPr>
+        </p:nvSpPr>
+        <p:spPr/>
+        <p:txBody>
+          <a:bodyPr/>
+          <a:lstStyle/>
+          <a:p>
+            <a:endParaRPr lang="en-US"/>
+          </a:p>
+        </p:txBody>
+      </p:sp>
+      <p:sp>
+        <p:nvSpPr>
+          <p:cNvPr id="3" name="Content Placeholder 2">
+            <a:extLst>
+              <a:ext uri="{FF2B5EF4-FFF2-40B4-BE49-F238E27FC236}">
+                <a16:creationId xmlns:a16="http://schemas.microsoft.com/office/drawing/2014/main" id="{07D6DD2E-D035-4ECC-A54B-884FB0CB4EFB}"/>
+              </a:ext>
+            </a:extLst>
+          </p:cNvPr>
+          <p:cNvSpPr>
+            <a:spLocks noGrp="1"/>
+          </p:cNvSpPr>
+          <p:nvPr>
+            <p:ph idx="1"/>
+          </p:nvPr>
+        </p:nvSpPr>
+        <p:spPr/>
+        <p:txBody>
+          <a:bodyPr/>
+          <a:lstStyle/>
+          <a:p>
+            <a:pPr marL="0" indent="0">
+              <a:buNone/>
+            </a:pPr>
+            <a:r>
+              <a:rPr lang="en-US" b="1" dirty="0"/>
+              <a:t>d. Infinite loops</a:t>
+            </a:r>
+          </a:p>
+          <a:p>
+            <a:pPr marL="0" indent="0">
+              <a:buNone/>
+            </a:pPr>
+            <a:r>
+              <a:rPr lang="en-US" dirty="0"/>
+              <a:t>	while(true):</a:t>
+            </a:r>
+          </a:p>
+          <a:p>
+            <a:pPr marL="0" indent="0">
+              <a:buNone/>
+            </a:pPr>
+            <a:r>
+              <a:rPr lang="en-US" dirty="0"/>
+              <a:t>		print(“Hi, I am in infinite loop”)</a:t>
+            </a:r>
+          </a:p>
+          <a:p>
+            <a:pPr marL="0" indent="0">
+              <a:buNone/>
+            </a:pPr>
+            <a:r>
+              <a:rPr lang="en-US" b="1" dirty="0"/>
+              <a:t>e. Nested loops</a:t>
+            </a:r>
+          </a:p>
+          <a:p>
+            <a:pPr marL="0" indent="0">
+              <a:buNone/>
+            </a:pPr>
+            <a:r>
+              <a:rPr lang="en-US" b="1" dirty="0"/>
+              <a:t>	</a:t>
+            </a:r>
+            <a:r>
+              <a:rPr lang="en-US" dirty="0"/>
+              <a:t>for I in range(3):</a:t>
+            </a:r>
+          </a:p>
+          <a:p>
+            <a:pPr marL="0" indent="0">
+              <a:buNone/>
+            </a:pPr>
+            <a:r>
+              <a:rPr lang="en-US" b="1" dirty="0"/>
+              <a:t>	      </a:t>
+            </a:r>
+            <a:r>
+              <a:rPr lang="en-US" dirty="0"/>
+              <a:t>for j in range(4):</a:t>
+            </a:r>
+          </a:p>
+          <a:p>
+            <a:pPr marL="0" indent="0">
+              <a:buNone/>
+            </a:pPr>
+            <a:r>
+              <a:rPr lang="en-US" b="1" dirty="0"/>
+              <a:t>		</a:t>
+            </a:r>
+            <a:r>
+              <a:rPr lang="en-US" dirty="0"/>
+              <a:t>print(“I= %d, j= %d” %(I, j))</a:t>
+            </a:r>
+            <a:endParaRPr lang="en-US" b="1" dirty="0"/>
+          </a:p>
+        </p:txBody>
+      </p:sp>
+    </p:spTree>
+    <p:extLst>
+      <p:ext uri="{BB962C8B-B14F-4D97-AF65-F5344CB8AC3E}">
+        <p14:creationId xmlns:p14="http://schemas.microsoft.com/office/powerpoint/2010/main" val="85599874"/>
+      </p:ext>
+    </p:extLst>
+  </p:cSld>
+  <p:clrMapOvr>
+    <a:masterClrMapping/>
+  </p:clrMapOvr>
+  <mc:AlternateContent xmlns:mc="http://schemas.openxmlformats.org/markup-compatibility/2006" xmlns:p14="http://schemas.microsoft.com/office/powerpoint/2010/main">
+    <mc:Choice Requires="p14">
+      <p:transition spd="med" p14:dur="700">
+        <p:fade/>
+      </p:transition>
+    </mc:Choice>
+    <mc:Fallback xmlns="">
+      <p:transition spd="med">
+        <p:fade/>
+      </p:transition>
+    </mc:Fallback>
+  </mc:AlternateContent>
+</p:sld>
+</file>
+
+<file path=ppt/slides/slide29.xml><?xml version="1.0" encoding="utf-8"?>
+<p:sld xmlns:a="http://schemas.openxmlformats.org/drawingml/2006/main" xmlns:r="http://schemas.openxmlformats.org/officeDocument/2006/relationships" xmlns:p="http://schemas.openxmlformats.org/presentationml/2006/main">
+  <p:cSld>
+    <p:spTree>
+      <p:nvGrpSpPr>
+        <p:cNvPr id="1" name=""/>
+        <p:cNvGrpSpPr/>
+        <p:nvPr/>
+      </p:nvGrpSpPr>
+      <p:grpSpPr>
+        <a:xfrm>
+          <a:off x="0" y="0"/>
+          <a:ext cx="0" cy="0"/>
+          <a:chOff x="0" y="0"/>
+          <a:chExt cx="0" cy="0"/>
+        </a:xfrm>
+      </p:grpSpPr>
+      <p:sp>
+        <p:nvSpPr>
+          <p:cNvPr id="2" name="Title 1">
+            <a:extLst>
+              <a:ext uri="{FF2B5EF4-FFF2-40B4-BE49-F238E27FC236}">
+                <a16:creationId xmlns:a16="http://schemas.microsoft.com/office/drawing/2014/main" id="{E3A63A5E-F16A-4D84-9DC0-4684AC6CB236}"/>
+              </a:ext>
+            </a:extLst>
+          </p:cNvPr>
+          <p:cNvSpPr>
+            <a:spLocks noGrp="1"/>
+          </p:cNvSpPr>
+          <p:nvPr>
+            <p:ph type="title"/>
+          </p:nvPr>
+        </p:nvSpPr>
+        <p:spPr/>
+        <p:txBody>
+          <a:bodyPr/>
+          <a:lstStyle/>
+          <a:p>
+            <a:endParaRPr lang="en-US"/>
+          </a:p>
+        </p:txBody>
+      </p:sp>
+      <p:sp>
+        <p:nvSpPr>
+          <p:cNvPr id="3" name="Content Placeholder 2">
+            <a:extLst>
+              <a:ext uri="{FF2B5EF4-FFF2-40B4-BE49-F238E27FC236}">
+                <a16:creationId xmlns:a16="http://schemas.microsoft.com/office/drawing/2014/main" id="{D9571F33-ED52-4ACA-9B3B-419551EC4360}"/>
+              </a:ext>
+            </a:extLst>
+          </p:cNvPr>
+          <p:cNvSpPr>
+            <a:spLocks noGrp="1"/>
+          </p:cNvSpPr>
+          <p:nvPr>
+            <p:ph idx="1"/>
+          </p:nvPr>
+        </p:nvSpPr>
+        <p:spPr/>
+        <p:txBody>
+          <a:bodyPr>
+            <a:normAutofit fontScale="92500" lnSpcReduction="10000"/>
+          </a:bodyPr>
+          <a:lstStyle/>
+          <a:p>
+            <a:pPr marL="0" indent="0">
+              <a:buNone/>
+            </a:pPr>
+            <a:r>
+              <a:rPr lang="en-US" b="1" dirty="0"/>
+              <a:t>Example:</a:t>
+            </a:r>
+          </a:p>
+          <a:p>
+            <a:pPr marL="0" indent="0">
+              <a:buNone/>
+            </a:pPr>
+            <a:r>
+              <a:rPr lang="en-US" dirty="0"/>
+              <a:t>Try printing using for loop and take number of rows to print from command line:</a:t>
+            </a:r>
+          </a:p>
+          <a:p>
+            <a:pPr marL="0" indent="0">
+              <a:buNone/>
+            </a:pPr>
+            <a:r>
+              <a:rPr lang="en-US" dirty="0"/>
+              <a:t>*</a:t>
+            </a:r>
+          </a:p>
+          <a:p>
+            <a:pPr marL="0" indent="0">
+              <a:buNone/>
+            </a:pPr>
+            <a:r>
+              <a:rPr lang="en-US" dirty="0"/>
+              <a:t>**</a:t>
+            </a:r>
+          </a:p>
+          <a:p>
+            <a:pPr marL="0" indent="0">
+              <a:buNone/>
+            </a:pPr>
+            <a:r>
+              <a:rPr lang="en-US" dirty="0"/>
+              <a:t>***</a:t>
+            </a:r>
+          </a:p>
+          <a:p>
+            <a:pPr marL="0" indent="0">
+              <a:buNone/>
+            </a:pPr>
+            <a:r>
+              <a:rPr lang="en-US" dirty="0"/>
+              <a:t>****</a:t>
+            </a:r>
+          </a:p>
+          <a:p>
+            <a:pPr marL="0" indent="0">
+              <a:buNone/>
+            </a:pPr>
+            <a:r>
+              <a:rPr lang="en-US" dirty="0"/>
+              <a:t>*****</a:t>
+            </a:r>
+          </a:p>
+          <a:p>
+            <a:pPr marL="0" indent="0">
+              <a:buNone/>
+            </a:pPr>
+            <a:r>
+              <a:rPr lang="en-US" dirty="0"/>
+              <a:t>******</a:t>
+            </a:r>
+          </a:p>
+          <a:p>
+            <a:pPr marL="0" indent="0">
+              <a:buNone/>
+            </a:pPr>
+            <a:endParaRPr lang="en-US" dirty="0"/>
+          </a:p>
+        </p:txBody>
+      </p:sp>
+    </p:spTree>
+    <p:extLst>
+      <p:ext uri="{BB962C8B-B14F-4D97-AF65-F5344CB8AC3E}">
+        <p14:creationId xmlns:p14="http://schemas.microsoft.com/office/powerpoint/2010/main" val="3642704565"/>
       </p:ext>
     </p:extLst>
   </p:cSld>
@@ -7588,6 +7966,610 @@
     <p:extLst>
       <p:ext uri="{BB962C8B-B14F-4D97-AF65-F5344CB8AC3E}">
         <p14:creationId xmlns:p14="http://schemas.microsoft.com/office/powerpoint/2010/main" val="711182959"/>
+      </p:ext>
+    </p:extLst>
+  </p:cSld>
+  <p:clrMapOvr>
+    <a:masterClrMapping/>
+  </p:clrMapOvr>
+  <mc:AlternateContent xmlns:mc="http://schemas.openxmlformats.org/markup-compatibility/2006" xmlns:p14="http://schemas.microsoft.com/office/powerpoint/2010/main">
+    <mc:Choice Requires="p14">
+      <p:transition spd="med" p14:dur="700">
+        <p:fade/>
+      </p:transition>
+    </mc:Choice>
+    <mc:Fallback xmlns="">
+      <p:transition spd="med">
+        <p:fade/>
+      </p:transition>
+    </mc:Fallback>
+  </mc:AlternateContent>
+</p:sld>
+</file>
+
+<file path=ppt/slides/slide30.xml><?xml version="1.0" encoding="utf-8"?>
+<p:sld xmlns:a="http://schemas.openxmlformats.org/drawingml/2006/main" xmlns:r="http://schemas.openxmlformats.org/officeDocument/2006/relationships" xmlns:p="http://schemas.openxmlformats.org/presentationml/2006/main">
+  <p:cSld>
+    <p:spTree>
+      <p:nvGrpSpPr>
+        <p:cNvPr id="1" name=""/>
+        <p:cNvGrpSpPr/>
+        <p:nvPr/>
+      </p:nvGrpSpPr>
+      <p:grpSpPr>
+        <a:xfrm>
+          <a:off x="0" y="0"/>
+          <a:ext cx="0" cy="0"/>
+          <a:chOff x="0" y="0"/>
+          <a:chExt cx="0" cy="0"/>
+        </a:xfrm>
+      </p:grpSpPr>
+      <p:sp>
+        <p:nvSpPr>
+          <p:cNvPr id="2" name="Title 1">
+            <a:extLst>
+              <a:ext uri="{FF2B5EF4-FFF2-40B4-BE49-F238E27FC236}">
+                <a16:creationId xmlns:a16="http://schemas.microsoft.com/office/drawing/2014/main" id="{A8F1760B-7452-4F31-B009-E0F079A47AD4}"/>
+              </a:ext>
+            </a:extLst>
+          </p:cNvPr>
+          <p:cNvSpPr>
+            <a:spLocks noGrp="1"/>
+          </p:cNvSpPr>
+          <p:nvPr>
+            <p:ph type="title"/>
+          </p:nvPr>
+        </p:nvSpPr>
+        <p:spPr/>
+        <p:txBody>
+          <a:bodyPr/>
+          <a:lstStyle/>
+          <a:p>
+            <a:endParaRPr lang="en-US"/>
+          </a:p>
+        </p:txBody>
+      </p:sp>
+      <p:sp>
+        <p:nvSpPr>
+          <p:cNvPr id="3" name="Content Placeholder 2">
+            <a:extLst>
+              <a:ext uri="{FF2B5EF4-FFF2-40B4-BE49-F238E27FC236}">
+                <a16:creationId xmlns:a16="http://schemas.microsoft.com/office/drawing/2014/main" id="{49455709-20E9-4749-BF64-2114398D517A}"/>
+              </a:ext>
+            </a:extLst>
+          </p:cNvPr>
+          <p:cNvSpPr>
+            <a:spLocks noGrp="1"/>
+          </p:cNvSpPr>
+          <p:nvPr>
+            <p:ph idx="1"/>
+          </p:nvPr>
+        </p:nvSpPr>
+        <p:spPr/>
+        <p:txBody>
+          <a:bodyPr>
+            <a:normAutofit fontScale="70000" lnSpcReduction="20000"/>
+          </a:bodyPr>
+          <a:lstStyle/>
+          <a:p>
+            <a:pPr marL="0" indent="0">
+              <a:buNone/>
+            </a:pPr>
+            <a:r>
+              <a:rPr lang="en-US" b="1" dirty="0"/>
+              <a:t>Example</a:t>
+            </a:r>
+          </a:p>
+          <a:p>
+            <a:pPr marL="0" indent="0">
+              <a:buNone/>
+            </a:pPr>
+            <a:r>
+              <a:rPr lang="en-US" b="1" dirty="0"/>
+              <a:t>		              *</a:t>
+            </a:r>
+          </a:p>
+          <a:p>
+            <a:pPr marL="0" indent="0">
+              <a:buNone/>
+            </a:pPr>
+            <a:r>
+              <a:rPr lang="en-US" b="1" dirty="0"/>
+              <a:t>	   	           *     *</a:t>
+            </a:r>
+          </a:p>
+          <a:p>
+            <a:pPr marL="0" indent="0">
+              <a:buNone/>
+            </a:pPr>
+            <a:r>
+              <a:rPr lang="en-US" b="1" dirty="0"/>
+              <a:t>		        *     *     *</a:t>
+            </a:r>
+          </a:p>
+          <a:p>
+            <a:pPr marL="0" indent="0">
+              <a:buNone/>
+            </a:pPr>
+            <a:r>
+              <a:rPr lang="en-US" dirty="0"/>
+              <a:t>#to display stars in equilateral triangular form  </a:t>
+            </a:r>
+            <a:r>
+              <a:rPr lang="en-US" sz="3100" dirty="0">
+                <a:solidFill>
+                  <a:srgbClr val="FF0000"/>
+                </a:solidFill>
+              </a:rPr>
+              <a:t>Can anyone explain this?</a:t>
+            </a:r>
+          </a:p>
+          <a:p>
+            <a:pPr marL="0" indent="0">
+              <a:buNone/>
+            </a:pPr>
+            <a:r>
+              <a:rPr lang="en-US" dirty="0"/>
+              <a:t>n=40 </a:t>
+            </a:r>
+          </a:p>
+          <a:p>
+            <a:pPr marL="0" indent="0">
+              <a:buNone/>
+            </a:pPr>
+            <a:r>
+              <a:rPr lang="en-US" dirty="0"/>
+              <a:t>for </a:t>
+            </a:r>
+            <a:r>
+              <a:rPr lang="en-US" dirty="0" err="1"/>
+              <a:t>i</a:t>
+            </a:r>
+            <a:r>
+              <a:rPr lang="en-US" dirty="0"/>
+              <a:t> in range(1, 11): </a:t>
+            </a:r>
+          </a:p>
+          <a:p>
+            <a:pPr marL="0" indent="0">
+              <a:buNone/>
+            </a:pPr>
+            <a:r>
+              <a:rPr lang="en-US" dirty="0"/>
+              <a:t>	print(' '*n, end=‘’)     #repeat space for n times </a:t>
+            </a:r>
+          </a:p>
+          <a:p>
+            <a:pPr marL="0" indent="0">
+              <a:buNone/>
+            </a:pPr>
+            <a:r>
+              <a:rPr lang="en-US" dirty="0"/>
+              <a:t>	print ('* '*(</a:t>
+            </a:r>
+            <a:r>
+              <a:rPr lang="en-US" dirty="0" err="1"/>
+              <a:t>i</a:t>
+            </a:r>
+            <a:r>
+              <a:rPr lang="en-US" dirty="0"/>
+              <a:t>))             #repeat star for </a:t>
+            </a:r>
+            <a:r>
+              <a:rPr lang="en-US" dirty="0" err="1"/>
+              <a:t>i</a:t>
+            </a:r>
+            <a:r>
+              <a:rPr lang="en-US" dirty="0"/>
+              <a:t> times </a:t>
+            </a:r>
+          </a:p>
+          <a:p>
+            <a:pPr marL="0" indent="0">
+              <a:buNone/>
+            </a:pPr>
+            <a:r>
+              <a:rPr lang="en-US" dirty="0"/>
+              <a:t>	n-=1</a:t>
+            </a:r>
+          </a:p>
+          <a:p>
+            <a:pPr marL="0" indent="0">
+              <a:buNone/>
+            </a:pPr>
+            <a:endParaRPr lang="en-US" b="1" dirty="0"/>
+          </a:p>
+        </p:txBody>
+      </p:sp>
+    </p:spTree>
+    <p:extLst>
+      <p:ext uri="{BB962C8B-B14F-4D97-AF65-F5344CB8AC3E}">
+        <p14:creationId xmlns:p14="http://schemas.microsoft.com/office/powerpoint/2010/main" val="418783483"/>
+      </p:ext>
+    </p:extLst>
+  </p:cSld>
+  <p:clrMapOvr>
+    <a:masterClrMapping/>
+  </p:clrMapOvr>
+  <mc:AlternateContent xmlns:mc="http://schemas.openxmlformats.org/markup-compatibility/2006" xmlns:p14="http://schemas.microsoft.com/office/powerpoint/2010/main">
+    <mc:Choice Requires="p14">
+      <p:transition spd="med" p14:dur="700">
+        <p:fade/>
+      </p:transition>
+    </mc:Choice>
+    <mc:Fallback xmlns="">
+      <p:transition spd="med">
+        <p:fade/>
+      </p:transition>
+    </mc:Fallback>
+  </mc:AlternateContent>
+</p:sld>
+</file>
+
+<file path=ppt/slides/slide31.xml><?xml version="1.0" encoding="utf-8"?>
+<p:sld xmlns:a="http://schemas.openxmlformats.org/drawingml/2006/main" xmlns:r="http://schemas.openxmlformats.org/officeDocument/2006/relationships" xmlns:p="http://schemas.openxmlformats.org/presentationml/2006/main">
+  <p:cSld>
+    <p:spTree>
+      <p:nvGrpSpPr>
+        <p:cNvPr id="1" name=""/>
+        <p:cNvGrpSpPr/>
+        <p:nvPr/>
+      </p:nvGrpSpPr>
+      <p:grpSpPr>
+        <a:xfrm>
+          <a:off x="0" y="0"/>
+          <a:ext cx="0" cy="0"/>
+          <a:chOff x="0" y="0"/>
+          <a:chExt cx="0" cy="0"/>
+        </a:xfrm>
+      </p:grpSpPr>
+      <p:sp>
+        <p:nvSpPr>
+          <p:cNvPr id="2" name="Title 1">
+            <a:extLst>
+              <a:ext uri="{FF2B5EF4-FFF2-40B4-BE49-F238E27FC236}">
+                <a16:creationId xmlns:a16="http://schemas.microsoft.com/office/drawing/2014/main" id="{A58A52D4-5AF3-43A3-A267-85089EAA552A}"/>
+              </a:ext>
+            </a:extLst>
+          </p:cNvPr>
+          <p:cNvSpPr>
+            <a:spLocks noGrp="1"/>
+          </p:cNvSpPr>
+          <p:nvPr>
+            <p:ph type="title"/>
+          </p:nvPr>
+        </p:nvSpPr>
+        <p:spPr/>
+        <p:txBody>
+          <a:bodyPr/>
+          <a:lstStyle/>
+          <a:p>
+            <a:r>
+              <a:rPr lang="en-US" dirty="0"/>
+              <a:t>f. Break statement</a:t>
+            </a:r>
+          </a:p>
+        </p:txBody>
+      </p:sp>
+      <p:sp>
+        <p:nvSpPr>
+          <p:cNvPr id="3" name="Content Placeholder 2">
+            <a:extLst>
+              <a:ext uri="{FF2B5EF4-FFF2-40B4-BE49-F238E27FC236}">
+                <a16:creationId xmlns:a16="http://schemas.microsoft.com/office/drawing/2014/main" id="{20B8C75D-45AF-4EA1-A661-81513A1A26D1}"/>
+              </a:ext>
+            </a:extLst>
+          </p:cNvPr>
+          <p:cNvSpPr>
+            <a:spLocks noGrp="1"/>
+          </p:cNvSpPr>
+          <p:nvPr>
+            <p:ph idx="1"/>
+          </p:nvPr>
+        </p:nvSpPr>
+        <p:spPr/>
+        <p:txBody>
+          <a:bodyPr>
+            <a:normAutofit fontScale="92500" lnSpcReduction="20000"/>
+          </a:bodyPr>
+          <a:lstStyle/>
+          <a:p>
+            <a:r>
+              <a:rPr lang="en-US" dirty="0"/>
+              <a:t>#searching for an element in a list </a:t>
+            </a:r>
+          </a:p>
+          <a:p>
+            <a:pPr marL="0" indent="0">
+              <a:buNone/>
+            </a:pPr>
+            <a:r>
+              <a:rPr lang="en-US" dirty="0"/>
+              <a:t>group1 = [1,2,3,4,5] #take a list of elements</a:t>
+            </a:r>
+          </a:p>
+          <a:p>
+            <a:pPr marL="0" indent="0">
+              <a:buNone/>
+            </a:pPr>
+            <a:r>
+              <a:rPr lang="en-US" dirty="0"/>
+              <a:t>search = </a:t>
+            </a:r>
+            <a:r>
+              <a:rPr lang="en-US" b="1" dirty="0" err="1"/>
+              <a:t>int</a:t>
+            </a:r>
+            <a:r>
+              <a:rPr lang="en-US" dirty="0"/>
+              <a:t>(</a:t>
+            </a:r>
+            <a:r>
+              <a:rPr lang="en-US" b="1" dirty="0"/>
+              <a:t>input</a:t>
+            </a:r>
+            <a:r>
+              <a:rPr lang="en-US" dirty="0"/>
+              <a:t>('Enter element to search:’)) </a:t>
+            </a:r>
+          </a:p>
+          <a:p>
+            <a:pPr marL="0" indent="0">
+              <a:buNone/>
+            </a:pPr>
+            <a:r>
+              <a:rPr lang="en-US" b="1" dirty="0"/>
+              <a:t>for</a:t>
+            </a:r>
+            <a:r>
+              <a:rPr lang="en-US" dirty="0"/>
+              <a:t> element in group1: </a:t>
+            </a:r>
+          </a:p>
+          <a:p>
+            <a:pPr marL="0" indent="0">
+              <a:buNone/>
+            </a:pPr>
+            <a:r>
+              <a:rPr lang="en-US" dirty="0"/>
+              <a:t>	</a:t>
+            </a:r>
+            <a:r>
+              <a:rPr lang="en-US" b="1" dirty="0"/>
+              <a:t>if</a:t>
+            </a:r>
+            <a:r>
+              <a:rPr lang="en-US" dirty="0"/>
+              <a:t> search == element: </a:t>
+            </a:r>
+          </a:p>
+          <a:p>
+            <a:pPr marL="0" indent="0">
+              <a:buNone/>
+            </a:pPr>
+            <a:r>
+              <a:rPr lang="en-US" dirty="0"/>
+              <a:t>		print('Element found in group1’) </a:t>
+            </a:r>
+          </a:p>
+          <a:p>
+            <a:pPr marL="0" indent="0">
+              <a:buNone/>
+            </a:pPr>
+            <a:r>
+              <a:rPr lang="en-US" dirty="0"/>
+              <a:t>		</a:t>
+            </a:r>
+            <a:r>
+              <a:rPr lang="en-US" b="1" dirty="0"/>
+              <a:t>break</a:t>
+            </a:r>
+            <a:r>
+              <a:rPr lang="en-US" dirty="0"/>
+              <a:t> #come out of for loop </a:t>
+            </a:r>
+          </a:p>
+          <a:p>
+            <a:pPr marL="0" indent="0">
+              <a:buNone/>
+            </a:pPr>
+            <a:r>
+              <a:rPr lang="en-US" dirty="0"/>
+              <a:t>	</a:t>
+            </a:r>
+            <a:r>
+              <a:rPr lang="en-US" b="1" dirty="0"/>
+              <a:t>else</a:t>
+            </a:r>
+            <a:r>
+              <a:rPr lang="en-US" dirty="0"/>
+              <a:t>: </a:t>
+            </a:r>
+          </a:p>
+          <a:p>
+            <a:pPr marL="0" indent="0">
+              <a:buNone/>
+            </a:pPr>
+            <a:r>
+              <a:rPr lang="en-US" dirty="0"/>
+              <a:t>		print('Element not found in group1') #this is else suite</a:t>
+            </a:r>
+          </a:p>
+          <a:p>
+            <a:endParaRPr lang="en-US" dirty="0"/>
+          </a:p>
+        </p:txBody>
+      </p:sp>
+    </p:spTree>
+    <p:extLst>
+      <p:ext uri="{BB962C8B-B14F-4D97-AF65-F5344CB8AC3E}">
+        <p14:creationId xmlns:p14="http://schemas.microsoft.com/office/powerpoint/2010/main" val="2754405808"/>
+      </p:ext>
+    </p:extLst>
+  </p:cSld>
+  <p:clrMapOvr>
+    <a:masterClrMapping/>
+  </p:clrMapOvr>
+  <mc:AlternateContent xmlns:mc="http://schemas.openxmlformats.org/markup-compatibility/2006" xmlns:p14="http://schemas.microsoft.com/office/powerpoint/2010/main">
+    <mc:Choice Requires="p14">
+      <p:transition spd="med" p14:dur="700">
+        <p:fade/>
+      </p:transition>
+    </mc:Choice>
+    <mc:Fallback xmlns="">
+      <p:transition spd="med">
+        <p:fade/>
+      </p:transition>
+    </mc:Fallback>
+  </mc:AlternateContent>
+</p:sld>
+</file>
+
+<file path=ppt/slides/slide32.xml><?xml version="1.0" encoding="utf-8"?>
+<p:sld xmlns:a="http://schemas.openxmlformats.org/drawingml/2006/main" xmlns:r="http://schemas.openxmlformats.org/officeDocument/2006/relationships" xmlns:p="http://schemas.openxmlformats.org/presentationml/2006/main">
+  <p:cSld>
+    <p:spTree>
+      <p:nvGrpSpPr>
+        <p:cNvPr id="1" name=""/>
+        <p:cNvGrpSpPr/>
+        <p:nvPr/>
+      </p:nvGrpSpPr>
+      <p:grpSpPr>
+        <a:xfrm>
+          <a:off x="0" y="0"/>
+          <a:ext cx="0" cy="0"/>
+          <a:chOff x="0" y="0"/>
+          <a:chExt cx="0" cy="0"/>
+        </a:xfrm>
+      </p:grpSpPr>
+      <p:sp>
+        <p:nvSpPr>
+          <p:cNvPr id="2" name="Title 1">
+            <a:extLst>
+              <a:ext uri="{FF2B5EF4-FFF2-40B4-BE49-F238E27FC236}">
+                <a16:creationId xmlns:a16="http://schemas.microsoft.com/office/drawing/2014/main" id="{CBD27C27-4991-4FF7-A82F-0B67E27C1037}"/>
+              </a:ext>
+            </a:extLst>
+          </p:cNvPr>
+          <p:cNvSpPr>
+            <a:spLocks noGrp="1"/>
+          </p:cNvSpPr>
+          <p:nvPr>
+            <p:ph type="title"/>
+          </p:nvPr>
+        </p:nvSpPr>
+        <p:spPr/>
+        <p:txBody>
+          <a:bodyPr/>
+          <a:lstStyle/>
+          <a:p>
+            <a:r>
+              <a:rPr lang="en-US" dirty="0"/>
+              <a:t>g. Continue statement</a:t>
+            </a:r>
+          </a:p>
+        </p:txBody>
+      </p:sp>
+      <p:sp>
+        <p:nvSpPr>
+          <p:cNvPr id="3" name="Content Placeholder 2">
+            <a:extLst>
+              <a:ext uri="{FF2B5EF4-FFF2-40B4-BE49-F238E27FC236}">
+                <a16:creationId xmlns:a16="http://schemas.microsoft.com/office/drawing/2014/main" id="{FA4AE7A8-911B-455F-A3ED-824653C13BDF}"/>
+              </a:ext>
+            </a:extLst>
+          </p:cNvPr>
+          <p:cNvSpPr>
+            <a:spLocks noGrp="1"/>
+          </p:cNvSpPr>
+          <p:nvPr>
+            <p:ph idx="1"/>
+          </p:nvPr>
+        </p:nvSpPr>
+        <p:spPr/>
+        <p:txBody>
+          <a:bodyPr>
+            <a:normAutofit lnSpcReduction="10000"/>
+          </a:bodyPr>
+          <a:lstStyle/>
+          <a:p>
+            <a:pPr marL="0" indent="0">
+              <a:buNone/>
+            </a:pPr>
+            <a:r>
+              <a:rPr lang="en-US" dirty="0"/>
+              <a:t>#Using continue to execute next iteration of while loop </a:t>
+            </a:r>
+          </a:p>
+          <a:p>
+            <a:pPr marL="0" indent="0">
+              <a:buNone/>
+            </a:pPr>
+            <a:r>
+              <a:rPr lang="en-US" dirty="0"/>
+              <a:t>x = 0 </a:t>
+            </a:r>
+          </a:p>
+          <a:p>
+            <a:pPr marL="0" indent="0">
+              <a:buNone/>
+            </a:pPr>
+            <a:r>
+              <a:rPr lang="en-US" dirty="0"/>
+              <a:t>while x&lt;10: </a:t>
+            </a:r>
+          </a:p>
+          <a:p>
+            <a:pPr marL="0" indent="0">
+              <a:buNone/>
+            </a:pPr>
+            <a:r>
+              <a:rPr lang="en-US" dirty="0"/>
+              <a:t>	x+=1 </a:t>
+            </a:r>
+          </a:p>
+          <a:p>
+            <a:pPr marL="0" indent="0">
+              <a:buNone/>
+            </a:pPr>
+            <a:r>
+              <a:rPr lang="en-US" dirty="0"/>
+              <a:t>	if x&gt;5: #if x &gt; 5 then continue next iteration</a:t>
+            </a:r>
+          </a:p>
+          <a:p>
+            <a:pPr marL="0" indent="0">
+              <a:buNone/>
+            </a:pPr>
+            <a:r>
+              <a:rPr lang="en-US" dirty="0"/>
+              <a:t>		continue </a:t>
+            </a:r>
+          </a:p>
+          <a:p>
+            <a:pPr marL="0" indent="0">
+              <a:buNone/>
+            </a:pPr>
+            <a:r>
+              <a:rPr lang="en-US" dirty="0"/>
+              <a:t>	print ('x=', x) </a:t>
+            </a:r>
+          </a:p>
+          <a:p>
+            <a:pPr marL="0" indent="0">
+              <a:buNone/>
+            </a:pPr>
+            <a:r>
+              <a:rPr lang="en-US" dirty="0"/>
+              <a:t>print("Out of loop")</a:t>
+            </a:r>
+          </a:p>
+        </p:txBody>
+      </p:sp>
+    </p:spTree>
+    <p:extLst>
+      <p:ext uri="{BB962C8B-B14F-4D97-AF65-F5344CB8AC3E}">
+        <p14:creationId xmlns:p14="http://schemas.microsoft.com/office/powerpoint/2010/main" val="29389622"/>
       </p:ext>
     </p:extLst>
   </p:cSld>
@@ -9250,15 +10232,6 @@
 </file>
 
 <file path=customXml/item1.xml><?xml version="1.0" encoding="utf-8"?>
-<?mso-contentType ?>
-<FormTemplates xmlns="http://schemas.microsoft.com/sharepoint/v3/contenttype/forms">
-  <Display>DocumentLibraryForm</Display>
-  <Edit>AssetEditForm</Edit>
-  <New>DocumentLibraryForm</New>
-</FormTemplates>
-</file>
-
-<file path=customXml/item2.xml><?xml version="1.0" encoding="utf-8"?>
 <ct:contentTypeSchema xmlns:ct="http://schemas.microsoft.com/office/2006/metadata/contentType" xmlns:ma="http://schemas.microsoft.com/office/2006/metadata/properties/metaAttributes" ct:_="" ma:_="" ma:contentTypeName="TemplateFile" ma:contentTypeID="0x0101006EDDDB5EE6D98C44930B742096920B300400F5B6D36B3EF94B4E9A635CDF2A18F5B8" ma:contentTypeVersion="72" ma:contentTypeDescription="Create a new document." ma:contentTypeScope="" ma:versionID="a23e56308344d904b51738559c3d67c9">
   <xsd:schema xmlns:xsd="http://www.w3.org/2001/XMLSchema" xmlns:xs="http://www.w3.org/2001/XMLSchema" xmlns:p="http://schemas.microsoft.com/office/2006/metadata/properties" xmlns:ns2="4873beb7-5857-4685-be1f-d57550cc96cc" targetNamespace="http://schemas.microsoft.com/office/2006/metadata/properties" ma:root="true" ma:fieldsID="cd0908cc4600e77bf5da051303e00c8d" ns2:_="">
     <xsd:import namespace="4873beb7-5857-4685-be1f-d57550cc96cc"/>
@@ -10296,6 +11269,15 @@
     <xs:element name="TermId" type="xs:string"/>
   </xs:schema>
 </ct:contentTypeSchema>
+</file>
+
+<file path=customXml/item2.xml><?xml version="1.0" encoding="utf-8"?>
+<?mso-contentType ?>
+<FormTemplates xmlns="http://schemas.microsoft.com/sharepoint/v3/contenttype/forms">
+  <Display>DocumentLibraryForm</Display>
+  <Edit>AssetEditForm</Edit>
+  <New>DocumentLibraryForm</New>
+</FormTemplates>
 </file>
 
 <file path=customXml/item3.xml><?xml version="1.0" encoding="utf-8"?>
@@ -10435,14 +11417,6 @@
 </file>
 
 <file path=customXml/itemProps1.xml><?xml version="1.0" encoding="utf-8"?>
-<ds:datastoreItem xmlns:ds="http://schemas.openxmlformats.org/officeDocument/2006/customXml" ds:itemID="{E1B558C7-619B-49BE-9097-7FCBDADD4ECE}">
-  <ds:schemaRefs>
-    <ds:schemaRef ds:uri="http://schemas.microsoft.com/sharepoint/v3/contenttype/forms"/>
-  </ds:schemaRefs>
-</ds:datastoreItem>
-</file>
-
-<file path=customXml/itemProps2.xml><?xml version="1.0" encoding="utf-8"?>
 <ds:datastoreItem xmlns:ds="http://schemas.openxmlformats.org/officeDocument/2006/customXml" ds:itemID="{BBB5C329-08A6-4E5E-AEF1-A97828C87411}">
   <ds:schemaRefs>
     <ds:schemaRef ds:uri="http://schemas.microsoft.com/office/2006/metadata/contentType"/>
@@ -10456,6 +11430,14 @@
     <ds:schemaRef ds:uri="http://purl.org/dc/elements/1.1/"/>
     <ds:schemaRef ds:uri="http://purl.org/dc/terms/"/>
     <ds:schemaRef ds:uri="http://schemas.microsoft.com/internal/obd"/>
+  </ds:schemaRefs>
+</ds:datastoreItem>
+</file>
+
+<file path=customXml/itemProps2.xml><?xml version="1.0" encoding="utf-8"?>
+<ds:datastoreItem xmlns:ds="http://schemas.openxmlformats.org/officeDocument/2006/customXml" ds:itemID="{E1B558C7-619B-49BE-9097-7FCBDADD4ECE}">
+  <ds:schemaRefs>
+    <ds:schemaRef ds:uri="http://schemas.microsoft.com/sharepoint/v3/contenttype/forms"/>
   </ds:schemaRefs>
 </ds:datastoreItem>
 </file>
